--- a/Poject Doc's/PPT format.pptx
+++ b/Poject Doc's/PPT format.pptx
@@ -8,8 +8,15 @@
     <p:sldId id="256" r:id="rId2"/>
     <p:sldId id="257" r:id="rId3"/>
     <p:sldId id="259" r:id="rId4"/>
-    <p:sldId id="260" r:id="rId5"/>
-    <p:sldId id="258" r:id="rId6"/>
+    <p:sldId id="261" r:id="rId5"/>
+    <p:sldId id="260" r:id="rId6"/>
+    <p:sldId id="262" r:id="rId7"/>
+    <p:sldId id="263" r:id="rId8"/>
+    <p:sldId id="264" r:id="rId9"/>
+    <p:sldId id="265" r:id="rId10"/>
+    <p:sldId id="266" r:id="rId11"/>
+    <p:sldId id="267" r:id="rId12"/>
+    <p:sldId id="258" r:id="rId13"/>
   </p:sldIdLst>
   <p:sldSz cx="12192000" cy="6858000"/>
   <p:notesSz cx="6858000" cy="9144000"/>
@@ -259,7 +266,7 @@
             <a:fld id="{10B3A372-BE42-451E-B14C-5FF9C6C0F46F}" type="datetimeFigureOut">
               <a:rPr lang="en-IN" smtClean="0"/>
               <a:pPr/>
-              <a:t>10-01-2024</a:t>
+              <a:t>11-01-2024</a:t>
             </a:fld>
             <a:endParaRPr lang="en-IN"/>
           </a:p>
@@ -431,7 +438,7 @@
             <a:fld id="{10B3A372-BE42-451E-B14C-5FF9C6C0F46F}" type="datetimeFigureOut">
               <a:rPr lang="en-IN" smtClean="0"/>
               <a:pPr/>
-              <a:t>10-01-2024</a:t>
+              <a:t>11-01-2024</a:t>
             </a:fld>
             <a:endParaRPr lang="en-IN"/>
           </a:p>
@@ -613,7 +620,7 @@
             <a:fld id="{10B3A372-BE42-451E-B14C-5FF9C6C0F46F}" type="datetimeFigureOut">
               <a:rPr lang="en-IN" smtClean="0"/>
               <a:pPr/>
-              <a:t>10-01-2024</a:t>
+              <a:t>11-01-2024</a:t>
             </a:fld>
             <a:endParaRPr lang="en-IN"/>
           </a:p>
@@ -785,7 +792,7 @@
             <a:fld id="{10B3A372-BE42-451E-B14C-5FF9C6C0F46F}" type="datetimeFigureOut">
               <a:rPr lang="en-IN" smtClean="0"/>
               <a:pPr/>
-              <a:t>10-01-2024</a:t>
+              <a:t>11-01-2024</a:t>
             </a:fld>
             <a:endParaRPr lang="en-IN"/>
           </a:p>
@@ -1033,7 +1040,7 @@
             <a:fld id="{10B3A372-BE42-451E-B14C-5FF9C6C0F46F}" type="datetimeFigureOut">
               <a:rPr lang="en-IN" smtClean="0"/>
               <a:pPr/>
-              <a:t>10-01-2024</a:t>
+              <a:t>11-01-2024</a:t>
             </a:fld>
             <a:endParaRPr lang="en-IN"/>
           </a:p>
@@ -1267,7 +1274,7 @@
             <a:fld id="{10B3A372-BE42-451E-B14C-5FF9C6C0F46F}" type="datetimeFigureOut">
               <a:rPr lang="en-IN" smtClean="0"/>
               <a:pPr/>
-              <a:t>10-01-2024</a:t>
+              <a:t>11-01-2024</a:t>
             </a:fld>
             <a:endParaRPr lang="en-IN"/>
           </a:p>
@@ -1636,7 +1643,7 @@
             <a:fld id="{10B3A372-BE42-451E-B14C-5FF9C6C0F46F}" type="datetimeFigureOut">
               <a:rPr lang="en-IN" smtClean="0"/>
               <a:pPr/>
-              <a:t>10-01-2024</a:t>
+              <a:t>11-01-2024</a:t>
             </a:fld>
             <a:endParaRPr lang="en-IN"/>
           </a:p>
@@ -1756,7 +1763,7 @@
             <a:fld id="{10B3A372-BE42-451E-B14C-5FF9C6C0F46F}" type="datetimeFigureOut">
               <a:rPr lang="en-IN" smtClean="0"/>
               <a:pPr/>
-              <a:t>10-01-2024</a:t>
+              <a:t>11-01-2024</a:t>
             </a:fld>
             <a:endParaRPr lang="en-IN"/>
           </a:p>
@@ -1853,7 +1860,7 @@
             <a:fld id="{10B3A372-BE42-451E-B14C-5FF9C6C0F46F}" type="datetimeFigureOut">
               <a:rPr lang="en-IN" smtClean="0"/>
               <a:pPr/>
-              <a:t>10-01-2024</a:t>
+              <a:t>11-01-2024</a:t>
             </a:fld>
             <a:endParaRPr lang="en-IN"/>
           </a:p>
@@ -2132,7 +2139,7 @@
             <a:fld id="{10B3A372-BE42-451E-B14C-5FF9C6C0F46F}" type="datetimeFigureOut">
               <a:rPr lang="en-IN" smtClean="0"/>
               <a:pPr/>
-              <a:t>10-01-2024</a:t>
+              <a:t>11-01-2024</a:t>
             </a:fld>
             <a:endParaRPr lang="en-IN"/>
           </a:p>
@@ -2387,7 +2394,7 @@
             <a:fld id="{10B3A372-BE42-451E-B14C-5FF9C6C0F46F}" type="datetimeFigureOut">
               <a:rPr lang="en-IN" smtClean="0"/>
               <a:pPr/>
-              <a:t>10-01-2024</a:t>
+              <a:t>11-01-2024</a:t>
             </a:fld>
             <a:endParaRPr lang="en-IN"/>
           </a:p>
@@ -2602,7 +2609,7 @@
             <a:fld id="{10B3A372-BE42-451E-B14C-5FF9C6C0F46F}" type="datetimeFigureOut">
               <a:rPr lang="en-IN" smtClean="0"/>
               <a:pPr/>
-              <a:t>10-01-2024</a:t>
+              <a:t>11-01-2024</a:t>
             </a:fld>
             <a:endParaRPr lang="en-IN"/>
           </a:p>
@@ -3035,6 +3042,392 @@
 </p:sld>
 </file>
 
+<file path=ppt/slides/slide10.xml><?xml version="1.0" encoding="utf-8"?>
+<p:sld xmlns:a="http://schemas.openxmlformats.org/drawingml/2006/main" xmlns:r="http://schemas.openxmlformats.org/officeDocument/2006/relationships" xmlns:p="http://schemas.openxmlformats.org/presentationml/2006/main">
+  <p:cSld>
+    <p:bg>
+      <p:bgPr>
+        <a:blipFill dpi="0" rotWithShape="1">
+          <a:blip r:embed="rId2">
+            <a:lum/>
+          </a:blip>
+          <a:srcRect/>
+          <a:stretch>
+            <a:fillRect/>
+          </a:stretch>
+        </a:blipFill>
+        <a:effectLst/>
+      </p:bgPr>
+    </p:bg>
+    <p:spTree>
+      <p:nvGrpSpPr>
+        <p:cNvPr id="1" name=""/>
+        <p:cNvGrpSpPr/>
+        <p:nvPr/>
+      </p:nvGrpSpPr>
+      <p:grpSpPr>
+        <a:xfrm>
+          <a:off x="0" y="0"/>
+          <a:ext cx="0" cy="0"/>
+          <a:chOff x="0" y="0"/>
+          <a:chExt cx="0" cy="0"/>
+        </a:xfrm>
+      </p:grpSpPr>
+      <p:sp>
+        <p:nvSpPr>
+          <p:cNvPr id="5" name="object 3"/>
+          <p:cNvSpPr txBox="1">
+            <a:spLocks noGrp="1"/>
+          </p:cNvSpPr>
+          <p:nvPr>
+            <p:ph type="title"/>
+          </p:nvPr>
+        </p:nvSpPr>
+        <p:spPr>
+          <a:xfrm>
+            <a:off x="534259" y="309562"/>
+            <a:ext cx="3898948" cy="382156"/>
+          </a:xfrm>
+          <a:prstGeom prst="rect">
+            <a:avLst/>
+          </a:prstGeom>
+        </p:spPr>
+        <p:txBody>
+          <a:bodyPr vert="horz" wrap="square" lIns="0" tIns="12700" rIns="0" bIns="0" rtlCol="0">
+            <a:spAutoFit/>
+          </a:bodyPr>
+          <a:lstStyle/>
+          <a:p>
+            <a:pPr marL="12700">
+              <a:lnSpc>
+                <a:spcPct val="100000"/>
+              </a:lnSpc>
+              <a:spcBef>
+                <a:spcPts val="100"/>
+              </a:spcBef>
+            </a:pPr>
+            <a:r>
+              <a:rPr lang="en-IN" sz="2400" dirty="0">
+                <a:solidFill>
+                  <a:srgbClr val="04A2B9"/>
+                </a:solidFill>
+                <a:latin typeface="Proxima Nova"/>
+              </a:rPr>
+              <a:t>Gantt Chart for LearnSync</a:t>
+            </a:r>
+            <a:endParaRPr sz="2400" dirty="0">
+              <a:latin typeface="Proxima Nova"/>
+            </a:endParaRPr>
+          </a:p>
+        </p:txBody>
+      </p:sp>
+      <p:sp>
+        <p:nvSpPr>
+          <p:cNvPr id="2" name="TextBox 1">
+            <a:extLst>
+              <a:ext uri="{FF2B5EF4-FFF2-40B4-BE49-F238E27FC236}">
+                <a16:creationId xmlns:a16="http://schemas.microsoft.com/office/drawing/2014/main" id="{BC848DF9-73B2-D681-5AFB-747B4E10C463}"/>
+              </a:ext>
+            </a:extLst>
+          </p:cNvPr>
+          <p:cNvSpPr txBox="1"/>
+          <p:nvPr/>
+        </p:nvSpPr>
+        <p:spPr>
+          <a:xfrm>
+            <a:off x="376989" y="3249444"/>
+            <a:ext cx="8040067" cy="646331"/>
+          </a:xfrm>
+          <a:prstGeom prst="rect">
+            <a:avLst/>
+          </a:prstGeom>
+          <a:noFill/>
+        </p:spPr>
+        <p:txBody>
+          <a:bodyPr wrap="square" rtlCol="0">
+            <a:spAutoFit/>
+          </a:bodyPr>
+          <a:lstStyle/>
+          <a:p>
+            <a:endParaRPr lang="en-GB" b="1" dirty="0">
+              <a:solidFill>
+                <a:srgbClr val="374151"/>
+              </a:solidFill>
+              <a:latin typeface="Söhne"/>
+            </a:endParaRPr>
+          </a:p>
+          <a:p>
+            <a:endParaRPr lang="en-HK" dirty="0"/>
+          </a:p>
+        </p:txBody>
+      </p:sp>
+      <p:pic>
+        <p:nvPicPr>
+          <p:cNvPr id="4098" name="Picture 2">
+            <a:extLst>
+              <a:ext uri="{FF2B5EF4-FFF2-40B4-BE49-F238E27FC236}">
+                <a16:creationId xmlns:a16="http://schemas.microsoft.com/office/drawing/2014/main" id="{10B6B51A-61BE-5894-E7D2-358F476B690F}"/>
+              </a:ext>
+            </a:extLst>
+          </p:cNvPr>
+          <p:cNvPicPr>
+            <a:picLocks noChangeAspect="1" noChangeArrowheads="1"/>
+          </p:cNvPicPr>
+          <p:nvPr/>
+        </p:nvPicPr>
+        <p:blipFill>
+          <a:blip r:embed="rId3">
+            <a:extLst>
+              <a:ext uri="{28A0092B-C50C-407E-A947-70E740481C1C}">
+                <a14:useLocalDpi xmlns:a14="http://schemas.microsoft.com/office/drawing/2010/main" val="0"/>
+              </a:ext>
+            </a:extLst>
+          </a:blip>
+          <a:srcRect/>
+          <a:stretch>
+            <a:fillRect/>
+          </a:stretch>
+        </p:blipFill>
+        <p:spPr bwMode="auto">
+          <a:xfrm>
+            <a:off x="1960980" y="1485448"/>
+            <a:ext cx="7796737" cy="4820653"/>
+          </a:xfrm>
+          <a:prstGeom prst="rect">
+            <a:avLst/>
+          </a:prstGeom>
+          <a:noFill/>
+          <a:extLst>
+            <a:ext uri="{909E8E84-426E-40DD-AFC4-6F175D3DCCD1}">
+              <a14:hiddenFill xmlns:a14="http://schemas.microsoft.com/office/drawing/2010/main">
+                <a:solidFill>
+                  <a:srgbClr val="FFFFFF"/>
+                </a:solidFill>
+              </a14:hiddenFill>
+            </a:ext>
+          </a:extLst>
+        </p:spPr>
+      </p:pic>
+    </p:spTree>
+    <p:extLst>
+      <p:ext uri="{BB962C8B-B14F-4D97-AF65-F5344CB8AC3E}">
+        <p14:creationId xmlns:p14="http://schemas.microsoft.com/office/powerpoint/2010/main" val="4158085498"/>
+      </p:ext>
+    </p:extLst>
+  </p:cSld>
+  <p:clrMapOvr>
+    <a:masterClrMapping/>
+  </p:clrMapOvr>
+</p:sld>
+</file>
+
+<file path=ppt/slides/slide11.xml><?xml version="1.0" encoding="utf-8"?>
+<p:sld xmlns:a="http://schemas.openxmlformats.org/drawingml/2006/main" xmlns:r="http://schemas.openxmlformats.org/officeDocument/2006/relationships" xmlns:p="http://schemas.openxmlformats.org/presentationml/2006/main">
+  <p:cSld>
+    <p:bg>
+      <p:bgPr>
+        <a:blipFill dpi="0" rotWithShape="1">
+          <a:blip r:embed="rId2">
+            <a:lum/>
+          </a:blip>
+          <a:srcRect/>
+          <a:stretch>
+            <a:fillRect/>
+          </a:stretch>
+        </a:blipFill>
+        <a:effectLst/>
+      </p:bgPr>
+    </p:bg>
+    <p:spTree>
+      <p:nvGrpSpPr>
+        <p:cNvPr id="1" name=""/>
+        <p:cNvGrpSpPr/>
+        <p:nvPr/>
+      </p:nvGrpSpPr>
+      <p:grpSpPr>
+        <a:xfrm>
+          <a:off x="0" y="0"/>
+          <a:ext cx="0" cy="0"/>
+          <a:chOff x="0" y="0"/>
+          <a:chExt cx="0" cy="0"/>
+        </a:xfrm>
+      </p:grpSpPr>
+      <p:sp>
+        <p:nvSpPr>
+          <p:cNvPr id="5" name="object 3"/>
+          <p:cNvSpPr txBox="1">
+            <a:spLocks noGrp="1"/>
+          </p:cNvSpPr>
+          <p:nvPr>
+            <p:ph type="title"/>
+          </p:nvPr>
+        </p:nvSpPr>
+        <p:spPr>
+          <a:xfrm>
+            <a:off x="534259" y="309562"/>
+            <a:ext cx="3898948" cy="382156"/>
+          </a:xfrm>
+          <a:prstGeom prst="rect">
+            <a:avLst/>
+          </a:prstGeom>
+        </p:spPr>
+        <p:txBody>
+          <a:bodyPr vert="horz" wrap="square" lIns="0" tIns="12700" rIns="0" bIns="0" rtlCol="0">
+            <a:spAutoFit/>
+          </a:bodyPr>
+          <a:lstStyle/>
+          <a:p>
+            <a:pPr marL="12700">
+              <a:lnSpc>
+                <a:spcPct val="100000"/>
+              </a:lnSpc>
+              <a:spcBef>
+                <a:spcPts val="100"/>
+              </a:spcBef>
+            </a:pPr>
+            <a:r>
+              <a:rPr lang="en-IN" sz="2400" dirty="0">
+                <a:solidFill>
+                  <a:srgbClr val="04A2B9"/>
+                </a:solidFill>
+                <a:latin typeface="Proxima Nova"/>
+              </a:rPr>
+              <a:t>Introduction to Learn Sync</a:t>
+            </a:r>
+            <a:endParaRPr sz="2400" dirty="0">
+              <a:latin typeface="Proxima Nova"/>
+            </a:endParaRPr>
+          </a:p>
+        </p:txBody>
+      </p:sp>
+      <p:sp>
+        <p:nvSpPr>
+          <p:cNvPr id="2" name="TextBox 1">
+            <a:extLst>
+              <a:ext uri="{FF2B5EF4-FFF2-40B4-BE49-F238E27FC236}">
+                <a16:creationId xmlns:a16="http://schemas.microsoft.com/office/drawing/2014/main" id="{BC848DF9-73B2-D681-5AFB-747B4E10C463}"/>
+              </a:ext>
+            </a:extLst>
+          </p:cNvPr>
+          <p:cNvSpPr txBox="1"/>
+          <p:nvPr/>
+        </p:nvSpPr>
+        <p:spPr>
+          <a:xfrm>
+            <a:off x="376989" y="3057435"/>
+            <a:ext cx="11438021" cy="1200329"/>
+          </a:xfrm>
+          <a:prstGeom prst="rect">
+            <a:avLst/>
+          </a:prstGeom>
+          <a:noFill/>
+        </p:spPr>
+        <p:txBody>
+          <a:bodyPr wrap="square" rtlCol="0">
+            <a:spAutoFit/>
+          </a:bodyPr>
+          <a:lstStyle/>
+          <a:p>
+            <a:r>
+              <a:rPr lang="en-GB" b="1" i="0" dirty="0">
+                <a:solidFill>
+                  <a:srgbClr val="374151"/>
+                </a:solidFill>
+                <a:effectLst/>
+                <a:latin typeface="Söhne"/>
+              </a:rPr>
+              <a:t>LearnSync: Revolutionizing learning with advanced techniques, gamified journeys, all-in-one hub, and a connected community for excellence.</a:t>
+            </a:r>
+          </a:p>
+          <a:p>
+            <a:endParaRPr lang="en-GB" b="1" dirty="0">
+              <a:solidFill>
+                <a:srgbClr val="374151"/>
+              </a:solidFill>
+              <a:latin typeface="Söhne"/>
+            </a:endParaRPr>
+          </a:p>
+          <a:p>
+            <a:endParaRPr lang="en-HK" dirty="0"/>
+          </a:p>
+        </p:txBody>
+      </p:sp>
+    </p:spTree>
+    <p:extLst>
+      <p:ext uri="{BB962C8B-B14F-4D97-AF65-F5344CB8AC3E}">
+        <p14:creationId xmlns:p14="http://schemas.microsoft.com/office/powerpoint/2010/main" val="361153232"/>
+      </p:ext>
+    </p:extLst>
+  </p:cSld>
+  <p:clrMapOvr>
+    <a:masterClrMapping/>
+  </p:clrMapOvr>
+</p:sld>
+</file>
+
+<file path=ppt/slides/slide12.xml><?xml version="1.0" encoding="utf-8"?>
+<p:sld xmlns:a="http://schemas.openxmlformats.org/drawingml/2006/main" xmlns:r="http://schemas.openxmlformats.org/officeDocument/2006/relationships" xmlns:p="http://schemas.openxmlformats.org/presentationml/2006/main">
+  <p:cSld>
+    <p:bg>
+      <p:bgPr>
+        <a:blipFill dpi="0" rotWithShape="1">
+          <a:blip r:embed="rId2">
+            <a:lum/>
+          </a:blip>
+          <a:srcRect/>
+          <a:stretch>
+            <a:fillRect/>
+          </a:stretch>
+        </a:blipFill>
+        <a:effectLst/>
+      </p:bgPr>
+    </p:bg>
+    <p:spTree>
+      <p:nvGrpSpPr>
+        <p:cNvPr id="1" name=""/>
+        <p:cNvGrpSpPr/>
+        <p:nvPr/>
+      </p:nvGrpSpPr>
+      <p:grpSpPr>
+        <a:xfrm>
+          <a:off x="0" y="0"/>
+          <a:ext cx="0" cy="0"/>
+          <a:chOff x="0" y="0"/>
+          <a:chExt cx="0" cy="0"/>
+        </a:xfrm>
+      </p:grpSpPr>
+      <p:sp>
+        <p:nvSpPr>
+          <p:cNvPr id="3" name="Content Placeholder 2"/>
+          <p:cNvSpPr>
+            <a:spLocks noGrp="1"/>
+          </p:cNvSpPr>
+          <p:nvPr>
+            <p:ph idx="1"/>
+          </p:nvPr>
+        </p:nvSpPr>
+        <p:spPr/>
+        <p:txBody>
+          <a:bodyPr/>
+          <a:lstStyle/>
+          <a:p>
+            <a:endParaRPr lang="en-US"/>
+          </a:p>
+        </p:txBody>
+      </p:sp>
+    </p:spTree>
+    <p:extLst>
+      <p:ext uri="{BB962C8B-B14F-4D97-AF65-F5344CB8AC3E}">
+        <p14:creationId xmlns:p14="http://schemas.microsoft.com/office/powerpoint/2010/main" val="11457284"/>
+      </p:ext>
+    </p:extLst>
+  </p:cSld>
+  <p:clrMapOvr>
+    <a:masterClrMapping/>
+  </p:clrMapOvr>
+</p:sld>
+</file>
+
 <file path=ppt/slides/slide2.xml><?xml version="1.0" encoding="utf-8"?>
 <p:sld xmlns:a="http://schemas.openxmlformats.org/drawingml/2006/main" xmlns:r="http://schemas.openxmlformats.org/officeDocument/2006/relationships" xmlns:p="http://schemas.openxmlformats.org/presentationml/2006/main">
   <p:cSld>
@@ -3271,7 +3664,7 @@
                 </a:solidFill>
                 <a:latin typeface="Proxima Nova"/>
               </a:rPr>
-              <a:t>Team Member 1: FULL NAME (ENROLLMENT NUMBER) (Class)</a:t>
+              <a:t>Team Member 1: Aum Pitroda (92000103148) (TC3)</a:t>
             </a:r>
           </a:p>
           <a:p>
@@ -3282,18 +3675,54 @@
                 </a:solidFill>
                 <a:latin typeface="Proxima Nova"/>
               </a:rPr>
-              <a:t>Team Member 2: FULL NAME (ENROLLMENT NUMBER) (Class)</a:t>
-            </a:r>
-          </a:p>
-          <a:p>
-            <a:r>
-              <a:rPr lang="en-US" altLang="en-US" sz="1800" dirty="0">
+              <a:t>Team Member 2: Ravi </a:t>
+            </a:r>
+            <a:r>
+              <a:rPr lang="en-US" altLang="en-US" sz="1800" dirty="0" err="1">
                 <a:solidFill>
                   <a:schemeClr val="tx1"/>
                 </a:solidFill>
                 <a:latin typeface="Proxima Nova"/>
               </a:rPr>
-              <a:t>Team Member 3: FULL NAME (ENROLLMENT NUMBER) (Class)</a:t>
+              <a:t>Ajagiya</a:t>
+            </a:r>
+            <a:r>
+              <a:rPr lang="en-US" altLang="en-US" sz="1800" dirty="0">
+                <a:solidFill>
+                  <a:schemeClr val="tx1"/>
+                </a:solidFill>
+                <a:latin typeface="Proxima Nova"/>
+              </a:rPr>
+              <a:t> (92000103139) (TC2)</a:t>
+            </a:r>
+          </a:p>
+          <a:p>
+            <a:r>
+              <a:rPr lang="en-US" altLang="en-US" sz="1800" dirty="0">
+                <a:solidFill>
+                  <a:schemeClr val="tx1"/>
+                </a:solidFill>
+                <a:latin typeface="Proxima Nova"/>
+              </a:rPr>
+              <a:t>Team Member 3: </a:t>
+            </a:r>
+            <a:r>
+              <a:rPr lang="en-US" altLang="en-US" sz="1800" dirty="0" err="1">
+                <a:solidFill>
+                  <a:schemeClr val="tx1"/>
+                </a:solidFill>
+                <a:latin typeface="Proxima Nova"/>
+              </a:rPr>
+              <a:t>Kishan</a:t>
+            </a:r>
+            <a:r>
+              <a:rPr lang="en-US" altLang="en-US" sz="1800" dirty="0">
+                <a:solidFill>
+                  <a:schemeClr val="tx1"/>
+                </a:solidFill>
+                <a:latin typeface="Proxima Nova"/>
+              </a:rPr>
+              <a:t> Songara (92000103090) (TC2)</a:t>
             </a:r>
           </a:p>
           <a:p>
@@ -3369,7 +3798,7 @@
                 </a:solidFill>
                 <a:latin typeface="Proxima Nova"/>
               </a:rPr>
-              <a:t>PROJECT / INTERNSHIP TITLE</a:t>
+              <a:t>Learn Sync – Your Learning Companion</a:t>
             </a:r>
           </a:p>
           <a:p>
@@ -3638,7 +4067,7 @@
         <p:spPr bwMode="auto">
           <a:xfrm>
             <a:off x="3193927" y="4211537"/>
-            <a:ext cx="3023375" cy="461635"/>
+            <a:ext cx="4754319" cy="461635"/>
           </a:xfrm>
           <a:prstGeom prst="rect">
             <a:avLst/>
@@ -3832,8 +4261,41 @@
                 </a:solidFill>
                 <a:latin typeface="Proxima Nova"/>
               </a:rPr>
-              <a:t>Internal Guide Name: </a:t>
-            </a:r>
+              <a:t>Internal Guide Name: Prof. </a:t>
+            </a:r>
+            <a:r>
+              <a:rPr lang="en-US" altLang="en-US" sz="1800" dirty="0" err="1">
+                <a:solidFill>
+                  <a:schemeClr val="tx1"/>
+                </a:solidFill>
+                <a:latin typeface="Proxima Nova"/>
+              </a:rPr>
+              <a:t>Santushti</a:t>
+            </a:r>
+            <a:r>
+              <a:rPr lang="en-US" altLang="en-US" sz="1800" dirty="0">
+                <a:solidFill>
+                  <a:schemeClr val="tx1"/>
+                </a:solidFill>
+                <a:latin typeface="Proxima Nova"/>
+              </a:rPr>
+              <a:t> </a:t>
+            </a:r>
+            <a:r>
+              <a:rPr lang="en-US" altLang="en-US" sz="1800" dirty="0" err="1">
+                <a:solidFill>
+                  <a:schemeClr val="tx1"/>
+                </a:solidFill>
+                <a:latin typeface="Proxima Nova"/>
+              </a:rPr>
+              <a:t>Bergeri</a:t>
+            </a:r>
+            <a:endParaRPr lang="en-US" altLang="en-US" sz="1800" dirty="0">
+              <a:solidFill>
+                <a:schemeClr val="tx1"/>
+              </a:solidFill>
+              <a:latin typeface="Proxima Nova"/>
+            </a:endParaRPr>
           </a:p>
         </p:txBody>
       </p:sp>
@@ -4049,222 +4511,6 @@
                 <a:latin typeface="Proxima Nova"/>
               </a:rPr>
               <a:t>External Guide Name: </a:t>
-            </a:r>
-          </a:p>
-        </p:txBody>
-      </p:sp>
-      <p:sp>
-        <p:nvSpPr>
-          <p:cNvPr id="14" name="Google Shape;73;p15">
-            <a:extLst>
-              <a:ext uri="{FF2B5EF4-FFF2-40B4-BE49-F238E27FC236}">
-                <a16:creationId xmlns:a16="http://schemas.microsoft.com/office/drawing/2014/main" id="{F5173640-2C6D-D2F9-6C78-92BB1C641C9A}"/>
-              </a:ext>
-            </a:extLst>
-          </p:cNvPr>
-          <p:cNvSpPr txBox="1">
-            <a:spLocks noChangeArrowheads="1"/>
-          </p:cNvSpPr>
-          <p:nvPr/>
-        </p:nvSpPr>
-        <p:spPr bwMode="auto">
-          <a:xfrm>
-            <a:off x="3193926" y="5441197"/>
-            <a:ext cx="3023375" cy="461635"/>
-          </a:xfrm>
-          <a:prstGeom prst="rect">
-            <a:avLst/>
-          </a:prstGeom>
-          <a:noFill/>
-          <a:ln>
-            <a:noFill/>
-          </a:ln>
-          <a:extLst>
-            <a:ext uri="{909E8E84-426E-40DD-AFC4-6F175D3DCCD1}">
-              <a14:hiddenFill xmlns:a14="http://schemas.microsoft.com/office/drawing/2010/main">
-                <a:solidFill>
-                  <a:srgbClr val="FFFFFF"/>
-                </a:solidFill>
-              </a14:hiddenFill>
-            </a:ext>
-            <a:ext uri="{91240B29-F687-4F45-9708-019B960494DF}">
-              <a14:hiddenLine xmlns:a14="http://schemas.microsoft.com/office/drawing/2010/main" w="9525">
-                <a:solidFill>
-                  <a:srgbClr val="000000"/>
-                </a:solidFill>
-                <a:miter lim="800000"/>
-                <a:headEnd/>
-                <a:tailEnd/>
-              </a14:hiddenLine>
-            </a:ext>
-          </a:extLst>
-        </p:spPr>
-        <p:txBody>
-          <a:bodyPr wrap="square" lIns="91425" tIns="91425" rIns="91425" bIns="91425">
-            <a:spAutoFit/>
-          </a:bodyPr>
-          <a:lstStyle>
-            <a:lvl1pPr>
-              <a:buClr>
-                <a:srgbClr val="000000"/>
-              </a:buClr>
-              <a:buFont typeface="Arial" panose="020B0604020202020204" pitchFamily="34" charset="0"/>
-              <a:defRPr sz="1400">
-                <a:solidFill>
-                  <a:srgbClr val="000000"/>
-                </a:solidFill>
-                <a:latin typeface="Arial" panose="020B0604020202020204" pitchFamily="34" charset="0"/>
-                <a:cs typeface="Arial" panose="020B0604020202020204" pitchFamily="34" charset="0"/>
-                <a:sym typeface="Arial" panose="020B0604020202020204" pitchFamily="34" charset="0"/>
-              </a:defRPr>
-            </a:lvl1pPr>
-            <a:lvl2pPr marL="742950" indent="-285750">
-              <a:buClr>
-                <a:srgbClr val="000000"/>
-              </a:buClr>
-              <a:buFont typeface="Arial" panose="020B0604020202020204" pitchFamily="34" charset="0"/>
-              <a:defRPr sz="1400">
-                <a:solidFill>
-                  <a:srgbClr val="000000"/>
-                </a:solidFill>
-                <a:latin typeface="Arial" panose="020B0604020202020204" pitchFamily="34" charset="0"/>
-                <a:cs typeface="Arial" panose="020B0604020202020204" pitchFamily="34" charset="0"/>
-                <a:sym typeface="Arial" panose="020B0604020202020204" pitchFamily="34" charset="0"/>
-              </a:defRPr>
-            </a:lvl2pPr>
-            <a:lvl3pPr marL="1143000" indent="-228600">
-              <a:buClr>
-                <a:srgbClr val="000000"/>
-              </a:buClr>
-              <a:buFont typeface="Arial" panose="020B0604020202020204" pitchFamily="34" charset="0"/>
-              <a:defRPr sz="1400">
-                <a:solidFill>
-                  <a:srgbClr val="000000"/>
-                </a:solidFill>
-                <a:latin typeface="Arial" panose="020B0604020202020204" pitchFamily="34" charset="0"/>
-                <a:cs typeface="Arial" panose="020B0604020202020204" pitchFamily="34" charset="0"/>
-                <a:sym typeface="Arial" panose="020B0604020202020204" pitchFamily="34" charset="0"/>
-              </a:defRPr>
-            </a:lvl3pPr>
-            <a:lvl4pPr marL="1600200" indent="-228600">
-              <a:buClr>
-                <a:srgbClr val="000000"/>
-              </a:buClr>
-              <a:buFont typeface="Arial" panose="020B0604020202020204" pitchFamily="34" charset="0"/>
-              <a:defRPr sz="1400">
-                <a:solidFill>
-                  <a:srgbClr val="000000"/>
-                </a:solidFill>
-                <a:latin typeface="Arial" panose="020B0604020202020204" pitchFamily="34" charset="0"/>
-                <a:cs typeface="Arial" panose="020B0604020202020204" pitchFamily="34" charset="0"/>
-                <a:sym typeface="Arial" panose="020B0604020202020204" pitchFamily="34" charset="0"/>
-              </a:defRPr>
-            </a:lvl4pPr>
-            <a:lvl5pPr marL="2057400" indent="-228600">
-              <a:buClr>
-                <a:srgbClr val="000000"/>
-              </a:buClr>
-              <a:buFont typeface="Arial" panose="020B0604020202020204" pitchFamily="34" charset="0"/>
-              <a:defRPr sz="1400">
-                <a:solidFill>
-                  <a:srgbClr val="000000"/>
-                </a:solidFill>
-                <a:latin typeface="Arial" panose="020B0604020202020204" pitchFamily="34" charset="0"/>
-                <a:cs typeface="Arial" panose="020B0604020202020204" pitchFamily="34" charset="0"/>
-                <a:sym typeface="Arial" panose="020B0604020202020204" pitchFamily="34" charset="0"/>
-              </a:defRPr>
-            </a:lvl5pPr>
-            <a:lvl6pPr marL="2514600" indent="-228600" eaLnBrk="0" fontAlgn="base" hangingPunct="0">
-              <a:spcBef>
-                <a:spcPct val="0"/>
-              </a:spcBef>
-              <a:spcAft>
-                <a:spcPct val="0"/>
-              </a:spcAft>
-              <a:buClr>
-                <a:srgbClr val="000000"/>
-              </a:buClr>
-              <a:buFont typeface="Arial" panose="020B0604020202020204" pitchFamily="34" charset="0"/>
-              <a:defRPr sz="1400">
-                <a:solidFill>
-                  <a:srgbClr val="000000"/>
-                </a:solidFill>
-                <a:latin typeface="Arial" panose="020B0604020202020204" pitchFamily="34" charset="0"/>
-                <a:cs typeface="Arial" panose="020B0604020202020204" pitchFamily="34" charset="0"/>
-                <a:sym typeface="Arial" panose="020B0604020202020204" pitchFamily="34" charset="0"/>
-              </a:defRPr>
-            </a:lvl6pPr>
-            <a:lvl7pPr marL="2971800" indent="-228600" eaLnBrk="0" fontAlgn="base" hangingPunct="0">
-              <a:spcBef>
-                <a:spcPct val="0"/>
-              </a:spcBef>
-              <a:spcAft>
-                <a:spcPct val="0"/>
-              </a:spcAft>
-              <a:buClr>
-                <a:srgbClr val="000000"/>
-              </a:buClr>
-              <a:buFont typeface="Arial" panose="020B0604020202020204" pitchFamily="34" charset="0"/>
-              <a:defRPr sz="1400">
-                <a:solidFill>
-                  <a:srgbClr val="000000"/>
-                </a:solidFill>
-                <a:latin typeface="Arial" panose="020B0604020202020204" pitchFamily="34" charset="0"/>
-                <a:cs typeface="Arial" panose="020B0604020202020204" pitchFamily="34" charset="0"/>
-                <a:sym typeface="Arial" panose="020B0604020202020204" pitchFamily="34" charset="0"/>
-              </a:defRPr>
-            </a:lvl7pPr>
-            <a:lvl8pPr marL="3429000" indent="-228600" eaLnBrk="0" fontAlgn="base" hangingPunct="0">
-              <a:spcBef>
-                <a:spcPct val="0"/>
-              </a:spcBef>
-              <a:spcAft>
-                <a:spcPct val="0"/>
-              </a:spcAft>
-              <a:buClr>
-                <a:srgbClr val="000000"/>
-              </a:buClr>
-              <a:buFont typeface="Arial" panose="020B0604020202020204" pitchFamily="34" charset="0"/>
-              <a:defRPr sz="1400">
-                <a:solidFill>
-                  <a:srgbClr val="000000"/>
-                </a:solidFill>
-                <a:latin typeface="Arial" panose="020B0604020202020204" pitchFamily="34" charset="0"/>
-                <a:cs typeface="Arial" panose="020B0604020202020204" pitchFamily="34" charset="0"/>
-                <a:sym typeface="Arial" panose="020B0604020202020204" pitchFamily="34" charset="0"/>
-              </a:defRPr>
-            </a:lvl8pPr>
-            <a:lvl9pPr marL="3886200" indent="-228600" eaLnBrk="0" fontAlgn="base" hangingPunct="0">
-              <a:spcBef>
-                <a:spcPct val="0"/>
-              </a:spcBef>
-              <a:spcAft>
-                <a:spcPct val="0"/>
-              </a:spcAft>
-              <a:buClr>
-                <a:srgbClr val="000000"/>
-              </a:buClr>
-              <a:buFont typeface="Arial" panose="020B0604020202020204" pitchFamily="34" charset="0"/>
-              <a:defRPr sz="1400">
-                <a:solidFill>
-                  <a:srgbClr val="000000"/>
-                </a:solidFill>
-                <a:latin typeface="Arial" panose="020B0604020202020204" pitchFamily="34" charset="0"/>
-                <a:cs typeface="Arial" panose="020B0604020202020204" pitchFamily="34" charset="0"/>
-                <a:sym typeface="Arial" panose="020B0604020202020204" pitchFamily="34" charset="0"/>
-              </a:defRPr>
-            </a:lvl9pPr>
-          </a:lstStyle>
-          <a:p>
-            <a:pPr eaLnBrk="1" hangingPunct="1"/>
-            <a:r>
-              <a:rPr lang="en-US" altLang="en-US" sz="1800" dirty="0">
-                <a:solidFill>
-                  <a:schemeClr val="tx1"/>
-                </a:solidFill>
-                <a:latin typeface="Proxima Nova"/>
-              </a:rPr>
-              <a:t>Internship Company Name: </a:t>
             </a:r>
           </a:p>
         </p:txBody>
@@ -4350,7 +4596,7 @@
                 </a:solidFill>
                 <a:latin typeface="Proxima Nova"/>
               </a:rPr>
-              <a:t>Review 1 (DD/MM/YYYY)</a:t>
+              <a:t>Review 1 (13/01/2024)</a:t>
             </a:r>
             <a:endParaRPr lang="en-IN" sz="2200" dirty="0">
               <a:latin typeface="Proxima Nova"/>
@@ -4539,8 +4785,8 @@
         </p:nvSpPr>
         <p:spPr bwMode="auto">
           <a:xfrm>
-            <a:off x="646113" y="966117"/>
-            <a:ext cx="8591193" cy="5940057"/>
+            <a:off x="534259" y="1112996"/>
+            <a:ext cx="10368890" cy="4893617"/>
           </a:xfrm>
           <a:prstGeom prst="rect">
             <a:avLst/>
@@ -4728,22 +4974,19 @@
           <a:p>
             <a:pPr eaLnBrk="1" hangingPunct="1"/>
             <a:r>
-              <a:rPr lang="en-US" altLang="en-US" sz="1700" dirty="0">
-                <a:solidFill>
-                  <a:srgbClr val="FF0000"/>
+              <a:rPr lang="en-US" altLang="en-US" sz="1700" b="1" dirty="0">
+                <a:solidFill>
+                  <a:schemeClr val="tx1"/>
                 </a:solidFill>
                 <a:latin typeface="Proxima Nova" charset="0"/>
                 <a:cs typeface="Proxima Nova" charset="0"/>
                 <a:sym typeface="Proxima Nova" charset="0"/>
               </a:rPr>
-              <a:t>&lt;For Project&gt;</a:t>
-            </a:r>
-          </a:p>
-          <a:p>
-            <a:pPr marL="285750" indent="-285750" eaLnBrk="1" hangingPunct="1">
-              <a:buFont typeface="Arial" panose="020B0604020202020204" pitchFamily="34" charset="0"/>
-              <a:buChar char="•"/>
-            </a:pPr>
+              <a:t>1.0 Introduction to Project and Project Management</a:t>
+            </a:r>
+          </a:p>
+          <a:p>
+            <a:pPr lvl="1"/>
             <a:r>
               <a:rPr lang="en-US" altLang="en-US" sz="1700" dirty="0">
                 <a:solidFill>
@@ -4753,14 +4996,11 @@
                 <a:cs typeface="Proxima Nova" charset="0"/>
                 <a:sym typeface="Proxima Nova" charset="0"/>
               </a:rPr>
-              <a:t>Introduction</a:t>
-            </a:r>
-          </a:p>
-          <a:p>
-            <a:pPr marL="285750" indent="-285750" eaLnBrk="1" hangingPunct="1">
-              <a:buFont typeface="Arial" panose="020B0604020202020204" pitchFamily="34" charset="0"/>
-              <a:buChar char="•"/>
-            </a:pPr>
+              <a:t>1.1 Project Summary</a:t>
+            </a:r>
+          </a:p>
+          <a:p>
+            <a:pPr lvl="1"/>
             <a:r>
               <a:rPr lang="en-US" altLang="en-US" sz="1700" dirty="0">
                 <a:solidFill>
@@ -4770,14 +5010,11 @@
                 <a:cs typeface="Proxima Nova" charset="0"/>
                 <a:sym typeface="Proxima Nova" charset="0"/>
               </a:rPr>
-              <a:t>Abstract</a:t>
-            </a:r>
-          </a:p>
-          <a:p>
-            <a:pPr marL="285750" indent="-285750" eaLnBrk="1" hangingPunct="1">
-              <a:buFont typeface="Arial" panose="020B0604020202020204" pitchFamily="34" charset="0"/>
-              <a:buChar char="•"/>
-            </a:pPr>
+              <a:t>1.2 Purpose</a:t>
+            </a:r>
+          </a:p>
+          <a:p>
+            <a:pPr lvl="1"/>
             <a:r>
               <a:rPr lang="en-US" altLang="en-US" sz="1700" dirty="0">
                 <a:solidFill>
@@ -4787,14 +5024,11 @@
                 <a:cs typeface="Proxima Nova" charset="0"/>
                 <a:sym typeface="Proxima Nova" charset="0"/>
               </a:rPr>
-              <a:t>System Analysis / Literature Review</a:t>
-            </a:r>
-          </a:p>
-          <a:p>
-            <a:pPr marL="285750" indent="-285750">
-              <a:buFont typeface="Arial" panose="020B0604020202020204" pitchFamily="34" charset="0"/>
-              <a:buChar char="•"/>
-            </a:pPr>
+              <a:t>1.3 Objective</a:t>
+            </a:r>
+          </a:p>
+          <a:p>
+            <a:pPr lvl="1"/>
             <a:r>
               <a:rPr lang="en-US" altLang="en-US" sz="1700" dirty="0">
                 <a:solidFill>
@@ -4804,14 +5038,11 @@
                 <a:cs typeface="Proxima Nova" charset="0"/>
                 <a:sym typeface="Proxima Nova" charset="0"/>
               </a:rPr>
-              <a:t>ER Diagrams / Use Case diagrams etc.</a:t>
-            </a:r>
-          </a:p>
-          <a:p>
-            <a:pPr marL="285750" indent="-285750">
-              <a:buFont typeface="Arial" panose="020B0604020202020204" pitchFamily="34" charset="0"/>
-              <a:buChar char="•"/>
-            </a:pPr>
+              <a:t>1.4 Scope</a:t>
+            </a:r>
+          </a:p>
+          <a:p>
+            <a:pPr lvl="1"/>
             <a:r>
               <a:rPr lang="en-US" altLang="en-US" sz="1700" dirty="0">
                 <a:solidFill>
@@ -4821,14 +5052,11 @@
                 <a:cs typeface="Proxima Nova" charset="0"/>
                 <a:sym typeface="Proxima Nova" charset="0"/>
               </a:rPr>
-              <a:t>Proposed Solution / System</a:t>
-            </a:r>
-          </a:p>
-          <a:p>
-            <a:pPr marL="285750" indent="-285750">
-              <a:buFont typeface="Arial" panose="020B0604020202020204" pitchFamily="34" charset="0"/>
-              <a:buChar char="•"/>
-            </a:pPr>
+              <a:t>1.5 Technology &amp; Literature Review</a:t>
+            </a:r>
+          </a:p>
+          <a:p>
+            <a:pPr lvl="1"/>
             <a:r>
               <a:rPr lang="en-US" altLang="en-US" sz="1700" dirty="0">
                 <a:solidFill>
@@ -4838,90 +5066,11 @@
                 <a:cs typeface="Proxima Nova" charset="0"/>
                 <a:sym typeface="Proxima Nova" charset="0"/>
               </a:rPr>
-              <a:t>Project Flow Chart / System Design</a:t>
-            </a:r>
-          </a:p>
-          <a:p>
-            <a:pPr marL="285750" indent="-285750">
-              <a:buFont typeface="Arial" panose="020B0604020202020204" pitchFamily="34" charset="0"/>
-              <a:buChar char="•"/>
-            </a:pPr>
-            <a:r>
-              <a:rPr lang="en-US" altLang="en-US" sz="1700" dirty="0">
-                <a:solidFill>
-                  <a:schemeClr val="tx1"/>
-                </a:solidFill>
-                <a:latin typeface="Proxima Nova" charset="0"/>
-                <a:cs typeface="Proxima Nova" charset="0"/>
-                <a:sym typeface="Proxima Nova" charset="0"/>
-              </a:rPr>
-              <a:t>Tools &amp; Technology to be used</a:t>
-            </a:r>
-          </a:p>
-          <a:p>
-            <a:pPr marL="285750" indent="-285750">
-              <a:buFont typeface="Arial" panose="020B0604020202020204" pitchFamily="34" charset="0"/>
-              <a:buChar char="•"/>
-            </a:pPr>
-            <a:r>
-              <a:rPr lang="en-US" altLang="en-US" sz="1700" dirty="0">
-                <a:solidFill>
-                  <a:schemeClr val="tx1"/>
-                </a:solidFill>
-                <a:latin typeface="Proxima Nova" charset="0"/>
-                <a:cs typeface="Proxima Nova" charset="0"/>
-                <a:sym typeface="Proxima Nova" charset="0"/>
-              </a:rPr>
-              <a:t>Gantt Chart</a:t>
-            </a:r>
-          </a:p>
-          <a:p>
-            <a:pPr marL="285750" indent="-285750">
-              <a:buFont typeface="Arial" panose="020B0604020202020204" pitchFamily="34" charset="0"/>
-              <a:buChar char="•"/>
-            </a:pPr>
-            <a:r>
-              <a:rPr lang="en-US" altLang="en-US" sz="1700" dirty="0">
-                <a:solidFill>
-                  <a:schemeClr val="tx1"/>
-                </a:solidFill>
-                <a:latin typeface="Proxima Nova" charset="0"/>
-                <a:cs typeface="Proxima Nova" charset="0"/>
-                <a:sym typeface="Proxima Nova" charset="0"/>
-              </a:rPr>
-              <a:t>Expected Outcomes</a:t>
-            </a:r>
-          </a:p>
-          <a:p>
-            <a:pPr marL="285750" indent="-285750">
-              <a:buFont typeface="Arial" panose="020B0604020202020204" pitchFamily="34" charset="0"/>
-              <a:buChar char="•"/>
-            </a:pPr>
-            <a:r>
-              <a:rPr lang="en-US" altLang="en-US" sz="1700" dirty="0">
-                <a:solidFill>
-                  <a:schemeClr val="tx1"/>
-                </a:solidFill>
-                <a:latin typeface="Proxima Nova" charset="0"/>
-                <a:cs typeface="Proxima Nova" charset="0"/>
-                <a:sym typeface="Proxima Nova" charset="0"/>
-              </a:rPr>
-              <a:t>References</a:t>
-            </a:r>
-          </a:p>
-          <a:p>
-            <a:pPr eaLnBrk="1" hangingPunct="1"/>
-            <a:r>
-              <a:rPr lang="en-US" altLang="en-US" sz="1700" dirty="0">
-                <a:solidFill>
-                  <a:srgbClr val="FF0000"/>
-                </a:solidFill>
-                <a:latin typeface="Proxima Nova" charset="0"/>
-                <a:cs typeface="Proxima Nova" charset="0"/>
-                <a:sym typeface="Proxima Nova" charset="0"/>
-              </a:rPr>
-              <a:t>&lt;For Internship&gt;</a:t>
-            </a:r>
+              <a:t>1.6 Project Planning</a:t>
+            </a:r>
+          </a:p>
+          <a:p>
+            <a:pPr lvl="1"/>
             <a:endParaRPr lang="en-US" altLang="en-US" sz="1700" dirty="0">
               <a:solidFill>
                 <a:schemeClr val="tx1"/>
@@ -4932,12 +5081,8 @@
             </a:endParaRPr>
           </a:p>
           <a:p>
-            <a:pPr marL="285750" indent="-285750" eaLnBrk="1" hangingPunct="1">
-              <a:buFont typeface="Arial" panose="020B0604020202020204" pitchFamily="34" charset="0"/>
-              <a:buChar char="•"/>
-            </a:pPr>
-            <a:r>
-              <a:rPr lang="en-US" altLang="en-US" sz="1700" dirty="0">
+            <a:r>
+              <a:rPr lang="en-US" altLang="en-US" sz="1700" b="1" dirty="0">
                 <a:solidFill>
                   <a:schemeClr val="tx1"/>
                 </a:solidFill>
@@ -4945,14 +5090,11 @@
                 <a:cs typeface="Proxima Nova" charset="0"/>
                 <a:sym typeface="Proxima Nova" charset="0"/>
               </a:rPr>
-              <a:t>Company Introduction</a:t>
-            </a:r>
-          </a:p>
-          <a:p>
-            <a:pPr marL="285750" indent="-285750" eaLnBrk="1" hangingPunct="1">
-              <a:buFont typeface="Arial" panose="020B0604020202020204" pitchFamily="34" charset="0"/>
-              <a:buChar char="•"/>
-            </a:pPr>
+              <a:t>2.0 System Analysis</a:t>
+            </a:r>
+          </a:p>
+          <a:p>
+            <a:pPr lvl="1"/>
             <a:r>
               <a:rPr lang="en-US" altLang="en-US" sz="1700" dirty="0">
                 <a:solidFill>
@@ -4962,14 +5104,11 @@
                 <a:cs typeface="Proxima Nova" charset="0"/>
                 <a:sym typeface="Proxima Nova" charset="0"/>
               </a:rPr>
-              <a:t>Internship Role</a:t>
-            </a:r>
-          </a:p>
-          <a:p>
-            <a:pPr marL="285750" indent="-285750" eaLnBrk="1" hangingPunct="1">
-              <a:buFont typeface="Arial" panose="020B0604020202020204" pitchFamily="34" charset="0"/>
-              <a:buChar char="•"/>
-            </a:pPr>
+              <a:t>Abstract</a:t>
+            </a:r>
+          </a:p>
+          <a:p>
+            <a:pPr lvl="1"/>
             <a:r>
               <a:rPr lang="en-US" altLang="en-US" sz="1700" dirty="0">
                 <a:solidFill>
@@ -4979,31 +5118,11 @@
                 <a:cs typeface="Proxima Nova" charset="0"/>
                 <a:sym typeface="Proxima Nova" charset="0"/>
               </a:rPr>
-              <a:t>Internship Domain / Tools / Technology to be used</a:t>
-            </a:r>
-          </a:p>
-          <a:p>
-            <a:pPr marL="285750" indent="-285750" eaLnBrk="1" hangingPunct="1">
-              <a:buFont typeface="Arial" panose="020B0604020202020204" pitchFamily="34" charset="0"/>
-              <a:buChar char="•"/>
-            </a:pPr>
-            <a:r>
-              <a:rPr lang="en-US" altLang="en-US" sz="1700" dirty="0">
-                <a:solidFill>
-                  <a:schemeClr val="tx1"/>
-                </a:solidFill>
-                <a:latin typeface="Proxima Nova" charset="0"/>
-                <a:cs typeface="Proxima Nova" charset="0"/>
-                <a:sym typeface="Proxima Nova" charset="0"/>
-              </a:rPr>
-              <a:t>Introduction on the Project Assigned</a:t>
-            </a:r>
-          </a:p>
-          <a:p>
-            <a:pPr marL="285750" indent="-285750">
-              <a:buFont typeface="Arial" panose="020B0604020202020204" pitchFamily="34" charset="0"/>
-              <a:buChar char="•"/>
-            </a:pPr>
+              <a:t>System Analysis / Literature Review</a:t>
+            </a:r>
+          </a:p>
+          <a:p>
+            <a:pPr lvl="1"/>
             <a:r>
               <a:rPr lang="en-US" altLang="en-US" sz="1700" dirty="0">
                 <a:solidFill>
@@ -5017,10 +5136,21 @@
             </a:r>
           </a:p>
           <a:p>
-            <a:pPr marL="285750" indent="-285750">
-              <a:buFont typeface="Arial" panose="020B0604020202020204" pitchFamily="34" charset="0"/>
-              <a:buChar char="•"/>
-            </a:pPr>
+            <a:pPr lvl="1"/>
+            <a:r>
+              <a:rPr lang="en-US" altLang="en-US" sz="1700" dirty="0">
+                <a:solidFill>
+                  <a:schemeClr val="tx1"/>
+                </a:solidFill>
+                <a:latin typeface="Proxima Nova" charset="0"/>
+                <a:cs typeface="Proxima Nova" charset="0"/>
+                <a:sym typeface="Proxima Nova" charset="0"/>
+              </a:rPr>
+              <a:t>Proposed Solution / System</a:t>
+            </a:r>
+          </a:p>
+          <a:p>
+            <a:pPr lvl="1"/>
             <a:r>
               <a:rPr lang="en-US" altLang="en-US" sz="1700" dirty="0">
                 <a:solidFill>
@@ -5034,10 +5164,7 @@
             </a:r>
           </a:p>
           <a:p>
-            <a:pPr marL="285750" indent="-285750">
-              <a:buFont typeface="Arial" panose="020B0604020202020204" pitchFamily="34" charset="0"/>
-              <a:buChar char="•"/>
-            </a:pPr>
+            <a:pPr lvl="1"/>
             <a:r>
               <a:rPr lang="en-US" altLang="en-US" sz="1700" dirty="0">
                 <a:solidFill>
@@ -5047,14 +5174,11 @@
                 <a:cs typeface="Proxima Nova" charset="0"/>
                 <a:sym typeface="Proxima Nova" charset="0"/>
               </a:rPr>
-              <a:t>Weekly Tasks done till date</a:t>
-            </a:r>
-          </a:p>
-          <a:p>
-            <a:pPr marL="285750" indent="-285750" eaLnBrk="1" hangingPunct="1">
-              <a:buFont typeface="Arial" panose="020B0604020202020204" pitchFamily="34" charset="0"/>
-              <a:buChar char="•"/>
-            </a:pPr>
+              <a:t>Tools &amp; Technology to be used</a:t>
+            </a:r>
+          </a:p>
+          <a:p>
+            <a:pPr lvl="1"/>
             <a:r>
               <a:rPr lang="en-US" altLang="en-US" sz="1700" dirty="0">
                 <a:solidFill>
@@ -5064,14 +5188,25 @@
                 <a:cs typeface="Proxima Nova" charset="0"/>
                 <a:sym typeface="Proxima Nova" charset="0"/>
               </a:rPr>
-              <a:t>Attendance Report</a:t>
-            </a:r>
-          </a:p>
-          <a:p>
-            <a:pPr marL="285750" indent="-285750" eaLnBrk="1" hangingPunct="1">
-              <a:buFont typeface="Arial" panose="020B0604020202020204" pitchFamily="34" charset="0"/>
-              <a:buChar char="•"/>
-            </a:pPr>
+              <a:t>Gantt Chart</a:t>
+            </a:r>
+          </a:p>
+          <a:p>
+            <a:pPr lvl="1"/>
+            <a:r>
+              <a:rPr lang="en-US" altLang="en-US" sz="1700" dirty="0">
+                <a:solidFill>
+                  <a:schemeClr val="tx1"/>
+                </a:solidFill>
+                <a:latin typeface="Proxima Nova" charset="0"/>
+                <a:cs typeface="Proxima Nova" charset="0"/>
+                <a:sym typeface="Proxima Nova" charset="0"/>
+              </a:rPr>
+              <a:t>Expected Outcomes</a:t>
+            </a:r>
+          </a:p>
+          <a:p>
+            <a:pPr lvl="1"/>
             <a:r>
               <a:rPr lang="en-US" altLang="en-US" sz="1700" dirty="0">
                 <a:solidFill>
@@ -5082,19 +5217,6 @@
                 <a:sym typeface="Proxima Nova" charset="0"/>
               </a:rPr>
               <a:t>References</a:t>
-            </a:r>
-          </a:p>
-          <a:p>
-            <a:r>
-              <a:rPr lang="en-US" altLang="en-US" sz="1700" dirty="0">
-                <a:solidFill>
-                  <a:srgbClr val="FF0000"/>
-                </a:solidFill>
-                <a:latin typeface="Proxima Nova" charset="0"/>
-                <a:cs typeface="Proxima Nova" charset="0"/>
-                <a:sym typeface="Proxima Nova" charset="0"/>
-              </a:rPr>
-              <a:t>(Customize as per the requirements) </a:t>
             </a:r>
           </a:p>
         </p:txBody>
@@ -5156,7 +5278,7 @@
         <p:spPr>
           <a:xfrm>
             <a:off x="534259" y="309562"/>
-            <a:ext cx="2320909" cy="382156"/>
+            <a:ext cx="3898948" cy="382156"/>
           </a:xfrm>
           <a:prstGeom prst="rect">
             <a:avLst/>
@@ -5183,7 +5305,7 @@
                 </a:solidFill>
                 <a:latin typeface="Proxima Nova"/>
               </a:rPr>
-              <a:t>Topic 1</a:t>
+              <a:t>Introduction to Learn Sync</a:t>
             </a:r>
             <a:endParaRPr sz="2400" dirty="0">
               <a:latin typeface="Proxima Nova"/>
@@ -5193,311 +5315,41 @@
       </p:sp>
       <p:sp>
         <p:nvSpPr>
-          <p:cNvPr id="7" name="Google Shape;71;p15"/>
-          <p:cNvSpPr txBox="1">
-            <a:spLocks noChangeArrowheads="1"/>
-          </p:cNvSpPr>
+          <p:cNvPr id="2" name="TextBox 1">
+            <a:extLst>
+              <a:ext uri="{FF2B5EF4-FFF2-40B4-BE49-F238E27FC236}">
+                <a16:creationId xmlns:a16="http://schemas.microsoft.com/office/drawing/2014/main" id="{BC848DF9-73B2-D681-5AFB-747B4E10C463}"/>
+              </a:ext>
+            </a:extLst>
+          </p:cNvPr>
+          <p:cNvSpPr txBox="1"/>
           <p:nvPr/>
         </p:nvSpPr>
-        <p:spPr bwMode="auto">
+        <p:spPr>
           <a:xfrm>
-            <a:off x="646113" y="1124744"/>
-            <a:ext cx="3000375" cy="1754296"/>
+            <a:off x="376989" y="3429000"/>
+            <a:ext cx="11438021" cy="646331"/>
           </a:xfrm>
           <a:prstGeom prst="rect">
             <a:avLst/>
           </a:prstGeom>
           <a:noFill/>
-          <a:ln>
-            <a:noFill/>
-          </a:ln>
-          <a:extLst>
-            <a:ext uri="{909E8E84-426E-40DD-AFC4-6F175D3DCCD1}">
-              <a14:hiddenFill xmlns:a14="http://schemas.microsoft.com/office/drawing/2010/main">
-                <a:solidFill>
-                  <a:srgbClr val="FFFFFF"/>
-                </a:solidFill>
-              </a14:hiddenFill>
-            </a:ext>
-            <a:ext uri="{91240B29-F687-4F45-9708-019B960494DF}">
-              <a14:hiddenLine xmlns:a14="http://schemas.microsoft.com/office/drawing/2010/main" w="9525">
-                <a:solidFill>
-                  <a:srgbClr val="000000"/>
-                </a:solidFill>
-                <a:miter lim="800000"/>
-                <a:headEnd/>
-                <a:tailEnd/>
-              </a14:hiddenLine>
-            </a:ext>
-          </a:extLst>
         </p:spPr>
         <p:txBody>
-          <a:bodyPr lIns="91425" tIns="91425" rIns="91425" bIns="91425">
+          <a:bodyPr wrap="square" rtlCol="0">
             <a:spAutoFit/>
           </a:bodyPr>
-          <a:lstStyle>
-            <a:lvl1pPr>
-              <a:buClr>
-                <a:srgbClr val="000000"/>
-              </a:buClr>
-              <a:buFont typeface="Arial" panose="020B0604020202020204" pitchFamily="34" charset="0"/>
-              <a:defRPr sz="1400">
-                <a:solidFill>
-                  <a:srgbClr val="000000"/>
-                </a:solidFill>
-                <a:latin typeface="Arial" panose="020B0604020202020204" pitchFamily="34" charset="0"/>
-                <a:cs typeface="Arial" panose="020B0604020202020204" pitchFamily="34" charset="0"/>
-                <a:sym typeface="Arial" panose="020B0604020202020204" pitchFamily="34" charset="0"/>
-              </a:defRPr>
-            </a:lvl1pPr>
-            <a:lvl2pPr marL="742950" indent="-285750">
-              <a:buClr>
-                <a:srgbClr val="000000"/>
-              </a:buClr>
-              <a:buFont typeface="Arial" panose="020B0604020202020204" pitchFamily="34" charset="0"/>
-              <a:defRPr sz="1400">
-                <a:solidFill>
-                  <a:srgbClr val="000000"/>
-                </a:solidFill>
-                <a:latin typeface="Arial" panose="020B0604020202020204" pitchFamily="34" charset="0"/>
-                <a:cs typeface="Arial" panose="020B0604020202020204" pitchFamily="34" charset="0"/>
-                <a:sym typeface="Arial" panose="020B0604020202020204" pitchFamily="34" charset="0"/>
-              </a:defRPr>
-            </a:lvl2pPr>
-            <a:lvl3pPr marL="1143000" indent="-228600">
-              <a:buClr>
-                <a:srgbClr val="000000"/>
-              </a:buClr>
-              <a:buFont typeface="Arial" panose="020B0604020202020204" pitchFamily="34" charset="0"/>
-              <a:defRPr sz="1400">
-                <a:solidFill>
-                  <a:srgbClr val="000000"/>
-                </a:solidFill>
-                <a:latin typeface="Arial" panose="020B0604020202020204" pitchFamily="34" charset="0"/>
-                <a:cs typeface="Arial" panose="020B0604020202020204" pitchFamily="34" charset="0"/>
-                <a:sym typeface="Arial" panose="020B0604020202020204" pitchFamily="34" charset="0"/>
-              </a:defRPr>
-            </a:lvl3pPr>
-            <a:lvl4pPr marL="1600200" indent="-228600">
-              <a:buClr>
-                <a:srgbClr val="000000"/>
-              </a:buClr>
-              <a:buFont typeface="Arial" panose="020B0604020202020204" pitchFamily="34" charset="0"/>
-              <a:defRPr sz="1400">
-                <a:solidFill>
-                  <a:srgbClr val="000000"/>
-                </a:solidFill>
-                <a:latin typeface="Arial" panose="020B0604020202020204" pitchFamily="34" charset="0"/>
-                <a:cs typeface="Arial" panose="020B0604020202020204" pitchFamily="34" charset="0"/>
-                <a:sym typeface="Arial" panose="020B0604020202020204" pitchFamily="34" charset="0"/>
-              </a:defRPr>
-            </a:lvl4pPr>
-            <a:lvl5pPr marL="2057400" indent="-228600">
-              <a:buClr>
-                <a:srgbClr val="000000"/>
-              </a:buClr>
-              <a:buFont typeface="Arial" panose="020B0604020202020204" pitchFamily="34" charset="0"/>
-              <a:defRPr sz="1400">
-                <a:solidFill>
-                  <a:srgbClr val="000000"/>
-                </a:solidFill>
-                <a:latin typeface="Arial" panose="020B0604020202020204" pitchFamily="34" charset="0"/>
-                <a:cs typeface="Arial" panose="020B0604020202020204" pitchFamily="34" charset="0"/>
-                <a:sym typeface="Arial" panose="020B0604020202020204" pitchFamily="34" charset="0"/>
-              </a:defRPr>
-            </a:lvl5pPr>
-            <a:lvl6pPr marL="2514600" indent="-228600" eaLnBrk="0" fontAlgn="base" hangingPunct="0">
-              <a:spcBef>
-                <a:spcPct val="0"/>
-              </a:spcBef>
-              <a:spcAft>
-                <a:spcPct val="0"/>
-              </a:spcAft>
-              <a:buClr>
-                <a:srgbClr val="000000"/>
-              </a:buClr>
-              <a:buFont typeface="Arial" panose="020B0604020202020204" pitchFamily="34" charset="0"/>
-              <a:defRPr sz="1400">
-                <a:solidFill>
-                  <a:srgbClr val="000000"/>
-                </a:solidFill>
-                <a:latin typeface="Arial" panose="020B0604020202020204" pitchFamily="34" charset="0"/>
-                <a:cs typeface="Arial" panose="020B0604020202020204" pitchFamily="34" charset="0"/>
-                <a:sym typeface="Arial" panose="020B0604020202020204" pitchFamily="34" charset="0"/>
-              </a:defRPr>
-            </a:lvl6pPr>
-            <a:lvl7pPr marL="2971800" indent="-228600" eaLnBrk="0" fontAlgn="base" hangingPunct="0">
-              <a:spcBef>
-                <a:spcPct val="0"/>
-              </a:spcBef>
-              <a:spcAft>
-                <a:spcPct val="0"/>
-              </a:spcAft>
-              <a:buClr>
-                <a:srgbClr val="000000"/>
-              </a:buClr>
-              <a:buFont typeface="Arial" panose="020B0604020202020204" pitchFamily="34" charset="0"/>
-              <a:defRPr sz="1400">
-                <a:solidFill>
-                  <a:srgbClr val="000000"/>
-                </a:solidFill>
-                <a:latin typeface="Arial" panose="020B0604020202020204" pitchFamily="34" charset="0"/>
-                <a:cs typeface="Arial" panose="020B0604020202020204" pitchFamily="34" charset="0"/>
-                <a:sym typeface="Arial" panose="020B0604020202020204" pitchFamily="34" charset="0"/>
-              </a:defRPr>
-            </a:lvl7pPr>
-            <a:lvl8pPr marL="3429000" indent="-228600" eaLnBrk="0" fontAlgn="base" hangingPunct="0">
-              <a:spcBef>
-                <a:spcPct val="0"/>
-              </a:spcBef>
-              <a:spcAft>
-                <a:spcPct val="0"/>
-              </a:spcAft>
-              <a:buClr>
-                <a:srgbClr val="000000"/>
-              </a:buClr>
-              <a:buFont typeface="Arial" panose="020B0604020202020204" pitchFamily="34" charset="0"/>
-              <a:defRPr sz="1400">
-                <a:solidFill>
-                  <a:srgbClr val="000000"/>
-                </a:solidFill>
-                <a:latin typeface="Arial" panose="020B0604020202020204" pitchFamily="34" charset="0"/>
-                <a:cs typeface="Arial" panose="020B0604020202020204" pitchFamily="34" charset="0"/>
-                <a:sym typeface="Arial" panose="020B0604020202020204" pitchFamily="34" charset="0"/>
-              </a:defRPr>
-            </a:lvl8pPr>
-            <a:lvl9pPr marL="3886200" indent="-228600" eaLnBrk="0" fontAlgn="base" hangingPunct="0">
-              <a:spcBef>
-                <a:spcPct val="0"/>
-              </a:spcBef>
-              <a:spcAft>
-                <a:spcPct val="0"/>
-              </a:spcAft>
-              <a:buClr>
-                <a:srgbClr val="000000"/>
-              </a:buClr>
-              <a:buFont typeface="Arial" panose="020B0604020202020204" pitchFamily="34" charset="0"/>
-              <a:defRPr sz="1400">
-                <a:solidFill>
-                  <a:srgbClr val="000000"/>
-                </a:solidFill>
-                <a:latin typeface="Arial" panose="020B0604020202020204" pitchFamily="34" charset="0"/>
-                <a:cs typeface="Arial" panose="020B0604020202020204" pitchFamily="34" charset="0"/>
-                <a:sym typeface="Arial" panose="020B0604020202020204" pitchFamily="34" charset="0"/>
-              </a:defRPr>
-            </a:lvl9pPr>
-          </a:lstStyle>
-          <a:p>
-            <a:pPr marL="285750" indent="-285750" eaLnBrk="1" hangingPunct="1">
-              <a:buFont typeface="Arial" panose="020B0604020202020204" pitchFamily="34" charset="0"/>
-              <a:buChar char="•"/>
-            </a:pPr>
-            <a:r>
-              <a:rPr lang="en-US" altLang="en-US" sz="1700" dirty="0">
-                <a:solidFill>
-                  <a:srgbClr val="666666"/>
-                </a:solidFill>
-                <a:latin typeface="Proxima Nova" charset="0"/>
-                <a:cs typeface="Proxima Nova" charset="0"/>
-                <a:sym typeface="Proxima Nova" charset="0"/>
+          <a:lstStyle/>
+          <a:p>
+            <a:r>
+              <a:rPr lang="en-GB" b="1" i="0" dirty="0">
+                <a:solidFill>
+                  <a:srgbClr val="374151"/>
+                </a:solidFill>
+                <a:effectLst/>
+                <a:latin typeface="Söhne"/>
               </a:rPr>
-              <a:t>Point 1</a:t>
-            </a:r>
-          </a:p>
-          <a:p>
-            <a:pPr marL="285750" indent="-285750">
-              <a:buFont typeface="Arial" panose="020B0604020202020204" pitchFamily="34" charset="0"/>
-              <a:buChar char="•"/>
-            </a:pPr>
-            <a:r>
-              <a:rPr lang="en-US" altLang="en-US" sz="1700" dirty="0">
-                <a:solidFill>
-                  <a:srgbClr val="666666"/>
-                </a:solidFill>
-                <a:latin typeface="Proxima Nova" charset="0"/>
-                <a:cs typeface="Proxima Nova" charset="0"/>
-                <a:sym typeface="Proxima Nova" charset="0"/>
-              </a:rPr>
-              <a:t>Point 2</a:t>
-            </a:r>
-          </a:p>
-          <a:p>
-            <a:pPr marL="285750" indent="-285750">
-              <a:buFont typeface="Arial" panose="020B0604020202020204" pitchFamily="34" charset="0"/>
-              <a:buChar char="•"/>
-            </a:pPr>
-            <a:r>
-              <a:rPr lang="en-US" altLang="en-US" sz="1700" dirty="0">
-                <a:solidFill>
-                  <a:srgbClr val="666666"/>
-                </a:solidFill>
-                <a:latin typeface="Proxima Nova" charset="0"/>
-                <a:cs typeface="Proxima Nova" charset="0"/>
-                <a:sym typeface="Proxima Nova" charset="0"/>
-              </a:rPr>
-              <a:t>Point 3</a:t>
-            </a:r>
-          </a:p>
-          <a:p>
-            <a:pPr marL="285750" indent="-285750">
-              <a:buFont typeface="Arial" panose="020B0604020202020204" pitchFamily="34" charset="0"/>
-              <a:buChar char="•"/>
-            </a:pPr>
-            <a:r>
-              <a:rPr lang="en-US" altLang="en-US" sz="1700" dirty="0">
-                <a:solidFill>
-                  <a:srgbClr val="666666"/>
-                </a:solidFill>
-                <a:latin typeface="Proxima Nova" charset="0"/>
-                <a:cs typeface="Proxima Nova" charset="0"/>
-                <a:sym typeface="Proxima Nova" charset="0"/>
-              </a:rPr>
-              <a:t>….</a:t>
-            </a:r>
-          </a:p>
-          <a:p>
-            <a:pPr marL="285750" indent="-285750">
-              <a:buFont typeface="Arial" panose="020B0604020202020204" pitchFamily="34" charset="0"/>
-              <a:buChar char="•"/>
-            </a:pPr>
-            <a:r>
-              <a:rPr lang="en-US" altLang="en-US" sz="1700" dirty="0">
-                <a:solidFill>
-                  <a:srgbClr val="666666"/>
-                </a:solidFill>
-                <a:latin typeface="Proxima Nova" charset="0"/>
-                <a:cs typeface="Proxima Nova" charset="0"/>
-                <a:sym typeface="Proxima Nova" charset="0"/>
-              </a:rPr>
-              <a:t>….</a:t>
-            </a:r>
-          </a:p>
-          <a:p>
-            <a:pPr marL="285750" indent="-285750">
-              <a:buFont typeface="Arial" panose="020B0604020202020204" pitchFamily="34" charset="0"/>
-              <a:buChar char="•"/>
-            </a:pPr>
-            <a:r>
-              <a:rPr lang="en-US" altLang="en-US" sz="1700">
-                <a:solidFill>
-                  <a:srgbClr val="666666"/>
-                </a:solidFill>
-                <a:latin typeface="Proxima Nova" charset="0"/>
-                <a:cs typeface="Proxima Nova" charset="0"/>
-                <a:sym typeface="Proxima Nova" charset="0"/>
-              </a:rPr>
-              <a:t>Point </a:t>
-            </a:r>
-            <a:r>
-              <a:rPr lang="en-US" altLang="en-US" sz="1700" dirty="0">
-                <a:solidFill>
-                  <a:srgbClr val="666666"/>
-                </a:solidFill>
-                <a:latin typeface="Proxima Nova" charset="0"/>
-                <a:cs typeface="Proxima Nova" charset="0"/>
-                <a:sym typeface="Proxima Nova" charset="0"/>
-              </a:rPr>
-              <a:t>n</a:t>
+              <a:t>LearnSync: Revolutionizing learning with advanced techniques, gamified journeys, all-in-one hub, and a connected community for excellence.</a:t>
             </a:r>
           </a:p>
         </p:txBody>
@@ -5505,7 +5357,7 @@
     </p:spTree>
     <p:extLst>
       <p:ext uri="{BB962C8B-B14F-4D97-AF65-F5344CB8AC3E}">
-        <p14:creationId xmlns:p14="http://schemas.microsoft.com/office/powerpoint/2010/main" val="935721809"/>
+        <p14:creationId xmlns:p14="http://schemas.microsoft.com/office/powerpoint/2010/main" val="1225163003"/>
       </p:ext>
     </p:extLst>
   </p:cSld>
@@ -5548,27 +5400,7304 @@
       </p:grpSpPr>
       <p:sp>
         <p:nvSpPr>
-          <p:cNvPr id="3" name="Content Placeholder 2"/>
-          <p:cNvSpPr>
+          <p:cNvPr id="5" name="object 3"/>
+          <p:cNvSpPr txBox="1">
             <a:spLocks noGrp="1"/>
           </p:cNvSpPr>
           <p:nvPr>
-            <p:ph idx="1"/>
+            <p:ph type="title"/>
           </p:nvPr>
         </p:nvSpPr>
-        <p:spPr/>
+        <p:spPr>
+          <a:xfrm>
+            <a:off x="534259" y="309562"/>
+            <a:ext cx="3898948" cy="382156"/>
+          </a:xfrm>
+          <a:prstGeom prst="rect">
+            <a:avLst/>
+          </a:prstGeom>
+        </p:spPr>
         <p:txBody>
-          <a:bodyPr/>
+          <a:bodyPr vert="horz" wrap="square" lIns="0" tIns="12700" rIns="0" bIns="0" rtlCol="0">
+            <a:spAutoFit/>
+          </a:bodyPr>
           <a:lstStyle/>
           <a:p>
-            <a:endParaRPr lang="en-US"/>
+            <a:pPr marL="12700">
+              <a:lnSpc>
+                <a:spcPct val="100000"/>
+              </a:lnSpc>
+              <a:spcBef>
+                <a:spcPts val="100"/>
+              </a:spcBef>
+            </a:pPr>
+            <a:r>
+              <a:rPr lang="en-IN" sz="2400" dirty="0">
+                <a:solidFill>
+                  <a:srgbClr val="04A2B9"/>
+                </a:solidFill>
+                <a:latin typeface="Proxima Nova"/>
+              </a:rPr>
+              <a:t>Purpose Behind LearnSync</a:t>
+            </a:r>
+            <a:endParaRPr sz="2400" dirty="0">
+              <a:latin typeface="Proxima Nova"/>
+            </a:endParaRPr>
+          </a:p>
+        </p:txBody>
+      </p:sp>
+      <p:sp>
+        <p:nvSpPr>
+          <p:cNvPr id="2" name="TextBox 1">
+            <a:extLst>
+              <a:ext uri="{FF2B5EF4-FFF2-40B4-BE49-F238E27FC236}">
+                <a16:creationId xmlns:a16="http://schemas.microsoft.com/office/drawing/2014/main" id="{BC848DF9-73B2-D681-5AFB-747B4E10C463}"/>
+              </a:ext>
+            </a:extLst>
+          </p:cNvPr>
+          <p:cNvSpPr txBox="1"/>
+          <p:nvPr/>
+        </p:nvSpPr>
+        <p:spPr>
+          <a:xfrm>
+            <a:off x="1177956" y="1481729"/>
+            <a:ext cx="9836086" cy="461665"/>
+          </a:xfrm>
+          <a:custGeom>
+            <a:avLst/>
+            <a:gdLst>
+              <a:gd name="connsiteX0" fmla="*/ 0 w 9836086"/>
+              <a:gd name="connsiteY0" fmla="*/ 0 h 461665"/>
+              <a:gd name="connsiteX1" fmla="*/ 9836086 w 9836086"/>
+              <a:gd name="connsiteY1" fmla="*/ 0 h 461665"/>
+              <a:gd name="connsiteX2" fmla="*/ 9836086 w 9836086"/>
+              <a:gd name="connsiteY2" fmla="*/ 461665 h 461665"/>
+              <a:gd name="connsiteX3" fmla="*/ 0 w 9836086"/>
+              <a:gd name="connsiteY3" fmla="*/ 461665 h 461665"/>
+              <a:gd name="connsiteX4" fmla="*/ 0 w 9836086"/>
+              <a:gd name="connsiteY4" fmla="*/ 0 h 461665"/>
+            </a:gdLst>
+            <a:ahLst/>
+            <a:cxnLst>
+              <a:cxn ang="0">
+                <a:pos x="connsiteX0" y="connsiteY0"/>
+              </a:cxn>
+              <a:cxn ang="0">
+                <a:pos x="connsiteX1" y="connsiteY1"/>
+              </a:cxn>
+              <a:cxn ang="0">
+                <a:pos x="connsiteX2" y="connsiteY2"/>
+              </a:cxn>
+              <a:cxn ang="0">
+                <a:pos x="connsiteX3" y="connsiteY3"/>
+              </a:cxn>
+              <a:cxn ang="0">
+                <a:pos x="connsiteX4" y="connsiteY4"/>
+              </a:cxn>
+            </a:cxnLst>
+            <a:rect l="l" t="t" r="r" b="b"/>
+            <a:pathLst>
+              <a:path w="9836086" h="461665" fill="none" extrusionOk="0">
+                <a:moveTo>
+                  <a:pt x="0" y="0"/>
+                </a:moveTo>
+                <a:cubicBezTo>
+                  <a:pt x="4181948" y="-49613"/>
+                  <a:pt x="5311512" y="73541"/>
+                  <a:pt x="9836086" y="0"/>
+                </a:cubicBezTo>
+                <a:cubicBezTo>
+                  <a:pt x="9801991" y="87477"/>
+                  <a:pt x="9868392" y="384096"/>
+                  <a:pt x="9836086" y="461665"/>
+                </a:cubicBezTo>
+                <a:cubicBezTo>
+                  <a:pt x="7725404" y="467930"/>
+                  <a:pt x="1520519" y="584894"/>
+                  <a:pt x="0" y="461665"/>
+                </a:cubicBezTo>
+                <a:cubicBezTo>
+                  <a:pt x="-34168" y="329893"/>
+                  <a:pt x="22922" y="59803"/>
+                  <a:pt x="0" y="0"/>
+                </a:cubicBezTo>
+                <a:close/>
+              </a:path>
+              <a:path w="9836086" h="461665" stroke="0" extrusionOk="0">
+                <a:moveTo>
+                  <a:pt x="0" y="0"/>
+                </a:moveTo>
+                <a:cubicBezTo>
+                  <a:pt x="4824413" y="107151"/>
+                  <a:pt x="5047868" y="18956"/>
+                  <a:pt x="9836086" y="0"/>
+                </a:cubicBezTo>
+                <a:cubicBezTo>
+                  <a:pt x="9854430" y="209308"/>
+                  <a:pt x="9851650" y="366703"/>
+                  <a:pt x="9836086" y="461665"/>
+                </a:cubicBezTo>
+                <a:cubicBezTo>
+                  <a:pt x="8568268" y="343763"/>
+                  <a:pt x="2111860" y="589588"/>
+                  <a:pt x="0" y="461665"/>
+                </a:cubicBezTo>
+                <a:cubicBezTo>
+                  <a:pt x="-29472" y="248131"/>
+                  <a:pt x="-26678" y="153005"/>
+                  <a:pt x="0" y="0"/>
+                </a:cubicBezTo>
+                <a:close/>
+              </a:path>
+            </a:pathLst>
+          </a:custGeom>
+          <a:solidFill>
+            <a:schemeClr val="accent4">
+              <a:lumMod val="60000"/>
+              <a:lumOff val="40000"/>
+            </a:schemeClr>
+          </a:solidFill>
+          <a:ln w="38100">
+            <a:extLst>
+              <a:ext uri="{C807C97D-BFC1-408E-A445-0C87EB9F89A2}">
+                <ask:lineSketchStyleProps xmlns:ask="http://schemas.microsoft.com/office/drawing/2018/sketchyshapes" sd="359723144">
+                  <a:prstGeom prst="rect">
+                    <a:avLst/>
+                  </a:prstGeom>
+                  <ask:type>
+                    <ask:lineSketchCurved/>
+                  </ask:type>
+                </ask:lineSketchStyleProps>
+              </a:ext>
+            </a:extLst>
+          </a:ln>
+        </p:spPr>
+        <p:style>
+          <a:lnRef idx="2">
+            <a:schemeClr val="accent4">
+              <a:shade val="15000"/>
+            </a:schemeClr>
+          </a:lnRef>
+          <a:fillRef idx="1">
+            <a:schemeClr val="accent4"/>
+          </a:fillRef>
+          <a:effectRef idx="0">
+            <a:schemeClr val="accent4"/>
+          </a:effectRef>
+          <a:fontRef idx="minor">
+            <a:schemeClr val="lt1"/>
+          </a:fontRef>
+        </p:style>
+        <p:txBody>
+          <a:bodyPr wrap="square" rtlCol="0">
+            <a:spAutoFit/>
+          </a:bodyPr>
+          <a:lstStyle/>
+          <a:p>
+            <a:r>
+              <a:rPr lang="en-GB" sz="2400" b="1" i="0" dirty="0">
+                <a:solidFill>
+                  <a:srgbClr val="374151"/>
+                </a:solidFill>
+                <a:effectLst/>
+                <a:latin typeface="Söhne"/>
+              </a:rPr>
+              <a:t>In the exam's embrace, challenges dance, testing resilience's elegant stance.</a:t>
+            </a:r>
+            <a:endParaRPr lang="en-GB" sz="2400" b="1" dirty="0">
+              <a:solidFill>
+                <a:srgbClr val="374151"/>
+              </a:solidFill>
+              <a:latin typeface="Söhne"/>
+            </a:endParaRPr>
+          </a:p>
+        </p:txBody>
+      </p:sp>
+      <p:pic>
+        <p:nvPicPr>
+          <p:cNvPr id="4" name="Picture 3">
+            <a:extLst>
+              <a:ext uri="{FF2B5EF4-FFF2-40B4-BE49-F238E27FC236}">
+                <a16:creationId xmlns:a16="http://schemas.microsoft.com/office/drawing/2014/main" id="{6E9CE3BE-8B82-F635-4A3A-3E585270DF2B}"/>
+              </a:ext>
+            </a:extLst>
+          </p:cNvPr>
+          <p:cNvPicPr>
+            <a:picLocks noChangeAspect="1"/>
+          </p:cNvPicPr>
+          <p:nvPr/>
+        </p:nvPicPr>
+        <p:blipFill>
+          <a:blip r:embed="rId3" cstate="print">
+            <a:extLst>
+              <a:ext uri="{28A0092B-C50C-407E-A947-70E740481C1C}">
+                <a14:useLocalDpi xmlns:a14="http://schemas.microsoft.com/office/drawing/2010/main" val="0"/>
+              </a:ext>
+            </a:extLst>
+          </a:blip>
+          <a:stretch>
+            <a:fillRect/>
+          </a:stretch>
+        </p:blipFill>
+        <p:spPr>
+          <a:xfrm>
+            <a:off x="3992335" y="2177141"/>
+            <a:ext cx="4207329" cy="4207329"/>
+          </a:xfrm>
+          <a:prstGeom prst="ellipse">
+            <a:avLst/>
+          </a:prstGeom>
+          <a:ln>
+            <a:noFill/>
+          </a:ln>
+          <a:effectLst>
+            <a:softEdge rad="112500"/>
+          </a:effectLst>
+        </p:spPr>
+      </p:pic>
+      <p:sp>
+        <p:nvSpPr>
+          <p:cNvPr id="6" name="Thought Bubble: Cloud 5">
+            <a:extLst>
+              <a:ext uri="{FF2B5EF4-FFF2-40B4-BE49-F238E27FC236}">
+                <a16:creationId xmlns:a16="http://schemas.microsoft.com/office/drawing/2014/main" id="{57BF454B-B1FF-AAA0-2516-8515718FF102}"/>
+              </a:ext>
+            </a:extLst>
+          </p:cNvPr>
+          <p:cNvSpPr/>
+          <p:nvPr/>
+        </p:nvSpPr>
+        <p:spPr>
+          <a:xfrm>
+            <a:off x="1323780" y="2278760"/>
+            <a:ext cx="2016579" cy="1200150"/>
+          </a:xfrm>
+          <a:prstGeom prst="cloudCallout">
+            <a:avLst>
+              <a:gd name="adj1" fmla="val 92701"/>
+              <a:gd name="adj2" fmla="val 39954"/>
+            </a:avLst>
+          </a:prstGeom>
+          <a:gradFill flip="none" rotWithShape="1">
+            <a:gsLst>
+              <a:gs pos="0">
+                <a:srgbClr val="FF9FC7"/>
+              </a:gs>
+              <a:gs pos="46000">
+                <a:srgbClr val="FC9F62"/>
+              </a:gs>
+              <a:gs pos="100000">
+                <a:srgbClr val="F9F96B">
+                  <a:lumMod val="90000"/>
+                  <a:lumOff val="10000"/>
+                </a:srgbClr>
+              </a:gs>
+            </a:gsLst>
+            <a:path path="circle">
+              <a:fillToRect l="100000" t="100000"/>
+            </a:path>
+            <a:tileRect r="-100000" b="-100000"/>
+          </a:gradFill>
+          <a:ln>
+            <a:noFill/>
+          </a:ln>
+        </p:spPr>
+        <p:style>
+          <a:lnRef idx="0">
+            <a:scrgbClr r="0" g="0" b="0"/>
+          </a:lnRef>
+          <a:fillRef idx="0">
+            <a:scrgbClr r="0" g="0" b="0"/>
+          </a:fillRef>
+          <a:effectRef idx="0">
+            <a:scrgbClr r="0" g="0" b="0"/>
+          </a:effectRef>
+          <a:fontRef idx="minor">
+            <a:schemeClr val="lt1"/>
+          </a:fontRef>
+        </p:style>
+        <p:txBody>
+          <a:bodyPr rtlCol="0" anchor="ctr"/>
+          <a:lstStyle/>
+          <a:p>
+            <a:pPr algn="ctr"/>
+            <a:r>
+              <a:rPr lang="en-IN" sz="2400" dirty="0">
+                <a:ln w="0"/>
+                <a:solidFill>
+                  <a:schemeClr val="tx1"/>
+                </a:solidFill>
+                <a:effectLst>
+                  <a:outerShdw blurRad="38100" dist="19050" dir="2700000" algn="tl" rotWithShape="0">
+                    <a:schemeClr val="dk1">
+                      <a:alpha val="40000"/>
+                    </a:schemeClr>
+                  </a:outerShdw>
+                </a:effectLst>
+              </a:rPr>
+              <a:t>Vast Syllabus</a:t>
+            </a:r>
+            <a:endParaRPr lang="en-HK" sz="2400" dirty="0">
+              <a:ln w="0"/>
+              <a:solidFill>
+                <a:schemeClr val="tx1"/>
+              </a:solidFill>
+              <a:effectLst>
+                <a:outerShdw blurRad="38100" dist="19050" dir="2700000" algn="tl" rotWithShape="0">
+                  <a:schemeClr val="dk1">
+                    <a:alpha val="40000"/>
+                  </a:schemeClr>
+                </a:outerShdw>
+              </a:effectLst>
+            </a:endParaRPr>
+          </a:p>
+        </p:txBody>
+      </p:sp>
+      <p:sp>
+        <p:nvSpPr>
+          <p:cNvPr id="9" name="Thought Bubble: Cloud 8">
+            <a:extLst>
+              <a:ext uri="{FF2B5EF4-FFF2-40B4-BE49-F238E27FC236}">
+                <a16:creationId xmlns:a16="http://schemas.microsoft.com/office/drawing/2014/main" id="{5D9EE078-F9B1-3869-8656-D32CDB494150}"/>
+              </a:ext>
+            </a:extLst>
+          </p:cNvPr>
+          <p:cNvSpPr/>
+          <p:nvPr/>
+        </p:nvSpPr>
+        <p:spPr>
+          <a:xfrm>
+            <a:off x="832756" y="5014427"/>
+            <a:ext cx="2664279" cy="1200150"/>
+          </a:xfrm>
+          <a:prstGeom prst="cloudCallout">
+            <a:avLst>
+              <a:gd name="adj1" fmla="val 78494"/>
+              <a:gd name="adj2" fmla="val -20688"/>
+            </a:avLst>
+          </a:prstGeom>
+          <a:gradFill flip="none" rotWithShape="1">
+            <a:gsLst>
+              <a:gs pos="0">
+                <a:srgbClr val="FF9FC7"/>
+              </a:gs>
+              <a:gs pos="46000">
+                <a:srgbClr val="FC9F62"/>
+              </a:gs>
+              <a:gs pos="100000">
+                <a:srgbClr val="F9F96B">
+                  <a:lumMod val="90000"/>
+                  <a:lumOff val="10000"/>
+                </a:srgbClr>
+              </a:gs>
+            </a:gsLst>
+            <a:path path="circle">
+              <a:fillToRect l="100000" t="100000"/>
+            </a:path>
+            <a:tileRect r="-100000" b="-100000"/>
+          </a:gradFill>
+          <a:ln>
+            <a:noFill/>
+          </a:ln>
+        </p:spPr>
+        <p:style>
+          <a:lnRef idx="0">
+            <a:scrgbClr r="0" g="0" b="0"/>
+          </a:lnRef>
+          <a:fillRef idx="0">
+            <a:scrgbClr r="0" g="0" b="0"/>
+          </a:fillRef>
+          <a:effectRef idx="0">
+            <a:scrgbClr r="0" g="0" b="0"/>
+          </a:effectRef>
+          <a:fontRef idx="minor">
+            <a:schemeClr val="lt1"/>
+          </a:fontRef>
+        </p:style>
+        <p:txBody>
+          <a:bodyPr rtlCol="0" anchor="ctr"/>
+          <a:lstStyle/>
+          <a:p>
+            <a:pPr algn="ctr"/>
+            <a:r>
+              <a:rPr lang="en-IN" sz="2400" dirty="0">
+                <a:ln w="0"/>
+                <a:solidFill>
+                  <a:schemeClr val="tx1"/>
+                </a:solidFill>
+                <a:effectLst>
+                  <a:outerShdw blurRad="38100" dist="19050" dir="2700000" algn="tl" rotWithShape="0">
+                    <a:schemeClr val="dk1">
+                      <a:alpha val="40000"/>
+                    </a:schemeClr>
+                  </a:outerShdw>
+                </a:effectLst>
+              </a:rPr>
+              <a:t>Motivation Hurdles</a:t>
+            </a:r>
+            <a:endParaRPr lang="en-HK" sz="2400" dirty="0">
+              <a:ln w="0"/>
+              <a:solidFill>
+                <a:schemeClr val="tx1"/>
+              </a:solidFill>
+              <a:effectLst>
+                <a:outerShdw blurRad="38100" dist="19050" dir="2700000" algn="tl" rotWithShape="0">
+                  <a:schemeClr val="dk1">
+                    <a:alpha val="40000"/>
+                  </a:schemeClr>
+                </a:outerShdw>
+              </a:effectLst>
+            </a:endParaRPr>
+          </a:p>
+        </p:txBody>
+      </p:sp>
+      <p:sp>
+        <p:nvSpPr>
+          <p:cNvPr id="10" name="Thought Bubble: Cloud 9">
+            <a:extLst>
+              <a:ext uri="{FF2B5EF4-FFF2-40B4-BE49-F238E27FC236}">
+                <a16:creationId xmlns:a16="http://schemas.microsoft.com/office/drawing/2014/main" id="{64C12EAD-1E3B-67C9-CC0E-9E10FEE7FDED}"/>
+              </a:ext>
+            </a:extLst>
+          </p:cNvPr>
+          <p:cNvSpPr/>
+          <p:nvPr/>
+        </p:nvSpPr>
+        <p:spPr>
+          <a:xfrm>
+            <a:off x="8851640" y="3478910"/>
+            <a:ext cx="2763028" cy="1200150"/>
+          </a:xfrm>
+          <a:prstGeom prst="cloudCallout">
+            <a:avLst>
+              <a:gd name="adj1" fmla="val -71705"/>
+              <a:gd name="adj2" fmla="val 17407"/>
+            </a:avLst>
+          </a:prstGeom>
+          <a:gradFill flip="none" rotWithShape="1">
+            <a:gsLst>
+              <a:gs pos="0">
+                <a:srgbClr val="FF9FC7"/>
+              </a:gs>
+              <a:gs pos="46000">
+                <a:srgbClr val="FC9F62"/>
+              </a:gs>
+              <a:gs pos="100000">
+                <a:srgbClr val="F9F96B">
+                  <a:lumMod val="90000"/>
+                  <a:lumOff val="10000"/>
+                </a:srgbClr>
+              </a:gs>
+            </a:gsLst>
+            <a:path path="circle">
+              <a:fillToRect l="100000" t="100000"/>
+            </a:path>
+            <a:tileRect r="-100000" b="-100000"/>
+          </a:gradFill>
+          <a:ln>
+            <a:noFill/>
+          </a:ln>
+        </p:spPr>
+        <p:style>
+          <a:lnRef idx="0">
+            <a:scrgbClr r="0" g="0" b="0"/>
+          </a:lnRef>
+          <a:fillRef idx="0">
+            <a:scrgbClr r="0" g="0" b="0"/>
+          </a:fillRef>
+          <a:effectRef idx="0">
+            <a:scrgbClr r="0" g="0" b="0"/>
+          </a:effectRef>
+          <a:fontRef idx="minor">
+            <a:schemeClr val="lt1"/>
+          </a:fontRef>
+        </p:style>
+        <p:txBody>
+          <a:bodyPr rtlCol="0" anchor="ctr"/>
+          <a:lstStyle/>
+          <a:p>
+            <a:pPr algn="ctr"/>
+            <a:r>
+              <a:rPr lang="en-IN" sz="2400" dirty="0">
+                <a:ln w="0"/>
+                <a:solidFill>
+                  <a:schemeClr val="tx1"/>
+                </a:solidFill>
+                <a:effectLst>
+                  <a:outerShdw blurRad="38100" dist="19050" dir="2700000" algn="tl" rotWithShape="0">
+                    <a:schemeClr val="dk1">
+                      <a:alpha val="40000"/>
+                    </a:schemeClr>
+                  </a:outerShdw>
+                </a:effectLst>
+              </a:rPr>
+              <a:t>Time-Bound Revision</a:t>
+            </a:r>
+            <a:endParaRPr lang="en-HK" sz="2400" dirty="0">
+              <a:ln w="0"/>
+              <a:solidFill>
+                <a:schemeClr val="tx1"/>
+              </a:solidFill>
+              <a:effectLst>
+                <a:outerShdw blurRad="38100" dist="19050" dir="2700000" algn="tl" rotWithShape="0">
+                  <a:schemeClr val="dk1">
+                    <a:alpha val="40000"/>
+                  </a:schemeClr>
+                </a:outerShdw>
+              </a:effectLst>
+            </a:endParaRPr>
           </a:p>
         </p:txBody>
       </p:sp>
     </p:spTree>
     <p:extLst>
       <p:ext uri="{BB962C8B-B14F-4D97-AF65-F5344CB8AC3E}">
-        <p14:creationId xmlns:p14="http://schemas.microsoft.com/office/powerpoint/2010/main" val="11457284"/>
+        <p14:creationId xmlns:p14="http://schemas.microsoft.com/office/powerpoint/2010/main" val="935721809"/>
+      </p:ext>
+    </p:extLst>
+  </p:cSld>
+  <p:clrMapOvr>
+    <a:masterClrMapping/>
+  </p:clrMapOvr>
+</p:sld>
+</file>
+
+<file path=ppt/slides/slide6.xml><?xml version="1.0" encoding="utf-8"?>
+<p:sld xmlns:a="http://schemas.openxmlformats.org/drawingml/2006/main" xmlns:r="http://schemas.openxmlformats.org/officeDocument/2006/relationships" xmlns:p="http://schemas.openxmlformats.org/presentationml/2006/main">
+  <p:cSld>
+    <p:bg>
+      <p:bgPr>
+        <a:blipFill dpi="0" rotWithShape="1">
+          <a:blip r:embed="rId2">
+            <a:lum/>
+          </a:blip>
+          <a:srcRect/>
+          <a:stretch>
+            <a:fillRect/>
+          </a:stretch>
+        </a:blipFill>
+        <a:effectLst/>
+      </p:bgPr>
+    </p:bg>
+    <p:spTree>
+      <p:nvGrpSpPr>
+        <p:cNvPr id="1" name=""/>
+        <p:cNvGrpSpPr/>
+        <p:nvPr/>
+      </p:nvGrpSpPr>
+      <p:grpSpPr>
+        <a:xfrm>
+          <a:off x="0" y="0"/>
+          <a:ext cx="0" cy="0"/>
+          <a:chOff x="0" y="0"/>
+          <a:chExt cx="0" cy="0"/>
+        </a:xfrm>
+      </p:grpSpPr>
+      <p:sp>
+        <p:nvSpPr>
+          <p:cNvPr id="5" name="object 3"/>
+          <p:cNvSpPr txBox="1">
+            <a:spLocks noGrp="1"/>
+          </p:cNvSpPr>
+          <p:nvPr>
+            <p:ph type="title"/>
+          </p:nvPr>
+        </p:nvSpPr>
+        <p:spPr>
+          <a:xfrm>
+            <a:off x="534259" y="309562"/>
+            <a:ext cx="3898948" cy="382156"/>
+          </a:xfrm>
+          <a:prstGeom prst="rect">
+            <a:avLst/>
+          </a:prstGeom>
+        </p:spPr>
+        <p:txBody>
+          <a:bodyPr vert="horz" wrap="square" lIns="0" tIns="12700" rIns="0" bIns="0" rtlCol="0">
+            <a:spAutoFit/>
+          </a:bodyPr>
+          <a:lstStyle/>
+          <a:p>
+            <a:pPr marL="12700">
+              <a:lnSpc>
+                <a:spcPct val="100000"/>
+              </a:lnSpc>
+              <a:spcBef>
+                <a:spcPts val="100"/>
+              </a:spcBef>
+            </a:pPr>
+            <a:r>
+              <a:rPr lang="en-IN" sz="2400" dirty="0">
+                <a:solidFill>
+                  <a:srgbClr val="04A2B9"/>
+                </a:solidFill>
+                <a:latin typeface="Proxima Nova"/>
+              </a:rPr>
+              <a:t>Objectives of LearnSync</a:t>
+            </a:r>
+            <a:endParaRPr sz="2400" dirty="0">
+              <a:latin typeface="Proxima Nova"/>
+            </a:endParaRPr>
+          </a:p>
+        </p:txBody>
+      </p:sp>
+      <p:sp>
+        <p:nvSpPr>
+          <p:cNvPr id="9" name="TextBox 8">
+            <a:extLst>
+              <a:ext uri="{FF2B5EF4-FFF2-40B4-BE49-F238E27FC236}">
+                <a16:creationId xmlns:a16="http://schemas.microsoft.com/office/drawing/2014/main" id="{1ECF2D35-BD41-AF71-2A75-0F11666B8B61}"/>
+              </a:ext>
+            </a:extLst>
+          </p:cNvPr>
+          <p:cNvSpPr txBox="1"/>
+          <p:nvPr/>
+        </p:nvSpPr>
+        <p:spPr>
+          <a:xfrm>
+            <a:off x="750171" y="3476828"/>
+            <a:ext cx="10691655" cy="646331"/>
+          </a:xfrm>
+          <a:custGeom>
+            <a:avLst/>
+            <a:gdLst>
+              <a:gd name="connsiteX0" fmla="*/ 0 w 10691655"/>
+              <a:gd name="connsiteY0" fmla="*/ 0 h 646331"/>
+              <a:gd name="connsiteX1" fmla="*/ 561312 w 10691655"/>
+              <a:gd name="connsiteY1" fmla="*/ 0 h 646331"/>
+              <a:gd name="connsiteX2" fmla="*/ 1229540 w 10691655"/>
+              <a:gd name="connsiteY2" fmla="*/ 0 h 646331"/>
+              <a:gd name="connsiteX3" fmla="*/ 1790852 w 10691655"/>
+              <a:gd name="connsiteY3" fmla="*/ 0 h 646331"/>
+              <a:gd name="connsiteX4" fmla="*/ 2138331 w 10691655"/>
+              <a:gd name="connsiteY4" fmla="*/ 0 h 646331"/>
+              <a:gd name="connsiteX5" fmla="*/ 2913476 w 10691655"/>
+              <a:gd name="connsiteY5" fmla="*/ 0 h 646331"/>
+              <a:gd name="connsiteX6" fmla="*/ 3474788 w 10691655"/>
+              <a:gd name="connsiteY6" fmla="*/ 0 h 646331"/>
+              <a:gd name="connsiteX7" fmla="*/ 4356849 w 10691655"/>
+              <a:gd name="connsiteY7" fmla="*/ 0 h 646331"/>
+              <a:gd name="connsiteX8" fmla="*/ 4811245 w 10691655"/>
+              <a:gd name="connsiteY8" fmla="*/ 0 h 646331"/>
+              <a:gd name="connsiteX9" fmla="*/ 5265640 w 10691655"/>
+              <a:gd name="connsiteY9" fmla="*/ 0 h 646331"/>
+              <a:gd name="connsiteX10" fmla="*/ 6147702 w 10691655"/>
+              <a:gd name="connsiteY10" fmla="*/ 0 h 646331"/>
+              <a:gd name="connsiteX11" fmla="*/ 6922847 w 10691655"/>
+              <a:gd name="connsiteY11" fmla="*/ 0 h 646331"/>
+              <a:gd name="connsiteX12" fmla="*/ 7484158 w 10691655"/>
+              <a:gd name="connsiteY12" fmla="*/ 0 h 646331"/>
+              <a:gd name="connsiteX13" fmla="*/ 7938554 w 10691655"/>
+              <a:gd name="connsiteY13" fmla="*/ 0 h 646331"/>
+              <a:gd name="connsiteX14" fmla="*/ 8606782 w 10691655"/>
+              <a:gd name="connsiteY14" fmla="*/ 0 h 646331"/>
+              <a:gd name="connsiteX15" fmla="*/ 8954261 w 10691655"/>
+              <a:gd name="connsiteY15" fmla="*/ 0 h 646331"/>
+              <a:gd name="connsiteX16" fmla="*/ 9622489 w 10691655"/>
+              <a:gd name="connsiteY16" fmla="*/ 0 h 646331"/>
+              <a:gd name="connsiteX17" fmla="*/ 10691655 w 10691655"/>
+              <a:gd name="connsiteY17" fmla="*/ 0 h 646331"/>
+              <a:gd name="connsiteX18" fmla="*/ 10691655 w 10691655"/>
+              <a:gd name="connsiteY18" fmla="*/ 646331 h 646331"/>
+              <a:gd name="connsiteX19" fmla="*/ 10237260 w 10691655"/>
+              <a:gd name="connsiteY19" fmla="*/ 646331 h 646331"/>
+              <a:gd name="connsiteX20" fmla="*/ 9462115 w 10691655"/>
+              <a:gd name="connsiteY20" fmla="*/ 646331 h 646331"/>
+              <a:gd name="connsiteX21" fmla="*/ 8580053 w 10691655"/>
+              <a:gd name="connsiteY21" fmla="*/ 646331 h 646331"/>
+              <a:gd name="connsiteX22" fmla="*/ 8125658 w 10691655"/>
+              <a:gd name="connsiteY22" fmla="*/ 646331 h 646331"/>
+              <a:gd name="connsiteX23" fmla="*/ 7457429 w 10691655"/>
+              <a:gd name="connsiteY23" fmla="*/ 646331 h 646331"/>
+              <a:gd name="connsiteX24" fmla="*/ 6682284 w 10691655"/>
+              <a:gd name="connsiteY24" fmla="*/ 646331 h 646331"/>
+              <a:gd name="connsiteX25" fmla="*/ 6227889 w 10691655"/>
+              <a:gd name="connsiteY25" fmla="*/ 646331 h 646331"/>
+              <a:gd name="connsiteX26" fmla="*/ 5666577 w 10691655"/>
+              <a:gd name="connsiteY26" fmla="*/ 646331 h 646331"/>
+              <a:gd name="connsiteX27" fmla="*/ 4891432 w 10691655"/>
+              <a:gd name="connsiteY27" fmla="*/ 646331 h 646331"/>
+              <a:gd name="connsiteX28" fmla="*/ 4009371 w 10691655"/>
+              <a:gd name="connsiteY28" fmla="*/ 646331 h 646331"/>
+              <a:gd name="connsiteX29" fmla="*/ 3127309 w 10691655"/>
+              <a:gd name="connsiteY29" fmla="*/ 646331 h 646331"/>
+              <a:gd name="connsiteX30" fmla="*/ 2245248 w 10691655"/>
+              <a:gd name="connsiteY30" fmla="*/ 646331 h 646331"/>
+              <a:gd name="connsiteX31" fmla="*/ 1683936 w 10691655"/>
+              <a:gd name="connsiteY31" fmla="*/ 646331 h 646331"/>
+              <a:gd name="connsiteX32" fmla="*/ 1229540 w 10691655"/>
+              <a:gd name="connsiteY32" fmla="*/ 646331 h 646331"/>
+              <a:gd name="connsiteX33" fmla="*/ 882062 w 10691655"/>
+              <a:gd name="connsiteY33" fmla="*/ 646331 h 646331"/>
+              <a:gd name="connsiteX34" fmla="*/ 0 w 10691655"/>
+              <a:gd name="connsiteY34" fmla="*/ 646331 h 646331"/>
+              <a:gd name="connsiteX35" fmla="*/ 0 w 10691655"/>
+              <a:gd name="connsiteY35" fmla="*/ 0 h 646331"/>
+            </a:gdLst>
+            <a:ahLst/>
+            <a:cxnLst>
+              <a:cxn ang="0">
+                <a:pos x="connsiteX0" y="connsiteY0"/>
+              </a:cxn>
+              <a:cxn ang="0">
+                <a:pos x="connsiteX1" y="connsiteY1"/>
+              </a:cxn>
+              <a:cxn ang="0">
+                <a:pos x="connsiteX2" y="connsiteY2"/>
+              </a:cxn>
+              <a:cxn ang="0">
+                <a:pos x="connsiteX3" y="connsiteY3"/>
+              </a:cxn>
+              <a:cxn ang="0">
+                <a:pos x="connsiteX4" y="connsiteY4"/>
+              </a:cxn>
+              <a:cxn ang="0">
+                <a:pos x="connsiteX5" y="connsiteY5"/>
+              </a:cxn>
+              <a:cxn ang="0">
+                <a:pos x="connsiteX6" y="connsiteY6"/>
+              </a:cxn>
+              <a:cxn ang="0">
+                <a:pos x="connsiteX7" y="connsiteY7"/>
+              </a:cxn>
+              <a:cxn ang="0">
+                <a:pos x="connsiteX8" y="connsiteY8"/>
+              </a:cxn>
+              <a:cxn ang="0">
+                <a:pos x="connsiteX9" y="connsiteY9"/>
+              </a:cxn>
+              <a:cxn ang="0">
+                <a:pos x="connsiteX10" y="connsiteY10"/>
+              </a:cxn>
+              <a:cxn ang="0">
+                <a:pos x="connsiteX11" y="connsiteY11"/>
+              </a:cxn>
+              <a:cxn ang="0">
+                <a:pos x="connsiteX12" y="connsiteY12"/>
+              </a:cxn>
+              <a:cxn ang="0">
+                <a:pos x="connsiteX13" y="connsiteY13"/>
+              </a:cxn>
+              <a:cxn ang="0">
+                <a:pos x="connsiteX14" y="connsiteY14"/>
+              </a:cxn>
+              <a:cxn ang="0">
+                <a:pos x="connsiteX15" y="connsiteY15"/>
+              </a:cxn>
+              <a:cxn ang="0">
+                <a:pos x="connsiteX16" y="connsiteY16"/>
+              </a:cxn>
+              <a:cxn ang="0">
+                <a:pos x="connsiteX17" y="connsiteY17"/>
+              </a:cxn>
+              <a:cxn ang="0">
+                <a:pos x="connsiteX18" y="connsiteY18"/>
+              </a:cxn>
+              <a:cxn ang="0">
+                <a:pos x="connsiteX19" y="connsiteY19"/>
+              </a:cxn>
+              <a:cxn ang="0">
+                <a:pos x="connsiteX20" y="connsiteY20"/>
+              </a:cxn>
+              <a:cxn ang="0">
+                <a:pos x="connsiteX21" y="connsiteY21"/>
+              </a:cxn>
+              <a:cxn ang="0">
+                <a:pos x="connsiteX22" y="connsiteY22"/>
+              </a:cxn>
+              <a:cxn ang="0">
+                <a:pos x="connsiteX23" y="connsiteY23"/>
+              </a:cxn>
+              <a:cxn ang="0">
+                <a:pos x="connsiteX24" y="connsiteY24"/>
+              </a:cxn>
+              <a:cxn ang="0">
+                <a:pos x="connsiteX25" y="connsiteY25"/>
+              </a:cxn>
+              <a:cxn ang="0">
+                <a:pos x="connsiteX26" y="connsiteY26"/>
+              </a:cxn>
+              <a:cxn ang="0">
+                <a:pos x="connsiteX27" y="connsiteY27"/>
+              </a:cxn>
+              <a:cxn ang="0">
+                <a:pos x="connsiteX28" y="connsiteY28"/>
+              </a:cxn>
+              <a:cxn ang="0">
+                <a:pos x="connsiteX29" y="connsiteY29"/>
+              </a:cxn>
+              <a:cxn ang="0">
+                <a:pos x="connsiteX30" y="connsiteY30"/>
+              </a:cxn>
+              <a:cxn ang="0">
+                <a:pos x="connsiteX31" y="connsiteY31"/>
+              </a:cxn>
+              <a:cxn ang="0">
+                <a:pos x="connsiteX32" y="connsiteY32"/>
+              </a:cxn>
+              <a:cxn ang="0">
+                <a:pos x="connsiteX33" y="connsiteY33"/>
+              </a:cxn>
+              <a:cxn ang="0">
+                <a:pos x="connsiteX34" y="connsiteY34"/>
+              </a:cxn>
+              <a:cxn ang="0">
+                <a:pos x="connsiteX35" y="connsiteY35"/>
+              </a:cxn>
+            </a:cxnLst>
+            <a:rect l="l" t="t" r="r" b="b"/>
+            <a:pathLst>
+              <a:path w="10691655" h="646331" extrusionOk="0">
+                <a:moveTo>
+                  <a:pt x="0" y="0"/>
+                </a:moveTo>
+                <a:cubicBezTo>
+                  <a:pt x="239422" y="17771"/>
+                  <a:pt x="370559" y="17667"/>
+                  <a:pt x="561312" y="0"/>
+                </a:cubicBezTo>
+                <a:cubicBezTo>
+                  <a:pt x="752065" y="-17667"/>
+                  <a:pt x="1092210" y="-13872"/>
+                  <a:pt x="1229540" y="0"/>
+                </a:cubicBezTo>
+                <a:cubicBezTo>
+                  <a:pt x="1366870" y="13872"/>
+                  <a:pt x="1631053" y="-8320"/>
+                  <a:pt x="1790852" y="0"/>
+                </a:cubicBezTo>
+                <a:cubicBezTo>
+                  <a:pt x="1950651" y="8320"/>
+                  <a:pt x="2003831" y="-15932"/>
+                  <a:pt x="2138331" y="0"/>
+                </a:cubicBezTo>
+                <a:cubicBezTo>
+                  <a:pt x="2272831" y="15932"/>
+                  <a:pt x="2746664" y="38087"/>
+                  <a:pt x="2913476" y="0"/>
+                </a:cubicBezTo>
+                <a:cubicBezTo>
+                  <a:pt x="3080288" y="-38087"/>
+                  <a:pt x="3226357" y="19552"/>
+                  <a:pt x="3474788" y="0"/>
+                </a:cubicBezTo>
+                <a:cubicBezTo>
+                  <a:pt x="3723219" y="-19552"/>
+                  <a:pt x="4113770" y="-6348"/>
+                  <a:pt x="4356849" y="0"/>
+                </a:cubicBezTo>
+                <a:cubicBezTo>
+                  <a:pt x="4599928" y="6348"/>
+                  <a:pt x="4619516" y="-1806"/>
+                  <a:pt x="4811245" y="0"/>
+                </a:cubicBezTo>
+                <a:cubicBezTo>
+                  <a:pt x="5002974" y="1806"/>
+                  <a:pt x="5101045" y="-7318"/>
+                  <a:pt x="5265640" y="0"/>
+                </a:cubicBezTo>
+                <a:cubicBezTo>
+                  <a:pt x="5430236" y="7318"/>
+                  <a:pt x="5863941" y="-35529"/>
+                  <a:pt x="6147702" y="0"/>
+                </a:cubicBezTo>
+                <a:cubicBezTo>
+                  <a:pt x="6431463" y="35529"/>
+                  <a:pt x="6724770" y="-37392"/>
+                  <a:pt x="6922847" y="0"/>
+                </a:cubicBezTo>
+                <a:cubicBezTo>
+                  <a:pt x="7120925" y="37392"/>
+                  <a:pt x="7312479" y="-14192"/>
+                  <a:pt x="7484158" y="0"/>
+                </a:cubicBezTo>
+                <a:cubicBezTo>
+                  <a:pt x="7655837" y="14192"/>
+                  <a:pt x="7789663" y="-4575"/>
+                  <a:pt x="7938554" y="0"/>
+                </a:cubicBezTo>
+                <a:cubicBezTo>
+                  <a:pt x="8087445" y="4575"/>
+                  <a:pt x="8341327" y="-8372"/>
+                  <a:pt x="8606782" y="0"/>
+                </a:cubicBezTo>
+                <a:cubicBezTo>
+                  <a:pt x="8872237" y="8372"/>
+                  <a:pt x="8863751" y="-10924"/>
+                  <a:pt x="8954261" y="0"/>
+                </a:cubicBezTo>
+                <a:cubicBezTo>
+                  <a:pt x="9044771" y="10924"/>
+                  <a:pt x="9424287" y="27489"/>
+                  <a:pt x="9622489" y="0"/>
+                </a:cubicBezTo>
+                <a:cubicBezTo>
+                  <a:pt x="9820691" y="-27489"/>
+                  <a:pt x="10228847" y="14615"/>
+                  <a:pt x="10691655" y="0"/>
+                </a:cubicBezTo>
+                <a:cubicBezTo>
+                  <a:pt x="10706441" y="245112"/>
+                  <a:pt x="10706754" y="391894"/>
+                  <a:pt x="10691655" y="646331"/>
+                </a:cubicBezTo>
+                <a:cubicBezTo>
+                  <a:pt x="10551973" y="639264"/>
+                  <a:pt x="10397984" y="629599"/>
+                  <a:pt x="10237260" y="646331"/>
+                </a:cubicBezTo>
+                <a:cubicBezTo>
+                  <a:pt x="10076537" y="663063"/>
+                  <a:pt x="9711505" y="648008"/>
+                  <a:pt x="9462115" y="646331"/>
+                </a:cubicBezTo>
+                <a:cubicBezTo>
+                  <a:pt x="9212726" y="644654"/>
+                  <a:pt x="9012664" y="634740"/>
+                  <a:pt x="8580053" y="646331"/>
+                </a:cubicBezTo>
+                <a:cubicBezTo>
+                  <a:pt x="8147442" y="657922"/>
+                  <a:pt x="8294943" y="662045"/>
+                  <a:pt x="8125658" y="646331"/>
+                </a:cubicBezTo>
+                <a:cubicBezTo>
+                  <a:pt x="7956373" y="630617"/>
+                  <a:pt x="7704039" y="629085"/>
+                  <a:pt x="7457429" y="646331"/>
+                </a:cubicBezTo>
+                <a:cubicBezTo>
+                  <a:pt x="7210819" y="663577"/>
+                  <a:pt x="7043187" y="645754"/>
+                  <a:pt x="6682284" y="646331"/>
+                </a:cubicBezTo>
+                <a:cubicBezTo>
+                  <a:pt x="6321381" y="646908"/>
+                  <a:pt x="6324404" y="654076"/>
+                  <a:pt x="6227889" y="646331"/>
+                </a:cubicBezTo>
+                <a:cubicBezTo>
+                  <a:pt x="6131374" y="638586"/>
+                  <a:pt x="5789773" y="634789"/>
+                  <a:pt x="5666577" y="646331"/>
+                </a:cubicBezTo>
+                <a:cubicBezTo>
+                  <a:pt x="5543381" y="657873"/>
+                  <a:pt x="5122782" y="652149"/>
+                  <a:pt x="4891432" y="646331"/>
+                </a:cubicBezTo>
+                <a:cubicBezTo>
+                  <a:pt x="4660082" y="640513"/>
+                  <a:pt x="4332322" y="657269"/>
+                  <a:pt x="4009371" y="646331"/>
+                </a:cubicBezTo>
+                <a:cubicBezTo>
+                  <a:pt x="3686420" y="635393"/>
+                  <a:pt x="3368584" y="632186"/>
+                  <a:pt x="3127309" y="646331"/>
+                </a:cubicBezTo>
+                <a:cubicBezTo>
+                  <a:pt x="2886034" y="660476"/>
+                  <a:pt x="2477193" y="620188"/>
+                  <a:pt x="2245248" y="646331"/>
+                </a:cubicBezTo>
+                <a:cubicBezTo>
+                  <a:pt x="2013303" y="672474"/>
+                  <a:pt x="1828855" y="638482"/>
+                  <a:pt x="1683936" y="646331"/>
+                </a:cubicBezTo>
+                <a:cubicBezTo>
+                  <a:pt x="1539017" y="654180"/>
+                  <a:pt x="1438362" y="635402"/>
+                  <a:pt x="1229540" y="646331"/>
+                </a:cubicBezTo>
+                <a:cubicBezTo>
+                  <a:pt x="1020718" y="657260"/>
+                  <a:pt x="1054656" y="637710"/>
+                  <a:pt x="882062" y="646331"/>
+                </a:cubicBezTo>
+                <a:cubicBezTo>
+                  <a:pt x="709468" y="654952"/>
+                  <a:pt x="218564" y="616801"/>
+                  <a:pt x="0" y="646331"/>
+                </a:cubicBezTo>
+                <a:cubicBezTo>
+                  <a:pt x="-21782" y="385690"/>
+                  <a:pt x="21554" y="310611"/>
+                  <a:pt x="0" y="0"/>
+                </a:cubicBezTo>
+                <a:close/>
+              </a:path>
+            </a:pathLst>
+          </a:custGeom>
+          <a:solidFill>
+            <a:schemeClr val="accent6">
+              <a:lumMod val="40000"/>
+              <a:lumOff val="60000"/>
+            </a:schemeClr>
+          </a:solidFill>
+          <a:ln w="38100">
+            <a:solidFill>
+              <a:srgbClr val="92D050"/>
+            </a:solidFill>
+            <a:extLst>
+              <a:ext uri="{C807C97D-BFC1-408E-A445-0C87EB9F89A2}">
+                <ask:lineSketchStyleProps xmlns:ask="http://schemas.microsoft.com/office/drawing/2018/sketchyshapes" sd="3226494589">
+                  <a:prstGeom prst="rect">
+                    <a:avLst/>
+                  </a:prstGeom>
+                  <ask:type>
+                    <ask:lineSketchFreehand/>
+                  </ask:type>
+                </ask:lineSketchStyleProps>
+              </a:ext>
+            </a:extLst>
+          </a:ln>
+        </p:spPr>
+        <p:txBody>
+          <a:bodyPr wrap="square" rtlCol="0">
+            <a:spAutoFit/>
+          </a:bodyPr>
+          <a:lstStyle/>
+          <a:p>
+            <a:pPr marL="400050" indent="-400050" algn="just">
+              <a:buFont typeface="Wingdings" panose="05000000000000000000" pitchFamily="2" charset="2"/>
+              <a:buChar char="ü"/>
+            </a:pPr>
+            <a:r>
+              <a:rPr lang="en-IN" b="1" dirty="0"/>
+              <a:t>Cost-Free Advantage: </a:t>
+            </a:r>
+            <a:r>
+              <a:rPr lang="en-GB" b="0" i="0" dirty="0">
+                <a:solidFill>
+                  <a:srgbClr val="374151"/>
+                </a:solidFill>
+                <a:effectLst/>
+                <a:latin typeface="Söhne"/>
+              </a:rPr>
+              <a:t>Provide Learn Sync as a cost-free gem, standing against market competitors, making learning accessible to all.</a:t>
+            </a:r>
+          </a:p>
+        </p:txBody>
+      </p:sp>
+      <p:sp>
+        <p:nvSpPr>
+          <p:cNvPr id="10" name="TextBox 9">
+            <a:extLst>
+              <a:ext uri="{FF2B5EF4-FFF2-40B4-BE49-F238E27FC236}">
+                <a16:creationId xmlns:a16="http://schemas.microsoft.com/office/drawing/2014/main" id="{88994472-60F5-A47D-8BA9-30AB4C649D8F}"/>
+              </a:ext>
+            </a:extLst>
+          </p:cNvPr>
+          <p:cNvSpPr txBox="1"/>
+          <p:nvPr/>
+        </p:nvSpPr>
+        <p:spPr>
+          <a:xfrm>
+            <a:off x="750171" y="5518900"/>
+            <a:ext cx="7544743" cy="923330"/>
+          </a:xfrm>
+          <a:custGeom>
+            <a:avLst/>
+            <a:gdLst>
+              <a:gd name="connsiteX0" fmla="*/ 0 w 7544743"/>
+              <a:gd name="connsiteY0" fmla="*/ 0 h 923330"/>
+              <a:gd name="connsiteX1" fmla="*/ 459543 w 7544743"/>
+              <a:gd name="connsiteY1" fmla="*/ 0 h 923330"/>
+              <a:gd name="connsiteX2" fmla="*/ 1145429 w 7544743"/>
+              <a:gd name="connsiteY2" fmla="*/ 0 h 923330"/>
+              <a:gd name="connsiteX3" fmla="*/ 1831315 w 7544743"/>
+              <a:gd name="connsiteY3" fmla="*/ 0 h 923330"/>
+              <a:gd name="connsiteX4" fmla="*/ 2366306 w 7544743"/>
+              <a:gd name="connsiteY4" fmla="*/ 0 h 923330"/>
+              <a:gd name="connsiteX5" fmla="*/ 3203086 w 7544743"/>
+              <a:gd name="connsiteY5" fmla="*/ 0 h 923330"/>
+              <a:gd name="connsiteX6" fmla="*/ 3662630 w 7544743"/>
+              <a:gd name="connsiteY6" fmla="*/ 0 h 923330"/>
+              <a:gd name="connsiteX7" fmla="*/ 4348516 w 7544743"/>
+              <a:gd name="connsiteY7" fmla="*/ 0 h 923330"/>
+              <a:gd name="connsiteX8" fmla="*/ 4808059 w 7544743"/>
+              <a:gd name="connsiteY8" fmla="*/ 0 h 923330"/>
+              <a:gd name="connsiteX9" fmla="*/ 5418497 w 7544743"/>
+              <a:gd name="connsiteY9" fmla="*/ 0 h 923330"/>
+              <a:gd name="connsiteX10" fmla="*/ 5953488 w 7544743"/>
+              <a:gd name="connsiteY10" fmla="*/ 0 h 923330"/>
+              <a:gd name="connsiteX11" fmla="*/ 6790269 w 7544743"/>
+              <a:gd name="connsiteY11" fmla="*/ 0 h 923330"/>
+              <a:gd name="connsiteX12" fmla="*/ 7544743 w 7544743"/>
+              <a:gd name="connsiteY12" fmla="*/ 0 h 923330"/>
+              <a:gd name="connsiteX13" fmla="*/ 7544743 w 7544743"/>
+              <a:gd name="connsiteY13" fmla="*/ 470898 h 923330"/>
+              <a:gd name="connsiteX14" fmla="*/ 7544743 w 7544743"/>
+              <a:gd name="connsiteY14" fmla="*/ 923330 h 923330"/>
+              <a:gd name="connsiteX15" fmla="*/ 6858857 w 7544743"/>
+              <a:gd name="connsiteY15" fmla="*/ 923330 h 923330"/>
+              <a:gd name="connsiteX16" fmla="*/ 6248419 w 7544743"/>
+              <a:gd name="connsiteY16" fmla="*/ 923330 h 923330"/>
+              <a:gd name="connsiteX17" fmla="*/ 5713428 w 7544743"/>
+              <a:gd name="connsiteY17" fmla="*/ 923330 h 923330"/>
+              <a:gd name="connsiteX18" fmla="*/ 5102990 w 7544743"/>
+              <a:gd name="connsiteY18" fmla="*/ 923330 h 923330"/>
+              <a:gd name="connsiteX19" fmla="*/ 4266209 w 7544743"/>
+              <a:gd name="connsiteY19" fmla="*/ 923330 h 923330"/>
+              <a:gd name="connsiteX20" fmla="*/ 3504876 w 7544743"/>
+              <a:gd name="connsiteY20" fmla="*/ 923330 h 923330"/>
+              <a:gd name="connsiteX21" fmla="*/ 2743543 w 7544743"/>
+              <a:gd name="connsiteY21" fmla="*/ 923330 h 923330"/>
+              <a:gd name="connsiteX22" fmla="*/ 1906762 w 7544743"/>
+              <a:gd name="connsiteY22" fmla="*/ 923330 h 923330"/>
+              <a:gd name="connsiteX23" fmla="*/ 1069982 w 7544743"/>
+              <a:gd name="connsiteY23" fmla="*/ 923330 h 923330"/>
+              <a:gd name="connsiteX24" fmla="*/ 610438 w 7544743"/>
+              <a:gd name="connsiteY24" fmla="*/ 923330 h 923330"/>
+              <a:gd name="connsiteX25" fmla="*/ 0 w 7544743"/>
+              <a:gd name="connsiteY25" fmla="*/ 923330 h 923330"/>
+              <a:gd name="connsiteX26" fmla="*/ 0 w 7544743"/>
+              <a:gd name="connsiteY26" fmla="*/ 452432 h 923330"/>
+              <a:gd name="connsiteX27" fmla="*/ 0 w 7544743"/>
+              <a:gd name="connsiteY27" fmla="*/ 0 h 923330"/>
+            </a:gdLst>
+            <a:ahLst/>
+            <a:cxnLst>
+              <a:cxn ang="0">
+                <a:pos x="connsiteX0" y="connsiteY0"/>
+              </a:cxn>
+              <a:cxn ang="0">
+                <a:pos x="connsiteX1" y="connsiteY1"/>
+              </a:cxn>
+              <a:cxn ang="0">
+                <a:pos x="connsiteX2" y="connsiteY2"/>
+              </a:cxn>
+              <a:cxn ang="0">
+                <a:pos x="connsiteX3" y="connsiteY3"/>
+              </a:cxn>
+              <a:cxn ang="0">
+                <a:pos x="connsiteX4" y="connsiteY4"/>
+              </a:cxn>
+              <a:cxn ang="0">
+                <a:pos x="connsiteX5" y="connsiteY5"/>
+              </a:cxn>
+              <a:cxn ang="0">
+                <a:pos x="connsiteX6" y="connsiteY6"/>
+              </a:cxn>
+              <a:cxn ang="0">
+                <a:pos x="connsiteX7" y="connsiteY7"/>
+              </a:cxn>
+              <a:cxn ang="0">
+                <a:pos x="connsiteX8" y="connsiteY8"/>
+              </a:cxn>
+              <a:cxn ang="0">
+                <a:pos x="connsiteX9" y="connsiteY9"/>
+              </a:cxn>
+              <a:cxn ang="0">
+                <a:pos x="connsiteX10" y="connsiteY10"/>
+              </a:cxn>
+              <a:cxn ang="0">
+                <a:pos x="connsiteX11" y="connsiteY11"/>
+              </a:cxn>
+              <a:cxn ang="0">
+                <a:pos x="connsiteX12" y="connsiteY12"/>
+              </a:cxn>
+              <a:cxn ang="0">
+                <a:pos x="connsiteX13" y="connsiteY13"/>
+              </a:cxn>
+              <a:cxn ang="0">
+                <a:pos x="connsiteX14" y="connsiteY14"/>
+              </a:cxn>
+              <a:cxn ang="0">
+                <a:pos x="connsiteX15" y="connsiteY15"/>
+              </a:cxn>
+              <a:cxn ang="0">
+                <a:pos x="connsiteX16" y="connsiteY16"/>
+              </a:cxn>
+              <a:cxn ang="0">
+                <a:pos x="connsiteX17" y="connsiteY17"/>
+              </a:cxn>
+              <a:cxn ang="0">
+                <a:pos x="connsiteX18" y="connsiteY18"/>
+              </a:cxn>
+              <a:cxn ang="0">
+                <a:pos x="connsiteX19" y="connsiteY19"/>
+              </a:cxn>
+              <a:cxn ang="0">
+                <a:pos x="connsiteX20" y="connsiteY20"/>
+              </a:cxn>
+              <a:cxn ang="0">
+                <a:pos x="connsiteX21" y="connsiteY21"/>
+              </a:cxn>
+              <a:cxn ang="0">
+                <a:pos x="connsiteX22" y="connsiteY22"/>
+              </a:cxn>
+              <a:cxn ang="0">
+                <a:pos x="connsiteX23" y="connsiteY23"/>
+              </a:cxn>
+              <a:cxn ang="0">
+                <a:pos x="connsiteX24" y="connsiteY24"/>
+              </a:cxn>
+              <a:cxn ang="0">
+                <a:pos x="connsiteX25" y="connsiteY25"/>
+              </a:cxn>
+              <a:cxn ang="0">
+                <a:pos x="connsiteX26" y="connsiteY26"/>
+              </a:cxn>
+              <a:cxn ang="0">
+                <a:pos x="connsiteX27" y="connsiteY27"/>
+              </a:cxn>
+            </a:cxnLst>
+            <a:rect l="l" t="t" r="r" b="b"/>
+            <a:pathLst>
+              <a:path w="7544743" h="923330" fill="none" extrusionOk="0">
+                <a:moveTo>
+                  <a:pt x="0" y="0"/>
+                </a:moveTo>
+                <a:cubicBezTo>
+                  <a:pt x="208562" y="9973"/>
+                  <a:pt x="293306" y="16632"/>
+                  <a:pt x="459543" y="0"/>
+                </a:cubicBezTo>
+                <a:cubicBezTo>
+                  <a:pt x="625780" y="-16632"/>
+                  <a:pt x="997769" y="1047"/>
+                  <a:pt x="1145429" y="0"/>
+                </a:cubicBezTo>
+                <a:cubicBezTo>
+                  <a:pt x="1293089" y="-1047"/>
+                  <a:pt x="1616634" y="1384"/>
+                  <a:pt x="1831315" y="0"/>
+                </a:cubicBezTo>
+                <a:cubicBezTo>
+                  <a:pt x="2045996" y="-1384"/>
+                  <a:pt x="2244499" y="-7687"/>
+                  <a:pt x="2366306" y="0"/>
+                </a:cubicBezTo>
+                <a:cubicBezTo>
+                  <a:pt x="2488113" y="7687"/>
+                  <a:pt x="2977684" y="-30699"/>
+                  <a:pt x="3203086" y="0"/>
+                </a:cubicBezTo>
+                <a:cubicBezTo>
+                  <a:pt x="3428488" y="30699"/>
+                  <a:pt x="3444866" y="19935"/>
+                  <a:pt x="3662630" y="0"/>
+                </a:cubicBezTo>
+                <a:cubicBezTo>
+                  <a:pt x="3880394" y="-19935"/>
+                  <a:pt x="4142201" y="4545"/>
+                  <a:pt x="4348516" y="0"/>
+                </a:cubicBezTo>
+                <a:cubicBezTo>
+                  <a:pt x="4554831" y="-4545"/>
+                  <a:pt x="4627264" y="19134"/>
+                  <a:pt x="4808059" y="0"/>
+                </a:cubicBezTo>
+                <a:cubicBezTo>
+                  <a:pt x="4988854" y="-19134"/>
+                  <a:pt x="5288181" y="-7579"/>
+                  <a:pt x="5418497" y="0"/>
+                </a:cubicBezTo>
+                <a:cubicBezTo>
+                  <a:pt x="5548813" y="7579"/>
+                  <a:pt x="5713041" y="24227"/>
+                  <a:pt x="5953488" y="0"/>
+                </a:cubicBezTo>
+                <a:cubicBezTo>
+                  <a:pt x="6193935" y="-24227"/>
+                  <a:pt x="6621620" y="41188"/>
+                  <a:pt x="6790269" y="0"/>
+                </a:cubicBezTo>
+                <a:cubicBezTo>
+                  <a:pt x="6958918" y="-41188"/>
+                  <a:pt x="7341450" y="2461"/>
+                  <a:pt x="7544743" y="0"/>
+                </a:cubicBezTo>
+                <a:cubicBezTo>
+                  <a:pt x="7534271" y="160006"/>
+                  <a:pt x="7560767" y="343132"/>
+                  <a:pt x="7544743" y="470898"/>
+                </a:cubicBezTo>
+                <a:cubicBezTo>
+                  <a:pt x="7528719" y="598664"/>
+                  <a:pt x="7522145" y="753144"/>
+                  <a:pt x="7544743" y="923330"/>
+                </a:cubicBezTo>
+                <a:cubicBezTo>
+                  <a:pt x="7300069" y="911980"/>
+                  <a:pt x="7126280" y="927876"/>
+                  <a:pt x="6858857" y="923330"/>
+                </a:cubicBezTo>
+                <a:cubicBezTo>
+                  <a:pt x="6591434" y="918784"/>
+                  <a:pt x="6481086" y="932409"/>
+                  <a:pt x="6248419" y="923330"/>
+                </a:cubicBezTo>
+                <a:cubicBezTo>
+                  <a:pt x="6015752" y="914251"/>
+                  <a:pt x="5873387" y="917433"/>
+                  <a:pt x="5713428" y="923330"/>
+                </a:cubicBezTo>
+                <a:cubicBezTo>
+                  <a:pt x="5553469" y="929227"/>
+                  <a:pt x="5262791" y="900999"/>
+                  <a:pt x="5102990" y="923330"/>
+                </a:cubicBezTo>
+                <a:cubicBezTo>
+                  <a:pt x="4943189" y="945661"/>
+                  <a:pt x="4577210" y="922647"/>
+                  <a:pt x="4266209" y="923330"/>
+                </a:cubicBezTo>
+                <a:cubicBezTo>
+                  <a:pt x="3955208" y="924013"/>
+                  <a:pt x="3871115" y="916857"/>
+                  <a:pt x="3504876" y="923330"/>
+                </a:cubicBezTo>
+                <a:cubicBezTo>
+                  <a:pt x="3138637" y="929803"/>
+                  <a:pt x="3006504" y="941387"/>
+                  <a:pt x="2743543" y="923330"/>
+                </a:cubicBezTo>
+                <a:cubicBezTo>
+                  <a:pt x="2480582" y="905273"/>
+                  <a:pt x="2228328" y="960063"/>
+                  <a:pt x="1906762" y="923330"/>
+                </a:cubicBezTo>
+                <a:cubicBezTo>
+                  <a:pt x="1585196" y="886597"/>
+                  <a:pt x="1406181" y="919349"/>
+                  <a:pt x="1069982" y="923330"/>
+                </a:cubicBezTo>
+                <a:cubicBezTo>
+                  <a:pt x="733783" y="927311"/>
+                  <a:pt x="799789" y="931403"/>
+                  <a:pt x="610438" y="923330"/>
+                </a:cubicBezTo>
+                <a:cubicBezTo>
+                  <a:pt x="421087" y="915257"/>
+                  <a:pt x="225825" y="923250"/>
+                  <a:pt x="0" y="923330"/>
+                </a:cubicBezTo>
+                <a:cubicBezTo>
+                  <a:pt x="22979" y="727535"/>
+                  <a:pt x="-814" y="558424"/>
+                  <a:pt x="0" y="452432"/>
+                </a:cubicBezTo>
+                <a:cubicBezTo>
+                  <a:pt x="814" y="346440"/>
+                  <a:pt x="-22526" y="207688"/>
+                  <a:pt x="0" y="0"/>
+                </a:cubicBezTo>
+                <a:close/>
+              </a:path>
+              <a:path w="7544743" h="923330" stroke="0" extrusionOk="0">
+                <a:moveTo>
+                  <a:pt x="0" y="0"/>
+                </a:moveTo>
+                <a:cubicBezTo>
+                  <a:pt x="125053" y="8772"/>
+                  <a:pt x="383165" y="-16448"/>
+                  <a:pt x="610438" y="0"/>
+                </a:cubicBezTo>
+                <a:cubicBezTo>
+                  <a:pt x="837711" y="16448"/>
+                  <a:pt x="966338" y="-6090"/>
+                  <a:pt x="1296324" y="0"/>
+                </a:cubicBezTo>
+                <a:cubicBezTo>
+                  <a:pt x="1626310" y="6090"/>
+                  <a:pt x="1743580" y="5816"/>
+                  <a:pt x="1906762" y="0"/>
+                </a:cubicBezTo>
+                <a:cubicBezTo>
+                  <a:pt x="2069944" y="-5816"/>
+                  <a:pt x="2174931" y="16077"/>
+                  <a:pt x="2366306" y="0"/>
+                </a:cubicBezTo>
+                <a:cubicBezTo>
+                  <a:pt x="2557681" y="-16077"/>
+                  <a:pt x="2871580" y="17134"/>
+                  <a:pt x="3127639" y="0"/>
+                </a:cubicBezTo>
+                <a:cubicBezTo>
+                  <a:pt x="3383698" y="-17134"/>
+                  <a:pt x="3607731" y="-22159"/>
+                  <a:pt x="3738077" y="0"/>
+                </a:cubicBezTo>
+                <a:cubicBezTo>
+                  <a:pt x="3868423" y="22159"/>
+                  <a:pt x="4342825" y="-35136"/>
+                  <a:pt x="4574858" y="0"/>
+                </a:cubicBezTo>
+                <a:cubicBezTo>
+                  <a:pt x="4806891" y="35136"/>
+                  <a:pt x="4989485" y="23873"/>
+                  <a:pt x="5109849" y="0"/>
+                </a:cubicBezTo>
+                <a:cubicBezTo>
+                  <a:pt x="5230213" y="-23873"/>
+                  <a:pt x="5436523" y="-21416"/>
+                  <a:pt x="5644840" y="0"/>
+                </a:cubicBezTo>
+                <a:cubicBezTo>
+                  <a:pt x="5853157" y="21416"/>
+                  <a:pt x="6199004" y="-1791"/>
+                  <a:pt x="6481620" y="0"/>
+                </a:cubicBezTo>
+                <a:cubicBezTo>
+                  <a:pt x="6764236" y="1791"/>
+                  <a:pt x="7039528" y="-31682"/>
+                  <a:pt x="7544743" y="0"/>
+                </a:cubicBezTo>
+                <a:cubicBezTo>
+                  <a:pt x="7563994" y="132204"/>
+                  <a:pt x="7544323" y="296875"/>
+                  <a:pt x="7544743" y="452432"/>
+                </a:cubicBezTo>
+                <a:cubicBezTo>
+                  <a:pt x="7545163" y="607989"/>
+                  <a:pt x="7540064" y="783302"/>
+                  <a:pt x="7544743" y="923330"/>
+                </a:cubicBezTo>
+                <a:cubicBezTo>
+                  <a:pt x="7193249" y="907663"/>
+                  <a:pt x="7039548" y="963651"/>
+                  <a:pt x="6707962" y="923330"/>
+                </a:cubicBezTo>
+                <a:cubicBezTo>
+                  <a:pt x="6376376" y="883009"/>
+                  <a:pt x="6274346" y="957697"/>
+                  <a:pt x="5946629" y="923330"/>
+                </a:cubicBezTo>
+                <a:cubicBezTo>
+                  <a:pt x="5618912" y="888963"/>
+                  <a:pt x="5481245" y="899024"/>
+                  <a:pt x="5260744" y="923330"/>
+                </a:cubicBezTo>
+                <a:cubicBezTo>
+                  <a:pt x="5040243" y="947636"/>
+                  <a:pt x="4854221" y="905993"/>
+                  <a:pt x="4725753" y="923330"/>
+                </a:cubicBezTo>
+                <a:cubicBezTo>
+                  <a:pt x="4597285" y="940667"/>
+                  <a:pt x="4417595" y="925563"/>
+                  <a:pt x="4266209" y="923330"/>
+                </a:cubicBezTo>
+                <a:cubicBezTo>
+                  <a:pt x="4114823" y="921097"/>
+                  <a:pt x="4026444" y="934949"/>
+                  <a:pt x="3806666" y="923330"/>
+                </a:cubicBezTo>
+                <a:cubicBezTo>
+                  <a:pt x="3586888" y="911711"/>
+                  <a:pt x="3216703" y="943256"/>
+                  <a:pt x="3045333" y="923330"/>
+                </a:cubicBezTo>
+                <a:cubicBezTo>
+                  <a:pt x="2873963" y="903404"/>
+                  <a:pt x="2434098" y="919297"/>
+                  <a:pt x="2208552" y="923330"/>
+                </a:cubicBezTo>
+                <a:cubicBezTo>
+                  <a:pt x="1983006" y="927363"/>
+                  <a:pt x="1863202" y="944320"/>
+                  <a:pt x="1673561" y="923330"/>
+                </a:cubicBezTo>
+                <a:cubicBezTo>
+                  <a:pt x="1483920" y="902340"/>
+                  <a:pt x="1159273" y="938983"/>
+                  <a:pt x="987675" y="923330"/>
+                </a:cubicBezTo>
+                <a:cubicBezTo>
+                  <a:pt x="816077" y="907677"/>
+                  <a:pt x="396294" y="903432"/>
+                  <a:pt x="0" y="923330"/>
+                </a:cubicBezTo>
+                <a:cubicBezTo>
+                  <a:pt x="-1262" y="791610"/>
+                  <a:pt x="-2481" y="674875"/>
+                  <a:pt x="0" y="480132"/>
+                </a:cubicBezTo>
+                <a:cubicBezTo>
+                  <a:pt x="2481" y="285389"/>
+                  <a:pt x="-23542" y="218790"/>
+                  <a:pt x="0" y="0"/>
+                </a:cubicBezTo>
+                <a:close/>
+              </a:path>
+            </a:pathLst>
+          </a:custGeom>
+          <a:solidFill>
+            <a:schemeClr val="accent4">
+              <a:lumMod val="40000"/>
+              <a:lumOff val="60000"/>
+            </a:schemeClr>
+          </a:solidFill>
+          <a:ln w="38100">
+            <a:solidFill>
+              <a:schemeClr val="accent4">
+                <a:lumMod val="60000"/>
+                <a:lumOff val="40000"/>
+              </a:schemeClr>
+            </a:solidFill>
+            <a:extLst>
+              <a:ext uri="{C807C97D-BFC1-408E-A445-0C87EB9F89A2}">
+                <ask:lineSketchStyleProps xmlns:ask="http://schemas.microsoft.com/office/drawing/2018/sketchyshapes" sd="3226494589">
+                  <a:prstGeom prst="rect">
+                    <a:avLst/>
+                  </a:prstGeom>
+                  <ask:type>
+                    <ask:lineSketchFreehand/>
+                  </ask:type>
+                </ask:lineSketchStyleProps>
+              </a:ext>
+            </a:extLst>
+          </a:ln>
+        </p:spPr>
+        <p:txBody>
+          <a:bodyPr wrap="square" rtlCol="0">
+            <a:spAutoFit/>
+          </a:bodyPr>
+          <a:lstStyle/>
+          <a:p>
+            <a:pPr marL="400050" indent="-400050" algn="just">
+              <a:buFont typeface="Wingdings" panose="05000000000000000000" pitchFamily="2" charset="2"/>
+              <a:buChar char="ü"/>
+            </a:pPr>
+            <a:r>
+              <a:rPr lang="en-HK" b="1" i="0" dirty="0">
+                <a:effectLst/>
+                <a:latin typeface="Söhne"/>
+              </a:rPr>
+              <a:t>Streak-Based Motivation: </a:t>
+            </a:r>
+            <a:r>
+              <a:rPr lang="en-GB" b="0" i="0" dirty="0">
+                <a:solidFill>
+                  <a:srgbClr val="374151"/>
+                </a:solidFill>
+                <a:effectLst/>
+                <a:latin typeface="Söhne"/>
+              </a:rPr>
+              <a:t>Introduce Learn Sync's streak-based approach, turning challenges into achievements, </a:t>
+            </a:r>
+            <a:r>
+              <a:rPr lang="en-GB" b="0" i="0" dirty="0" err="1">
+                <a:solidFill>
+                  <a:srgbClr val="374151"/>
+                </a:solidFill>
+                <a:effectLst/>
+                <a:latin typeface="Söhne"/>
+              </a:rPr>
+              <a:t>fueling</a:t>
+            </a:r>
+            <a:r>
+              <a:rPr lang="en-GB" b="0" i="0" dirty="0">
+                <a:solidFill>
+                  <a:srgbClr val="374151"/>
+                </a:solidFill>
+                <a:effectLst/>
+                <a:latin typeface="Söhne"/>
+              </a:rPr>
+              <a:t> continuous motivation for users.</a:t>
+            </a:r>
+            <a:endParaRPr lang="en-HK" dirty="0"/>
+          </a:p>
+        </p:txBody>
+      </p:sp>
+      <p:sp>
+        <p:nvSpPr>
+          <p:cNvPr id="11" name="TextBox 10">
+            <a:extLst>
+              <a:ext uri="{FF2B5EF4-FFF2-40B4-BE49-F238E27FC236}">
+                <a16:creationId xmlns:a16="http://schemas.microsoft.com/office/drawing/2014/main" id="{F82711E6-E6DA-A42A-1561-948D941A870A}"/>
+              </a:ext>
+            </a:extLst>
+          </p:cNvPr>
+          <p:cNvSpPr txBox="1"/>
+          <p:nvPr/>
+        </p:nvSpPr>
+        <p:spPr>
+          <a:xfrm>
+            <a:off x="750171" y="4541980"/>
+            <a:ext cx="7544743" cy="646331"/>
+          </a:xfrm>
+          <a:custGeom>
+            <a:avLst/>
+            <a:gdLst>
+              <a:gd name="connsiteX0" fmla="*/ 0 w 7544743"/>
+              <a:gd name="connsiteY0" fmla="*/ 0 h 646331"/>
+              <a:gd name="connsiteX1" fmla="*/ 761333 w 7544743"/>
+              <a:gd name="connsiteY1" fmla="*/ 0 h 646331"/>
+              <a:gd name="connsiteX2" fmla="*/ 1296324 w 7544743"/>
+              <a:gd name="connsiteY2" fmla="*/ 0 h 646331"/>
+              <a:gd name="connsiteX3" fmla="*/ 1982210 w 7544743"/>
+              <a:gd name="connsiteY3" fmla="*/ 0 h 646331"/>
+              <a:gd name="connsiteX4" fmla="*/ 2668095 w 7544743"/>
+              <a:gd name="connsiteY4" fmla="*/ 0 h 646331"/>
+              <a:gd name="connsiteX5" fmla="*/ 3203086 w 7544743"/>
+              <a:gd name="connsiteY5" fmla="*/ 0 h 646331"/>
+              <a:gd name="connsiteX6" fmla="*/ 4039867 w 7544743"/>
+              <a:gd name="connsiteY6" fmla="*/ 0 h 646331"/>
+              <a:gd name="connsiteX7" fmla="*/ 4499410 w 7544743"/>
+              <a:gd name="connsiteY7" fmla="*/ 0 h 646331"/>
+              <a:gd name="connsiteX8" fmla="*/ 5185296 w 7544743"/>
+              <a:gd name="connsiteY8" fmla="*/ 0 h 646331"/>
+              <a:gd name="connsiteX9" fmla="*/ 5644840 w 7544743"/>
+              <a:gd name="connsiteY9" fmla="*/ 0 h 646331"/>
+              <a:gd name="connsiteX10" fmla="*/ 6255278 w 7544743"/>
+              <a:gd name="connsiteY10" fmla="*/ 0 h 646331"/>
+              <a:gd name="connsiteX11" fmla="*/ 6790269 w 7544743"/>
+              <a:gd name="connsiteY11" fmla="*/ 0 h 646331"/>
+              <a:gd name="connsiteX12" fmla="*/ 7544743 w 7544743"/>
+              <a:gd name="connsiteY12" fmla="*/ 0 h 646331"/>
+              <a:gd name="connsiteX13" fmla="*/ 7544743 w 7544743"/>
+              <a:gd name="connsiteY13" fmla="*/ 646331 h 646331"/>
+              <a:gd name="connsiteX14" fmla="*/ 7085200 w 7544743"/>
+              <a:gd name="connsiteY14" fmla="*/ 646331 h 646331"/>
+              <a:gd name="connsiteX15" fmla="*/ 6625656 w 7544743"/>
+              <a:gd name="connsiteY15" fmla="*/ 646331 h 646331"/>
+              <a:gd name="connsiteX16" fmla="*/ 6090665 w 7544743"/>
+              <a:gd name="connsiteY16" fmla="*/ 646331 h 646331"/>
+              <a:gd name="connsiteX17" fmla="*/ 5480227 w 7544743"/>
+              <a:gd name="connsiteY17" fmla="*/ 646331 h 646331"/>
+              <a:gd name="connsiteX18" fmla="*/ 4945236 w 7544743"/>
+              <a:gd name="connsiteY18" fmla="*/ 646331 h 646331"/>
+              <a:gd name="connsiteX19" fmla="*/ 4334798 w 7544743"/>
+              <a:gd name="connsiteY19" fmla="*/ 646331 h 646331"/>
+              <a:gd name="connsiteX20" fmla="*/ 3498017 w 7544743"/>
+              <a:gd name="connsiteY20" fmla="*/ 646331 h 646331"/>
+              <a:gd name="connsiteX21" fmla="*/ 2736684 w 7544743"/>
+              <a:gd name="connsiteY21" fmla="*/ 646331 h 646331"/>
+              <a:gd name="connsiteX22" fmla="*/ 1975351 w 7544743"/>
+              <a:gd name="connsiteY22" fmla="*/ 646331 h 646331"/>
+              <a:gd name="connsiteX23" fmla="*/ 1138570 w 7544743"/>
+              <a:gd name="connsiteY23" fmla="*/ 646331 h 646331"/>
+              <a:gd name="connsiteX24" fmla="*/ 0 w 7544743"/>
+              <a:gd name="connsiteY24" fmla="*/ 646331 h 646331"/>
+              <a:gd name="connsiteX25" fmla="*/ 0 w 7544743"/>
+              <a:gd name="connsiteY25" fmla="*/ 0 h 646331"/>
+            </a:gdLst>
+            <a:ahLst/>
+            <a:cxnLst>
+              <a:cxn ang="0">
+                <a:pos x="connsiteX0" y="connsiteY0"/>
+              </a:cxn>
+              <a:cxn ang="0">
+                <a:pos x="connsiteX1" y="connsiteY1"/>
+              </a:cxn>
+              <a:cxn ang="0">
+                <a:pos x="connsiteX2" y="connsiteY2"/>
+              </a:cxn>
+              <a:cxn ang="0">
+                <a:pos x="connsiteX3" y="connsiteY3"/>
+              </a:cxn>
+              <a:cxn ang="0">
+                <a:pos x="connsiteX4" y="connsiteY4"/>
+              </a:cxn>
+              <a:cxn ang="0">
+                <a:pos x="connsiteX5" y="connsiteY5"/>
+              </a:cxn>
+              <a:cxn ang="0">
+                <a:pos x="connsiteX6" y="connsiteY6"/>
+              </a:cxn>
+              <a:cxn ang="0">
+                <a:pos x="connsiteX7" y="connsiteY7"/>
+              </a:cxn>
+              <a:cxn ang="0">
+                <a:pos x="connsiteX8" y="connsiteY8"/>
+              </a:cxn>
+              <a:cxn ang="0">
+                <a:pos x="connsiteX9" y="connsiteY9"/>
+              </a:cxn>
+              <a:cxn ang="0">
+                <a:pos x="connsiteX10" y="connsiteY10"/>
+              </a:cxn>
+              <a:cxn ang="0">
+                <a:pos x="connsiteX11" y="connsiteY11"/>
+              </a:cxn>
+              <a:cxn ang="0">
+                <a:pos x="connsiteX12" y="connsiteY12"/>
+              </a:cxn>
+              <a:cxn ang="0">
+                <a:pos x="connsiteX13" y="connsiteY13"/>
+              </a:cxn>
+              <a:cxn ang="0">
+                <a:pos x="connsiteX14" y="connsiteY14"/>
+              </a:cxn>
+              <a:cxn ang="0">
+                <a:pos x="connsiteX15" y="connsiteY15"/>
+              </a:cxn>
+              <a:cxn ang="0">
+                <a:pos x="connsiteX16" y="connsiteY16"/>
+              </a:cxn>
+              <a:cxn ang="0">
+                <a:pos x="connsiteX17" y="connsiteY17"/>
+              </a:cxn>
+              <a:cxn ang="0">
+                <a:pos x="connsiteX18" y="connsiteY18"/>
+              </a:cxn>
+              <a:cxn ang="0">
+                <a:pos x="connsiteX19" y="connsiteY19"/>
+              </a:cxn>
+              <a:cxn ang="0">
+                <a:pos x="connsiteX20" y="connsiteY20"/>
+              </a:cxn>
+              <a:cxn ang="0">
+                <a:pos x="connsiteX21" y="connsiteY21"/>
+              </a:cxn>
+              <a:cxn ang="0">
+                <a:pos x="connsiteX22" y="connsiteY22"/>
+              </a:cxn>
+              <a:cxn ang="0">
+                <a:pos x="connsiteX23" y="connsiteY23"/>
+              </a:cxn>
+              <a:cxn ang="0">
+                <a:pos x="connsiteX24" y="connsiteY24"/>
+              </a:cxn>
+              <a:cxn ang="0">
+                <a:pos x="connsiteX25" y="connsiteY25"/>
+              </a:cxn>
+            </a:cxnLst>
+            <a:rect l="l" t="t" r="r" b="b"/>
+            <a:pathLst>
+              <a:path w="7544743" h="646331" fill="none" extrusionOk="0">
+                <a:moveTo>
+                  <a:pt x="0" y="0"/>
+                </a:moveTo>
+                <a:cubicBezTo>
+                  <a:pt x="335489" y="-9872"/>
+                  <a:pt x="547476" y="-28598"/>
+                  <a:pt x="761333" y="0"/>
+                </a:cubicBezTo>
+                <a:cubicBezTo>
+                  <a:pt x="975190" y="28598"/>
+                  <a:pt x="1051202" y="24253"/>
+                  <a:pt x="1296324" y="0"/>
+                </a:cubicBezTo>
+                <a:cubicBezTo>
+                  <a:pt x="1541446" y="-24253"/>
+                  <a:pt x="1834550" y="1047"/>
+                  <a:pt x="1982210" y="0"/>
+                </a:cubicBezTo>
+                <a:cubicBezTo>
+                  <a:pt x="2129870" y="-1047"/>
+                  <a:pt x="2455270" y="1993"/>
+                  <a:pt x="2668095" y="0"/>
+                </a:cubicBezTo>
+                <a:cubicBezTo>
+                  <a:pt x="2880921" y="-1993"/>
+                  <a:pt x="3081279" y="-7687"/>
+                  <a:pt x="3203086" y="0"/>
+                </a:cubicBezTo>
+                <a:cubicBezTo>
+                  <a:pt x="3324893" y="7687"/>
+                  <a:pt x="3811921" y="-33178"/>
+                  <a:pt x="4039867" y="0"/>
+                </a:cubicBezTo>
+                <a:cubicBezTo>
+                  <a:pt x="4267813" y="33178"/>
+                  <a:pt x="4287405" y="20982"/>
+                  <a:pt x="4499410" y="0"/>
+                </a:cubicBezTo>
+                <a:cubicBezTo>
+                  <a:pt x="4711415" y="-20982"/>
+                  <a:pt x="4978981" y="4545"/>
+                  <a:pt x="5185296" y="0"/>
+                </a:cubicBezTo>
+                <a:cubicBezTo>
+                  <a:pt x="5391611" y="-4545"/>
+                  <a:pt x="5459407" y="11380"/>
+                  <a:pt x="5644840" y="0"/>
+                </a:cubicBezTo>
+                <a:cubicBezTo>
+                  <a:pt x="5830273" y="-11380"/>
+                  <a:pt x="6124962" y="-7579"/>
+                  <a:pt x="6255278" y="0"/>
+                </a:cubicBezTo>
+                <a:cubicBezTo>
+                  <a:pt x="6385594" y="7579"/>
+                  <a:pt x="6549822" y="24227"/>
+                  <a:pt x="6790269" y="0"/>
+                </a:cubicBezTo>
+                <a:cubicBezTo>
+                  <a:pt x="7030716" y="-24227"/>
+                  <a:pt x="7328037" y="1824"/>
+                  <a:pt x="7544743" y="0"/>
+                </a:cubicBezTo>
+                <a:cubicBezTo>
+                  <a:pt x="7560859" y="193496"/>
+                  <a:pt x="7562563" y="475632"/>
+                  <a:pt x="7544743" y="646331"/>
+                </a:cubicBezTo>
+                <a:cubicBezTo>
+                  <a:pt x="7319251" y="630089"/>
+                  <a:pt x="7298076" y="628123"/>
+                  <a:pt x="7085200" y="646331"/>
+                </a:cubicBezTo>
+                <a:cubicBezTo>
+                  <a:pt x="6872324" y="664539"/>
+                  <a:pt x="6747845" y="657490"/>
+                  <a:pt x="6625656" y="646331"/>
+                </a:cubicBezTo>
+                <a:cubicBezTo>
+                  <a:pt x="6503467" y="635172"/>
+                  <a:pt x="6253869" y="645755"/>
+                  <a:pt x="6090665" y="646331"/>
+                </a:cubicBezTo>
+                <a:cubicBezTo>
+                  <a:pt x="5927461" y="646907"/>
+                  <a:pt x="5712894" y="655410"/>
+                  <a:pt x="5480227" y="646331"/>
+                </a:cubicBezTo>
+                <a:cubicBezTo>
+                  <a:pt x="5247560" y="637252"/>
+                  <a:pt x="5105195" y="640434"/>
+                  <a:pt x="4945236" y="646331"/>
+                </a:cubicBezTo>
+                <a:cubicBezTo>
+                  <a:pt x="4785277" y="652228"/>
+                  <a:pt x="4494599" y="624000"/>
+                  <a:pt x="4334798" y="646331"/>
+                </a:cubicBezTo>
+                <a:cubicBezTo>
+                  <a:pt x="4174997" y="668662"/>
+                  <a:pt x="3809018" y="645648"/>
+                  <a:pt x="3498017" y="646331"/>
+                </a:cubicBezTo>
+                <a:cubicBezTo>
+                  <a:pt x="3187016" y="647014"/>
+                  <a:pt x="3102923" y="639858"/>
+                  <a:pt x="2736684" y="646331"/>
+                </a:cubicBezTo>
+                <a:cubicBezTo>
+                  <a:pt x="2370445" y="652804"/>
+                  <a:pt x="2238312" y="664388"/>
+                  <a:pt x="1975351" y="646331"/>
+                </a:cubicBezTo>
+                <a:cubicBezTo>
+                  <a:pt x="1712390" y="628274"/>
+                  <a:pt x="1460136" y="683064"/>
+                  <a:pt x="1138570" y="646331"/>
+                </a:cubicBezTo>
+                <a:cubicBezTo>
+                  <a:pt x="817004" y="609598"/>
+                  <a:pt x="509661" y="640020"/>
+                  <a:pt x="0" y="646331"/>
+                </a:cubicBezTo>
+                <a:cubicBezTo>
+                  <a:pt x="29109" y="446730"/>
+                  <a:pt x="2605" y="141665"/>
+                  <a:pt x="0" y="0"/>
+                </a:cubicBezTo>
+                <a:close/>
+              </a:path>
+              <a:path w="7544743" h="646331" stroke="0" extrusionOk="0">
+                <a:moveTo>
+                  <a:pt x="0" y="0"/>
+                </a:moveTo>
+                <a:cubicBezTo>
+                  <a:pt x="125053" y="8772"/>
+                  <a:pt x="383165" y="-16448"/>
+                  <a:pt x="610438" y="0"/>
+                </a:cubicBezTo>
+                <a:cubicBezTo>
+                  <a:pt x="837711" y="16448"/>
+                  <a:pt x="966338" y="-6090"/>
+                  <a:pt x="1296324" y="0"/>
+                </a:cubicBezTo>
+                <a:cubicBezTo>
+                  <a:pt x="1626310" y="6090"/>
+                  <a:pt x="1743580" y="5816"/>
+                  <a:pt x="1906762" y="0"/>
+                </a:cubicBezTo>
+                <a:cubicBezTo>
+                  <a:pt x="2069944" y="-5816"/>
+                  <a:pt x="2174931" y="16077"/>
+                  <a:pt x="2366306" y="0"/>
+                </a:cubicBezTo>
+                <a:cubicBezTo>
+                  <a:pt x="2557681" y="-16077"/>
+                  <a:pt x="2871580" y="17134"/>
+                  <a:pt x="3127639" y="0"/>
+                </a:cubicBezTo>
+                <a:cubicBezTo>
+                  <a:pt x="3383698" y="-17134"/>
+                  <a:pt x="3607731" y="-22159"/>
+                  <a:pt x="3738077" y="0"/>
+                </a:cubicBezTo>
+                <a:cubicBezTo>
+                  <a:pt x="3868423" y="22159"/>
+                  <a:pt x="4342825" y="-35136"/>
+                  <a:pt x="4574858" y="0"/>
+                </a:cubicBezTo>
+                <a:cubicBezTo>
+                  <a:pt x="4806891" y="35136"/>
+                  <a:pt x="4989485" y="23873"/>
+                  <a:pt x="5109849" y="0"/>
+                </a:cubicBezTo>
+                <a:cubicBezTo>
+                  <a:pt x="5230213" y="-23873"/>
+                  <a:pt x="5436523" y="-21416"/>
+                  <a:pt x="5644840" y="0"/>
+                </a:cubicBezTo>
+                <a:cubicBezTo>
+                  <a:pt x="5853157" y="21416"/>
+                  <a:pt x="6199004" y="-1791"/>
+                  <a:pt x="6481620" y="0"/>
+                </a:cubicBezTo>
+                <a:cubicBezTo>
+                  <a:pt x="6764236" y="1791"/>
+                  <a:pt x="7039528" y="-31682"/>
+                  <a:pt x="7544743" y="0"/>
+                </a:cubicBezTo>
+                <a:cubicBezTo>
+                  <a:pt x="7532516" y="311281"/>
+                  <a:pt x="7560219" y="424163"/>
+                  <a:pt x="7544743" y="646331"/>
+                </a:cubicBezTo>
+                <a:cubicBezTo>
+                  <a:pt x="7388700" y="637328"/>
+                  <a:pt x="7288541" y="652828"/>
+                  <a:pt x="7085200" y="646331"/>
+                </a:cubicBezTo>
+                <a:cubicBezTo>
+                  <a:pt x="6881859" y="639834"/>
+                  <a:pt x="6609600" y="615080"/>
+                  <a:pt x="6323866" y="646331"/>
+                </a:cubicBezTo>
+                <a:cubicBezTo>
+                  <a:pt x="6038132" y="677582"/>
+                  <a:pt x="5890250" y="680698"/>
+                  <a:pt x="5562533" y="646331"/>
+                </a:cubicBezTo>
+                <a:cubicBezTo>
+                  <a:pt x="5234816" y="611964"/>
+                  <a:pt x="5097149" y="622025"/>
+                  <a:pt x="4876648" y="646331"/>
+                </a:cubicBezTo>
+                <a:cubicBezTo>
+                  <a:pt x="4656147" y="670637"/>
+                  <a:pt x="4470125" y="628994"/>
+                  <a:pt x="4341657" y="646331"/>
+                </a:cubicBezTo>
+                <a:cubicBezTo>
+                  <a:pt x="4213189" y="663668"/>
+                  <a:pt x="4033499" y="648564"/>
+                  <a:pt x="3882113" y="646331"/>
+                </a:cubicBezTo>
+                <a:cubicBezTo>
+                  <a:pt x="3730727" y="644098"/>
+                  <a:pt x="3642348" y="657950"/>
+                  <a:pt x="3422570" y="646331"/>
+                </a:cubicBezTo>
+                <a:cubicBezTo>
+                  <a:pt x="3202792" y="634712"/>
+                  <a:pt x="2832607" y="666257"/>
+                  <a:pt x="2661237" y="646331"/>
+                </a:cubicBezTo>
+                <a:cubicBezTo>
+                  <a:pt x="2489867" y="626405"/>
+                  <a:pt x="2050002" y="642298"/>
+                  <a:pt x="1824456" y="646331"/>
+                </a:cubicBezTo>
+                <a:cubicBezTo>
+                  <a:pt x="1598910" y="650364"/>
+                  <a:pt x="1479106" y="667321"/>
+                  <a:pt x="1289465" y="646331"/>
+                </a:cubicBezTo>
+                <a:cubicBezTo>
+                  <a:pt x="1099824" y="625341"/>
+                  <a:pt x="775177" y="661984"/>
+                  <a:pt x="603579" y="646331"/>
+                </a:cubicBezTo>
+                <a:cubicBezTo>
+                  <a:pt x="431981" y="630678"/>
+                  <a:pt x="174504" y="666749"/>
+                  <a:pt x="0" y="646331"/>
+                </a:cubicBezTo>
+                <a:cubicBezTo>
+                  <a:pt x="-13309" y="380879"/>
+                  <a:pt x="6008" y="129828"/>
+                  <a:pt x="0" y="0"/>
+                </a:cubicBezTo>
+                <a:close/>
+              </a:path>
+            </a:pathLst>
+          </a:custGeom>
+          <a:solidFill>
+            <a:schemeClr val="accent1">
+              <a:lumMod val="40000"/>
+              <a:lumOff val="60000"/>
+            </a:schemeClr>
+          </a:solidFill>
+          <a:ln w="38100">
+            <a:solidFill>
+              <a:srgbClr val="00B0F0"/>
+            </a:solidFill>
+            <a:extLst>
+              <a:ext uri="{C807C97D-BFC1-408E-A445-0C87EB9F89A2}">
+                <ask:lineSketchStyleProps xmlns:ask="http://schemas.microsoft.com/office/drawing/2018/sketchyshapes" sd="3226494589">
+                  <a:prstGeom prst="rect">
+                    <a:avLst/>
+                  </a:prstGeom>
+                  <ask:type>
+                    <ask:lineSketchFreehand/>
+                  </ask:type>
+                </ask:lineSketchStyleProps>
+              </a:ext>
+            </a:extLst>
+          </a:ln>
+        </p:spPr>
+        <p:txBody>
+          <a:bodyPr wrap="square" rtlCol="0">
+            <a:spAutoFit/>
+          </a:bodyPr>
+          <a:lstStyle/>
+          <a:p>
+            <a:pPr marL="400050" indent="-400050" algn="just">
+              <a:buFont typeface="Wingdings" panose="05000000000000000000" pitchFamily="2" charset="2"/>
+              <a:buChar char="ü"/>
+            </a:pPr>
+            <a:r>
+              <a:rPr lang="en-IN" b="1" dirty="0"/>
+              <a:t>Accessible, Usable, Scalable:</a:t>
+            </a:r>
+            <a:r>
+              <a:rPr lang="en-IN" dirty="0"/>
+              <a:t> </a:t>
+            </a:r>
+            <a:r>
+              <a:rPr lang="en-GB" b="0" i="0" dirty="0">
+                <a:solidFill>
+                  <a:srgbClr val="374151"/>
+                </a:solidFill>
+                <a:effectLst/>
+                <a:latin typeface="Söhne"/>
+              </a:rPr>
+              <a:t>Design Learn Sync for easy access, usability, and scalable adaptability, meeting diverse learning needs effortlessly.</a:t>
+            </a:r>
+          </a:p>
+        </p:txBody>
+      </p:sp>
+      <p:sp>
+        <p:nvSpPr>
+          <p:cNvPr id="12" name="TextBox 11">
+            <a:extLst>
+              <a:ext uri="{FF2B5EF4-FFF2-40B4-BE49-F238E27FC236}">
+                <a16:creationId xmlns:a16="http://schemas.microsoft.com/office/drawing/2014/main" id="{71FCDC72-DD7A-A381-87F1-5AE69E3E9CB7}"/>
+              </a:ext>
+            </a:extLst>
+          </p:cNvPr>
+          <p:cNvSpPr txBox="1"/>
+          <p:nvPr/>
+        </p:nvSpPr>
+        <p:spPr>
+          <a:xfrm>
+            <a:off x="750172" y="2688675"/>
+            <a:ext cx="10691655" cy="369332"/>
+          </a:xfrm>
+          <a:custGeom>
+            <a:avLst/>
+            <a:gdLst>
+              <a:gd name="connsiteX0" fmla="*/ 0 w 10691655"/>
+              <a:gd name="connsiteY0" fmla="*/ 0 h 369332"/>
+              <a:gd name="connsiteX1" fmla="*/ 561312 w 10691655"/>
+              <a:gd name="connsiteY1" fmla="*/ 0 h 369332"/>
+              <a:gd name="connsiteX2" fmla="*/ 1229540 w 10691655"/>
+              <a:gd name="connsiteY2" fmla="*/ 0 h 369332"/>
+              <a:gd name="connsiteX3" fmla="*/ 1790852 w 10691655"/>
+              <a:gd name="connsiteY3" fmla="*/ 0 h 369332"/>
+              <a:gd name="connsiteX4" fmla="*/ 2138331 w 10691655"/>
+              <a:gd name="connsiteY4" fmla="*/ 0 h 369332"/>
+              <a:gd name="connsiteX5" fmla="*/ 2913476 w 10691655"/>
+              <a:gd name="connsiteY5" fmla="*/ 0 h 369332"/>
+              <a:gd name="connsiteX6" fmla="*/ 3474788 w 10691655"/>
+              <a:gd name="connsiteY6" fmla="*/ 0 h 369332"/>
+              <a:gd name="connsiteX7" fmla="*/ 4356849 w 10691655"/>
+              <a:gd name="connsiteY7" fmla="*/ 0 h 369332"/>
+              <a:gd name="connsiteX8" fmla="*/ 4811245 w 10691655"/>
+              <a:gd name="connsiteY8" fmla="*/ 0 h 369332"/>
+              <a:gd name="connsiteX9" fmla="*/ 5265640 w 10691655"/>
+              <a:gd name="connsiteY9" fmla="*/ 0 h 369332"/>
+              <a:gd name="connsiteX10" fmla="*/ 6147702 w 10691655"/>
+              <a:gd name="connsiteY10" fmla="*/ 0 h 369332"/>
+              <a:gd name="connsiteX11" fmla="*/ 6922847 w 10691655"/>
+              <a:gd name="connsiteY11" fmla="*/ 0 h 369332"/>
+              <a:gd name="connsiteX12" fmla="*/ 7484158 w 10691655"/>
+              <a:gd name="connsiteY12" fmla="*/ 0 h 369332"/>
+              <a:gd name="connsiteX13" fmla="*/ 7938554 w 10691655"/>
+              <a:gd name="connsiteY13" fmla="*/ 0 h 369332"/>
+              <a:gd name="connsiteX14" fmla="*/ 8606782 w 10691655"/>
+              <a:gd name="connsiteY14" fmla="*/ 0 h 369332"/>
+              <a:gd name="connsiteX15" fmla="*/ 8954261 w 10691655"/>
+              <a:gd name="connsiteY15" fmla="*/ 0 h 369332"/>
+              <a:gd name="connsiteX16" fmla="*/ 9622489 w 10691655"/>
+              <a:gd name="connsiteY16" fmla="*/ 0 h 369332"/>
+              <a:gd name="connsiteX17" fmla="*/ 10691655 w 10691655"/>
+              <a:gd name="connsiteY17" fmla="*/ 0 h 369332"/>
+              <a:gd name="connsiteX18" fmla="*/ 10691655 w 10691655"/>
+              <a:gd name="connsiteY18" fmla="*/ 369332 h 369332"/>
+              <a:gd name="connsiteX19" fmla="*/ 10237260 w 10691655"/>
+              <a:gd name="connsiteY19" fmla="*/ 369332 h 369332"/>
+              <a:gd name="connsiteX20" fmla="*/ 9462115 w 10691655"/>
+              <a:gd name="connsiteY20" fmla="*/ 369332 h 369332"/>
+              <a:gd name="connsiteX21" fmla="*/ 8580053 w 10691655"/>
+              <a:gd name="connsiteY21" fmla="*/ 369332 h 369332"/>
+              <a:gd name="connsiteX22" fmla="*/ 8125658 w 10691655"/>
+              <a:gd name="connsiteY22" fmla="*/ 369332 h 369332"/>
+              <a:gd name="connsiteX23" fmla="*/ 7457429 w 10691655"/>
+              <a:gd name="connsiteY23" fmla="*/ 369332 h 369332"/>
+              <a:gd name="connsiteX24" fmla="*/ 6682284 w 10691655"/>
+              <a:gd name="connsiteY24" fmla="*/ 369332 h 369332"/>
+              <a:gd name="connsiteX25" fmla="*/ 6227889 w 10691655"/>
+              <a:gd name="connsiteY25" fmla="*/ 369332 h 369332"/>
+              <a:gd name="connsiteX26" fmla="*/ 5666577 w 10691655"/>
+              <a:gd name="connsiteY26" fmla="*/ 369332 h 369332"/>
+              <a:gd name="connsiteX27" fmla="*/ 4891432 w 10691655"/>
+              <a:gd name="connsiteY27" fmla="*/ 369332 h 369332"/>
+              <a:gd name="connsiteX28" fmla="*/ 4009371 w 10691655"/>
+              <a:gd name="connsiteY28" fmla="*/ 369332 h 369332"/>
+              <a:gd name="connsiteX29" fmla="*/ 3127309 w 10691655"/>
+              <a:gd name="connsiteY29" fmla="*/ 369332 h 369332"/>
+              <a:gd name="connsiteX30" fmla="*/ 2245248 w 10691655"/>
+              <a:gd name="connsiteY30" fmla="*/ 369332 h 369332"/>
+              <a:gd name="connsiteX31" fmla="*/ 1683936 w 10691655"/>
+              <a:gd name="connsiteY31" fmla="*/ 369332 h 369332"/>
+              <a:gd name="connsiteX32" fmla="*/ 1229540 w 10691655"/>
+              <a:gd name="connsiteY32" fmla="*/ 369332 h 369332"/>
+              <a:gd name="connsiteX33" fmla="*/ 882062 w 10691655"/>
+              <a:gd name="connsiteY33" fmla="*/ 369332 h 369332"/>
+              <a:gd name="connsiteX34" fmla="*/ 0 w 10691655"/>
+              <a:gd name="connsiteY34" fmla="*/ 369332 h 369332"/>
+              <a:gd name="connsiteX35" fmla="*/ 0 w 10691655"/>
+              <a:gd name="connsiteY35" fmla="*/ 0 h 369332"/>
+            </a:gdLst>
+            <a:ahLst/>
+            <a:cxnLst>
+              <a:cxn ang="0">
+                <a:pos x="connsiteX0" y="connsiteY0"/>
+              </a:cxn>
+              <a:cxn ang="0">
+                <a:pos x="connsiteX1" y="connsiteY1"/>
+              </a:cxn>
+              <a:cxn ang="0">
+                <a:pos x="connsiteX2" y="connsiteY2"/>
+              </a:cxn>
+              <a:cxn ang="0">
+                <a:pos x="connsiteX3" y="connsiteY3"/>
+              </a:cxn>
+              <a:cxn ang="0">
+                <a:pos x="connsiteX4" y="connsiteY4"/>
+              </a:cxn>
+              <a:cxn ang="0">
+                <a:pos x="connsiteX5" y="connsiteY5"/>
+              </a:cxn>
+              <a:cxn ang="0">
+                <a:pos x="connsiteX6" y="connsiteY6"/>
+              </a:cxn>
+              <a:cxn ang="0">
+                <a:pos x="connsiteX7" y="connsiteY7"/>
+              </a:cxn>
+              <a:cxn ang="0">
+                <a:pos x="connsiteX8" y="connsiteY8"/>
+              </a:cxn>
+              <a:cxn ang="0">
+                <a:pos x="connsiteX9" y="connsiteY9"/>
+              </a:cxn>
+              <a:cxn ang="0">
+                <a:pos x="connsiteX10" y="connsiteY10"/>
+              </a:cxn>
+              <a:cxn ang="0">
+                <a:pos x="connsiteX11" y="connsiteY11"/>
+              </a:cxn>
+              <a:cxn ang="0">
+                <a:pos x="connsiteX12" y="connsiteY12"/>
+              </a:cxn>
+              <a:cxn ang="0">
+                <a:pos x="connsiteX13" y="connsiteY13"/>
+              </a:cxn>
+              <a:cxn ang="0">
+                <a:pos x="connsiteX14" y="connsiteY14"/>
+              </a:cxn>
+              <a:cxn ang="0">
+                <a:pos x="connsiteX15" y="connsiteY15"/>
+              </a:cxn>
+              <a:cxn ang="0">
+                <a:pos x="connsiteX16" y="connsiteY16"/>
+              </a:cxn>
+              <a:cxn ang="0">
+                <a:pos x="connsiteX17" y="connsiteY17"/>
+              </a:cxn>
+              <a:cxn ang="0">
+                <a:pos x="connsiteX18" y="connsiteY18"/>
+              </a:cxn>
+              <a:cxn ang="0">
+                <a:pos x="connsiteX19" y="connsiteY19"/>
+              </a:cxn>
+              <a:cxn ang="0">
+                <a:pos x="connsiteX20" y="connsiteY20"/>
+              </a:cxn>
+              <a:cxn ang="0">
+                <a:pos x="connsiteX21" y="connsiteY21"/>
+              </a:cxn>
+              <a:cxn ang="0">
+                <a:pos x="connsiteX22" y="connsiteY22"/>
+              </a:cxn>
+              <a:cxn ang="0">
+                <a:pos x="connsiteX23" y="connsiteY23"/>
+              </a:cxn>
+              <a:cxn ang="0">
+                <a:pos x="connsiteX24" y="connsiteY24"/>
+              </a:cxn>
+              <a:cxn ang="0">
+                <a:pos x="connsiteX25" y="connsiteY25"/>
+              </a:cxn>
+              <a:cxn ang="0">
+                <a:pos x="connsiteX26" y="connsiteY26"/>
+              </a:cxn>
+              <a:cxn ang="0">
+                <a:pos x="connsiteX27" y="connsiteY27"/>
+              </a:cxn>
+              <a:cxn ang="0">
+                <a:pos x="connsiteX28" y="connsiteY28"/>
+              </a:cxn>
+              <a:cxn ang="0">
+                <a:pos x="connsiteX29" y="connsiteY29"/>
+              </a:cxn>
+              <a:cxn ang="0">
+                <a:pos x="connsiteX30" y="connsiteY30"/>
+              </a:cxn>
+              <a:cxn ang="0">
+                <a:pos x="connsiteX31" y="connsiteY31"/>
+              </a:cxn>
+              <a:cxn ang="0">
+                <a:pos x="connsiteX32" y="connsiteY32"/>
+              </a:cxn>
+              <a:cxn ang="0">
+                <a:pos x="connsiteX33" y="connsiteY33"/>
+              </a:cxn>
+              <a:cxn ang="0">
+                <a:pos x="connsiteX34" y="connsiteY34"/>
+              </a:cxn>
+              <a:cxn ang="0">
+                <a:pos x="connsiteX35" y="connsiteY35"/>
+              </a:cxn>
+            </a:cxnLst>
+            <a:rect l="l" t="t" r="r" b="b"/>
+            <a:pathLst>
+              <a:path w="10691655" h="369332" extrusionOk="0">
+                <a:moveTo>
+                  <a:pt x="0" y="0"/>
+                </a:moveTo>
+                <a:cubicBezTo>
+                  <a:pt x="239422" y="17771"/>
+                  <a:pt x="370559" y="17667"/>
+                  <a:pt x="561312" y="0"/>
+                </a:cubicBezTo>
+                <a:cubicBezTo>
+                  <a:pt x="752065" y="-17667"/>
+                  <a:pt x="1092210" y="-13872"/>
+                  <a:pt x="1229540" y="0"/>
+                </a:cubicBezTo>
+                <a:cubicBezTo>
+                  <a:pt x="1366870" y="13872"/>
+                  <a:pt x="1631053" y="-8320"/>
+                  <a:pt x="1790852" y="0"/>
+                </a:cubicBezTo>
+                <a:cubicBezTo>
+                  <a:pt x="1950651" y="8320"/>
+                  <a:pt x="2003831" y="-15932"/>
+                  <a:pt x="2138331" y="0"/>
+                </a:cubicBezTo>
+                <a:cubicBezTo>
+                  <a:pt x="2272831" y="15932"/>
+                  <a:pt x="2746664" y="38087"/>
+                  <a:pt x="2913476" y="0"/>
+                </a:cubicBezTo>
+                <a:cubicBezTo>
+                  <a:pt x="3080288" y="-38087"/>
+                  <a:pt x="3226357" y="19552"/>
+                  <a:pt x="3474788" y="0"/>
+                </a:cubicBezTo>
+                <a:cubicBezTo>
+                  <a:pt x="3723219" y="-19552"/>
+                  <a:pt x="4113770" y="-6348"/>
+                  <a:pt x="4356849" y="0"/>
+                </a:cubicBezTo>
+                <a:cubicBezTo>
+                  <a:pt x="4599928" y="6348"/>
+                  <a:pt x="4619516" y="-1806"/>
+                  <a:pt x="4811245" y="0"/>
+                </a:cubicBezTo>
+                <a:cubicBezTo>
+                  <a:pt x="5002974" y="1806"/>
+                  <a:pt x="5101045" y="-7318"/>
+                  <a:pt x="5265640" y="0"/>
+                </a:cubicBezTo>
+                <a:cubicBezTo>
+                  <a:pt x="5430236" y="7318"/>
+                  <a:pt x="5863941" y="-35529"/>
+                  <a:pt x="6147702" y="0"/>
+                </a:cubicBezTo>
+                <a:cubicBezTo>
+                  <a:pt x="6431463" y="35529"/>
+                  <a:pt x="6724770" y="-37392"/>
+                  <a:pt x="6922847" y="0"/>
+                </a:cubicBezTo>
+                <a:cubicBezTo>
+                  <a:pt x="7120925" y="37392"/>
+                  <a:pt x="7312479" y="-14192"/>
+                  <a:pt x="7484158" y="0"/>
+                </a:cubicBezTo>
+                <a:cubicBezTo>
+                  <a:pt x="7655837" y="14192"/>
+                  <a:pt x="7789663" y="-4575"/>
+                  <a:pt x="7938554" y="0"/>
+                </a:cubicBezTo>
+                <a:cubicBezTo>
+                  <a:pt x="8087445" y="4575"/>
+                  <a:pt x="8341327" y="-8372"/>
+                  <a:pt x="8606782" y="0"/>
+                </a:cubicBezTo>
+                <a:cubicBezTo>
+                  <a:pt x="8872237" y="8372"/>
+                  <a:pt x="8863751" y="-10924"/>
+                  <a:pt x="8954261" y="0"/>
+                </a:cubicBezTo>
+                <a:cubicBezTo>
+                  <a:pt x="9044771" y="10924"/>
+                  <a:pt x="9424287" y="27489"/>
+                  <a:pt x="9622489" y="0"/>
+                </a:cubicBezTo>
+                <a:cubicBezTo>
+                  <a:pt x="9820691" y="-27489"/>
+                  <a:pt x="10228847" y="14615"/>
+                  <a:pt x="10691655" y="0"/>
+                </a:cubicBezTo>
+                <a:cubicBezTo>
+                  <a:pt x="10692591" y="99373"/>
+                  <a:pt x="10683671" y="191834"/>
+                  <a:pt x="10691655" y="369332"/>
+                </a:cubicBezTo>
+                <a:cubicBezTo>
+                  <a:pt x="10551973" y="362265"/>
+                  <a:pt x="10397984" y="352600"/>
+                  <a:pt x="10237260" y="369332"/>
+                </a:cubicBezTo>
+                <a:cubicBezTo>
+                  <a:pt x="10076537" y="386064"/>
+                  <a:pt x="9711505" y="371009"/>
+                  <a:pt x="9462115" y="369332"/>
+                </a:cubicBezTo>
+                <a:cubicBezTo>
+                  <a:pt x="9212726" y="367655"/>
+                  <a:pt x="9012664" y="357741"/>
+                  <a:pt x="8580053" y="369332"/>
+                </a:cubicBezTo>
+                <a:cubicBezTo>
+                  <a:pt x="8147442" y="380923"/>
+                  <a:pt x="8294943" y="385046"/>
+                  <a:pt x="8125658" y="369332"/>
+                </a:cubicBezTo>
+                <a:cubicBezTo>
+                  <a:pt x="7956373" y="353618"/>
+                  <a:pt x="7704039" y="352086"/>
+                  <a:pt x="7457429" y="369332"/>
+                </a:cubicBezTo>
+                <a:cubicBezTo>
+                  <a:pt x="7210819" y="386578"/>
+                  <a:pt x="7043187" y="368755"/>
+                  <a:pt x="6682284" y="369332"/>
+                </a:cubicBezTo>
+                <a:cubicBezTo>
+                  <a:pt x="6321381" y="369909"/>
+                  <a:pt x="6324404" y="377077"/>
+                  <a:pt x="6227889" y="369332"/>
+                </a:cubicBezTo>
+                <a:cubicBezTo>
+                  <a:pt x="6131374" y="361587"/>
+                  <a:pt x="5789773" y="357790"/>
+                  <a:pt x="5666577" y="369332"/>
+                </a:cubicBezTo>
+                <a:cubicBezTo>
+                  <a:pt x="5543381" y="380874"/>
+                  <a:pt x="5122782" y="375150"/>
+                  <a:pt x="4891432" y="369332"/>
+                </a:cubicBezTo>
+                <a:cubicBezTo>
+                  <a:pt x="4660082" y="363514"/>
+                  <a:pt x="4332322" y="380270"/>
+                  <a:pt x="4009371" y="369332"/>
+                </a:cubicBezTo>
+                <a:cubicBezTo>
+                  <a:pt x="3686420" y="358394"/>
+                  <a:pt x="3368584" y="355187"/>
+                  <a:pt x="3127309" y="369332"/>
+                </a:cubicBezTo>
+                <a:cubicBezTo>
+                  <a:pt x="2886034" y="383477"/>
+                  <a:pt x="2477193" y="343189"/>
+                  <a:pt x="2245248" y="369332"/>
+                </a:cubicBezTo>
+                <a:cubicBezTo>
+                  <a:pt x="2013303" y="395475"/>
+                  <a:pt x="1828855" y="361483"/>
+                  <a:pt x="1683936" y="369332"/>
+                </a:cubicBezTo>
+                <a:cubicBezTo>
+                  <a:pt x="1539017" y="377181"/>
+                  <a:pt x="1438362" y="358403"/>
+                  <a:pt x="1229540" y="369332"/>
+                </a:cubicBezTo>
+                <a:cubicBezTo>
+                  <a:pt x="1020718" y="380261"/>
+                  <a:pt x="1054656" y="360711"/>
+                  <a:pt x="882062" y="369332"/>
+                </a:cubicBezTo>
+                <a:cubicBezTo>
+                  <a:pt x="709468" y="377953"/>
+                  <a:pt x="218564" y="339802"/>
+                  <a:pt x="0" y="369332"/>
+                </a:cubicBezTo>
+                <a:cubicBezTo>
+                  <a:pt x="1301" y="276506"/>
+                  <a:pt x="-10763" y="158196"/>
+                  <a:pt x="0" y="0"/>
+                </a:cubicBezTo>
+                <a:close/>
+              </a:path>
+            </a:pathLst>
+          </a:custGeom>
+          <a:solidFill>
+            <a:srgbClr val="FFA7CF"/>
+          </a:solidFill>
+          <a:ln w="38100">
+            <a:solidFill>
+              <a:srgbClr val="F32976"/>
+            </a:solidFill>
+            <a:extLst>
+              <a:ext uri="{C807C97D-BFC1-408E-A445-0C87EB9F89A2}">
+                <ask:lineSketchStyleProps xmlns:ask="http://schemas.microsoft.com/office/drawing/2018/sketchyshapes" sd="3226494589">
+                  <a:prstGeom prst="rect">
+                    <a:avLst/>
+                  </a:prstGeom>
+                  <ask:type>
+                    <ask:lineSketchFreehand/>
+                  </ask:type>
+                </ask:lineSketchStyleProps>
+              </a:ext>
+            </a:extLst>
+          </a:ln>
+        </p:spPr>
+        <p:txBody>
+          <a:bodyPr wrap="square" rtlCol="0">
+            <a:spAutoFit/>
+          </a:bodyPr>
+          <a:lstStyle/>
+          <a:p>
+            <a:pPr marL="400050" indent="-400050" algn="just">
+              <a:buFont typeface="Wingdings" panose="05000000000000000000" pitchFamily="2" charset="2"/>
+              <a:buChar char="ü"/>
+            </a:pPr>
+            <a:r>
+              <a:rPr lang="en-IN" b="1" dirty="0"/>
+              <a:t>UI Excellence: </a:t>
+            </a:r>
+            <a:r>
+              <a:rPr lang="en-GB" b="0" i="0" dirty="0">
+                <a:solidFill>
+                  <a:srgbClr val="374151"/>
+                </a:solidFill>
+                <a:effectLst/>
+                <a:latin typeface="Söhne"/>
+              </a:rPr>
+              <a:t>Craft a sleek UI for Learn Sync, balancing aesthetics and utility seamlessly for user satisfaction.</a:t>
+            </a:r>
+          </a:p>
+        </p:txBody>
+      </p:sp>
+      <p:sp>
+        <p:nvSpPr>
+          <p:cNvPr id="13" name="TextBox 12">
+            <a:extLst>
+              <a:ext uri="{FF2B5EF4-FFF2-40B4-BE49-F238E27FC236}">
+                <a16:creationId xmlns:a16="http://schemas.microsoft.com/office/drawing/2014/main" id="{C425CF27-F4F8-F390-1292-20AEB274F692}"/>
+              </a:ext>
+            </a:extLst>
+          </p:cNvPr>
+          <p:cNvSpPr txBox="1"/>
+          <p:nvPr/>
+        </p:nvSpPr>
+        <p:spPr>
+          <a:xfrm>
+            <a:off x="750171" y="1650204"/>
+            <a:ext cx="10691655" cy="646331"/>
+          </a:xfrm>
+          <a:custGeom>
+            <a:avLst/>
+            <a:gdLst>
+              <a:gd name="connsiteX0" fmla="*/ 0 w 10691655"/>
+              <a:gd name="connsiteY0" fmla="*/ 0 h 646331"/>
+              <a:gd name="connsiteX1" fmla="*/ 561312 w 10691655"/>
+              <a:gd name="connsiteY1" fmla="*/ 0 h 646331"/>
+              <a:gd name="connsiteX2" fmla="*/ 1229540 w 10691655"/>
+              <a:gd name="connsiteY2" fmla="*/ 0 h 646331"/>
+              <a:gd name="connsiteX3" fmla="*/ 1790852 w 10691655"/>
+              <a:gd name="connsiteY3" fmla="*/ 0 h 646331"/>
+              <a:gd name="connsiteX4" fmla="*/ 2138331 w 10691655"/>
+              <a:gd name="connsiteY4" fmla="*/ 0 h 646331"/>
+              <a:gd name="connsiteX5" fmla="*/ 2913476 w 10691655"/>
+              <a:gd name="connsiteY5" fmla="*/ 0 h 646331"/>
+              <a:gd name="connsiteX6" fmla="*/ 3474788 w 10691655"/>
+              <a:gd name="connsiteY6" fmla="*/ 0 h 646331"/>
+              <a:gd name="connsiteX7" fmla="*/ 4356849 w 10691655"/>
+              <a:gd name="connsiteY7" fmla="*/ 0 h 646331"/>
+              <a:gd name="connsiteX8" fmla="*/ 4811245 w 10691655"/>
+              <a:gd name="connsiteY8" fmla="*/ 0 h 646331"/>
+              <a:gd name="connsiteX9" fmla="*/ 5265640 w 10691655"/>
+              <a:gd name="connsiteY9" fmla="*/ 0 h 646331"/>
+              <a:gd name="connsiteX10" fmla="*/ 6147702 w 10691655"/>
+              <a:gd name="connsiteY10" fmla="*/ 0 h 646331"/>
+              <a:gd name="connsiteX11" fmla="*/ 6922847 w 10691655"/>
+              <a:gd name="connsiteY11" fmla="*/ 0 h 646331"/>
+              <a:gd name="connsiteX12" fmla="*/ 7484158 w 10691655"/>
+              <a:gd name="connsiteY12" fmla="*/ 0 h 646331"/>
+              <a:gd name="connsiteX13" fmla="*/ 7938554 w 10691655"/>
+              <a:gd name="connsiteY13" fmla="*/ 0 h 646331"/>
+              <a:gd name="connsiteX14" fmla="*/ 8606782 w 10691655"/>
+              <a:gd name="connsiteY14" fmla="*/ 0 h 646331"/>
+              <a:gd name="connsiteX15" fmla="*/ 8954261 w 10691655"/>
+              <a:gd name="connsiteY15" fmla="*/ 0 h 646331"/>
+              <a:gd name="connsiteX16" fmla="*/ 9622489 w 10691655"/>
+              <a:gd name="connsiteY16" fmla="*/ 0 h 646331"/>
+              <a:gd name="connsiteX17" fmla="*/ 10691655 w 10691655"/>
+              <a:gd name="connsiteY17" fmla="*/ 0 h 646331"/>
+              <a:gd name="connsiteX18" fmla="*/ 10691655 w 10691655"/>
+              <a:gd name="connsiteY18" fmla="*/ 646331 h 646331"/>
+              <a:gd name="connsiteX19" fmla="*/ 10237260 w 10691655"/>
+              <a:gd name="connsiteY19" fmla="*/ 646331 h 646331"/>
+              <a:gd name="connsiteX20" fmla="*/ 9462115 w 10691655"/>
+              <a:gd name="connsiteY20" fmla="*/ 646331 h 646331"/>
+              <a:gd name="connsiteX21" fmla="*/ 8580053 w 10691655"/>
+              <a:gd name="connsiteY21" fmla="*/ 646331 h 646331"/>
+              <a:gd name="connsiteX22" fmla="*/ 8125658 w 10691655"/>
+              <a:gd name="connsiteY22" fmla="*/ 646331 h 646331"/>
+              <a:gd name="connsiteX23" fmla="*/ 7457429 w 10691655"/>
+              <a:gd name="connsiteY23" fmla="*/ 646331 h 646331"/>
+              <a:gd name="connsiteX24" fmla="*/ 6682284 w 10691655"/>
+              <a:gd name="connsiteY24" fmla="*/ 646331 h 646331"/>
+              <a:gd name="connsiteX25" fmla="*/ 6227889 w 10691655"/>
+              <a:gd name="connsiteY25" fmla="*/ 646331 h 646331"/>
+              <a:gd name="connsiteX26" fmla="*/ 5666577 w 10691655"/>
+              <a:gd name="connsiteY26" fmla="*/ 646331 h 646331"/>
+              <a:gd name="connsiteX27" fmla="*/ 4891432 w 10691655"/>
+              <a:gd name="connsiteY27" fmla="*/ 646331 h 646331"/>
+              <a:gd name="connsiteX28" fmla="*/ 4009371 w 10691655"/>
+              <a:gd name="connsiteY28" fmla="*/ 646331 h 646331"/>
+              <a:gd name="connsiteX29" fmla="*/ 3127309 w 10691655"/>
+              <a:gd name="connsiteY29" fmla="*/ 646331 h 646331"/>
+              <a:gd name="connsiteX30" fmla="*/ 2245248 w 10691655"/>
+              <a:gd name="connsiteY30" fmla="*/ 646331 h 646331"/>
+              <a:gd name="connsiteX31" fmla="*/ 1683936 w 10691655"/>
+              <a:gd name="connsiteY31" fmla="*/ 646331 h 646331"/>
+              <a:gd name="connsiteX32" fmla="*/ 1229540 w 10691655"/>
+              <a:gd name="connsiteY32" fmla="*/ 646331 h 646331"/>
+              <a:gd name="connsiteX33" fmla="*/ 882062 w 10691655"/>
+              <a:gd name="connsiteY33" fmla="*/ 646331 h 646331"/>
+              <a:gd name="connsiteX34" fmla="*/ 0 w 10691655"/>
+              <a:gd name="connsiteY34" fmla="*/ 646331 h 646331"/>
+              <a:gd name="connsiteX35" fmla="*/ 0 w 10691655"/>
+              <a:gd name="connsiteY35" fmla="*/ 0 h 646331"/>
+            </a:gdLst>
+            <a:ahLst/>
+            <a:cxnLst>
+              <a:cxn ang="0">
+                <a:pos x="connsiteX0" y="connsiteY0"/>
+              </a:cxn>
+              <a:cxn ang="0">
+                <a:pos x="connsiteX1" y="connsiteY1"/>
+              </a:cxn>
+              <a:cxn ang="0">
+                <a:pos x="connsiteX2" y="connsiteY2"/>
+              </a:cxn>
+              <a:cxn ang="0">
+                <a:pos x="connsiteX3" y="connsiteY3"/>
+              </a:cxn>
+              <a:cxn ang="0">
+                <a:pos x="connsiteX4" y="connsiteY4"/>
+              </a:cxn>
+              <a:cxn ang="0">
+                <a:pos x="connsiteX5" y="connsiteY5"/>
+              </a:cxn>
+              <a:cxn ang="0">
+                <a:pos x="connsiteX6" y="connsiteY6"/>
+              </a:cxn>
+              <a:cxn ang="0">
+                <a:pos x="connsiteX7" y="connsiteY7"/>
+              </a:cxn>
+              <a:cxn ang="0">
+                <a:pos x="connsiteX8" y="connsiteY8"/>
+              </a:cxn>
+              <a:cxn ang="0">
+                <a:pos x="connsiteX9" y="connsiteY9"/>
+              </a:cxn>
+              <a:cxn ang="0">
+                <a:pos x="connsiteX10" y="connsiteY10"/>
+              </a:cxn>
+              <a:cxn ang="0">
+                <a:pos x="connsiteX11" y="connsiteY11"/>
+              </a:cxn>
+              <a:cxn ang="0">
+                <a:pos x="connsiteX12" y="connsiteY12"/>
+              </a:cxn>
+              <a:cxn ang="0">
+                <a:pos x="connsiteX13" y="connsiteY13"/>
+              </a:cxn>
+              <a:cxn ang="0">
+                <a:pos x="connsiteX14" y="connsiteY14"/>
+              </a:cxn>
+              <a:cxn ang="0">
+                <a:pos x="connsiteX15" y="connsiteY15"/>
+              </a:cxn>
+              <a:cxn ang="0">
+                <a:pos x="connsiteX16" y="connsiteY16"/>
+              </a:cxn>
+              <a:cxn ang="0">
+                <a:pos x="connsiteX17" y="connsiteY17"/>
+              </a:cxn>
+              <a:cxn ang="0">
+                <a:pos x="connsiteX18" y="connsiteY18"/>
+              </a:cxn>
+              <a:cxn ang="0">
+                <a:pos x="connsiteX19" y="connsiteY19"/>
+              </a:cxn>
+              <a:cxn ang="0">
+                <a:pos x="connsiteX20" y="connsiteY20"/>
+              </a:cxn>
+              <a:cxn ang="0">
+                <a:pos x="connsiteX21" y="connsiteY21"/>
+              </a:cxn>
+              <a:cxn ang="0">
+                <a:pos x="connsiteX22" y="connsiteY22"/>
+              </a:cxn>
+              <a:cxn ang="0">
+                <a:pos x="connsiteX23" y="connsiteY23"/>
+              </a:cxn>
+              <a:cxn ang="0">
+                <a:pos x="connsiteX24" y="connsiteY24"/>
+              </a:cxn>
+              <a:cxn ang="0">
+                <a:pos x="connsiteX25" y="connsiteY25"/>
+              </a:cxn>
+              <a:cxn ang="0">
+                <a:pos x="connsiteX26" y="connsiteY26"/>
+              </a:cxn>
+              <a:cxn ang="0">
+                <a:pos x="connsiteX27" y="connsiteY27"/>
+              </a:cxn>
+              <a:cxn ang="0">
+                <a:pos x="connsiteX28" y="connsiteY28"/>
+              </a:cxn>
+              <a:cxn ang="0">
+                <a:pos x="connsiteX29" y="connsiteY29"/>
+              </a:cxn>
+              <a:cxn ang="0">
+                <a:pos x="connsiteX30" y="connsiteY30"/>
+              </a:cxn>
+              <a:cxn ang="0">
+                <a:pos x="connsiteX31" y="connsiteY31"/>
+              </a:cxn>
+              <a:cxn ang="0">
+                <a:pos x="connsiteX32" y="connsiteY32"/>
+              </a:cxn>
+              <a:cxn ang="0">
+                <a:pos x="connsiteX33" y="connsiteY33"/>
+              </a:cxn>
+              <a:cxn ang="0">
+                <a:pos x="connsiteX34" y="connsiteY34"/>
+              </a:cxn>
+              <a:cxn ang="0">
+                <a:pos x="connsiteX35" y="connsiteY35"/>
+              </a:cxn>
+            </a:cxnLst>
+            <a:rect l="l" t="t" r="r" b="b"/>
+            <a:pathLst>
+              <a:path w="10691655" h="646331" extrusionOk="0">
+                <a:moveTo>
+                  <a:pt x="0" y="0"/>
+                </a:moveTo>
+                <a:cubicBezTo>
+                  <a:pt x="239422" y="17771"/>
+                  <a:pt x="370559" y="17667"/>
+                  <a:pt x="561312" y="0"/>
+                </a:cubicBezTo>
+                <a:cubicBezTo>
+                  <a:pt x="752065" y="-17667"/>
+                  <a:pt x="1092210" y="-13872"/>
+                  <a:pt x="1229540" y="0"/>
+                </a:cubicBezTo>
+                <a:cubicBezTo>
+                  <a:pt x="1366870" y="13872"/>
+                  <a:pt x="1631053" y="-8320"/>
+                  <a:pt x="1790852" y="0"/>
+                </a:cubicBezTo>
+                <a:cubicBezTo>
+                  <a:pt x="1950651" y="8320"/>
+                  <a:pt x="2003831" y="-15932"/>
+                  <a:pt x="2138331" y="0"/>
+                </a:cubicBezTo>
+                <a:cubicBezTo>
+                  <a:pt x="2272831" y="15932"/>
+                  <a:pt x="2746664" y="38087"/>
+                  <a:pt x="2913476" y="0"/>
+                </a:cubicBezTo>
+                <a:cubicBezTo>
+                  <a:pt x="3080288" y="-38087"/>
+                  <a:pt x="3226357" y="19552"/>
+                  <a:pt x="3474788" y="0"/>
+                </a:cubicBezTo>
+                <a:cubicBezTo>
+                  <a:pt x="3723219" y="-19552"/>
+                  <a:pt x="4113770" y="-6348"/>
+                  <a:pt x="4356849" y="0"/>
+                </a:cubicBezTo>
+                <a:cubicBezTo>
+                  <a:pt x="4599928" y="6348"/>
+                  <a:pt x="4619516" y="-1806"/>
+                  <a:pt x="4811245" y="0"/>
+                </a:cubicBezTo>
+                <a:cubicBezTo>
+                  <a:pt x="5002974" y="1806"/>
+                  <a:pt x="5101045" y="-7318"/>
+                  <a:pt x="5265640" y="0"/>
+                </a:cubicBezTo>
+                <a:cubicBezTo>
+                  <a:pt x="5430236" y="7318"/>
+                  <a:pt x="5863941" y="-35529"/>
+                  <a:pt x="6147702" y="0"/>
+                </a:cubicBezTo>
+                <a:cubicBezTo>
+                  <a:pt x="6431463" y="35529"/>
+                  <a:pt x="6724770" y="-37392"/>
+                  <a:pt x="6922847" y="0"/>
+                </a:cubicBezTo>
+                <a:cubicBezTo>
+                  <a:pt x="7120925" y="37392"/>
+                  <a:pt x="7312479" y="-14192"/>
+                  <a:pt x="7484158" y="0"/>
+                </a:cubicBezTo>
+                <a:cubicBezTo>
+                  <a:pt x="7655837" y="14192"/>
+                  <a:pt x="7789663" y="-4575"/>
+                  <a:pt x="7938554" y="0"/>
+                </a:cubicBezTo>
+                <a:cubicBezTo>
+                  <a:pt x="8087445" y="4575"/>
+                  <a:pt x="8341327" y="-8372"/>
+                  <a:pt x="8606782" y="0"/>
+                </a:cubicBezTo>
+                <a:cubicBezTo>
+                  <a:pt x="8872237" y="8372"/>
+                  <a:pt x="8863751" y="-10924"/>
+                  <a:pt x="8954261" y="0"/>
+                </a:cubicBezTo>
+                <a:cubicBezTo>
+                  <a:pt x="9044771" y="10924"/>
+                  <a:pt x="9424287" y="27489"/>
+                  <a:pt x="9622489" y="0"/>
+                </a:cubicBezTo>
+                <a:cubicBezTo>
+                  <a:pt x="9820691" y="-27489"/>
+                  <a:pt x="10228847" y="14615"/>
+                  <a:pt x="10691655" y="0"/>
+                </a:cubicBezTo>
+                <a:cubicBezTo>
+                  <a:pt x="10706441" y="245112"/>
+                  <a:pt x="10706754" y="391894"/>
+                  <a:pt x="10691655" y="646331"/>
+                </a:cubicBezTo>
+                <a:cubicBezTo>
+                  <a:pt x="10551973" y="639264"/>
+                  <a:pt x="10397984" y="629599"/>
+                  <a:pt x="10237260" y="646331"/>
+                </a:cubicBezTo>
+                <a:cubicBezTo>
+                  <a:pt x="10076537" y="663063"/>
+                  <a:pt x="9711505" y="648008"/>
+                  <a:pt x="9462115" y="646331"/>
+                </a:cubicBezTo>
+                <a:cubicBezTo>
+                  <a:pt x="9212726" y="644654"/>
+                  <a:pt x="9012664" y="634740"/>
+                  <a:pt x="8580053" y="646331"/>
+                </a:cubicBezTo>
+                <a:cubicBezTo>
+                  <a:pt x="8147442" y="657922"/>
+                  <a:pt x="8294943" y="662045"/>
+                  <a:pt x="8125658" y="646331"/>
+                </a:cubicBezTo>
+                <a:cubicBezTo>
+                  <a:pt x="7956373" y="630617"/>
+                  <a:pt x="7704039" y="629085"/>
+                  <a:pt x="7457429" y="646331"/>
+                </a:cubicBezTo>
+                <a:cubicBezTo>
+                  <a:pt x="7210819" y="663577"/>
+                  <a:pt x="7043187" y="645754"/>
+                  <a:pt x="6682284" y="646331"/>
+                </a:cubicBezTo>
+                <a:cubicBezTo>
+                  <a:pt x="6321381" y="646908"/>
+                  <a:pt x="6324404" y="654076"/>
+                  <a:pt x="6227889" y="646331"/>
+                </a:cubicBezTo>
+                <a:cubicBezTo>
+                  <a:pt x="6131374" y="638586"/>
+                  <a:pt x="5789773" y="634789"/>
+                  <a:pt x="5666577" y="646331"/>
+                </a:cubicBezTo>
+                <a:cubicBezTo>
+                  <a:pt x="5543381" y="657873"/>
+                  <a:pt x="5122782" y="652149"/>
+                  <a:pt x="4891432" y="646331"/>
+                </a:cubicBezTo>
+                <a:cubicBezTo>
+                  <a:pt x="4660082" y="640513"/>
+                  <a:pt x="4332322" y="657269"/>
+                  <a:pt x="4009371" y="646331"/>
+                </a:cubicBezTo>
+                <a:cubicBezTo>
+                  <a:pt x="3686420" y="635393"/>
+                  <a:pt x="3368584" y="632186"/>
+                  <a:pt x="3127309" y="646331"/>
+                </a:cubicBezTo>
+                <a:cubicBezTo>
+                  <a:pt x="2886034" y="660476"/>
+                  <a:pt x="2477193" y="620188"/>
+                  <a:pt x="2245248" y="646331"/>
+                </a:cubicBezTo>
+                <a:cubicBezTo>
+                  <a:pt x="2013303" y="672474"/>
+                  <a:pt x="1828855" y="638482"/>
+                  <a:pt x="1683936" y="646331"/>
+                </a:cubicBezTo>
+                <a:cubicBezTo>
+                  <a:pt x="1539017" y="654180"/>
+                  <a:pt x="1438362" y="635402"/>
+                  <a:pt x="1229540" y="646331"/>
+                </a:cubicBezTo>
+                <a:cubicBezTo>
+                  <a:pt x="1020718" y="657260"/>
+                  <a:pt x="1054656" y="637710"/>
+                  <a:pt x="882062" y="646331"/>
+                </a:cubicBezTo>
+                <a:cubicBezTo>
+                  <a:pt x="709468" y="654952"/>
+                  <a:pt x="218564" y="616801"/>
+                  <a:pt x="0" y="646331"/>
+                </a:cubicBezTo>
+                <a:cubicBezTo>
+                  <a:pt x="-21782" y="385690"/>
+                  <a:pt x="21554" y="310611"/>
+                  <a:pt x="0" y="0"/>
+                </a:cubicBezTo>
+                <a:close/>
+              </a:path>
+            </a:pathLst>
+          </a:custGeom>
+          <a:solidFill>
+            <a:schemeClr val="accent2">
+              <a:lumMod val="40000"/>
+              <a:lumOff val="60000"/>
+            </a:schemeClr>
+          </a:solidFill>
+          <a:ln w="38100">
+            <a:solidFill>
+              <a:srgbClr val="FA8422"/>
+            </a:solidFill>
+            <a:extLst>
+              <a:ext uri="{C807C97D-BFC1-408E-A445-0C87EB9F89A2}">
+                <ask:lineSketchStyleProps xmlns:ask="http://schemas.microsoft.com/office/drawing/2018/sketchyshapes" sd="3226494589">
+                  <a:prstGeom prst="rect">
+                    <a:avLst/>
+                  </a:prstGeom>
+                  <ask:type>
+                    <ask:lineSketchFreehand/>
+                  </ask:type>
+                </ask:lineSketchStyleProps>
+              </a:ext>
+            </a:extLst>
+          </a:ln>
+        </p:spPr>
+        <p:txBody>
+          <a:bodyPr wrap="square" rtlCol="0">
+            <a:spAutoFit/>
+          </a:bodyPr>
+          <a:lstStyle/>
+          <a:p>
+            <a:pPr marL="285750" indent="-285750">
+              <a:buFont typeface="Wingdings" panose="05000000000000000000" pitchFamily="2" charset="2"/>
+              <a:buChar char="ü"/>
+            </a:pPr>
+            <a:r>
+              <a:rPr lang="en-IN" b="1" dirty="0"/>
+              <a:t>Empowering Aspirants:</a:t>
+            </a:r>
+            <a:r>
+              <a:rPr lang="en-IN" dirty="0"/>
+              <a:t> </a:t>
+            </a:r>
+            <a:r>
+              <a:rPr lang="en-GB" b="0" i="0" dirty="0">
+                <a:solidFill>
+                  <a:srgbClr val="374151"/>
+                </a:solidFill>
+                <a:effectLst/>
+                <a:latin typeface="Söhne"/>
+              </a:rPr>
+              <a:t>Equip aspirants to conquer competitive exams, overcoming challenges with Learn Sync's innovative approach.</a:t>
+            </a:r>
+          </a:p>
+        </p:txBody>
+      </p:sp>
+      <p:pic>
+        <p:nvPicPr>
+          <p:cNvPr id="14" name="Picture 13">
+            <a:extLst>
+              <a:ext uri="{FF2B5EF4-FFF2-40B4-BE49-F238E27FC236}">
+                <a16:creationId xmlns:a16="http://schemas.microsoft.com/office/drawing/2014/main" id="{D94DF6E8-07BB-C7ED-29FD-D7F15E0B033F}"/>
+              </a:ext>
+            </a:extLst>
+          </p:cNvPr>
+          <p:cNvPicPr>
+            <a:picLocks noChangeAspect="1"/>
+          </p:cNvPicPr>
+          <p:nvPr/>
+        </p:nvPicPr>
+        <p:blipFill>
+          <a:blip r:embed="rId3" cstate="print">
+            <a:extLst>
+              <a:ext uri="{BEBA8EAE-BF5A-486C-A8C5-ECC9F3942E4B}">
+                <a14:imgProps xmlns:a14="http://schemas.microsoft.com/office/drawing/2010/main">
+                  <a14:imgLayer r:embed="rId4">
+                    <a14:imgEffect>
+                      <a14:sharpenSoften amount="25000"/>
+                    </a14:imgEffect>
+                  </a14:imgLayer>
+                </a14:imgProps>
+              </a:ext>
+              <a:ext uri="{28A0092B-C50C-407E-A947-70E740481C1C}">
+                <a14:useLocalDpi xmlns:a14="http://schemas.microsoft.com/office/drawing/2010/main" val="0"/>
+              </a:ext>
+            </a:extLst>
+          </a:blip>
+          <a:stretch>
+            <a:fillRect/>
+          </a:stretch>
+        </p:blipFill>
+        <p:spPr>
+          <a:xfrm flipH="1">
+            <a:off x="8890908" y="4219602"/>
+            <a:ext cx="2408464" cy="2408464"/>
+          </a:xfrm>
+          <a:prstGeom prst="ellipse">
+            <a:avLst/>
+          </a:prstGeom>
+          <a:ln>
+            <a:noFill/>
+          </a:ln>
+          <a:effectLst>
+            <a:softEdge rad="112500"/>
+          </a:effectLst>
+        </p:spPr>
+      </p:pic>
+    </p:spTree>
+    <p:extLst>
+      <p:ext uri="{BB962C8B-B14F-4D97-AF65-F5344CB8AC3E}">
+        <p14:creationId xmlns:p14="http://schemas.microsoft.com/office/powerpoint/2010/main" val="1442597445"/>
+      </p:ext>
+    </p:extLst>
+  </p:cSld>
+  <p:clrMapOvr>
+    <a:masterClrMapping/>
+  </p:clrMapOvr>
+</p:sld>
+</file>
+
+<file path=ppt/slides/slide7.xml><?xml version="1.0" encoding="utf-8"?>
+<p:sld xmlns:a="http://schemas.openxmlformats.org/drawingml/2006/main" xmlns:r="http://schemas.openxmlformats.org/officeDocument/2006/relationships" xmlns:p="http://schemas.openxmlformats.org/presentationml/2006/main">
+  <p:cSld>
+    <p:bg>
+      <p:bgPr>
+        <a:blipFill dpi="0" rotWithShape="1">
+          <a:blip r:embed="rId2">
+            <a:lum/>
+          </a:blip>
+          <a:srcRect/>
+          <a:stretch>
+            <a:fillRect/>
+          </a:stretch>
+        </a:blipFill>
+        <a:effectLst/>
+      </p:bgPr>
+    </p:bg>
+    <p:spTree>
+      <p:nvGrpSpPr>
+        <p:cNvPr id="1" name=""/>
+        <p:cNvGrpSpPr/>
+        <p:nvPr/>
+      </p:nvGrpSpPr>
+      <p:grpSpPr>
+        <a:xfrm>
+          <a:off x="0" y="0"/>
+          <a:ext cx="0" cy="0"/>
+          <a:chOff x="0" y="0"/>
+          <a:chExt cx="0" cy="0"/>
+        </a:xfrm>
+      </p:grpSpPr>
+      <p:sp>
+        <p:nvSpPr>
+          <p:cNvPr id="5" name="object 3"/>
+          <p:cNvSpPr txBox="1">
+            <a:spLocks noGrp="1"/>
+          </p:cNvSpPr>
+          <p:nvPr>
+            <p:ph type="title"/>
+          </p:nvPr>
+        </p:nvSpPr>
+        <p:spPr>
+          <a:xfrm>
+            <a:off x="534259" y="309562"/>
+            <a:ext cx="3898948" cy="382156"/>
+          </a:xfrm>
+          <a:prstGeom prst="rect">
+            <a:avLst/>
+          </a:prstGeom>
+        </p:spPr>
+        <p:txBody>
+          <a:bodyPr vert="horz" wrap="square" lIns="0" tIns="12700" rIns="0" bIns="0" rtlCol="0">
+            <a:spAutoFit/>
+          </a:bodyPr>
+          <a:lstStyle/>
+          <a:p>
+            <a:pPr marL="12700">
+              <a:lnSpc>
+                <a:spcPct val="100000"/>
+              </a:lnSpc>
+              <a:spcBef>
+                <a:spcPts val="100"/>
+              </a:spcBef>
+            </a:pPr>
+            <a:r>
+              <a:rPr lang="en-IN" sz="2400" dirty="0">
+                <a:solidFill>
+                  <a:srgbClr val="04A2B9"/>
+                </a:solidFill>
+                <a:latin typeface="Proxima Nova"/>
+              </a:rPr>
+              <a:t>Scope of LearnSync</a:t>
+            </a:r>
+            <a:endParaRPr sz="2400" dirty="0">
+              <a:latin typeface="Proxima Nova"/>
+            </a:endParaRPr>
+          </a:p>
+        </p:txBody>
+      </p:sp>
+      <p:sp>
+        <p:nvSpPr>
+          <p:cNvPr id="3" name="TextBox 2">
+            <a:extLst>
+              <a:ext uri="{FF2B5EF4-FFF2-40B4-BE49-F238E27FC236}">
+                <a16:creationId xmlns:a16="http://schemas.microsoft.com/office/drawing/2014/main" id="{58EA7041-C7A3-E157-8962-F0C0C29DDAF1}"/>
+              </a:ext>
+            </a:extLst>
+          </p:cNvPr>
+          <p:cNvSpPr txBox="1"/>
+          <p:nvPr/>
+        </p:nvSpPr>
+        <p:spPr>
+          <a:xfrm>
+            <a:off x="750171" y="2717415"/>
+            <a:ext cx="10900265" cy="369332"/>
+          </a:xfrm>
+          <a:custGeom>
+            <a:avLst/>
+            <a:gdLst>
+              <a:gd name="connsiteX0" fmla="*/ 0 w 10900265"/>
+              <a:gd name="connsiteY0" fmla="*/ 0 h 369332"/>
+              <a:gd name="connsiteX1" fmla="*/ 681267 w 10900265"/>
+              <a:gd name="connsiteY1" fmla="*/ 0 h 369332"/>
+              <a:gd name="connsiteX2" fmla="*/ 1580538 w 10900265"/>
+              <a:gd name="connsiteY2" fmla="*/ 0 h 369332"/>
+              <a:gd name="connsiteX3" fmla="*/ 2479810 w 10900265"/>
+              <a:gd name="connsiteY3" fmla="*/ 0 h 369332"/>
+              <a:gd name="connsiteX4" fmla="*/ 3270080 w 10900265"/>
+              <a:gd name="connsiteY4" fmla="*/ 0 h 369332"/>
+              <a:gd name="connsiteX5" fmla="*/ 3842343 w 10900265"/>
+              <a:gd name="connsiteY5" fmla="*/ 0 h 369332"/>
+              <a:gd name="connsiteX6" fmla="*/ 4523610 w 10900265"/>
+              <a:gd name="connsiteY6" fmla="*/ 0 h 369332"/>
+              <a:gd name="connsiteX7" fmla="*/ 4986871 w 10900265"/>
+              <a:gd name="connsiteY7" fmla="*/ 0 h 369332"/>
+              <a:gd name="connsiteX8" fmla="*/ 5450133 w 10900265"/>
+              <a:gd name="connsiteY8" fmla="*/ 0 h 369332"/>
+              <a:gd name="connsiteX9" fmla="*/ 6022396 w 10900265"/>
+              <a:gd name="connsiteY9" fmla="*/ 0 h 369332"/>
+              <a:gd name="connsiteX10" fmla="*/ 6594660 w 10900265"/>
+              <a:gd name="connsiteY10" fmla="*/ 0 h 369332"/>
+              <a:gd name="connsiteX11" fmla="*/ 7166924 w 10900265"/>
+              <a:gd name="connsiteY11" fmla="*/ 0 h 369332"/>
+              <a:gd name="connsiteX12" fmla="*/ 7521183 w 10900265"/>
+              <a:gd name="connsiteY12" fmla="*/ 0 h 369332"/>
+              <a:gd name="connsiteX13" fmla="*/ 8093447 w 10900265"/>
+              <a:gd name="connsiteY13" fmla="*/ 0 h 369332"/>
+              <a:gd name="connsiteX14" fmla="*/ 8992719 w 10900265"/>
+              <a:gd name="connsiteY14" fmla="*/ 0 h 369332"/>
+              <a:gd name="connsiteX15" fmla="*/ 9891990 w 10900265"/>
+              <a:gd name="connsiteY15" fmla="*/ 0 h 369332"/>
+              <a:gd name="connsiteX16" fmla="*/ 10900265 w 10900265"/>
+              <a:gd name="connsiteY16" fmla="*/ 0 h 369332"/>
+              <a:gd name="connsiteX17" fmla="*/ 10900265 w 10900265"/>
+              <a:gd name="connsiteY17" fmla="*/ 369332 h 369332"/>
+              <a:gd name="connsiteX18" fmla="*/ 10328001 w 10900265"/>
+              <a:gd name="connsiteY18" fmla="*/ 369332 h 369332"/>
+              <a:gd name="connsiteX19" fmla="*/ 9428729 w 10900265"/>
+              <a:gd name="connsiteY19" fmla="*/ 369332 h 369332"/>
+              <a:gd name="connsiteX20" fmla="*/ 9074471 w 10900265"/>
+              <a:gd name="connsiteY20" fmla="*/ 369332 h 369332"/>
+              <a:gd name="connsiteX21" fmla="*/ 8611209 w 10900265"/>
+              <a:gd name="connsiteY21" fmla="*/ 369332 h 369332"/>
+              <a:gd name="connsiteX22" fmla="*/ 7929943 w 10900265"/>
+              <a:gd name="connsiteY22" fmla="*/ 369332 h 369332"/>
+              <a:gd name="connsiteX23" fmla="*/ 7030671 w 10900265"/>
+              <a:gd name="connsiteY23" fmla="*/ 369332 h 369332"/>
+              <a:gd name="connsiteX24" fmla="*/ 6240402 w 10900265"/>
+              <a:gd name="connsiteY24" fmla="*/ 369332 h 369332"/>
+              <a:gd name="connsiteX25" fmla="*/ 5341130 w 10900265"/>
+              <a:gd name="connsiteY25" fmla="*/ 369332 h 369332"/>
+              <a:gd name="connsiteX26" fmla="*/ 4986871 w 10900265"/>
+              <a:gd name="connsiteY26" fmla="*/ 369332 h 369332"/>
+              <a:gd name="connsiteX27" fmla="*/ 4087599 w 10900265"/>
+              <a:gd name="connsiteY27" fmla="*/ 369332 h 369332"/>
+              <a:gd name="connsiteX28" fmla="*/ 3624338 w 10900265"/>
+              <a:gd name="connsiteY28" fmla="*/ 369332 h 369332"/>
+              <a:gd name="connsiteX29" fmla="*/ 3270080 w 10900265"/>
+              <a:gd name="connsiteY29" fmla="*/ 369332 h 369332"/>
+              <a:gd name="connsiteX30" fmla="*/ 2915821 w 10900265"/>
+              <a:gd name="connsiteY30" fmla="*/ 369332 h 369332"/>
+              <a:gd name="connsiteX31" fmla="*/ 2125552 w 10900265"/>
+              <a:gd name="connsiteY31" fmla="*/ 369332 h 369332"/>
+              <a:gd name="connsiteX32" fmla="*/ 1553288 w 10900265"/>
+              <a:gd name="connsiteY32" fmla="*/ 369332 h 369332"/>
+              <a:gd name="connsiteX33" fmla="*/ 763019 w 10900265"/>
+              <a:gd name="connsiteY33" fmla="*/ 369332 h 369332"/>
+              <a:gd name="connsiteX34" fmla="*/ 0 w 10900265"/>
+              <a:gd name="connsiteY34" fmla="*/ 369332 h 369332"/>
+              <a:gd name="connsiteX35" fmla="*/ 0 w 10900265"/>
+              <a:gd name="connsiteY35" fmla="*/ 0 h 369332"/>
+            </a:gdLst>
+            <a:ahLst/>
+            <a:cxnLst>
+              <a:cxn ang="0">
+                <a:pos x="connsiteX0" y="connsiteY0"/>
+              </a:cxn>
+              <a:cxn ang="0">
+                <a:pos x="connsiteX1" y="connsiteY1"/>
+              </a:cxn>
+              <a:cxn ang="0">
+                <a:pos x="connsiteX2" y="connsiteY2"/>
+              </a:cxn>
+              <a:cxn ang="0">
+                <a:pos x="connsiteX3" y="connsiteY3"/>
+              </a:cxn>
+              <a:cxn ang="0">
+                <a:pos x="connsiteX4" y="connsiteY4"/>
+              </a:cxn>
+              <a:cxn ang="0">
+                <a:pos x="connsiteX5" y="connsiteY5"/>
+              </a:cxn>
+              <a:cxn ang="0">
+                <a:pos x="connsiteX6" y="connsiteY6"/>
+              </a:cxn>
+              <a:cxn ang="0">
+                <a:pos x="connsiteX7" y="connsiteY7"/>
+              </a:cxn>
+              <a:cxn ang="0">
+                <a:pos x="connsiteX8" y="connsiteY8"/>
+              </a:cxn>
+              <a:cxn ang="0">
+                <a:pos x="connsiteX9" y="connsiteY9"/>
+              </a:cxn>
+              <a:cxn ang="0">
+                <a:pos x="connsiteX10" y="connsiteY10"/>
+              </a:cxn>
+              <a:cxn ang="0">
+                <a:pos x="connsiteX11" y="connsiteY11"/>
+              </a:cxn>
+              <a:cxn ang="0">
+                <a:pos x="connsiteX12" y="connsiteY12"/>
+              </a:cxn>
+              <a:cxn ang="0">
+                <a:pos x="connsiteX13" y="connsiteY13"/>
+              </a:cxn>
+              <a:cxn ang="0">
+                <a:pos x="connsiteX14" y="connsiteY14"/>
+              </a:cxn>
+              <a:cxn ang="0">
+                <a:pos x="connsiteX15" y="connsiteY15"/>
+              </a:cxn>
+              <a:cxn ang="0">
+                <a:pos x="connsiteX16" y="connsiteY16"/>
+              </a:cxn>
+              <a:cxn ang="0">
+                <a:pos x="connsiteX17" y="connsiteY17"/>
+              </a:cxn>
+              <a:cxn ang="0">
+                <a:pos x="connsiteX18" y="connsiteY18"/>
+              </a:cxn>
+              <a:cxn ang="0">
+                <a:pos x="connsiteX19" y="connsiteY19"/>
+              </a:cxn>
+              <a:cxn ang="0">
+                <a:pos x="connsiteX20" y="connsiteY20"/>
+              </a:cxn>
+              <a:cxn ang="0">
+                <a:pos x="connsiteX21" y="connsiteY21"/>
+              </a:cxn>
+              <a:cxn ang="0">
+                <a:pos x="connsiteX22" y="connsiteY22"/>
+              </a:cxn>
+              <a:cxn ang="0">
+                <a:pos x="connsiteX23" y="connsiteY23"/>
+              </a:cxn>
+              <a:cxn ang="0">
+                <a:pos x="connsiteX24" y="connsiteY24"/>
+              </a:cxn>
+              <a:cxn ang="0">
+                <a:pos x="connsiteX25" y="connsiteY25"/>
+              </a:cxn>
+              <a:cxn ang="0">
+                <a:pos x="connsiteX26" y="connsiteY26"/>
+              </a:cxn>
+              <a:cxn ang="0">
+                <a:pos x="connsiteX27" y="connsiteY27"/>
+              </a:cxn>
+              <a:cxn ang="0">
+                <a:pos x="connsiteX28" y="connsiteY28"/>
+              </a:cxn>
+              <a:cxn ang="0">
+                <a:pos x="connsiteX29" y="connsiteY29"/>
+              </a:cxn>
+              <a:cxn ang="0">
+                <a:pos x="connsiteX30" y="connsiteY30"/>
+              </a:cxn>
+              <a:cxn ang="0">
+                <a:pos x="connsiteX31" y="connsiteY31"/>
+              </a:cxn>
+              <a:cxn ang="0">
+                <a:pos x="connsiteX32" y="connsiteY32"/>
+              </a:cxn>
+              <a:cxn ang="0">
+                <a:pos x="connsiteX33" y="connsiteY33"/>
+              </a:cxn>
+              <a:cxn ang="0">
+                <a:pos x="connsiteX34" y="connsiteY34"/>
+              </a:cxn>
+              <a:cxn ang="0">
+                <a:pos x="connsiteX35" y="connsiteY35"/>
+              </a:cxn>
+            </a:cxnLst>
+            <a:rect l="l" t="t" r="r" b="b"/>
+            <a:pathLst>
+              <a:path w="10900265" h="369332" fill="none" extrusionOk="0">
+                <a:moveTo>
+                  <a:pt x="0" y="0"/>
+                </a:moveTo>
+                <a:cubicBezTo>
+                  <a:pt x="174995" y="9367"/>
+                  <a:pt x="419517" y="-26284"/>
+                  <a:pt x="681267" y="0"/>
+                </a:cubicBezTo>
+                <a:cubicBezTo>
+                  <a:pt x="943017" y="26284"/>
+                  <a:pt x="1139112" y="-41959"/>
+                  <a:pt x="1580538" y="0"/>
+                </a:cubicBezTo>
+                <a:cubicBezTo>
+                  <a:pt x="2021964" y="41959"/>
+                  <a:pt x="2272069" y="-29083"/>
+                  <a:pt x="2479810" y="0"/>
+                </a:cubicBezTo>
+                <a:cubicBezTo>
+                  <a:pt x="2687551" y="29083"/>
+                  <a:pt x="2922804" y="35332"/>
+                  <a:pt x="3270080" y="0"/>
+                </a:cubicBezTo>
+                <a:cubicBezTo>
+                  <a:pt x="3617356" y="-35332"/>
+                  <a:pt x="3577829" y="-3440"/>
+                  <a:pt x="3842343" y="0"/>
+                </a:cubicBezTo>
+                <a:cubicBezTo>
+                  <a:pt x="4106857" y="3440"/>
+                  <a:pt x="4251460" y="16827"/>
+                  <a:pt x="4523610" y="0"/>
+                </a:cubicBezTo>
+                <a:cubicBezTo>
+                  <a:pt x="4795760" y="-16827"/>
+                  <a:pt x="4785976" y="-17135"/>
+                  <a:pt x="4986871" y="0"/>
+                </a:cubicBezTo>
+                <a:cubicBezTo>
+                  <a:pt x="5187766" y="17135"/>
+                  <a:pt x="5237422" y="-6590"/>
+                  <a:pt x="5450133" y="0"/>
+                </a:cubicBezTo>
+                <a:cubicBezTo>
+                  <a:pt x="5662844" y="6590"/>
+                  <a:pt x="5736717" y="-18204"/>
+                  <a:pt x="6022396" y="0"/>
+                </a:cubicBezTo>
+                <a:cubicBezTo>
+                  <a:pt x="6308075" y="18204"/>
+                  <a:pt x="6359203" y="-19569"/>
+                  <a:pt x="6594660" y="0"/>
+                </a:cubicBezTo>
+                <a:cubicBezTo>
+                  <a:pt x="6830117" y="19569"/>
+                  <a:pt x="7051377" y="28480"/>
+                  <a:pt x="7166924" y="0"/>
+                </a:cubicBezTo>
+                <a:cubicBezTo>
+                  <a:pt x="7282471" y="-28480"/>
+                  <a:pt x="7392125" y="-8711"/>
+                  <a:pt x="7521183" y="0"/>
+                </a:cubicBezTo>
+                <a:cubicBezTo>
+                  <a:pt x="7650241" y="8711"/>
+                  <a:pt x="7943332" y="24822"/>
+                  <a:pt x="8093447" y="0"/>
+                </a:cubicBezTo>
+                <a:cubicBezTo>
+                  <a:pt x="8243562" y="-24822"/>
+                  <a:pt x="8649404" y="-7842"/>
+                  <a:pt x="8992719" y="0"/>
+                </a:cubicBezTo>
+                <a:cubicBezTo>
+                  <a:pt x="9336034" y="7842"/>
+                  <a:pt x="9669743" y="20014"/>
+                  <a:pt x="9891990" y="0"/>
+                </a:cubicBezTo>
+                <a:cubicBezTo>
+                  <a:pt x="10114237" y="-20014"/>
+                  <a:pt x="10695954" y="-44225"/>
+                  <a:pt x="10900265" y="0"/>
+                </a:cubicBezTo>
+                <a:cubicBezTo>
+                  <a:pt x="10893043" y="143381"/>
+                  <a:pt x="10896324" y="252440"/>
+                  <a:pt x="10900265" y="369332"/>
+                </a:cubicBezTo>
+                <a:cubicBezTo>
+                  <a:pt x="10679503" y="342008"/>
+                  <a:pt x="10582986" y="367125"/>
+                  <a:pt x="10328001" y="369332"/>
+                </a:cubicBezTo>
+                <a:cubicBezTo>
+                  <a:pt x="10073016" y="371539"/>
+                  <a:pt x="9737739" y="397761"/>
+                  <a:pt x="9428729" y="369332"/>
+                </a:cubicBezTo>
+                <a:cubicBezTo>
+                  <a:pt x="9119719" y="340903"/>
+                  <a:pt x="9216929" y="380975"/>
+                  <a:pt x="9074471" y="369332"/>
+                </a:cubicBezTo>
+                <a:cubicBezTo>
+                  <a:pt x="8932013" y="357689"/>
+                  <a:pt x="8744655" y="370756"/>
+                  <a:pt x="8611209" y="369332"/>
+                </a:cubicBezTo>
+                <a:cubicBezTo>
+                  <a:pt x="8477763" y="367908"/>
+                  <a:pt x="8206244" y="395415"/>
+                  <a:pt x="7929943" y="369332"/>
+                </a:cubicBezTo>
+                <a:cubicBezTo>
+                  <a:pt x="7653642" y="343249"/>
+                  <a:pt x="7303255" y="336025"/>
+                  <a:pt x="7030671" y="369332"/>
+                </a:cubicBezTo>
+                <a:cubicBezTo>
+                  <a:pt x="6758087" y="402639"/>
+                  <a:pt x="6475896" y="358488"/>
+                  <a:pt x="6240402" y="369332"/>
+                </a:cubicBezTo>
+                <a:cubicBezTo>
+                  <a:pt x="6004908" y="380176"/>
+                  <a:pt x="5556665" y="334565"/>
+                  <a:pt x="5341130" y="369332"/>
+                </a:cubicBezTo>
+                <a:cubicBezTo>
+                  <a:pt x="5125595" y="404099"/>
+                  <a:pt x="5059768" y="375405"/>
+                  <a:pt x="4986871" y="369332"/>
+                </a:cubicBezTo>
+                <a:cubicBezTo>
+                  <a:pt x="4913974" y="363259"/>
+                  <a:pt x="4280054" y="328915"/>
+                  <a:pt x="4087599" y="369332"/>
+                </a:cubicBezTo>
+                <a:cubicBezTo>
+                  <a:pt x="3895144" y="409749"/>
+                  <a:pt x="3734282" y="391426"/>
+                  <a:pt x="3624338" y="369332"/>
+                </a:cubicBezTo>
+                <a:cubicBezTo>
+                  <a:pt x="3514394" y="347238"/>
+                  <a:pt x="3363151" y="377772"/>
+                  <a:pt x="3270080" y="369332"/>
+                </a:cubicBezTo>
+                <a:cubicBezTo>
+                  <a:pt x="3177009" y="360892"/>
+                  <a:pt x="3066075" y="352038"/>
+                  <a:pt x="2915821" y="369332"/>
+                </a:cubicBezTo>
+                <a:cubicBezTo>
+                  <a:pt x="2765567" y="386626"/>
+                  <a:pt x="2399618" y="333055"/>
+                  <a:pt x="2125552" y="369332"/>
+                </a:cubicBezTo>
+                <a:cubicBezTo>
+                  <a:pt x="1851486" y="405609"/>
+                  <a:pt x="1685535" y="375620"/>
+                  <a:pt x="1553288" y="369332"/>
+                </a:cubicBezTo>
+                <a:cubicBezTo>
+                  <a:pt x="1421041" y="363044"/>
+                  <a:pt x="976146" y="381433"/>
+                  <a:pt x="763019" y="369332"/>
+                </a:cubicBezTo>
+                <a:cubicBezTo>
+                  <a:pt x="549892" y="357231"/>
+                  <a:pt x="304781" y="405960"/>
+                  <a:pt x="0" y="369332"/>
+                </a:cubicBezTo>
+                <a:cubicBezTo>
+                  <a:pt x="8682" y="264547"/>
+                  <a:pt x="-8374" y="87538"/>
+                  <a:pt x="0" y="0"/>
+                </a:cubicBezTo>
+                <a:close/>
+              </a:path>
+              <a:path w="10900265" h="369332" stroke="0" extrusionOk="0">
+                <a:moveTo>
+                  <a:pt x="0" y="0"/>
+                </a:moveTo>
+                <a:cubicBezTo>
+                  <a:pt x="157099" y="25481"/>
+                  <a:pt x="301964" y="-11363"/>
+                  <a:pt x="572264" y="0"/>
+                </a:cubicBezTo>
+                <a:cubicBezTo>
+                  <a:pt x="842564" y="11363"/>
+                  <a:pt x="915776" y="19461"/>
+                  <a:pt x="1253530" y="0"/>
+                </a:cubicBezTo>
+                <a:cubicBezTo>
+                  <a:pt x="1591284" y="-19461"/>
+                  <a:pt x="1613684" y="11754"/>
+                  <a:pt x="1825794" y="0"/>
+                </a:cubicBezTo>
+                <a:cubicBezTo>
+                  <a:pt x="2037904" y="-11754"/>
+                  <a:pt x="2015703" y="-1245"/>
+                  <a:pt x="2180053" y="0"/>
+                </a:cubicBezTo>
+                <a:cubicBezTo>
+                  <a:pt x="2344403" y="1245"/>
+                  <a:pt x="2608561" y="16697"/>
+                  <a:pt x="2970322" y="0"/>
+                </a:cubicBezTo>
+                <a:cubicBezTo>
+                  <a:pt x="3332083" y="-16697"/>
+                  <a:pt x="3368164" y="15045"/>
+                  <a:pt x="3542586" y="0"/>
+                </a:cubicBezTo>
+                <a:cubicBezTo>
+                  <a:pt x="3717008" y="-15045"/>
+                  <a:pt x="4257346" y="-470"/>
+                  <a:pt x="4441858" y="0"/>
+                </a:cubicBezTo>
+                <a:cubicBezTo>
+                  <a:pt x="4626370" y="470"/>
+                  <a:pt x="4734986" y="13562"/>
+                  <a:pt x="4905119" y="0"/>
+                </a:cubicBezTo>
+                <a:cubicBezTo>
+                  <a:pt x="5075252" y="-13562"/>
+                  <a:pt x="5233397" y="7659"/>
+                  <a:pt x="5368381" y="0"/>
+                </a:cubicBezTo>
+                <a:cubicBezTo>
+                  <a:pt x="5503365" y="-7659"/>
+                  <a:pt x="5850663" y="29265"/>
+                  <a:pt x="6267652" y="0"/>
+                </a:cubicBezTo>
+                <a:cubicBezTo>
+                  <a:pt x="6684641" y="-29265"/>
+                  <a:pt x="6818618" y="-8901"/>
+                  <a:pt x="7057922" y="0"/>
+                </a:cubicBezTo>
+                <a:cubicBezTo>
+                  <a:pt x="7297226" y="8901"/>
+                  <a:pt x="7514313" y="14952"/>
+                  <a:pt x="7630185" y="0"/>
+                </a:cubicBezTo>
+                <a:cubicBezTo>
+                  <a:pt x="7746057" y="-14952"/>
+                  <a:pt x="7881220" y="14229"/>
+                  <a:pt x="8093447" y="0"/>
+                </a:cubicBezTo>
+                <a:cubicBezTo>
+                  <a:pt x="8305674" y="-14229"/>
+                  <a:pt x="8623573" y="-20805"/>
+                  <a:pt x="8774713" y="0"/>
+                </a:cubicBezTo>
+                <a:cubicBezTo>
+                  <a:pt x="8925853" y="20805"/>
+                  <a:pt x="9023589" y="-7850"/>
+                  <a:pt x="9128972" y="0"/>
+                </a:cubicBezTo>
+                <a:cubicBezTo>
+                  <a:pt x="9234355" y="7850"/>
+                  <a:pt x="9512875" y="17190"/>
+                  <a:pt x="9810238" y="0"/>
+                </a:cubicBezTo>
+                <a:cubicBezTo>
+                  <a:pt x="10107601" y="-17190"/>
+                  <a:pt x="10499953" y="-18504"/>
+                  <a:pt x="10900265" y="0"/>
+                </a:cubicBezTo>
+                <a:cubicBezTo>
+                  <a:pt x="10901201" y="99373"/>
+                  <a:pt x="10892281" y="191834"/>
+                  <a:pt x="10900265" y="369332"/>
+                </a:cubicBezTo>
+                <a:cubicBezTo>
+                  <a:pt x="10747458" y="385943"/>
+                  <a:pt x="10656083" y="382883"/>
+                  <a:pt x="10437004" y="369332"/>
+                </a:cubicBezTo>
+                <a:cubicBezTo>
+                  <a:pt x="10217925" y="355781"/>
+                  <a:pt x="9878875" y="379771"/>
+                  <a:pt x="9646735" y="369332"/>
+                </a:cubicBezTo>
+                <a:cubicBezTo>
+                  <a:pt x="9414595" y="358893"/>
+                  <a:pt x="9081361" y="374702"/>
+                  <a:pt x="8747463" y="369332"/>
+                </a:cubicBezTo>
+                <a:cubicBezTo>
+                  <a:pt x="8413565" y="363962"/>
+                  <a:pt x="8388205" y="353396"/>
+                  <a:pt x="8284201" y="369332"/>
+                </a:cubicBezTo>
+                <a:cubicBezTo>
+                  <a:pt x="8180197" y="385268"/>
+                  <a:pt x="7763245" y="399149"/>
+                  <a:pt x="7602935" y="369332"/>
+                </a:cubicBezTo>
+                <a:cubicBezTo>
+                  <a:pt x="7442625" y="339515"/>
+                  <a:pt x="7152088" y="399792"/>
+                  <a:pt x="6812666" y="369332"/>
+                </a:cubicBezTo>
+                <a:cubicBezTo>
+                  <a:pt x="6473244" y="338872"/>
+                  <a:pt x="6459566" y="356986"/>
+                  <a:pt x="6349404" y="369332"/>
+                </a:cubicBezTo>
+                <a:cubicBezTo>
+                  <a:pt x="6239242" y="381678"/>
+                  <a:pt x="5896002" y="395515"/>
+                  <a:pt x="5777140" y="369332"/>
+                </a:cubicBezTo>
+                <a:cubicBezTo>
+                  <a:pt x="5658278" y="343149"/>
+                  <a:pt x="5207699" y="394217"/>
+                  <a:pt x="4986871" y="369332"/>
+                </a:cubicBezTo>
+                <a:cubicBezTo>
+                  <a:pt x="4766043" y="344447"/>
+                  <a:pt x="4292625" y="364783"/>
+                  <a:pt x="4087599" y="369332"/>
+                </a:cubicBezTo>
+                <a:cubicBezTo>
+                  <a:pt x="3882573" y="373881"/>
+                  <a:pt x="3398197" y="390442"/>
+                  <a:pt x="3188328" y="369332"/>
+                </a:cubicBezTo>
+                <a:cubicBezTo>
+                  <a:pt x="2978459" y="348222"/>
+                  <a:pt x="2512808" y="345847"/>
+                  <a:pt x="2289056" y="369332"/>
+                </a:cubicBezTo>
+                <a:cubicBezTo>
+                  <a:pt x="2065304" y="392817"/>
+                  <a:pt x="1944941" y="348010"/>
+                  <a:pt x="1716792" y="369332"/>
+                </a:cubicBezTo>
+                <a:cubicBezTo>
+                  <a:pt x="1488643" y="390654"/>
+                  <a:pt x="1349780" y="389554"/>
+                  <a:pt x="1253530" y="369332"/>
+                </a:cubicBezTo>
+                <a:cubicBezTo>
+                  <a:pt x="1157280" y="349110"/>
+                  <a:pt x="1006255" y="382817"/>
+                  <a:pt x="899272" y="369332"/>
+                </a:cubicBezTo>
+                <a:cubicBezTo>
+                  <a:pt x="792289" y="355847"/>
+                  <a:pt x="263197" y="327526"/>
+                  <a:pt x="0" y="369332"/>
+                </a:cubicBezTo>
+                <a:cubicBezTo>
+                  <a:pt x="1301" y="276506"/>
+                  <a:pt x="-10763" y="158196"/>
+                  <a:pt x="0" y="0"/>
+                </a:cubicBezTo>
+                <a:close/>
+              </a:path>
+            </a:pathLst>
+          </a:custGeom>
+          <a:solidFill>
+            <a:schemeClr val="accent6">
+              <a:lumMod val="40000"/>
+              <a:lumOff val="60000"/>
+            </a:schemeClr>
+          </a:solidFill>
+          <a:ln w="38100">
+            <a:solidFill>
+              <a:srgbClr val="92D050"/>
+            </a:solidFill>
+            <a:extLst>
+              <a:ext uri="{C807C97D-BFC1-408E-A445-0C87EB9F89A2}">
+                <ask:lineSketchStyleProps xmlns:ask="http://schemas.microsoft.com/office/drawing/2018/sketchyshapes" sd="3226494589">
+                  <a:prstGeom prst="rect">
+                    <a:avLst/>
+                  </a:prstGeom>
+                  <ask:type>
+                    <ask:lineSketchFreehand/>
+                  </ask:type>
+                </ask:lineSketchStyleProps>
+              </a:ext>
+            </a:extLst>
+          </a:ln>
+        </p:spPr>
+        <p:txBody>
+          <a:bodyPr wrap="square" rtlCol="0">
+            <a:spAutoFit/>
+          </a:bodyPr>
+          <a:lstStyle/>
+          <a:p>
+            <a:pPr marL="400050" indent="-400050" algn="just">
+              <a:buFont typeface="Wingdings" panose="05000000000000000000" pitchFamily="2" charset="2"/>
+              <a:buChar char="ü"/>
+            </a:pPr>
+            <a:r>
+              <a:rPr lang="en-GB" b="1" i="0" dirty="0">
+                <a:effectLst/>
+                <a:latin typeface="Söhne"/>
+              </a:rPr>
+              <a:t>Enhance Focus with Pomodoro Timer: </a:t>
+            </a:r>
+            <a:r>
+              <a:rPr lang="en-GB" b="0" i="0" dirty="0">
+                <a:solidFill>
+                  <a:srgbClr val="374151"/>
+                </a:solidFill>
+                <a:effectLst/>
+                <a:latin typeface="Söhne"/>
+              </a:rPr>
+              <a:t>Boost productivity using Pomodoro Timer for focused study intervals.</a:t>
+            </a:r>
+          </a:p>
+        </p:txBody>
+      </p:sp>
+      <p:sp>
+        <p:nvSpPr>
+          <p:cNvPr id="4" name="TextBox 3">
+            <a:extLst>
+              <a:ext uri="{FF2B5EF4-FFF2-40B4-BE49-F238E27FC236}">
+                <a16:creationId xmlns:a16="http://schemas.microsoft.com/office/drawing/2014/main" id="{1CF83682-BAD5-D037-EB5F-51A3A341241F}"/>
+              </a:ext>
+            </a:extLst>
+          </p:cNvPr>
+          <p:cNvSpPr txBox="1"/>
+          <p:nvPr/>
+        </p:nvSpPr>
+        <p:spPr>
+          <a:xfrm>
+            <a:off x="750172" y="5902107"/>
+            <a:ext cx="8361744" cy="646331"/>
+          </a:xfrm>
+          <a:custGeom>
+            <a:avLst/>
+            <a:gdLst>
+              <a:gd name="connsiteX0" fmla="*/ 0 w 8361744"/>
+              <a:gd name="connsiteY0" fmla="*/ 0 h 646331"/>
+              <a:gd name="connsiteX1" fmla="*/ 445960 w 8361744"/>
+              <a:gd name="connsiteY1" fmla="*/ 0 h 646331"/>
+              <a:gd name="connsiteX2" fmla="*/ 1142772 w 8361744"/>
+              <a:gd name="connsiteY2" fmla="*/ 0 h 646331"/>
+              <a:gd name="connsiteX3" fmla="*/ 1839584 w 8361744"/>
+              <a:gd name="connsiteY3" fmla="*/ 0 h 646331"/>
+              <a:gd name="connsiteX4" fmla="*/ 2369161 w 8361744"/>
+              <a:gd name="connsiteY4" fmla="*/ 0 h 646331"/>
+              <a:gd name="connsiteX5" fmla="*/ 3233208 w 8361744"/>
+              <a:gd name="connsiteY5" fmla="*/ 0 h 646331"/>
+              <a:gd name="connsiteX6" fmla="*/ 3679167 w 8361744"/>
+              <a:gd name="connsiteY6" fmla="*/ 0 h 646331"/>
+              <a:gd name="connsiteX7" fmla="*/ 4375979 w 8361744"/>
+              <a:gd name="connsiteY7" fmla="*/ 0 h 646331"/>
+              <a:gd name="connsiteX8" fmla="*/ 4821939 w 8361744"/>
+              <a:gd name="connsiteY8" fmla="*/ 0 h 646331"/>
+              <a:gd name="connsiteX9" fmla="*/ 5435134 w 8361744"/>
+              <a:gd name="connsiteY9" fmla="*/ 0 h 646331"/>
+              <a:gd name="connsiteX10" fmla="*/ 5964711 w 8361744"/>
+              <a:gd name="connsiteY10" fmla="*/ 0 h 646331"/>
+              <a:gd name="connsiteX11" fmla="*/ 6828758 w 8361744"/>
+              <a:gd name="connsiteY11" fmla="*/ 0 h 646331"/>
+              <a:gd name="connsiteX12" fmla="*/ 7692804 w 8361744"/>
+              <a:gd name="connsiteY12" fmla="*/ 0 h 646331"/>
+              <a:gd name="connsiteX13" fmla="*/ 8361744 w 8361744"/>
+              <a:gd name="connsiteY13" fmla="*/ 0 h 646331"/>
+              <a:gd name="connsiteX14" fmla="*/ 8361744 w 8361744"/>
+              <a:gd name="connsiteY14" fmla="*/ 646331 h 646331"/>
+              <a:gd name="connsiteX15" fmla="*/ 7664932 w 8361744"/>
+              <a:gd name="connsiteY15" fmla="*/ 646331 h 646331"/>
+              <a:gd name="connsiteX16" fmla="*/ 7051737 w 8361744"/>
+              <a:gd name="connsiteY16" fmla="*/ 646331 h 646331"/>
+              <a:gd name="connsiteX17" fmla="*/ 6522160 w 8361744"/>
+              <a:gd name="connsiteY17" fmla="*/ 646331 h 646331"/>
+              <a:gd name="connsiteX18" fmla="*/ 5908966 w 8361744"/>
+              <a:gd name="connsiteY18" fmla="*/ 646331 h 646331"/>
+              <a:gd name="connsiteX19" fmla="*/ 5044919 w 8361744"/>
+              <a:gd name="connsiteY19" fmla="*/ 646331 h 646331"/>
+              <a:gd name="connsiteX20" fmla="*/ 4264489 w 8361744"/>
+              <a:gd name="connsiteY20" fmla="*/ 646331 h 646331"/>
+              <a:gd name="connsiteX21" fmla="*/ 3484060 w 8361744"/>
+              <a:gd name="connsiteY21" fmla="*/ 646331 h 646331"/>
+              <a:gd name="connsiteX22" fmla="*/ 2620013 w 8361744"/>
+              <a:gd name="connsiteY22" fmla="*/ 646331 h 646331"/>
+              <a:gd name="connsiteX23" fmla="*/ 1755966 w 8361744"/>
+              <a:gd name="connsiteY23" fmla="*/ 646331 h 646331"/>
+              <a:gd name="connsiteX24" fmla="*/ 1310007 w 8361744"/>
+              <a:gd name="connsiteY24" fmla="*/ 646331 h 646331"/>
+              <a:gd name="connsiteX25" fmla="*/ 696812 w 8361744"/>
+              <a:gd name="connsiteY25" fmla="*/ 646331 h 646331"/>
+              <a:gd name="connsiteX26" fmla="*/ 0 w 8361744"/>
+              <a:gd name="connsiteY26" fmla="*/ 646331 h 646331"/>
+              <a:gd name="connsiteX27" fmla="*/ 0 w 8361744"/>
+              <a:gd name="connsiteY27" fmla="*/ 0 h 646331"/>
+            </a:gdLst>
+            <a:ahLst/>
+            <a:cxnLst>
+              <a:cxn ang="0">
+                <a:pos x="connsiteX0" y="connsiteY0"/>
+              </a:cxn>
+              <a:cxn ang="0">
+                <a:pos x="connsiteX1" y="connsiteY1"/>
+              </a:cxn>
+              <a:cxn ang="0">
+                <a:pos x="connsiteX2" y="connsiteY2"/>
+              </a:cxn>
+              <a:cxn ang="0">
+                <a:pos x="connsiteX3" y="connsiteY3"/>
+              </a:cxn>
+              <a:cxn ang="0">
+                <a:pos x="connsiteX4" y="connsiteY4"/>
+              </a:cxn>
+              <a:cxn ang="0">
+                <a:pos x="connsiteX5" y="connsiteY5"/>
+              </a:cxn>
+              <a:cxn ang="0">
+                <a:pos x="connsiteX6" y="connsiteY6"/>
+              </a:cxn>
+              <a:cxn ang="0">
+                <a:pos x="connsiteX7" y="connsiteY7"/>
+              </a:cxn>
+              <a:cxn ang="0">
+                <a:pos x="connsiteX8" y="connsiteY8"/>
+              </a:cxn>
+              <a:cxn ang="0">
+                <a:pos x="connsiteX9" y="connsiteY9"/>
+              </a:cxn>
+              <a:cxn ang="0">
+                <a:pos x="connsiteX10" y="connsiteY10"/>
+              </a:cxn>
+              <a:cxn ang="0">
+                <a:pos x="connsiteX11" y="connsiteY11"/>
+              </a:cxn>
+              <a:cxn ang="0">
+                <a:pos x="connsiteX12" y="connsiteY12"/>
+              </a:cxn>
+              <a:cxn ang="0">
+                <a:pos x="connsiteX13" y="connsiteY13"/>
+              </a:cxn>
+              <a:cxn ang="0">
+                <a:pos x="connsiteX14" y="connsiteY14"/>
+              </a:cxn>
+              <a:cxn ang="0">
+                <a:pos x="connsiteX15" y="connsiteY15"/>
+              </a:cxn>
+              <a:cxn ang="0">
+                <a:pos x="connsiteX16" y="connsiteY16"/>
+              </a:cxn>
+              <a:cxn ang="0">
+                <a:pos x="connsiteX17" y="connsiteY17"/>
+              </a:cxn>
+              <a:cxn ang="0">
+                <a:pos x="connsiteX18" y="connsiteY18"/>
+              </a:cxn>
+              <a:cxn ang="0">
+                <a:pos x="connsiteX19" y="connsiteY19"/>
+              </a:cxn>
+              <a:cxn ang="0">
+                <a:pos x="connsiteX20" y="connsiteY20"/>
+              </a:cxn>
+              <a:cxn ang="0">
+                <a:pos x="connsiteX21" y="connsiteY21"/>
+              </a:cxn>
+              <a:cxn ang="0">
+                <a:pos x="connsiteX22" y="connsiteY22"/>
+              </a:cxn>
+              <a:cxn ang="0">
+                <a:pos x="connsiteX23" y="connsiteY23"/>
+              </a:cxn>
+              <a:cxn ang="0">
+                <a:pos x="connsiteX24" y="connsiteY24"/>
+              </a:cxn>
+              <a:cxn ang="0">
+                <a:pos x="connsiteX25" y="connsiteY25"/>
+              </a:cxn>
+              <a:cxn ang="0">
+                <a:pos x="connsiteX26" y="connsiteY26"/>
+              </a:cxn>
+              <a:cxn ang="0">
+                <a:pos x="connsiteX27" y="connsiteY27"/>
+              </a:cxn>
+            </a:cxnLst>
+            <a:rect l="l" t="t" r="r" b="b"/>
+            <a:pathLst>
+              <a:path w="8361744" h="646331" fill="none" extrusionOk="0">
+                <a:moveTo>
+                  <a:pt x="0" y="0"/>
+                </a:moveTo>
+                <a:cubicBezTo>
+                  <a:pt x="122106" y="-6007"/>
+                  <a:pt x="285192" y="17587"/>
+                  <a:pt x="445960" y="0"/>
+                </a:cubicBezTo>
+                <a:cubicBezTo>
+                  <a:pt x="606728" y="-17587"/>
+                  <a:pt x="804139" y="-9764"/>
+                  <a:pt x="1142772" y="0"/>
+                </a:cubicBezTo>
+                <a:cubicBezTo>
+                  <a:pt x="1481405" y="9764"/>
+                  <a:pt x="1633407" y="-33383"/>
+                  <a:pt x="1839584" y="0"/>
+                </a:cubicBezTo>
+                <a:cubicBezTo>
+                  <a:pt x="2045761" y="33383"/>
+                  <a:pt x="2256879" y="6478"/>
+                  <a:pt x="2369161" y="0"/>
+                </a:cubicBezTo>
+                <a:cubicBezTo>
+                  <a:pt x="2481443" y="-6478"/>
+                  <a:pt x="2837356" y="19745"/>
+                  <a:pt x="3233208" y="0"/>
+                </a:cubicBezTo>
+                <a:cubicBezTo>
+                  <a:pt x="3629060" y="-19745"/>
+                  <a:pt x="3568892" y="-19786"/>
+                  <a:pt x="3679167" y="0"/>
+                </a:cubicBezTo>
+                <a:cubicBezTo>
+                  <a:pt x="3789442" y="19786"/>
+                  <a:pt x="4212698" y="8539"/>
+                  <a:pt x="4375979" y="0"/>
+                </a:cubicBezTo>
+                <a:cubicBezTo>
+                  <a:pt x="4539260" y="-8539"/>
+                  <a:pt x="4627196" y="17510"/>
+                  <a:pt x="4821939" y="0"/>
+                </a:cubicBezTo>
+                <a:cubicBezTo>
+                  <a:pt x="5016682" y="-17510"/>
+                  <a:pt x="5205980" y="-18322"/>
+                  <a:pt x="5435134" y="0"/>
+                </a:cubicBezTo>
+                <a:cubicBezTo>
+                  <a:pt x="5664288" y="18322"/>
+                  <a:pt x="5713318" y="5607"/>
+                  <a:pt x="5964711" y="0"/>
+                </a:cubicBezTo>
+                <a:cubicBezTo>
+                  <a:pt x="6216104" y="-5607"/>
+                  <a:pt x="6513364" y="4329"/>
+                  <a:pt x="6828758" y="0"/>
+                </a:cubicBezTo>
+                <a:cubicBezTo>
+                  <a:pt x="7144152" y="-4329"/>
+                  <a:pt x="7349616" y="-37901"/>
+                  <a:pt x="7692804" y="0"/>
+                </a:cubicBezTo>
+                <a:cubicBezTo>
+                  <a:pt x="8035992" y="37901"/>
+                  <a:pt x="8184389" y="-19923"/>
+                  <a:pt x="8361744" y="0"/>
+                </a:cubicBezTo>
+                <a:cubicBezTo>
+                  <a:pt x="8335419" y="140020"/>
+                  <a:pt x="8379563" y="445613"/>
+                  <a:pt x="8361744" y="646331"/>
+                </a:cubicBezTo>
+                <a:cubicBezTo>
+                  <a:pt x="8047781" y="670053"/>
+                  <a:pt x="7941245" y="612051"/>
+                  <a:pt x="7664932" y="646331"/>
+                </a:cubicBezTo>
+                <a:cubicBezTo>
+                  <a:pt x="7388619" y="680611"/>
+                  <a:pt x="7260362" y="645422"/>
+                  <a:pt x="7051737" y="646331"/>
+                </a:cubicBezTo>
+                <a:cubicBezTo>
+                  <a:pt x="6843112" y="647240"/>
+                  <a:pt x="6646735" y="643834"/>
+                  <a:pt x="6522160" y="646331"/>
+                </a:cubicBezTo>
+                <a:cubicBezTo>
+                  <a:pt x="6397585" y="648828"/>
+                  <a:pt x="6074818" y="664420"/>
+                  <a:pt x="5908966" y="646331"/>
+                </a:cubicBezTo>
+                <a:cubicBezTo>
+                  <a:pt x="5743114" y="628242"/>
+                  <a:pt x="5347543" y="659014"/>
+                  <a:pt x="5044919" y="646331"/>
+                </a:cubicBezTo>
+                <a:cubicBezTo>
+                  <a:pt x="4742295" y="633648"/>
+                  <a:pt x="4505361" y="643405"/>
+                  <a:pt x="4264489" y="646331"/>
+                </a:cubicBezTo>
+                <a:cubicBezTo>
+                  <a:pt x="4023617" y="649258"/>
+                  <a:pt x="3874248" y="677306"/>
+                  <a:pt x="3484060" y="646331"/>
+                </a:cubicBezTo>
+                <a:cubicBezTo>
+                  <a:pt x="3093872" y="615356"/>
+                  <a:pt x="2807688" y="622937"/>
+                  <a:pt x="2620013" y="646331"/>
+                </a:cubicBezTo>
+                <a:cubicBezTo>
+                  <a:pt x="2432338" y="669725"/>
+                  <a:pt x="2141152" y="609618"/>
+                  <a:pt x="1755966" y="646331"/>
+                </a:cubicBezTo>
+                <a:cubicBezTo>
+                  <a:pt x="1370780" y="683044"/>
+                  <a:pt x="1496690" y="635612"/>
+                  <a:pt x="1310007" y="646331"/>
+                </a:cubicBezTo>
+                <a:cubicBezTo>
+                  <a:pt x="1123324" y="657050"/>
+                  <a:pt x="952918" y="672319"/>
+                  <a:pt x="696812" y="646331"/>
+                </a:cubicBezTo>
+                <a:cubicBezTo>
+                  <a:pt x="440706" y="620343"/>
+                  <a:pt x="149946" y="641201"/>
+                  <a:pt x="0" y="646331"/>
+                </a:cubicBezTo>
+                <a:cubicBezTo>
+                  <a:pt x="26999" y="386572"/>
+                  <a:pt x="1023" y="185037"/>
+                  <a:pt x="0" y="0"/>
+                </a:cubicBezTo>
+                <a:close/>
+              </a:path>
+              <a:path w="8361744" h="646331" stroke="0" extrusionOk="0">
+                <a:moveTo>
+                  <a:pt x="0" y="0"/>
+                </a:moveTo>
+                <a:cubicBezTo>
+                  <a:pt x="303602" y="-18809"/>
+                  <a:pt x="325726" y="19801"/>
+                  <a:pt x="613195" y="0"/>
+                </a:cubicBezTo>
+                <a:cubicBezTo>
+                  <a:pt x="900665" y="-19801"/>
+                  <a:pt x="1041480" y="9411"/>
+                  <a:pt x="1310007" y="0"/>
+                </a:cubicBezTo>
+                <a:cubicBezTo>
+                  <a:pt x="1578534" y="-9411"/>
+                  <a:pt x="1768061" y="-20447"/>
+                  <a:pt x="1923201" y="0"/>
+                </a:cubicBezTo>
+                <a:cubicBezTo>
+                  <a:pt x="2078341" y="20447"/>
+                  <a:pt x="2273398" y="2002"/>
+                  <a:pt x="2369161" y="0"/>
+                </a:cubicBezTo>
+                <a:cubicBezTo>
+                  <a:pt x="2464924" y="-2002"/>
+                  <a:pt x="2787296" y="2824"/>
+                  <a:pt x="3149590" y="0"/>
+                </a:cubicBezTo>
+                <a:cubicBezTo>
+                  <a:pt x="3511884" y="-2824"/>
+                  <a:pt x="3602127" y="-788"/>
+                  <a:pt x="3762785" y="0"/>
+                </a:cubicBezTo>
+                <a:cubicBezTo>
+                  <a:pt x="3923443" y="788"/>
+                  <a:pt x="4325346" y="1667"/>
+                  <a:pt x="4626832" y="0"/>
+                </a:cubicBezTo>
+                <a:cubicBezTo>
+                  <a:pt x="4928318" y="-1667"/>
+                  <a:pt x="4906146" y="8908"/>
+                  <a:pt x="5156409" y="0"/>
+                </a:cubicBezTo>
+                <a:cubicBezTo>
+                  <a:pt x="5406672" y="-8908"/>
+                  <a:pt x="5503685" y="-24441"/>
+                  <a:pt x="5685986" y="0"/>
+                </a:cubicBezTo>
+                <a:cubicBezTo>
+                  <a:pt x="5868287" y="24441"/>
+                  <a:pt x="6157062" y="3981"/>
+                  <a:pt x="6550033" y="0"/>
+                </a:cubicBezTo>
+                <a:cubicBezTo>
+                  <a:pt x="6943004" y="-3981"/>
+                  <a:pt x="7056012" y="24292"/>
+                  <a:pt x="7330462" y="0"/>
+                </a:cubicBezTo>
+                <a:cubicBezTo>
+                  <a:pt x="7604912" y="-24292"/>
+                  <a:pt x="8115050" y="43153"/>
+                  <a:pt x="8361744" y="0"/>
+                </a:cubicBezTo>
+                <a:cubicBezTo>
+                  <a:pt x="8342939" y="208703"/>
+                  <a:pt x="8390206" y="450015"/>
+                  <a:pt x="8361744" y="646331"/>
+                </a:cubicBezTo>
+                <a:cubicBezTo>
+                  <a:pt x="8062598" y="629982"/>
+                  <a:pt x="7777759" y="630400"/>
+                  <a:pt x="7497697" y="646331"/>
+                </a:cubicBezTo>
+                <a:cubicBezTo>
+                  <a:pt x="7217635" y="662262"/>
+                  <a:pt x="7050506" y="619749"/>
+                  <a:pt x="6717268" y="646331"/>
+                </a:cubicBezTo>
+                <a:cubicBezTo>
+                  <a:pt x="6384030" y="672913"/>
+                  <a:pt x="6264761" y="626079"/>
+                  <a:pt x="6020456" y="646331"/>
+                </a:cubicBezTo>
+                <a:cubicBezTo>
+                  <a:pt x="5776151" y="666583"/>
+                  <a:pt x="5604700" y="662802"/>
+                  <a:pt x="5490879" y="646331"/>
+                </a:cubicBezTo>
+                <a:cubicBezTo>
+                  <a:pt x="5377058" y="629860"/>
+                  <a:pt x="5158816" y="656706"/>
+                  <a:pt x="5044919" y="646331"/>
+                </a:cubicBezTo>
+                <a:cubicBezTo>
+                  <a:pt x="4931022" y="635956"/>
+                  <a:pt x="4757953" y="662327"/>
+                  <a:pt x="4598959" y="646331"/>
+                </a:cubicBezTo>
+                <a:cubicBezTo>
+                  <a:pt x="4439965" y="630335"/>
+                  <a:pt x="4197418" y="624922"/>
+                  <a:pt x="3818530" y="646331"/>
+                </a:cubicBezTo>
+                <a:cubicBezTo>
+                  <a:pt x="3439642" y="667740"/>
+                  <a:pt x="3257382" y="632643"/>
+                  <a:pt x="2954483" y="646331"/>
+                </a:cubicBezTo>
+                <a:cubicBezTo>
+                  <a:pt x="2651584" y="660019"/>
+                  <a:pt x="2584840" y="637109"/>
+                  <a:pt x="2424906" y="646331"/>
+                </a:cubicBezTo>
+                <a:cubicBezTo>
+                  <a:pt x="2264972" y="655553"/>
+                  <a:pt x="1885484" y="668758"/>
+                  <a:pt x="1728094" y="646331"/>
+                </a:cubicBezTo>
+                <a:cubicBezTo>
+                  <a:pt x="1570704" y="623904"/>
+                  <a:pt x="1193129" y="631616"/>
+                  <a:pt x="947664" y="646331"/>
+                </a:cubicBezTo>
+                <a:cubicBezTo>
+                  <a:pt x="702199" y="661047"/>
+                  <a:pt x="411768" y="681412"/>
+                  <a:pt x="0" y="646331"/>
+                </a:cubicBezTo>
+                <a:cubicBezTo>
+                  <a:pt x="-253" y="359001"/>
+                  <a:pt x="4869" y="131669"/>
+                  <a:pt x="0" y="0"/>
+                </a:cubicBezTo>
+                <a:close/>
+              </a:path>
+            </a:pathLst>
+          </a:custGeom>
+          <a:solidFill>
+            <a:schemeClr val="accent4">
+              <a:lumMod val="40000"/>
+              <a:lumOff val="60000"/>
+            </a:schemeClr>
+          </a:solidFill>
+          <a:ln w="38100">
+            <a:solidFill>
+              <a:schemeClr val="accent4">
+                <a:lumMod val="60000"/>
+                <a:lumOff val="40000"/>
+              </a:schemeClr>
+            </a:solidFill>
+            <a:extLst>
+              <a:ext uri="{C807C97D-BFC1-408E-A445-0C87EB9F89A2}">
+                <ask:lineSketchStyleProps xmlns:ask="http://schemas.microsoft.com/office/drawing/2018/sketchyshapes" sd="3226494589">
+                  <a:prstGeom prst="rect">
+                    <a:avLst/>
+                  </a:prstGeom>
+                  <ask:type>
+                    <ask:lineSketchFreehand/>
+                  </ask:type>
+                </ask:lineSketchStyleProps>
+              </a:ext>
+            </a:extLst>
+          </a:ln>
+        </p:spPr>
+        <p:txBody>
+          <a:bodyPr wrap="square" rtlCol="0">
+            <a:spAutoFit/>
+          </a:bodyPr>
+          <a:lstStyle/>
+          <a:p>
+            <a:pPr marL="400050" indent="-400050" algn="just">
+              <a:buFont typeface="Wingdings" panose="05000000000000000000" pitchFamily="2" charset="2"/>
+              <a:buChar char="ü"/>
+            </a:pPr>
+            <a:r>
+              <a:rPr lang="en-GB" b="1" i="0" dirty="0">
+                <a:effectLst/>
+                <a:latin typeface="Söhne"/>
+              </a:rPr>
+              <a:t>Organize Information with Flash Cards: </a:t>
+            </a:r>
+            <a:r>
+              <a:rPr lang="en-GB" b="0" i="0" dirty="0">
+                <a:solidFill>
+                  <a:srgbClr val="374151"/>
+                </a:solidFill>
+                <a:effectLst/>
+                <a:latin typeface="Söhne"/>
+              </a:rPr>
+              <a:t>Facilitate effective learning through Flash Cards, promoting information retention.</a:t>
+            </a:r>
+            <a:endParaRPr lang="en-HK" dirty="0"/>
+          </a:p>
+        </p:txBody>
+      </p:sp>
+      <p:sp>
+        <p:nvSpPr>
+          <p:cNvPr id="6" name="TextBox 5">
+            <a:extLst>
+              <a:ext uri="{FF2B5EF4-FFF2-40B4-BE49-F238E27FC236}">
+                <a16:creationId xmlns:a16="http://schemas.microsoft.com/office/drawing/2014/main" id="{61364312-EB90-644F-2210-16AF7F5E319C}"/>
+              </a:ext>
+            </a:extLst>
+          </p:cNvPr>
+          <p:cNvSpPr txBox="1"/>
+          <p:nvPr/>
+        </p:nvSpPr>
+        <p:spPr>
+          <a:xfrm>
+            <a:off x="750171" y="4598636"/>
+            <a:ext cx="8361745" cy="646331"/>
+          </a:xfrm>
+          <a:custGeom>
+            <a:avLst/>
+            <a:gdLst>
+              <a:gd name="connsiteX0" fmla="*/ 0 w 8361745"/>
+              <a:gd name="connsiteY0" fmla="*/ 0 h 646331"/>
+              <a:gd name="connsiteX1" fmla="*/ 445960 w 8361745"/>
+              <a:gd name="connsiteY1" fmla="*/ 0 h 646331"/>
+              <a:gd name="connsiteX2" fmla="*/ 1142772 w 8361745"/>
+              <a:gd name="connsiteY2" fmla="*/ 0 h 646331"/>
+              <a:gd name="connsiteX3" fmla="*/ 1839584 w 8361745"/>
+              <a:gd name="connsiteY3" fmla="*/ 0 h 646331"/>
+              <a:gd name="connsiteX4" fmla="*/ 2369161 w 8361745"/>
+              <a:gd name="connsiteY4" fmla="*/ 0 h 646331"/>
+              <a:gd name="connsiteX5" fmla="*/ 3233208 w 8361745"/>
+              <a:gd name="connsiteY5" fmla="*/ 0 h 646331"/>
+              <a:gd name="connsiteX6" fmla="*/ 3679168 w 8361745"/>
+              <a:gd name="connsiteY6" fmla="*/ 0 h 646331"/>
+              <a:gd name="connsiteX7" fmla="*/ 4375980 w 8361745"/>
+              <a:gd name="connsiteY7" fmla="*/ 0 h 646331"/>
+              <a:gd name="connsiteX8" fmla="*/ 4821940 w 8361745"/>
+              <a:gd name="connsiteY8" fmla="*/ 0 h 646331"/>
+              <a:gd name="connsiteX9" fmla="*/ 5435134 w 8361745"/>
+              <a:gd name="connsiteY9" fmla="*/ 0 h 646331"/>
+              <a:gd name="connsiteX10" fmla="*/ 5964711 w 8361745"/>
+              <a:gd name="connsiteY10" fmla="*/ 0 h 646331"/>
+              <a:gd name="connsiteX11" fmla="*/ 6828758 w 8361745"/>
+              <a:gd name="connsiteY11" fmla="*/ 0 h 646331"/>
+              <a:gd name="connsiteX12" fmla="*/ 7692805 w 8361745"/>
+              <a:gd name="connsiteY12" fmla="*/ 0 h 646331"/>
+              <a:gd name="connsiteX13" fmla="*/ 8361745 w 8361745"/>
+              <a:gd name="connsiteY13" fmla="*/ 0 h 646331"/>
+              <a:gd name="connsiteX14" fmla="*/ 8361745 w 8361745"/>
+              <a:gd name="connsiteY14" fmla="*/ 646331 h 646331"/>
+              <a:gd name="connsiteX15" fmla="*/ 7664933 w 8361745"/>
+              <a:gd name="connsiteY15" fmla="*/ 646331 h 646331"/>
+              <a:gd name="connsiteX16" fmla="*/ 7051738 w 8361745"/>
+              <a:gd name="connsiteY16" fmla="*/ 646331 h 646331"/>
+              <a:gd name="connsiteX17" fmla="*/ 6522161 w 8361745"/>
+              <a:gd name="connsiteY17" fmla="*/ 646331 h 646331"/>
+              <a:gd name="connsiteX18" fmla="*/ 5908966 w 8361745"/>
+              <a:gd name="connsiteY18" fmla="*/ 646331 h 646331"/>
+              <a:gd name="connsiteX19" fmla="*/ 5044919 w 8361745"/>
+              <a:gd name="connsiteY19" fmla="*/ 646331 h 646331"/>
+              <a:gd name="connsiteX20" fmla="*/ 4264490 w 8361745"/>
+              <a:gd name="connsiteY20" fmla="*/ 646331 h 646331"/>
+              <a:gd name="connsiteX21" fmla="*/ 3484060 w 8361745"/>
+              <a:gd name="connsiteY21" fmla="*/ 646331 h 646331"/>
+              <a:gd name="connsiteX22" fmla="*/ 2620013 w 8361745"/>
+              <a:gd name="connsiteY22" fmla="*/ 646331 h 646331"/>
+              <a:gd name="connsiteX23" fmla="*/ 1755966 w 8361745"/>
+              <a:gd name="connsiteY23" fmla="*/ 646331 h 646331"/>
+              <a:gd name="connsiteX24" fmla="*/ 1310007 w 8361745"/>
+              <a:gd name="connsiteY24" fmla="*/ 646331 h 646331"/>
+              <a:gd name="connsiteX25" fmla="*/ 696812 w 8361745"/>
+              <a:gd name="connsiteY25" fmla="*/ 646331 h 646331"/>
+              <a:gd name="connsiteX26" fmla="*/ 0 w 8361745"/>
+              <a:gd name="connsiteY26" fmla="*/ 646331 h 646331"/>
+              <a:gd name="connsiteX27" fmla="*/ 0 w 8361745"/>
+              <a:gd name="connsiteY27" fmla="*/ 0 h 646331"/>
+            </a:gdLst>
+            <a:ahLst/>
+            <a:cxnLst>
+              <a:cxn ang="0">
+                <a:pos x="connsiteX0" y="connsiteY0"/>
+              </a:cxn>
+              <a:cxn ang="0">
+                <a:pos x="connsiteX1" y="connsiteY1"/>
+              </a:cxn>
+              <a:cxn ang="0">
+                <a:pos x="connsiteX2" y="connsiteY2"/>
+              </a:cxn>
+              <a:cxn ang="0">
+                <a:pos x="connsiteX3" y="connsiteY3"/>
+              </a:cxn>
+              <a:cxn ang="0">
+                <a:pos x="connsiteX4" y="connsiteY4"/>
+              </a:cxn>
+              <a:cxn ang="0">
+                <a:pos x="connsiteX5" y="connsiteY5"/>
+              </a:cxn>
+              <a:cxn ang="0">
+                <a:pos x="connsiteX6" y="connsiteY6"/>
+              </a:cxn>
+              <a:cxn ang="0">
+                <a:pos x="connsiteX7" y="connsiteY7"/>
+              </a:cxn>
+              <a:cxn ang="0">
+                <a:pos x="connsiteX8" y="connsiteY8"/>
+              </a:cxn>
+              <a:cxn ang="0">
+                <a:pos x="connsiteX9" y="connsiteY9"/>
+              </a:cxn>
+              <a:cxn ang="0">
+                <a:pos x="connsiteX10" y="connsiteY10"/>
+              </a:cxn>
+              <a:cxn ang="0">
+                <a:pos x="connsiteX11" y="connsiteY11"/>
+              </a:cxn>
+              <a:cxn ang="0">
+                <a:pos x="connsiteX12" y="connsiteY12"/>
+              </a:cxn>
+              <a:cxn ang="0">
+                <a:pos x="connsiteX13" y="connsiteY13"/>
+              </a:cxn>
+              <a:cxn ang="0">
+                <a:pos x="connsiteX14" y="connsiteY14"/>
+              </a:cxn>
+              <a:cxn ang="0">
+                <a:pos x="connsiteX15" y="connsiteY15"/>
+              </a:cxn>
+              <a:cxn ang="0">
+                <a:pos x="connsiteX16" y="connsiteY16"/>
+              </a:cxn>
+              <a:cxn ang="0">
+                <a:pos x="connsiteX17" y="connsiteY17"/>
+              </a:cxn>
+              <a:cxn ang="0">
+                <a:pos x="connsiteX18" y="connsiteY18"/>
+              </a:cxn>
+              <a:cxn ang="0">
+                <a:pos x="connsiteX19" y="connsiteY19"/>
+              </a:cxn>
+              <a:cxn ang="0">
+                <a:pos x="connsiteX20" y="connsiteY20"/>
+              </a:cxn>
+              <a:cxn ang="0">
+                <a:pos x="connsiteX21" y="connsiteY21"/>
+              </a:cxn>
+              <a:cxn ang="0">
+                <a:pos x="connsiteX22" y="connsiteY22"/>
+              </a:cxn>
+              <a:cxn ang="0">
+                <a:pos x="connsiteX23" y="connsiteY23"/>
+              </a:cxn>
+              <a:cxn ang="0">
+                <a:pos x="connsiteX24" y="connsiteY24"/>
+              </a:cxn>
+              <a:cxn ang="0">
+                <a:pos x="connsiteX25" y="connsiteY25"/>
+              </a:cxn>
+              <a:cxn ang="0">
+                <a:pos x="connsiteX26" y="connsiteY26"/>
+              </a:cxn>
+              <a:cxn ang="0">
+                <a:pos x="connsiteX27" y="connsiteY27"/>
+              </a:cxn>
+            </a:cxnLst>
+            <a:rect l="l" t="t" r="r" b="b"/>
+            <a:pathLst>
+              <a:path w="8361745" h="646331" fill="none" extrusionOk="0">
+                <a:moveTo>
+                  <a:pt x="0" y="0"/>
+                </a:moveTo>
+                <a:cubicBezTo>
+                  <a:pt x="122106" y="-6007"/>
+                  <a:pt x="285192" y="17587"/>
+                  <a:pt x="445960" y="0"/>
+                </a:cubicBezTo>
+                <a:cubicBezTo>
+                  <a:pt x="606728" y="-17587"/>
+                  <a:pt x="804139" y="-9764"/>
+                  <a:pt x="1142772" y="0"/>
+                </a:cubicBezTo>
+                <a:cubicBezTo>
+                  <a:pt x="1481405" y="9764"/>
+                  <a:pt x="1633407" y="-33383"/>
+                  <a:pt x="1839584" y="0"/>
+                </a:cubicBezTo>
+                <a:cubicBezTo>
+                  <a:pt x="2045761" y="33383"/>
+                  <a:pt x="2256879" y="6478"/>
+                  <a:pt x="2369161" y="0"/>
+                </a:cubicBezTo>
+                <a:cubicBezTo>
+                  <a:pt x="2481443" y="-6478"/>
+                  <a:pt x="2837356" y="19745"/>
+                  <a:pt x="3233208" y="0"/>
+                </a:cubicBezTo>
+                <a:cubicBezTo>
+                  <a:pt x="3629060" y="-19745"/>
+                  <a:pt x="3562959" y="-20866"/>
+                  <a:pt x="3679168" y="0"/>
+                </a:cubicBezTo>
+                <a:cubicBezTo>
+                  <a:pt x="3795377" y="20866"/>
+                  <a:pt x="4212699" y="8539"/>
+                  <a:pt x="4375980" y="0"/>
+                </a:cubicBezTo>
+                <a:cubicBezTo>
+                  <a:pt x="4539261" y="-8539"/>
+                  <a:pt x="4627197" y="17510"/>
+                  <a:pt x="4821940" y="0"/>
+                </a:cubicBezTo>
+                <a:cubicBezTo>
+                  <a:pt x="5016683" y="-17510"/>
+                  <a:pt x="5212924" y="-12672"/>
+                  <a:pt x="5435134" y="0"/>
+                </a:cubicBezTo>
+                <a:cubicBezTo>
+                  <a:pt x="5657344" y="12672"/>
+                  <a:pt x="5713318" y="5607"/>
+                  <a:pt x="5964711" y="0"/>
+                </a:cubicBezTo>
+                <a:cubicBezTo>
+                  <a:pt x="6216104" y="-5607"/>
+                  <a:pt x="6513364" y="4329"/>
+                  <a:pt x="6828758" y="0"/>
+                </a:cubicBezTo>
+                <a:cubicBezTo>
+                  <a:pt x="7144152" y="-4329"/>
+                  <a:pt x="7347094" y="-40040"/>
+                  <a:pt x="7692805" y="0"/>
+                </a:cubicBezTo>
+                <a:cubicBezTo>
+                  <a:pt x="8038516" y="40040"/>
+                  <a:pt x="8184390" y="-19923"/>
+                  <a:pt x="8361745" y="0"/>
+                </a:cubicBezTo>
+                <a:cubicBezTo>
+                  <a:pt x="8335420" y="140020"/>
+                  <a:pt x="8379564" y="445613"/>
+                  <a:pt x="8361745" y="646331"/>
+                </a:cubicBezTo>
+                <a:cubicBezTo>
+                  <a:pt x="8047782" y="670053"/>
+                  <a:pt x="7941246" y="612051"/>
+                  <a:pt x="7664933" y="646331"/>
+                </a:cubicBezTo>
+                <a:cubicBezTo>
+                  <a:pt x="7388620" y="680611"/>
+                  <a:pt x="7260363" y="645422"/>
+                  <a:pt x="7051738" y="646331"/>
+                </a:cubicBezTo>
+                <a:cubicBezTo>
+                  <a:pt x="6843113" y="647240"/>
+                  <a:pt x="6646736" y="643834"/>
+                  <a:pt x="6522161" y="646331"/>
+                </a:cubicBezTo>
+                <a:cubicBezTo>
+                  <a:pt x="6397586" y="648828"/>
+                  <a:pt x="6077013" y="665055"/>
+                  <a:pt x="5908966" y="646331"/>
+                </a:cubicBezTo>
+                <a:cubicBezTo>
+                  <a:pt x="5740919" y="627607"/>
+                  <a:pt x="5347543" y="659014"/>
+                  <a:pt x="5044919" y="646331"/>
+                </a:cubicBezTo>
+                <a:cubicBezTo>
+                  <a:pt x="4742295" y="633648"/>
+                  <a:pt x="4503981" y="640913"/>
+                  <a:pt x="4264490" y="646331"/>
+                </a:cubicBezTo>
+                <a:cubicBezTo>
+                  <a:pt x="4024999" y="651749"/>
+                  <a:pt x="3645100" y="679775"/>
+                  <a:pt x="3484060" y="646331"/>
+                </a:cubicBezTo>
+                <a:cubicBezTo>
+                  <a:pt x="3323020" y="612888"/>
+                  <a:pt x="2807688" y="622937"/>
+                  <a:pt x="2620013" y="646331"/>
+                </a:cubicBezTo>
+                <a:cubicBezTo>
+                  <a:pt x="2432338" y="669725"/>
+                  <a:pt x="2141152" y="609618"/>
+                  <a:pt x="1755966" y="646331"/>
+                </a:cubicBezTo>
+                <a:cubicBezTo>
+                  <a:pt x="1370780" y="683044"/>
+                  <a:pt x="1496690" y="635612"/>
+                  <a:pt x="1310007" y="646331"/>
+                </a:cubicBezTo>
+                <a:cubicBezTo>
+                  <a:pt x="1123324" y="657050"/>
+                  <a:pt x="952918" y="672319"/>
+                  <a:pt x="696812" y="646331"/>
+                </a:cubicBezTo>
+                <a:cubicBezTo>
+                  <a:pt x="440706" y="620343"/>
+                  <a:pt x="149946" y="641201"/>
+                  <a:pt x="0" y="646331"/>
+                </a:cubicBezTo>
+                <a:cubicBezTo>
+                  <a:pt x="26999" y="386572"/>
+                  <a:pt x="1023" y="185037"/>
+                  <a:pt x="0" y="0"/>
+                </a:cubicBezTo>
+                <a:close/>
+              </a:path>
+              <a:path w="8361745" h="646331" stroke="0" extrusionOk="0">
+                <a:moveTo>
+                  <a:pt x="0" y="0"/>
+                </a:moveTo>
+                <a:cubicBezTo>
+                  <a:pt x="303602" y="-18809"/>
+                  <a:pt x="325726" y="19801"/>
+                  <a:pt x="613195" y="0"/>
+                </a:cubicBezTo>
+                <a:cubicBezTo>
+                  <a:pt x="900665" y="-19801"/>
+                  <a:pt x="1041480" y="9411"/>
+                  <a:pt x="1310007" y="0"/>
+                </a:cubicBezTo>
+                <a:cubicBezTo>
+                  <a:pt x="1578534" y="-9411"/>
+                  <a:pt x="1768061" y="-20447"/>
+                  <a:pt x="1923201" y="0"/>
+                </a:cubicBezTo>
+                <a:cubicBezTo>
+                  <a:pt x="2078341" y="20447"/>
+                  <a:pt x="2273398" y="2002"/>
+                  <a:pt x="2369161" y="0"/>
+                </a:cubicBezTo>
+                <a:cubicBezTo>
+                  <a:pt x="2464924" y="-2002"/>
+                  <a:pt x="2784839" y="-821"/>
+                  <a:pt x="3149591" y="0"/>
+                </a:cubicBezTo>
+                <a:cubicBezTo>
+                  <a:pt x="3514343" y="821"/>
+                  <a:pt x="3604861" y="3699"/>
+                  <a:pt x="3762785" y="0"/>
+                </a:cubicBezTo>
+                <a:cubicBezTo>
+                  <a:pt x="3920709" y="-3699"/>
+                  <a:pt x="4325346" y="1667"/>
+                  <a:pt x="4626832" y="0"/>
+                </a:cubicBezTo>
+                <a:cubicBezTo>
+                  <a:pt x="4928318" y="-1667"/>
+                  <a:pt x="4906146" y="8908"/>
+                  <a:pt x="5156409" y="0"/>
+                </a:cubicBezTo>
+                <a:cubicBezTo>
+                  <a:pt x="5406672" y="-8908"/>
+                  <a:pt x="5497960" y="-25834"/>
+                  <a:pt x="5685987" y="0"/>
+                </a:cubicBezTo>
+                <a:cubicBezTo>
+                  <a:pt x="5874014" y="25834"/>
+                  <a:pt x="6157063" y="3981"/>
+                  <a:pt x="6550034" y="0"/>
+                </a:cubicBezTo>
+                <a:cubicBezTo>
+                  <a:pt x="6943005" y="-3981"/>
+                  <a:pt x="7056013" y="24292"/>
+                  <a:pt x="7330463" y="0"/>
+                </a:cubicBezTo>
+                <a:cubicBezTo>
+                  <a:pt x="7604913" y="-24292"/>
+                  <a:pt x="8115051" y="43153"/>
+                  <a:pt x="8361745" y="0"/>
+                </a:cubicBezTo>
+                <a:cubicBezTo>
+                  <a:pt x="8342940" y="208703"/>
+                  <a:pt x="8390207" y="450015"/>
+                  <a:pt x="8361745" y="646331"/>
+                </a:cubicBezTo>
+                <a:cubicBezTo>
+                  <a:pt x="8062599" y="629982"/>
+                  <a:pt x="7777760" y="630400"/>
+                  <a:pt x="7497698" y="646331"/>
+                </a:cubicBezTo>
+                <a:cubicBezTo>
+                  <a:pt x="7217636" y="662262"/>
+                  <a:pt x="7055004" y="624319"/>
+                  <a:pt x="6717268" y="646331"/>
+                </a:cubicBezTo>
+                <a:cubicBezTo>
+                  <a:pt x="6379532" y="668344"/>
+                  <a:pt x="6264761" y="626079"/>
+                  <a:pt x="6020456" y="646331"/>
+                </a:cubicBezTo>
+                <a:cubicBezTo>
+                  <a:pt x="5776151" y="666583"/>
+                  <a:pt x="5604700" y="662802"/>
+                  <a:pt x="5490879" y="646331"/>
+                </a:cubicBezTo>
+                <a:cubicBezTo>
+                  <a:pt x="5377058" y="629860"/>
+                  <a:pt x="5158816" y="656706"/>
+                  <a:pt x="5044919" y="646331"/>
+                </a:cubicBezTo>
+                <a:cubicBezTo>
+                  <a:pt x="4931022" y="635956"/>
+                  <a:pt x="4749211" y="654417"/>
+                  <a:pt x="4598960" y="646331"/>
+                </a:cubicBezTo>
+                <a:cubicBezTo>
+                  <a:pt x="4448709" y="638245"/>
+                  <a:pt x="4202680" y="629744"/>
+                  <a:pt x="3818530" y="646331"/>
+                </a:cubicBezTo>
+                <a:cubicBezTo>
+                  <a:pt x="3434380" y="662919"/>
+                  <a:pt x="3257382" y="632643"/>
+                  <a:pt x="2954483" y="646331"/>
+                </a:cubicBezTo>
+                <a:cubicBezTo>
+                  <a:pt x="2651584" y="660019"/>
+                  <a:pt x="2584840" y="637109"/>
+                  <a:pt x="2424906" y="646331"/>
+                </a:cubicBezTo>
+                <a:cubicBezTo>
+                  <a:pt x="2264972" y="655553"/>
+                  <a:pt x="1885484" y="668758"/>
+                  <a:pt x="1728094" y="646331"/>
+                </a:cubicBezTo>
+                <a:cubicBezTo>
+                  <a:pt x="1570704" y="623904"/>
+                  <a:pt x="1193129" y="631616"/>
+                  <a:pt x="947664" y="646331"/>
+                </a:cubicBezTo>
+                <a:cubicBezTo>
+                  <a:pt x="702199" y="661047"/>
+                  <a:pt x="411768" y="681412"/>
+                  <a:pt x="0" y="646331"/>
+                </a:cubicBezTo>
+                <a:cubicBezTo>
+                  <a:pt x="-253" y="359001"/>
+                  <a:pt x="4869" y="131669"/>
+                  <a:pt x="0" y="0"/>
+                </a:cubicBezTo>
+                <a:close/>
+              </a:path>
+            </a:pathLst>
+          </a:custGeom>
+          <a:solidFill>
+            <a:schemeClr val="accent1">
+              <a:lumMod val="40000"/>
+              <a:lumOff val="60000"/>
+            </a:schemeClr>
+          </a:solidFill>
+          <a:ln w="38100">
+            <a:solidFill>
+              <a:srgbClr val="00B0F0"/>
+            </a:solidFill>
+            <a:extLst>
+              <a:ext uri="{C807C97D-BFC1-408E-A445-0C87EB9F89A2}">
+                <ask:lineSketchStyleProps xmlns:ask="http://schemas.microsoft.com/office/drawing/2018/sketchyshapes" sd="3226494589">
+                  <a:prstGeom prst="rect">
+                    <a:avLst/>
+                  </a:prstGeom>
+                  <ask:type>
+                    <ask:lineSketchFreehand/>
+                  </ask:type>
+                </ask:lineSketchStyleProps>
+              </a:ext>
+            </a:extLst>
+          </a:ln>
+        </p:spPr>
+        <p:txBody>
+          <a:bodyPr wrap="square" rtlCol="0">
+            <a:spAutoFit/>
+          </a:bodyPr>
+          <a:lstStyle/>
+          <a:p>
+            <a:pPr marL="400050" indent="-400050" algn="just">
+              <a:buFont typeface="Wingdings" panose="05000000000000000000" pitchFamily="2" charset="2"/>
+              <a:buChar char="ü"/>
+            </a:pPr>
+            <a:r>
+              <a:rPr lang="en-HK" b="1" i="0" dirty="0">
+                <a:effectLst/>
+                <a:latin typeface="Söhne"/>
+              </a:rPr>
+              <a:t>Build Collaborative Communities:</a:t>
+            </a:r>
+            <a:r>
+              <a:rPr lang="en-IN" dirty="0"/>
+              <a:t> </a:t>
+            </a:r>
+            <a:r>
+              <a:rPr lang="en-GB" b="0" i="0" dirty="0">
+                <a:solidFill>
+                  <a:srgbClr val="374151"/>
+                </a:solidFill>
+                <a:effectLst/>
+                <a:latin typeface="Söhne"/>
+              </a:rPr>
+              <a:t>Foster connections through Friend's Activity Panel, Group Streaks, and Leaderboards.</a:t>
+            </a:r>
+          </a:p>
+        </p:txBody>
+      </p:sp>
+      <p:sp>
+        <p:nvSpPr>
+          <p:cNvPr id="7" name="TextBox 6">
+            <a:extLst>
+              <a:ext uri="{FF2B5EF4-FFF2-40B4-BE49-F238E27FC236}">
+                <a16:creationId xmlns:a16="http://schemas.microsoft.com/office/drawing/2014/main" id="{75310453-FD33-EBDD-A455-621DECA4F488}"/>
+              </a:ext>
+            </a:extLst>
+          </p:cNvPr>
+          <p:cNvSpPr txBox="1"/>
+          <p:nvPr/>
+        </p:nvSpPr>
+        <p:spPr>
+          <a:xfrm>
+            <a:off x="750170" y="3675901"/>
+            <a:ext cx="10900265" cy="369332"/>
+          </a:xfrm>
+          <a:custGeom>
+            <a:avLst/>
+            <a:gdLst>
+              <a:gd name="connsiteX0" fmla="*/ 0 w 10900265"/>
+              <a:gd name="connsiteY0" fmla="*/ 0 h 369332"/>
+              <a:gd name="connsiteX1" fmla="*/ 681267 w 10900265"/>
+              <a:gd name="connsiteY1" fmla="*/ 0 h 369332"/>
+              <a:gd name="connsiteX2" fmla="*/ 1580538 w 10900265"/>
+              <a:gd name="connsiteY2" fmla="*/ 0 h 369332"/>
+              <a:gd name="connsiteX3" fmla="*/ 2479810 w 10900265"/>
+              <a:gd name="connsiteY3" fmla="*/ 0 h 369332"/>
+              <a:gd name="connsiteX4" fmla="*/ 3270080 w 10900265"/>
+              <a:gd name="connsiteY4" fmla="*/ 0 h 369332"/>
+              <a:gd name="connsiteX5" fmla="*/ 3842343 w 10900265"/>
+              <a:gd name="connsiteY5" fmla="*/ 0 h 369332"/>
+              <a:gd name="connsiteX6" fmla="*/ 4523610 w 10900265"/>
+              <a:gd name="connsiteY6" fmla="*/ 0 h 369332"/>
+              <a:gd name="connsiteX7" fmla="*/ 4986871 w 10900265"/>
+              <a:gd name="connsiteY7" fmla="*/ 0 h 369332"/>
+              <a:gd name="connsiteX8" fmla="*/ 5450133 w 10900265"/>
+              <a:gd name="connsiteY8" fmla="*/ 0 h 369332"/>
+              <a:gd name="connsiteX9" fmla="*/ 6022396 w 10900265"/>
+              <a:gd name="connsiteY9" fmla="*/ 0 h 369332"/>
+              <a:gd name="connsiteX10" fmla="*/ 6594660 w 10900265"/>
+              <a:gd name="connsiteY10" fmla="*/ 0 h 369332"/>
+              <a:gd name="connsiteX11" fmla="*/ 7166924 w 10900265"/>
+              <a:gd name="connsiteY11" fmla="*/ 0 h 369332"/>
+              <a:gd name="connsiteX12" fmla="*/ 7521183 w 10900265"/>
+              <a:gd name="connsiteY12" fmla="*/ 0 h 369332"/>
+              <a:gd name="connsiteX13" fmla="*/ 8093447 w 10900265"/>
+              <a:gd name="connsiteY13" fmla="*/ 0 h 369332"/>
+              <a:gd name="connsiteX14" fmla="*/ 8992719 w 10900265"/>
+              <a:gd name="connsiteY14" fmla="*/ 0 h 369332"/>
+              <a:gd name="connsiteX15" fmla="*/ 9891990 w 10900265"/>
+              <a:gd name="connsiteY15" fmla="*/ 0 h 369332"/>
+              <a:gd name="connsiteX16" fmla="*/ 10900265 w 10900265"/>
+              <a:gd name="connsiteY16" fmla="*/ 0 h 369332"/>
+              <a:gd name="connsiteX17" fmla="*/ 10900265 w 10900265"/>
+              <a:gd name="connsiteY17" fmla="*/ 369332 h 369332"/>
+              <a:gd name="connsiteX18" fmla="*/ 10328001 w 10900265"/>
+              <a:gd name="connsiteY18" fmla="*/ 369332 h 369332"/>
+              <a:gd name="connsiteX19" fmla="*/ 9428729 w 10900265"/>
+              <a:gd name="connsiteY19" fmla="*/ 369332 h 369332"/>
+              <a:gd name="connsiteX20" fmla="*/ 9074471 w 10900265"/>
+              <a:gd name="connsiteY20" fmla="*/ 369332 h 369332"/>
+              <a:gd name="connsiteX21" fmla="*/ 8611209 w 10900265"/>
+              <a:gd name="connsiteY21" fmla="*/ 369332 h 369332"/>
+              <a:gd name="connsiteX22" fmla="*/ 7929943 w 10900265"/>
+              <a:gd name="connsiteY22" fmla="*/ 369332 h 369332"/>
+              <a:gd name="connsiteX23" fmla="*/ 7030671 w 10900265"/>
+              <a:gd name="connsiteY23" fmla="*/ 369332 h 369332"/>
+              <a:gd name="connsiteX24" fmla="*/ 6240402 w 10900265"/>
+              <a:gd name="connsiteY24" fmla="*/ 369332 h 369332"/>
+              <a:gd name="connsiteX25" fmla="*/ 5341130 w 10900265"/>
+              <a:gd name="connsiteY25" fmla="*/ 369332 h 369332"/>
+              <a:gd name="connsiteX26" fmla="*/ 4986871 w 10900265"/>
+              <a:gd name="connsiteY26" fmla="*/ 369332 h 369332"/>
+              <a:gd name="connsiteX27" fmla="*/ 4087599 w 10900265"/>
+              <a:gd name="connsiteY27" fmla="*/ 369332 h 369332"/>
+              <a:gd name="connsiteX28" fmla="*/ 3624338 w 10900265"/>
+              <a:gd name="connsiteY28" fmla="*/ 369332 h 369332"/>
+              <a:gd name="connsiteX29" fmla="*/ 3270080 w 10900265"/>
+              <a:gd name="connsiteY29" fmla="*/ 369332 h 369332"/>
+              <a:gd name="connsiteX30" fmla="*/ 2915821 w 10900265"/>
+              <a:gd name="connsiteY30" fmla="*/ 369332 h 369332"/>
+              <a:gd name="connsiteX31" fmla="*/ 2125552 w 10900265"/>
+              <a:gd name="connsiteY31" fmla="*/ 369332 h 369332"/>
+              <a:gd name="connsiteX32" fmla="*/ 1553288 w 10900265"/>
+              <a:gd name="connsiteY32" fmla="*/ 369332 h 369332"/>
+              <a:gd name="connsiteX33" fmla="*/ 763019 w 10900265"/>
+              <a:gd name="connsiteY33" fmla="*/ 369332 h 369332"/>
+              <a:gd name="connsiteX34" fmla="*/ 0 w 10900265"/>
+              <a:gd name="connsiteY34" fmla="*/ 369332 h 369332"/>
+              <a:gd name="connsiteX35" fmla="*/ 0 w 10900265"/>
+              <a:gd name="connsiteY35" fmla="*/ 0 h 369332"/>
+            </a:gdLst>
+            <a:ahLst/>
+            <a:cxnLst>
+              <a:cxn ang="0">
+                <a:pos x="connsiteX0" y="connsiteY0"/>
+              </a:cxn>
+              <a:cxn ang="0">
+                <a:pos x="connsiteX1" y="connsiteY1"/>
+              </a:cxn>
+              <a:cxn ang="0">
+                <a:pos x="connsiteX2" y="connsiteY2"/>
+              </a:cxn>
+              <a:cxn ang="0">
+                <a:pos x="connsiteX3" y="connsiteY3"/>
+              </a:cxn>
+              <a:cxn ang="0">
+                <a:pos x="connsiteX4" y="connsiteY4"/>
+              </a:cxn>
+              <a:cxn ang="0">
+                <a:pos x="connsiteX5" y="connsiteY5"/>
+              </a:cxn>
+              <a:cxn ang="0">
+                <a:pos x="connsiteX6" y="connsiteY6"/>
+              </a:cxn>
+              <a:cxn ang="0">
+                <a:pos x="connsiteX7" y="connsiteY7"/>
+              </a:cxn>
+              <a:cxn ang="0">
+                <a:pos x="connsiteX8" y="connsiteY8"/>
+              </a:cxn>
+              <a:cxn ang="0">
+                <a:pos x="connsiteX9" y="connsiteY9"/>
+              </a:cxn>
+              <a:cxn ang="0">
+                <a:pos x="connsiteX10" y="connsiteY10"/>
+              </a:cxn>
+              <a:cxn ang="0">
+                <a:pos x="connsiteX11" y="connsiteY11"/>
+              </a:cxn>
+              <a:cxn ang="0">
+                <a:pos x="connsiteX12" y="connsiteY12"/>
+              </a:cxn>
+              <a:cxn ang="0">
+                <a:pos x="connsiteX13" y="connsiteY13"/>
+              </a:cxn>
+              <a:cxn ang="0">
+                <a:pos x="connsiteX14" y="connsiteY14"/>
+              </a:cxn>
+              <a:cxn ang="0">
+                <a:pos x="connsiteX15" y="connsiteY15"/>
+              </a:cxn>
+              <a:cxn ang="0">
+                <a:pos x="connsiteX16" y="connsiteY16"/>
+              </a:cxn>
+              <a:cxn ang="0">
+                <a:pos x="connsiteX17" y="connsiteY17"/>
+              </a:cxn>
+              <a:cxn ang="0">
+                <a:pos x="connsiteX18" y="connsiteY18"/>
+              </a:cxn>
+              <a:cxn ang="0">
+                <a:pos x="connsiteX19" y="connsiteY19"/>
+              </a:cxn>
+              <a:cxn ang="0">
+                <a:pos x="connsiteX20" y="connsiteY20"/>
+              </a:cxn>
+              <a:cxn ang="0">
+                <a:pos x="connsiteX21" y="connsiteY21"/>
+              </a:cxn>
+              <a:cxn ang="0">
+                <a:pos x="connsiteX22" y="connsiteY22"/>
+              </a:cxn>
+              <a:cxn ang="0">
+                <a:pos x="connsiteX23" y="connsiteY23"/>
+              </a:cxn>
+              <a:cxn ang="0">
+                <a:pos x="connsiteX24" y="connsiteY24"/>
+              </a:cxn>
+              <a:cxn ang="0">
+                <a:pos x="connsiteX25" y="connsiteY25"/>
+              </a:cxn>
+              <a:cxn ang="0">
+                <a:pos x="connsiteX26" y="connsiteY26"/>
+              </a:cxn>
+              <a:cxn ang="0">
+                <a:pos x="connsiteX27" y="connsiteY27"/>
+              </a:cxn>
+              <a:cxn ang="0">
+                <a:pos x="connsiteX28" y="connsiteY28"/>
+              </a:cxn>
+              <a:cxn ang="0">
+                <a:pos x="connsiteX29" y="connsiteY29"/>
+              </a:cxn>
+              <a:cxn ang="0">
+                <a:pos x="connsiteX30" y="connsiteY30"/>
+              </a:cxn>
+              <a:cxn ang="0">
+                <a:pos x="connsiteX31" y="connsiteY31"/>
+              </a:cxn>
+              <a:cxn ang="0">
+                <a:pos x="connsiteX32" y="connsiteY32"/>
+              </a:cxn>
+              <a:cxn ang="0">
+                <a:pos x="connsiteX33" y="connsiteY33"/>
+              </a:cxn>
+              <a:cxn ang="0">
+                <a:pos x="connsiteX34" y="connsiteY34"/>
+              </a:cxn>
+              <a:cxn ang="0">
+                <a:pos x="connsiteX35" y="connsiteY35"/>
+              </a:cxn>
+            </a:cxnLst>
+            <a:rect l="l" t="t" r="r" b="b"/>
+            <a:pathLst>
+              <a:path w="10900265" h="369332" fill="none" extrusionOk="0">
+                <a:moveTo>
+                  <a:pt x="0" y="0"/>
+                </a:moveTo>
+                <a:cubicBezTo>
+                  <a:pt x="174995" y="9367"/>
+                  <a:pt x="419517" y="-26284"/>
+                  <a:pt x="681267" y="0"/>
+                </a:cubicBezTo>
+                <a:cubicBezTo>
+                  <a:pt x="943017" y="26284"/>
+                  <a:pt x="1139112" y="-41959"/>
+                  <a:pt x="1580538" y="0"/>
+                </a:cubicBezTo>
+                <a:cubicBezTo>
+                  <a:pt x="2021964" y="41959"/>
+                  <a:pt x="2272069" y="-29083"/>
+                  <a:pt x="2479810" y="0"/>
+                </a:cubicBezTo>
+                <a:cubicBezTo>
+                  <a:pt x="2687551" y="29083"/>
+                  <a:pt x="2922804" y="35332"/>
+                  <a:pt x="3270080" y="0"/>
+                </a:cubicBezTo>
+                <a:cubicBezTo>
+                  <a:pt x="3617356" y="-35332"/>
+                  <a:pt x="3577829" y="-3440"/>
+                  <a:pt x="3842343" y="0"/>
+                </a:cubicBezTo>
+                <a:cubicBezTo>
+                  <a:pt x="4106857" y="3440"/>
+                  <a:pt x="4251460" y="16827"/>
+                  <a:pt x="4523610" y="0"/>
+                </a:cubicBezTo>
+                <a:cubicBezTo>
+                  <a:pt x="4795760" y="-16827"/>
+                  <a:pt x="4785976" y="-17135"/>
+                  <a:pt x="4986871" y="0"/>
+                </a:cubicBezTo>
+                <a:cubicBezTo>
+                  <a:pt x="5187766" y="17135"/>
+                  <a:pt x="5237422" y="-6590"/>
+                  <a:pt x="5450133" y="0"/>
+                </a:cubicBezTo>
+                <a:cubicBezTo>
+                  <a:pt x="5662844" y="6590"/>
+                  <a:pt x="5736717" y="-18204"/>
+                  <a:pt x="6022396" y="0"/>
+                </a:cubicBezTo>
+                <a:cubicBezTo>
+                  <a:pt x="6308075" y="18204"/>
+                  <a:pt x="6359203" y="-19569"/>
+                  <a:pt x="6594660" y="0"/>
+                </a:cubicBezTo>
+                <a:cubicBezTo>
+                  <a:pt x="6830117" y="19569"/>
+                  <a:pt x="7051377" y="28480"/>
+                  <a:pt x="7166924" y="0"/>
+                </a:cubicBezTo>
+                <a:cubicBezTo>
+                  <a:pt x="7282471" y="-28480"/>
+                  <a:pt x="7392125" y="-8711"/>
+                  <a:pt x="7521183" y="0"/>
+                </a:cubicBezTo>
+                <a:cubicBezTo>
+                  <a:pt x="7650241" y="8711"/>
+                  <a:pt x="7943332" y="24822"/>
+                  <a:pt x="8093447" y="0"/>
+                </a:cubicBezTo>
+                <a:cubicBezTo>
+                  <a:pt x="8243562" y="-24822"/>
+                  <a:pt x="8649404" y="-7842"/>
+                  <a:pt x="8992719" y="0"/>
+                </a:cubicBezTo>
+                <a:cubicBezTo>
+                  <a:pt x="9336034" y="7842"/>
+                  <a:pt x="9669743" y="20014"/>
+                  <a:pt x="9891990" y="0"/>
+                </a:cubicBezTo>
+                <a:cubicBezTo>
+                  <a:pt x="10114237" y="-20014"/>
+                  <a:pt x="10695954" y="-44225"/>
+                  <a:pt x="10900265" y="0"/>
+                </a:cubicBezTo>
+                <a:cubicBezTo>
+                  <a:pt x="10893043" y="143381"/>
+                  <a:pt x="10896324" y="252440"/>
+                  <a:pt x="10900265" y="369332"/>
+                </a:cubicBezTo>
+                <a:cubicBezTo>
+                  <a:pt x="10679503" y="342008"/>
+                  <a:pt x="10582986" y="367125"/>
+                  <a:pt x="10328001" y="369332"/>
+                </a:cubicBezTo>
+                <a:cubicBezTo>
+                  <a:pt x="10073016" y="371539"/>
+                  <a:pt x="9737739" y="397761"/>
+                  <a:pt x="9428729" y="369332"/>
+                </a:cubicBezTo>
+                <a:cubicBezTo>
+                  <a:pt x="9119719" y="340903"/>
+                  <a:pt x="9216929" y="380975"/>
+                  <a:pt x="9074471" y="369332"/>
+                </a:cubicBezTo>
+                <a:cubicBezTo>
+                  <a:pt x="8932013" y="357689"/>
+                  <a:pt x="8744655" y="370756"/>
+                  <a:pt x="8611209" y="369332"/>
+                </a:cubicBezTo>
+                <a:cubicBezTo>
+                  <a:pt x="8477763" y="367908"/>
+                  <a:pt x="8206244" y="395415"/>
+                  <a:pt x="7929943" y="369332"/>
+                </a:cubicBezTo>
+                <a:cubicBezTo>
+                  <a:pt x="7653642" y="343249"/>
+                  <a:pt x="7303255" y="336025"/>
+                  <a:pt x="7030671" y="369332"/>
+                </a:cubicBezTo>
+                <a:cubicBezTo>
+                  <a:pt x="6758087" y="402639"/>
+                  <a:pt x="6475896" y="358488"/>
+                  <a:pt x="6240402" y="369332"/>
+                </a:cubicBezTo>
+                <a:cubicBezTo>
+                  <a:pt x="6004908" y="380176"/>
+                  <a:pt x="5556665" y="334565"/>
+                  <a:pt x="5341130" y="369332"/>
+                </a:cubicBezTo>
+                <a:cubicBezTo>
+                  <a:pt x="5125595" y="404099"/>
+                  <a:pt x="5059768" y="375405"/>
+                  <a:pt x="4986871" y="369332"/>
+                </a:cubicBezTo>
+                <a:cubicBezTo>
+                  <a:pt x="4913974" y="363259"/>
+                  <a:pt x="4280054" y="328915"/>
+                  <a:pt x="4087599" y="369332"/>
+                </a:cubicBezTo>
+                <a:cubicBezTo>
+                  <a:pt x="3895144" y="409749"/>
+                  <a:pt x="3734282" y="391426"/>
+                  <a:pt x="3624338" y="369332"/>
+                </a:cubicBezTo>
+                <a:cubicBezTo>
+                  <a:pt x="3514394" y="347238"/>
+                  <a:pt x="3363151" y="377772"/>
+                  <a:pt x="3270080" y="369332"/>
+                </a:cubicBezTo>
+                <a:cubicBezTo>
+                  <a:pt x="3177009" y="360892"/>
+                  <a:pt x="3066075" y="352038"/>
+                  <a:pt x="2915821" y="369332"/>
+                </a:cubicBezTo>
+                <a:cubicBezTo>
+                  <a:pt x="2765567" y="386626"/>
+                  <a:pt x="2399618" y="333055"/>
+                  <a:pt x="2125552" y="369332"/>
+                </a:cubicBezTo>
+                <a:cubicBezTo>
+                  <a:pt x="1851486" y="405609"/>
+                  <a:pt x="1685535" y="375620"/>
+                  <a:pt x="1553288" y="369332"/>
+                </a:cubicBezTo>
+                <a:cubicBezTo>
+                  <a:pt x="1421041" y="363044"/>
+                  <a:pt x="976146" y="381433"/>
+                  <a:pt x="763019" y="369332"/>
+                </a:cubicBezTo>
+                <a:cubicBezTo>
+                  <a:pt x="549892" y="357231"/>
+                  <a:pt x="304781" y="405960"/>
+                  <a:pt x="0" y="369332"/>
+                </a:cubicBezTo>
+                <a:cubicBezTo>
+                  <a:pt x="8682" y="264547"/>
+                  <a:pt x="-8374" y="87538"/>
+                  <a:pt x="0" y="0"/>
+                </a:cubicBezTo>
+                <a:close/>
+              </a:path>
+              <a:path w="10900265" h="369332" stroke="0" extrusionOk="0">
+                <a:moveTo>
+                  <a:pt x="0" y="0"/>
+                </a:moveTo>
+                <a:cubicBezTo>
+                  <a:pt x="157099" y="25481"/>
+                  <a:pt x="301964" y="-11363"/>
+                  <a:pt x="572264" y="0"/>
+                </a:cubicBezTo>
+                <a:cubicBezTo>
+                  <a:pt x="842564" y="11363"/>
+                  <a:pt x="915776" y="19461"/>
+                  <a:pt x="1253530" y="0"/>
+                </a:cubicBezTo>
+                <a:cubicBezTo>
+                  <a:pt x="1591284" y="-19461"/>
+                  <a:pt x="1613684" y="11754"/>
+                  <a:pt x="1825794" y="0"/>
+                </a:cubicBezTo>
+                <a:cubicBezTo>
+                  <a:pt x="2037904" y="-11754"/>
+                  <a:pt x="2015703" y="-1245"/>
+                  <a:pt x="2180053" y="0"/>
+                </a:cubicBezTo>
+                <a:cubicBezTo>
+                  <a:pt x="2344403" y="1245"/>
+                  <a:pt x="2608561" y="16697"/>
+                  <a:pt x="2970322" y="0"/>
+                </a:cubicBezTo>
+                <a:cubicBezTo>
+                  <a:pt x="3332083" y="-16697"/>
+                  <a:pt x="3368164" y="15045"/>
+                  <a:pt x="3542586" y="0"/>
+                </a:cubicBezTo>
+                <a:cubicBezTo>
+                  <a:pt x="3717008" y="-15045"/>
+                  <a:pt x="4257346" y="-470"/>
+                  <a:pt x="4441858" y="0"/>
+                </a:cubicBezTo>
+                <a:cubicBezTo>
+                  <a:pt x="4626370" y="470"/>
+                  <a:pt x="4734986" y="13562"/>
+                  <a:pt x="4905119" y="0"/>
+                </a:cubicBezTo>
+                <a:cubicBezTo>
+                  <a:pt x="5075252" y="-13562"/>
+                  <a:pt x="5233397" y="7659"/>
+                  <a:pt x="5368381" y="0"/>
+                </a:cubicBezTo>
+                <a:cubicBezTo>
+                  <a:pt x="5503365" y="-7659"/>
+                  <a:pt x="5850663" y="29265"/>
+                  <a:pt x="6267652" y="0"/>
+                </a:cubicBezTo>
+                <a:cubicBezTo>
+                  <a:pt x="6684641" y="-29265"/>
+                  <a:pt x="6818618" y="-8901"/>
+                  <a:pt x="7057922" y="0"/>
+                </a:cubicBezTo>
+                <a:cubicBezTo>
+                  <a:pt x="7297226" y="8901"/>
+                  <a:pt x="7514313" y="14952"/>
+                  <a:pt x="7630185" y="0"/>
+                </a:cubicBezTo>
+                <a:cubicBezTo>
+                  <a:pt x="7746057" y="-14952"/>
+                  <a:pt x="7881220" y="14229"/>
+                  <a:pt x="8093447" y="0"/>
+                </a:cubicBezTo>
+                <a:cubicBezTo>
+                  <a:pt x="8305674" y="-14229"/>
+                  <a:pt x="8623573" y="-20805"/>
+                  <a:pt x="8774713" y="0"/>
+                </a:cubicBezTo>
+                <a:cubicBezTo>
+                  <a:pt x="8925853" y="20805"/>
+                  <a:pt x="9023589" y="-7850"/>
+                  <a:pt x="9128972" y="0"/>
+                </a:cubicBezTo>
+                <a:cubicBezTo>
+                  <a:pt x="9234355" y="7850"/>
+                  <a:pt x="9512875" y="17190"/>
+                  <a:pt x="9810238" y="0"/>
+                </a:cubicBezTo>
+                <a:cubicBezTo>
+                  <a:pt x="10107601" y="-17190"/>
+                  <a:pt x="10499953" y="-18504"/>
+                  <a:pt x="10900265" y="0"/>
+                </a:cubicBezTo>
+                <a:cubicBezTo>
+                  <a:pt x="10901201" y="99373"/>
+                  <a:pt x="10892281" y="191834"/>
+                  <a:pt x="10900265" y="369332"/>
+                </a:cubicBezTo>
+                <a:cubicBezTo>
+                  <a:pt x="10747458" y="385943"/>
+                  <a:pt x="10656083" y="382883"/>
+                  <a:pt x="10437004" y="369332"/>
+                </a:cubicBezTo>
+                <a:cubicBezTo>
+                  <a:pt x="10217925" y="355781"/>
+                  <a:pt x="9878875" y="379771"/>
+                  <a:pt x="9646735" y="369332"/>
+                </a:cubicBezTo>
+                <a:cubicBezTo>
+                  <a:pt x="9414595" y="358893"/>
+                  <a:pt x="9081361" y="374702"/>
+                  <a:pt x="8747463" y="369332"/>
+                </a:cubicBezTo>
+                <a:cubicBezTo>
+                  <a:pt x="8413565" y="363962"/>
+                  <a:pt x="8388205" y="353396"/>
+                  <a:pt x="8284201" y="369332"/>
+                </a:cubicBezTo>
+                <a:cubicBezTo>
+                  <a:pt x="8180197" y="385268"/>
+                  <a:pt x="7763245" y="399149"/>
+                  <a:pt x="7602935" y="369332"/>
+                </a:cubicBezTo>
+                <a:cubicBezTo>
+                  <a:pt x="7442625" y="339515"/>
+                  <a:pt x="7152088" y="399792"/>
+                  <a:pt x="6812666" y="369332"/>
+                </a:cubicBezTo>
+                <a:cubicBezTo>
+                  <a:pt x="6473244" y="338872"/>
+                  <a:pt x="6459566" y="356986"/>
+                  <a:pt x="6349404" y="369332"/>
+                </a:cubicBezTo>
+                <a:cubicBezTo>
+                  <a:pt x="6239242" y="381678"/>
+                  <a:pt x="5896002" y="395515"/>
+                  <a:pt x="5777140" y="369332"/>
+                </a:cubicBezTo>
+                <a:cubicBezTo>
+                  <a:pt x="5658278" y="343149"/>
+                  <a:pt x="5207699" y="394217"/>
+                  <a:pt x="4986871" y="369332"/>
+                </a:cubicBezTo>
+                <a:cubicBezTo>
+                  <a:pt x="4766043" y="344447"/>
+                  <a:pt x="4292625" y="364783"/>
+                  <a:pt x="4087599" y="369332"/>
+                </a:cubicBezTo>
+                <a:cubicBezTo>
+                  <a:pt x="3882573" y="373881"/>
+                  <a:pt x="3398197" y="390442"/>
+                  <a:pt x="3188328" y="369332"/>
+                </a:cubicBezTo>
+                <a:cubicBezTo>
+                  <a:pt x="2978459" y="348222"/>
+                  <a:pt x="2512808" y="345847"/>
+                  <a:pt x="2289056" y="369332"/>
+                </a:cubicBezTo>
+                <a:cubicBezTo>
+                  <a:pt x="2065304" y="392817"/>
+                  <a:pt x="1944941" y="348010"/>
+                  <a:pt x="1716792" y="369332"/>
+                </a:cubicBezTo>
+                <a:cubicBezTo>
+                  <a:pt x="1488643" y="390654"/>
+                  <a:pt x="1349780" y="389554"/>
+                  <a:pt x="1253530" y="369332"/>
+                </a:cubicBezTo>
+                <a:cubicBezTo>
+                  <a:pt x="1157280" y="349110"/>
+                  <a:pt x="1006255" y="382817"/>
+                  <a:pt x="899272" y="369332"/>
+                </a:cubicBezTo>
+                <a:cubicBezTo>
+                  <a:pt x="792289" y="355847"/>
+                  <a:pt x="263197" y="327526"/>
+                  <a:pt x="0" y="369332"/>
+                </a:cubicBezTo>
+                <a:cubicBezTo>
+                  <a:pt x="1301" y="276506"/>
+                  <a:pt x="-10763" y="158196"/>
+                  <a:pt x="0" y="0"/>
+                </a:cubicBezTo>
+                <a:close/>
+              </a:path>
+            </a:pathLst>
+          </a:custGeom>
+          <a:solidFill>
+            <a:srgbClr val="FFA7CF"/>
+          </a:solidFill>
+          <a:ln w="38100">
+            <a:solidFill>
+              <a:srgbClr val="F32976"/>
+            </a:solidFill>
+            <a:extLst>
+              <a:ext uri="{C807C97D-BFC1-408E-A445-0C87EB9F89A2}">
+                <ask:lineSketchStyleProps xmlns:ask="http://schemas.microsoft.com/office/drawing/2018/sketchyshapes" sd="3226494589">
+                  <a:prstGeom prst="rect">
+                    <a:avLst/>
+                  </a:prstGeom>
+                  <ask:type>
+                    <ask:lineSketchFreehand/>
+                  </ask:type>
+                </ask:lineSketchStyleProps>
+              </a:ext>
+            </a:extLst>
+          </a:ln>
+        </p:spPr>
+        <p:txBody>
+          <a:bodyPr wrap="square" rtlCol="0">
+            <a:spAutoFit/>
+          </a:bodyPr>
+          <a:lstStyle/>
+          <a:p>
+            <a:pPr marL="400050" indent="-400050" algn="just">
+              <a:buFont typeface="Wingdings" panose="05000000000000000000" pitchFamily="2" charset="2"/>
+              <a:buChar char="ü"/>
+            </a:pPr>
+            <a:r>
+              <a:rPr lang="en-HK" b="1" i="0" dirty="0">
+                <a:effectLst/>
+                <a:latin typeface="Söhne"/>
+              </a:rPr>
+              <a:t>Motivate Through Streaks: </a:t>
+            </a:r>
+            <a:r>
+              <a:rPr lang="en-GB" b="0" i="0" dirty="0" err="1">
+                <a:solidFill>
+                  <a:srgbClr val="374151"/>
+                </a:solidFill>
+                <a:effectLst/>
+                <a:latin typeface="Söhne"/>
+              </a:rPr>
+              <a:t>Instill</a:t>
+            </a:r>
+            <a:r>
+              <a:rPr lang="en-GB" b="0" i="0" dirty="0">
+                <a:solidFill>
+                  <a:srgbClr val="374151"/>
+                </a:solidFill>
+                <a:effectLst/>
+                <a:latin typeface="Söhne"/>
+              </a:rPr>
+              <a:t> motivation with Task Streaks, fostering a consistent learning rhythm.</a:t>
+            </a:r>
+          </a:p>
+        </p:txBody>
+      </p:sp>
+      <p:sp>
+        <p:nvSpPr>
+          <p:cNvPr id="8" name="TextBox 7">
+            <a:extLst>
+              <a:ext uri="{FF2B5EF4-FFF2-40B4-BE49-F238E27FC236}">
+                <a16:creationId xmlns:a16="http://schemas.microsoft.com/office/drawing/2014/main" id="{E740747A-7968-26BF-22B2-597E7BA55305}"/>
+              </a:ext>
+            </a:extLst>
+          </p:cNvPr>
+          <p:cNvSpPr txBox="1"/>
+          <p:nvPr/>
+        </p:nvSpPr>
+        <p:spPr>
+          <a:xfrm>
+            <a:off x="750172" y="1650204"/>
+            <a:ext cx="10965578" cy="369332"/>
+          </a:xfrm>
+          <a:custGeom>
+            <a:avLst/>
+            <a:gdLst>
+              <a:gd name="connsiteX0" fmla="*/ 0 w 10965578"/>
+              <a:gd name="connsiteY0" fmla="*/ 0 h 369332"/>
+              <a:gd name="connsiteX1" fmla="*/ 685349 w 10965578"/>
+              <a:gd name="connsiteY1" fmla="*/ 0 h 369332"/>
+              <a:gd name="connsiteX2" fmla="*/ 1590009 w 10965578"/>
+              <a:gd name="connsiteY2" fmla="*/ 0 h 369332"/>
+              <a:gd name="connsiteX3" fmla="*/ 2494669 w 10965578"/>
+              <a:gd name="connsiteY3" fmla="*/ 0 h 369332"/>
+              <a:gd name="connsiteX4" fmla="*/ 3289673 w 10965578"/>
+              <a:gd name="connsiteY4" fmla="*/ 0 h 369332"/>
+              <a:gd name="connsiteX5" fmla="*/ 3865366 w 10965578"/>
+              <a:gd name="connsiteY5" fmla="*/ 0 h 369332"/>
+              <a:gd name="connsiteX6" fmla="*/ 4550715 w 10965578"/>
+              <a:gd name="connsiteY6" fmla="*/ 0 h 369332"/>
+              <a:gd name="connsiteX7" fmla="*/ 5016752 w 10965578"/>
+              <a:gd name="connsiteY7" fmla="*/ 0 h 369332"/>
+              <a:gd name="connsiteX8" fmla="*/ 5482789 w 10965578"/>
+              <a:gd name="connsiteY8" fmla="*/ 0 h 369332"/>
+              <a:gd name="connsiteX9" fmla="*/ 6058482 w 10965578"/>
+              <a:gd name="connsiteY9" fmla="*/ 0 h 369332"/>
+              <a:gd name="connsiteX10" fmla="*/ 6634175 w 10965578"/>
+              <a:gd name="connsiteY10" fmla="*/ 0 h 369332"/>
+              <a:gd name="connsiteX11" fmla="*/ 7209868 w 10965578"/>
+              <a:gd name="connsiteY11" fmla="*/ 0 h 369332"/>
+              <a:gd name="connsiteX12" fmla="*/ 7566249 w 10965578"/>
+              <a:gd name="connsiteY12" fmla="*/ 0 h 369332"/>
+              <a:gd name="connsiteX13" fmla="*/ 8141942 w 10965578"/>
+              <a:gd name="connsiteY13" fmla="*/ 0 h 369332"/>
+              <a:gd name="connsiteX14" fmla="*/ 9046602 w 10965578"/>
+              <a:gd name="connsiteY14" fmla="*/ 0 h 369332"/>
+              <a:gd name="connsiteX15" fmla="*/ 9951262 w 10965578"/>
+              <a:gd name="connsiteY15" fmla="*/ 0 h 369332"/>
+              <a:gd name="connsiteX16" fmla="*/ 10965578 w 10965578"/>
+              <a:gd name="connsiteY16" fmla="*/ 0 h 369332"/>
+              <a:gd name="connsiteX17" fmla="*/ 10965578 w 10965578"/>
+              <a:gd name="connsiteY17" fmla="*/ 369332 h 369332"/>
+              <a:gd name="connsiteX18" fmla="*/ 10389885 w 10965578"/>
+              <a:gd name="connsiteY18" fmla="*/ 369332 h 369332"/>
+              <a:gd name="connsiteX19" fmla="*/ 9485225 w 10965578"/>
+              <a:gd name="connsiteY19" fmla="*/ 369332 h 369332"/>
+              <a:gd name="connsiteX20" fmla="*/ 9128844 w 10965578"/>
+              <a:gd name="connsiteY20" fmla="*/ 369332 h 369332"/>
+              <a:gd name="connsiteX21" fmla="*/ 8662807 w 10965578"/>
+              <a:gd name="connsiteY21" fmla="*/ 369332 h 369332"/>
+              <a:gd name="connsiteX22" fmla="*/ 7977458 w 10965578"/>
+              <a:gd name="connsiteY22" fmla="*/ 369332 h 369332"/>
+              <a:gd name="connsiteX23" fmla="*/ 7072798 w 10965578"/>
+              <a:gd name="connsiteY23" fmla="*/ 369332 h 369332"/>
+              <a:gd name="connsiteX24" fmla="*/ 6277793 w 10965578"/>
+              <a:gd name="connsiteY24" fmla="*/ 369332 h 369332"/>
+              <a:gd name="connsiteX25" fmla="*/ 5373133 w 10965578"/>
+              <a:gd name="connsiteY25" fmla="*/ 369332 h 369332"/>
+              <a:gd name="connsiteX26" fmla="*/ 5016752 w 10965578"/>
+              <a:gd name="connsiteY26" fmla="*/ 369332 h 369332"/>
+              <a:gd name="connsiteX27" fmla="*/ 4112092 w 10965578"/>
+              <a:gd name="connsiteY27" fmla="*/ 369332 h 369332"/>
+              <a:gd name="connsiteX28" fmla="*/ 3646055 w 10965578"/>
+              <a:gd name="connsiteY28" fmla="*/ 369332 h 369332"/>
+              <a:gd name="connsiteX29" fmla="*/ 3289673 w 10965578"/>
+              <a:gd name="connsiteY29" fmla="*/ 369332 h 369332"/>
+              <a:gd name="connsiteX30" fmla="*/ 2933292 w 10965578"/>
+              <a:gd name="connsiteY30" fmla="*/ 369332 h 369332"/>
+              <a:gd name="connsiteX31" fmla="*/ 2138288 w 10965578"/>
+              <a:gd name="connsiteY31" fmla="*/ 369332 h 369332"/>
+              <a:gd name="connsiteX32" fmla="*/ 1562595 w 10965578"/>
+              <a:gd name="connsiteY32" fmla="*/ 369332 h 369332"/>
+              <a:gd name="connsiteX33" fmla="*/ 767590 w 10965578"/>
+              <a:gd name="connsiteY33" fmla="*/ 369332 h 369332"/>
+              <a:gd name="connsiteX34" fmla="*/ 0 w 10965578"/>
+              <a:gd name="connsiteY34" fmla="*/ 369332 h 369332"/>
+              <a:gd name="connsiteX35" fmla="*/ 0 w 10965578"/>
+              <a:gd name="connsiteY35" fmla="*/ 0 h 369332"/>
+            </a:gdLst>
+            <a:ahLst/>
+            <a:cxnLst>
+              <a:cxn ang="0">
+                <a:pos x="connsiteX0" y="connsiteY0"/>
+              </a:cxn>
+              <a:cxn ang="0">
+                <a:pos x="connsiteX1" y="connsiteY1"/>
+              </a:cxn>
+              <a:cxn ang="0">
+                <a:pos x="connsiteX2" y="connsiteY2"/>
+              </a:cxn>
+              <a:cxn ang="0">
+                <a:pos x="connsiteX3" y="connsiteY3"/>
+              </a:cxn>
+              <a:cxn ang="0">
+                <a:pos x="connsiteX4" y="connsiteY4"/>
+              </a:cxn>
+              <a:cxn ang="0">
+                <a:pos x="connsiteX5" y="connsiteY5"/>
+              </a:cxn>
+              <a:cxn ang="0">
+                <a:pos x="connsiteX6" y="connsiteY6"/>
+              </a:cxn>
+              <a:cxn ang="0">
+                <a:pos x="connsiteX7" y="connsiteY7"/>
+              </a:cxn>
+              <a:cxn ang="0">
+                <a:pos x="connsiteX8" y="connsiteY8"/>
+              </a:cxn>
+              <a:cxn ang="0">
+                <a:pos x="connsiteX9" y="connsiteY9"/>
+              </a:cxn>
+              <a:cxn ang="0">
+                <a:pos x="connsiteX10" y="connsiteY10"/>
+              </a:cxn>
+              <a:cxn ang="0">
+                <a:pos x="connsiteX11" y="connsiteY11"/>
+              </a:cxn>
+              <a:cxn ang="0">
+                <a:pos x="connsiteX12" y="connsiteY12"/>
+              </a:cxn>
+              <a:cxn ang="0">
+                <a:pos x="connsiteX13" y="connsiteY13"/>
+              </a:cxn>
+              <a:cxn ang="0">
+                <a:pos x="connsiteX14" y="connsiteY14"/>
+              </a:cxn>
+              <a:cxn ang="0">
+                <a:pos x="connsiteX15" y="connsiteY15"/>
+              </a:cxn>
+              <a:cxn ang="0">
+                <a:pos x="connsiteX16" y="connsiteY16"/>
+              </a:cxn>
+              <a:cxn ang="0">
+                <a:pos x="connsiteX17" y="connsiteY17"/>
+              </a:cxn>
+              <a:cxn ang="0">
+                <a:pos x="connsiteX18" y="connsiteY18"/>
+              </a:cxn>
+              <a:cxn ang="0">
+                <a:pos x="connsiteX19" y="connsiteY19"/>
+              </a:cxn>
+              <a:cxn ang="0">
+                <a:pos x="connsiteX20" y="connsiteY20"/>
+              </a:cxn>
+              <a:cxn ang="0">
+                <a:pos x="connsiteX21" y="connsiteY21"/>
+              </a:cxn>
+              <a:cxn ang="0">
+                <a:pos x="connsiteX22" y="connsiteY22"/>
+              </a:cxn>
+              <a:cxn ang="0">
+                <a:pos x="connsiteX23" y="connsiteY23"/>
+              </a:cxn>
+              <a:cxn ang="0">
+                <a:pos x="connsiteX24" y="connsiteY24"/>
+              </a:cxn>
+              <a:cxn ang="0">
+                <a:pos x="connsiteX25" y="connsiteY25"/>
+              </a:cxn>
+              <a:cxn ang="0">
+                <a:pos x="connsiteX26" y="connsiteY26"/>
+              </a:cxn>
+              <a:cxn ang="0">
+                <a:pos x="connsiteX27" y="connsiteY27"/>
+              </a:cxn>
+              <a:cxn ang="0">
+                <a:pos x="connsiteX28" y="connsiteY28"/>
+              </a:cxn>
+              <a:cxn ang="0">
+                <a:pos x="connsiteX29" y="connsiteY29"/>
+              </a:cxn>
+              <a:cxn ang="0">
+                <a:pos x="connsiteX30" y="connsiteY30"/>
+              </a:cxn>
+              <a:cxn ang="0">
+                <a:pos x="connsiteX31" y="connsiteY31"/>
+              </a:cxn>
+              <a:cxn ang="0">
+                <a:pos x="connsiteX32" y="connsiteY32"/>
+              </a:cxn>
+              <a:cxn ang="0">
+                <a:pos x="connsiteX33" y="connsiteY33"/>
+              </a:cxn>
+              <a:cxn ang="0">
+                <a:pos x="connsiteX34" y="connsiteY34"/>
+              </a:cxn>
+              <a:cxn ang="0">
+                <a:pos x="connsiteX35" y="connsiteY35"/>
+              </a:cxn>
+            </a:cxnLst>
+            <a:rect l="l" t="t" r="r" b="b"/>
+            <a:pathLst>
+              <a:path w="10965578" h="369332" fill="none" extrusionOk="0">
+                <a:moveTo>
+                  <a:pt x="0" y="0"/>
+                </a:moveTo>
+                <a:cubicBezTo>
+                  <a:pt x="183793" y="13834"/>
+                  <a:pt x="453014" y="-26739"/>
+                  <a:pt x="685349" y="0"/>
+                </a:cubicBezTo>
+                <a:cubicBezTo>
+                  <a:pt x="917684" y="26739"/>
+                  <a:pt x="1360414" y="43884"/>
+                  <a:pt x="1590009" y="0"/>
+                </a:cubicBezTo>
+                <a:cubicBezTo>
+                  <a:pt x="1819604" y="-43884"/>
+                  <a:pt x="2250874" y="24548"/>
+                  <a:pt x="2494669" y="0"/>
+                </a:cubicBezTo>
+                <a:cubicBezTo>
+                  <a:pt x="2738464" y="-24548"/>
+                  <a:pt x="2923051" y="17171"/>
+                  <a:pt x="3289673" y="0"/>
+                </a:cubicBezTo>
+                <a:cubicBezTo>
+                  <a:pt x="3656295" y="-17171"/>
+                  <a:pt x="3598675" y="12819"/>
+                  <a:pt x="3865366" y="0"/>
+                </a:cubicBezTo>
+                <a:cubicBezTo>
+                  <a:pt x="4132057" y="-12819"/>
+                  <a:pt x="4267628" y="-4723"/>
+                  <a:pt x="4550715" y="0"/>
+                </a:cubicBezTo>
+                <a:cubicBezTo>
+                  <a:pt x="4833802" y="4723"/>
+                  <a:pt x="4794061" y="-20080"/>
+                  <a:pt x="5016752" y="0"/>
+                </a:cubicBezTo>
+                <a:cubicBezTo>
+                  <a:pt x="5239443" y="20080"/>
+                  <a:pt x="5321810" y="-909"/>
+                  <a:pt x="5482789" y="0"/>
+                </a:cubicBezTo>
+                <a:cubicBezTo>
+                  <a:pt x="5643768" y="909"/>
+                  <a:pt x="5912992" y="28573"/>
+                  <a:pt x="6058482" y="0"/>
+                </a:cubicBezTo>
+                <a:cubicBezTo>
+                  <a:pt x="6203972" y="-28573"/>
+                  <a:pt x="6371444" y="-24018"/>
+                  <a:pt x="6634175" y="0"/>
+                </a:cubicBezTo>
+                <a:cubicBezTo>
+                  <a:pt x="6896906" y="24018"/>
+                  <a:pt x="7007157" y="-19102"/>
+                  <a:pt x="7209868" y="0"/>
+                </a:cubicBezTo>
+                <a:cubicBezTo>
+                  <a:pt x="7412579" y="19102"/>
+                  <a:pt x="7427588" y="-11747"/>
+                  <a:pt x="7566249" y="0"/>
+                </a:cubicBezTo>
+                <a:cubicBezTo>
+                  <a:pt x="7704910" y="11747"/>
+                  <a:pt x="7991357" y="-13635"/>
+                  <a:pt x="8141942" y="0"/>
+                </a:cubicBezTo>
+                <a:cubicBezTo>
+                  <a:pt x="8292527" y="13635"/>
+                  <a:pt x="8770581" y="-5553"/>
+                  <a:pt x="9046602" y="0"/>
+                </a:cubicBezTo>
+                <a:cubicBezTo>
+                  <a:pt x="9322623" y="5553"/>
+                  <a:pt x="9637077" y="-35165"/>
+                  <a:pt x="9951262" y="0"/>
+                </a:cubicBezTo>
+                <a:cubicBezTo>
+                  <a:pt x="10265447" y="35165"/>
+                  <a:pt x="10493757" y="36257"/>
+                  <a:pt x="10965578" y="0"/>
+                </a:cubicBezTo>
+                <a:cubicBezTo>
+                  <a:pt x="10958356" y="143381"/>
+                  <a:pt x="10961637" y="252440"/>
+                  <a:pt x="10965578" y="369332"/>
+                </a:cubicBezTo>
+                <a:cubicBezTo>
+                  <a:pt x="10704306" y="389268"/>
+                  <a:pt x="10667226" y="380984"/>
+                  <a:pt x="10389885" y="369332"/>
+                </a:cubicBezTo>
+                <a:cubicBezTo>
+                  <a:pt x="10112544" y="357680"/>
+                  <a:pt x="9762978" y="330441"/>
+                  <a:pt x="9485225" y="369332"/>
+                </a:cubicBezTo>
+                <a:cubicBezTo>
+                  <a:pt x="9207472" y="408223"/>
+                  <a:pt x="9284162" y="382721"/>
+                  <a:pt x="9128844" y="369332"/>
+                </a:cubicBezTo>
+                <a:cubicBezTo>
+                  <a:pt x="8973526" y="355943"/>
+                  <a:pt x="8805467" y="363514"/>
+                  <a:pt x="8662807" y="369332"/>
+                </a:cubicBezTo>
+                <a:cubicBezTo>
+                  <a:pt x="8520147" y="375150"/>
+                  <a:pt x="8134959" y="389331"/>
+                  <a:pt x="7977458" y="369332"/>
+                </a:cubicBezTo>
+                <a:cubicBezTo>
+                  <a:pt x="7819957" y="349333"/>
+                  <a:pt x="7429935" y="378894"/>
+                  <a:pt x="7072798" y="369332"/>
+                </a:cubicBezTo>
+                <a:cubicBezTo>
+                  <a:pt x="6715661" y="359770"/>
+                  <a:pt x="6615063" y="374063"/>
+                  <a:pt x="6277793" y="369332"/>
+                </a:cubicBezTo>
+                <a:cubicBezTo>
+                  <a:pt x="5940523" y="364601"/>
+                  <a:pt x="5570498" y="337674"/>
+                  <a:pt x="5373133" y="369332"/>
+                </a:cubicBezTo>
+                <a:cubicBezTo>
+                  <a:pt x="5175768" y="400990"/>
+                  <a:pt x="5156447" y="358960"/>
+                  <a:pt x="5016752" y="369332"/>
+                </a:cubicBezTo>
+                <a:cubicBezTo>
+                  <a:pt x="4877057" y="379704"/>
+                  <a:pt x="4394832" y="336092"/>
+                  <a:pt x="4112092" y="369332"/>
+                </a:cubicBezTo>
+                <a:cubicBezTo>
+                  <a:pt x="3829352" y="402572"/>
+                  <a:pt x="3810037" y="388192"/>
+                  <a:pt x="3646055" y="369332"/>
+                </a:cubicBezTo>
+                <a:cubicBezTo>
+                  <a:pt x="3482073" y="350472"/>
+                  <a:pt x="3425584" y="380941"/>
+                  <a:pt x="3289673" y="369332"/>
+                </a:cubicBezTo>
+                <a:cubicBezTo>
+                  <a:pt x="3153762" y="357723"/>
+                  <a:pt x="3043997" y="376703"/>
+                  <a:pt x="2933292" y="369332"/>
+                </a:cubicBezTo>
+                <a:cubicBezTo>
+                  <a:pt x="2822587" y="361961"/>
+                  <a:pt x="2482471" y="391242"/>
+                  <a:pt x="2138288" y="369332"/>
+                </a:cubicBezTo>
+                <a:cubicBezTo>
+                  <a:pt x="1794105" y="347422"/>
+                  <a:pt x="1826071" y="363967"/>
+                  <a:pt x="1562595" y="369332"/>
+                </a:cubicBezTo>
+                <a:cubicBezTo>
+                  <a:pt x="1299119" y="374697"/>
+                  <a:pt x="997286" y="354654"/>
+                  <a:pt x="767590" y="369332"/>
+                </a:cubicBezTo>
+                <a:cubicBezTo>
+                  <a:pt x="537895" y="384010"/>
+                  <a:pt x="290080" y="382624"/>
+                  <a:pt x="0" y="369332"/>
+                </a:cubicBezTo>
+                <a:cubicBezTo>
+                  <a:pt x="8682" y="264547"/>
+                  <a:pt x="-8374" y="87538"/>
+                  <a:pt x="0" y="0"/>
+                </a:cubicBezTo>
+                <a:close/>
+              </a:path>
+              <a:path w="10965578" h="369332" stroke="0" extrusionOk="0">
+                <a:moveTo>
+                  <a:pt x="0" y="0"/>
+                </a:moveTo>
+                <a:cubicBezTo>
+                  <a:pt x="194763" y="28031"/>
+                  <a:pt x="423967" y="-10674"/>
+                  <a:pt x="575693" y="0"/>
+                </a:cubicBezTo>
+                <a:cubicBezTo>
+                  <a:pt x="727419" y="10674"/>
+                  <a:pt x="1053128" y="-29994"/>
+                  <a:pt x="1261041" y="0"/>
+                </a:cubicBezTo>
+                <a:cubicBezTo>
+                  <a:pt x="1468954" y="29994"/>
+                  <a:pt x="1718974" y="20523"/>
+                  <a:pt x="1836734" y="0"/>
+                </a:cubicBezTo>
+                <a:cubicBezTo>
+                  <a:pt x="1954494" y="-20523"/>
+                  <a:pt x="2061304" y="-11179"/>
+                  <a:pt x="2193116" y="0"/>
+                </a:cubicBezTo>
+                <a:cubicBezTo>
+                  <a:pt x="2324928" y="11179"/>
+                  <a:pt x="2821595" y="-13140"/>
+                  <a:pt x="2988120" y="0"/>
+                </a:cubicBezTo>
+                <a:cubicBezTo>
+                  <a:pt x="3154645" y="13140"/>
+                  <a:pt x="3359537" y="-6253"/>
+                  <a:pt x="3563813" y="0"/>
+                </a:cubicBezTo>
+                <a:cubicBezTo>
+                  <a:pt x="3768089" y="6253"/>
+                  <a:pt x="4175855" y="-13486"/>
+                  <a:pt x="4468473" y="0"/>
+                </a:cubicBezTo>
+                <a:cubicBezTo>
+                  <a:pt x="4761091" y="13486"/>
+                  <a:pt x="4740637" y="16291"/>
+                  <a:pt x="4934510" y="0"/>
+                </a:cubicBezTo>
+                <a:cubicBezTo>
+                  <a:pt x="5128383" y="-16291"/>
+                  <a:pt x="5276264" y="17072"/>
+                  <a:pt x="5400547" y="0"/>
+                </a:cubicBezTo>
+                <a:cubicBezTo>
+                  <a:pt x="5524830" y="-17072"/>
+                  <a:pt x="5890436" y="40289"/>
+                  <a:pt x="6305207" y="0"/>
+                </a:cubicBezTo>
+                <a:cubicBezTo>
+                  <a:pt x="6719978" y="-40289"/>
+                  <a:pt x="6706885" y="-32317"/>
+                  <a:pt x="7100212" y="0"/>
+                </a:cubicBezTo>
+                <a:cubicBezTo>
+                  <a:pt x="7493539" y="32317"/>
+                  <a:pt x="7530826" y="-27684"/>
+                  <a:pt x="7675905" y="0"/>
+                </a:cubicBezTo>
+                <a:cubicBezTo>
+                  <a:pt x="7820984" y="27684"/>
+                  <a:pt x="7940001" y="-15332"/>
+                  <a:pt x="8141942" y="0"/>
+                </a:cubicBezTo>
+                <a:cubicBezTo>
+                  <a:pt x="8343883" y="15332"/>
+                  <a:pt x="8549610" y="-8850"/>
+                  <a:pt x="8827290" y="0"/>
+                </a:cubicBezTo>
+                <a:cubicBezTo>
+                  <a:pt x="9104970" y="8850"/>
+                  <a:pt x="9058677" y="-10347"/>
+                  <a:pt x="9183672" y="0"/>
+                </a:cubicBezTo>
+                <a:cubicBezTo>
+                  <a:pt x="9308667" y="10347"/>
+                  <a:pt x="9616356" y="28338"/>
+                  <a:pt x="9869020" y="0"/>
+                </a:cubicBezTo>
+                <a:cubicBezTo>
+                  <a:pt x="10121684" y="-28338"/>
+                  <a:pt x="10720161" y="-38355"/>
+                  <a:pt x="10965578" y="0"/>
+                </a:cubicBezTo>
+                <a:cubicBezTo>
+                  <a:pt x="10966514" y="99373"/>
+                  <a:pt x="10957594" y="191834"/>
+                  <a:pt x="10965578" y="369332"/>
+                </a:cubicBezTo>
+                <a:cubicBezTo>
+                  <a:pt x="10846746" y="368368"/>
+                  <a:pt x="10595779" y="361961"/>
+                  <a:pt x="10499541" y="369332"/>
+                </a:cubicBezTo>
+                <a:cubicBezTo>
+                  <a:pt x="10403303" y="376703"/>
+                  <a:pt x="9973537" y="349490"/>
+                  <a:pt x="9704537" y="369332"/>
+                </a:cubicBezTo>
+                <a:cubicBezTo>
+                  <a:pt x="9435537" y="389174"/>
+                  <a:pt x="9146093" y="375608"/>
+                  <a:pt x="8799876" y="369332"/>
+                </a:cubicBezTo>
+                <a:cubicBezTo>
+                  <a:pt x="8453659" y="363056"/>
+                  <a:pt x="8438456" y="392295"/>
+                  <a:pt x="8333839" y="369332"/>
+                </a:cubicBezTo>
+                <a:cubicBezTo>
+                  <a:pt x="8229222" y="346369"/>
+                  <a:pt x="7840586" y="401817"/>
+                  <a:pt x="7648491" y="369332"/>
+                </a:cubicBezTo>
+                <a:cubicBezTo>
+                  <a:pt x="7456396" y="336847"/>
+                  <a:pt x="7125384" y="360289"/>
+                  <a:pt x="6853486" y="369332"/>
+                </a:cubicBezTo>
+                <a:cubicBezTo>
+                  <a:pt x="6581589" y="378375"/>
+                  <a:pt x="6488623" y="369710"/>
+                  <a:pt x="6387449" y="369332"/>
+                </a:cubicBezTo>
+                <a:cubicBezTo>
+                  <a:pt x="6286275" y="368954"/>
+                  <a:pt x="5947775" y="358240"/>
+                  <a:pt x="5811756" y="369332"/>
+                </a:cubicBezTo>
+                <a:cubicBezTo>
+                  <a:pt x="5675737" y="380424"/>
+                  <a:pt x="5236370" y="365618"/>
+                  <a:pt x="5016752" y="369332"/>
+                </a:cubicBezTo>
+                <a:cubicBezTo>
+                  <a:pt x="4797134" y="373046"/>
+                  <a:pt x="4521746" y="364671"/>
+                  <a:pt x="4112092" y="369332"/>
+                </a:cubicBezTo>
+                <a:cubicBezTo>
+                  <a:pt x="3702438" y="373993"/>
+                  <a:pt x="3641044" y="355313"/>
+                  <a:pt x="3207432" y="369332"/>
+                </a:cubicBezTo>
+                <a:cubicBezTo>
+                  <a:pt x="2773820" y="383351"/>
+                  <a:pt x="2539052" y="370243"/>
+                  <a:pt x="2302771" y="369332"/>
+                </a:cubicBezTo>
+                <a:cubicBezTo>
+                  <a:pt x="2066490" y="368421"/>
+                  <a:pt x="2003945" y="386432"/>
+                  <a:pt x="1727079" y="369332"/>
+                </a:cubicBezTo>
+                <a:cubicBezTo>
+                  <a:pt x="1450213" y="352232"/>
+                  <a:pt x="1428783" y="377638"/>
+                  <a:pt x="1261041" y="369332"/>
+                </a:cubicBezTo>
+                <a:cubicBezTo>
+                  <a:pt x="1093299" y="361026"/>
+                  <a:pt x="1056127" y="383628"/>
+                  <a:pt x="904660" y="369332"/>
+                </a:cubicBezTo>
+                <a:cubicBezTo>
+                  <a:pt x="753193" y="355036"/>
+                  <a:pt x="248151" y="388165"/>
+                  <a:pt x="0" y="369332"/>
+                </a:cubicBezTo>
+                <a:cubicBezTo>
+                  <a:pt x="1301" y="276506"/>
+                  <a:pt x="-10763" y="158196"/>
+                  <a:pt x="0" y="0"/>
+                </a:cubicBezTo>
+                <a:close/>
+              </a:path>
+            </a:pathLst>
+          </a:custGeom>
+          <a:solidFill>
+            <a:schemeClr val="accent2">
+              <a:lumMod val="40000"/>
+              <a:lumOff val="60000"/>
+            </a:schemeClr>
+          </a:solidFill>
+          <a:ln w="38100">
+            <a:solidFill>
+              <a:srgbClr val="FA8422"/>
+            </a:solidFill>
+            <a:extLst>
+              <a:ext uri="{C807C97D-BFC1-408E-A445-0C87EB9F89A2}">
+                <ask:lineSketchStyleProps xmlns:ask="http://schemas.microsoft.com/office/drawing/2018/sketchyshapes" sd="3226494589">
+                  <a:prstGeom prst="rect">
+                    <a:avLst/>
+                  </a:prstGeom>
+                  <ask:type>
+                    <ask:lineSketchFreehand/>
+                  </ask:type>
+                </ask:lineSketchStyleProps>
+              </a:ext>
+            </a:extLst>
+          </a:ln>
+        </p:spPr>
+        <p:txBody>
+          <a:bodyPr wrap="square" rtlCol="0">
+            <a:spAutoFit/>
+          </a:bodyPr>
+          <a:lstStyle/>
+          <a:p>
+            <a:pPr marL="285750" indent="-285750">
+              <a:buFont typeface="Wingdings" panose="05000000000000000000" pitchFamily="2" charset="2"/>
+              <a:buChar char="ü"/>
+            </a:pPr>
+            <a:r>
+              <a:rPr lang="en-HK" b="1" i="0" dirty="0">
+                <a:effectLst/>
+                <a:latin typeface="Söhne"/>
+              </a:rPr>
+              <a:t>Optimize Learning Schedules: </a:t>
+            </a:r>
+            <a:r>
+              <a:rPr lang="en-GB" b="0" i="0" dirty="0">
+                <a:solidFill>
+                  <a:srgbClr val="374151"/>
+                </a:solidFill>
+                <a:effectLst/>
+                <a:latin typeface="Söhne"/>
+              </a:rPr>
+              <a:t>Efficiently plan studies with Spaced Repetition, Task, and Time Schedulers.</a:t>
+            </a:r>
+          </a:p>
+        </p:txBody>
+      </p:sp>
+      <p:pic>
+        <p:nvPicPr>
+          <p:cNvPr id="16" name="Picture 15">
+            <a:extLst>
+              <a:ext uri="{FF2B5EF4-FFF2-40B4-BE49-F238E27FC236}">
+                <a16:creationId xmlns:a16="http://schemas.microsoft.com/office/drawing/2014/main" id="{90773084-9AB6-2FE1-C4FA-2B40337352CE}"/>
+              </a:ext>
+            </a:extLst>
+          </p:cNvPr>
+          <p:cNvPicPr>
+            <a:picLocks noChangeAspect="1"/>
+          </p:cNvPicPr>
+          <p:nvPr/>
+        </p:nvPicPr>
+        <p:blipFill>
+          <a:blip r:embed="rId3" cstate="print">
+            <a:extLst>
+              <a:ext uri="{28A0092B-C50C-407E-A947-70E740481C1C}">
+                <a14:useLocalDpi xmlns:a14="http://schemas.microsoft.com/office/drawing/2010/main" val="0"/>
+              </a:ext>
+            </a:extLst>
+          </a:blip>
+          <a:stretch>
+            <a:fillRect/>
+          </a:stretch>
+        </p:blipFill>
+        <p:spPr>
+          <a:xfrm>
+            <a:off x="8807115" y="3832753"/>
+            <a:ext cx="3367840" cy="3367840"/>
+          </a:xfrm>
+          <a:prstGeom prst="rect">
+            <a:avLst/>
+          </a:prstGeom>
+        </p:spPr>
+      </p:pic>
+    </p:spTree>
+    <p:extLst>
+      <p:ext uri="{BB962C8B-B14F-4D97-AF65-F5344CB8AC3E}">
+        <p14:creationId xmlns:p14="http://schemas.microsoft.com/office/powerpoint/2010/main" val="2424370919"/>
+      </p:ext>
+    </p:extLst>
+  </p:cSld>
+  <p:clrMapOvr>
+    <a:masterClrMapping/>
+  </p:clrMapOvr>
+</p:sld>
+</file>
+
+<file path=ppt/slides/slide8.xml><?xml version="1.0" encoding="utf-8"?>
+<p:sld xmlns:a="http://schemas.openxmlformats.org/drawingml/2006/main" xmlns:r="http://schemas.openxmlformats.org/officeDocument/2006/relationships" xmlns:p="http://schemas.openxmlformats.org/presentationml/2006/main">
+  <p:cSld>
+    <p:bg>
+      <p:bgPr>
+        <a:blipFill dpi="0" rotWithShape="1">
+          <a:blip r:embed="rId2">
+            <a:lum/>
+          </a:blip>
+          <a:srcRect/>
+          <a:stretch>
+            <a:fillRect/>
+          </a:stretch>
+        </a:blipFill>
+        <a:effectLst/>
+      </p:bgPr>
+    </p:bg>
+    <p:spTree>
+      <p:nvGrpSpPr>
+        <p:cNvPr id="1" name=""/>
+        <p:cNvGrpSpPr/>
+        <p:nvPr/>
+      </p:nvGrpSpPr>
+      <p:grpSpPr>
+        <a:xfrm>
+          <a:off x="0" y="0"/>
+          <a:ext cx="0" cy="0"/>
+          <a:chOff x="0" y="0"/>
+          <a:chExt cx="0" cy="0"/>
+        </a:xfrm>
+      </p:grpSpPr>
+      <p:sp>
+        <p:nvSpPr>
+          <p:cNvPr id="5" name="object 3"/>
+          <p:cNvSpPr txBox="1">
+            <a:spLocks noGrp="1"/>
+          </p:cNvSpPr>
+          <p:nvPr>
+            <p:ph type="title"/>
+          </p:nvPr>
+        </p:nvSpPr>
+        <p:spPr>
+          <a:xfrm>
+            <a:off x="534259" y="309562"/>
+            <a:ext cx="3898948" cy="382156"/>
+          </a:xfrm>
+          <a:prstGeom prst="rect">
+            <a:avLst/>
+          </a:prstGeom>
+        </p:spPr>
+        <p:txBody>
+          <a:bodyPr vert="horz" wrap="square" lIns="0" tIns="12700" rIns="0" bIns="0" rtlCol="0">
+            <a:spAutoFit/>
+          </a:bodyPr>
+          <a:lstStyle/>
+          <a:p>
+            <a:pPr marL="12700">
+              <a:lnSpc>
+                <a:spcPct val="100000"/>
+              </a:lnSpc>
+              <a:spcBef>
+                <a:spcPts val="100"/>
+              </a:spcBef>
+            </a:pPr>
+            <a:r>
+              <a:rPr lang="en-IN" sz="2400" dirty="0">
+                <a:solidFill>
+                  <a:srgbClr val="04A2B9"/>
+                </a:solidFill>
+                <a:latin typeface="Proxima Nova"/>
+              </a:rPr>
+              <a:t>Literature Review</a:t>
+            </a:r>
+            <a:endParaRPr sz="2400" dirty="0">
+              <a:latin typeface="Proxima Nova"/>
+            </a:endParaRPr>
+          </a:p>
+        </p:txBody>
+      </p:sp>
+      <p:sp>
+        <p:nvSpPr>
+          <p:cNvPr id="2" name="TextBox 1">
+            <a:extLst>
+              <a:ext uri="{FF2B5EF4-FFF2-40B4-BE49-F238E27FC236}">
+                <a16:creationId xmlns:a16="http://schemas.microsoft.com/office/drawing/2014/main" id="{BC848DF9-73B2-D681-5AFB-747B4E10C463}"/>
+              </a:ext>
+            </a:extLst>
+          </p:cNvPr>
+          <p:cNvSpPr txBox="1"/>
+          <p:nvPr/>
+        </p:nvSpPr>
+        <p:spPr>
+          <a:xfrm>
+            <a:off x="534259" y="1257122"/>
+            <a:ext cx="11413671" cy="3939540"/>
+          </a:xfrm>
+          <a:prstGeom prst="rect">
+            <a:avLst/>
+          </a:prstGeom>
+          <a:noFill/>
+        </p:spPr>
+        <p:txBody>
+          <a:bodyPr wrap="square" rtlCol="0">
+            <a:spAutoFit/>
+          </a:bodyPr>
+          <a:lstStyle/>
+          <a:p>
+            <a:pPr marL="342900" indent="-342900">
+              <a:buFont typeface="+mj-lt"/>
+              <a:buAutoNum type="arabicPeriod"/>
+            </a:pPr>
+            <a:r>
+              <a:rPr lang="en-GB" b="1" dirty="0">
+                <a:solidFill>
+                  <a:srgbClr val="374151"/>
+                </a:solidFill>
+                <a:latin typeface="Söhne"/>
+              </a:rPr>
+              <a:t>How to Study Effectively Article, </a:t>
+            </a:r>
+            <a:r>
+              <a:rPr lang="en-GB" dirty="0">
+                <a:solidFill>
+                  <a:srgbClr val="374151"/>
+                </a:solidFill>
+                <a:latin typeface="Söhne"/>
+              </a:rPr>
+              <a:t>National Library of Medicine– </a:t>
+            </a:r>
+          </a:p>
+          <a:p>
+            <a:r>
+              <a:rPr lang="en-GB" sz="1400" dirty="0">
+                <a:solidFill>
+                  <a:srgbClr val="374151"/>
+                </a:solidFill>
+                <a:latin typeface="Söhne"/>
+              </a:rPr>
+              <a:t>         [“https://www.ncbi.nlm.nih.gov/</a:t>
+            </a:r>
+            <a:r>
+              <a:rPr lang="en-GB" sz="1400" dirty="0" err="1">
+                <a:solidFill>
+                  <a:srgbClr val="374151"/>
+                </a:solidFill>
+                <a:latin typeface="Söhne"/>
+              </a:rPr>
+              <a:t>pmc</a:t>
+            </a:r>
+            <a:r>
+              <a:rPr lang="en-GB" sz="1400" dirty="0">
+                <a:solidFill>
+                  <a:srgbClr val="374151"/>
+                </a:solidFill>
+                <a:latin typeface="Söhne"/>
+              </a:rPr>
+              <a:t>/articles/PMC5673147/#”]</a:t>
+            </a:r>
+          </a:p>
+          <a:p>
+            <a:pPr marL="342900" indent="-342900">
+              <a:buFont typeface="+mj-lt"/>
+              <a:buAutoNum type="arabicPeriod"/>
+            </a:pPr>
+            <a:endParaRPr lang="en-GB" b="1" dirty="0">
+              <a:solidFill>
+                <a:srgbClr val="374151"/>
+              </a:solidFill>
+              <a:latin typeface="Söhne"/>
+            </a:endParaRPr>
+          </a:p>
+          <a:p>
+            <a:pPr marL="342900" indent="-342900">
+              <a:buFont typeface="+mj-lt"/>
+              <a:buAutoNum type="arabicPeriod" startAt="2"/>
+            </a:pPr>
+            <a:r>
+              <a:rPr lang="en-GB" b="1" dirty="0">
+                <a:solidFill>
+                  <a:srgbClr val="374151"/>
+                </a:solidFill>
+                <a:latin typeface="Söhne"/>
+              </a:rPr>
+              <a:t>UI Design and Specification </a:t>
+            </a:r>
+          </a:p>
+          <a:p>
+            <a:r>
+              <a:rPr lang="en-GB" sz="1400" b="1" dirty="0">
+                <a:solidFill>
+                  <a:srgbClr val="374151"/>
+                </a:solidFill>
+                <a:latin typeface="Söhne"/>
+              </a:rPr>
+              <a:t>         </a:t>
+            </a:r>
+            <a:r>
+              <a:rPr lang="en-GB" sz="1400" dirty="0">
+                <a:solidFill>
+                  <a:srgbClr val="374151"/>
+                </a:solidFill>
+                <a:latin typeface="Söhne"/>
+              </a:rPr>
+              <a:t>[https://m3.material.io/]</a:t>
+            </a:r>
+          </a:p>
+          <a:p>
+            <a:pPr marL="342900" indent="-342900">
+              <a:buFont typeface="+mj-lt"/>
+              <a:buAutoNum type="arabicPeriod"/>
+            </a:pPr>
+            <a:endParaRPr lang="en-GB" sz="1400" b="1" dirty="0">
+              <a:solidFill>
+                <a:srgbClr val="374151"/>
+              </a:solidFill>
+              <a:latin typeface="Söhne"/>
+            </a:endParaRPr>
+          </a:p>
+          <a:p>
+            <a:pPr marL="342900" indent="-342900">
+              <a:buFont typeface="+mj-lt"/>
+              <a:buAutoNum type="arabicPeriod" startAt="3"/>
+            </a:pPr>
+            <a:r>
+              <a:rPr lang="en-GB" b="1" dirty="0">
+                <a:solidFill>
+                  <a:srgbClr val="374151"/>
+                </a:solidFill>
+                <a:latin typeface="Söhne"/>
+              </a:rPr>
+              <a:t>Dopamine Nation: Finding Balance in the Age of Indulgence – Anna Lembke, </a:t>
+            </a:r>
+            <a:r>
+              <a:rPr lang="en-GB" dirty="0">
+                <a:solidFill>
+                  <a:srgbClr val="374151"/>
+                </a:solidFill>
+                <a:latin typeface="Söhne"/>
+              </a:rPr>
+              <a:t>American Psychiatrist</a:t>
+            </a:r>
+            <a:endParaRPr lang="en-GB" b="1" dirty="0">
+              <a:solidFill>
+                <a:srgbClr val="374151"/>
+              </a:solidFill>
+              <a:latin typeface="Söhne"/>
+            </a:endParaRPr>
+          </a:p>
+          <a:p>
+            <a:r>
+              <a:rPr lang="en-GB" sz="1400" b="1" dirty="0">
+                <a:solidFill>
+                  <a:srgbClr val="374151"/>
+                </a:solidFill>
+                <a:latin typeface="Söhne"/>
+              </a:rPr>
+              <a:t>         insights on processing of pain and pleasure by brain</a:t>
+            </a:r>
+          </a:p>
+          <a:p>
+            <a:pPr marL="342900" indent="-342900">
+              <a:buFont typeface="+mj-lt"/>
+              <a:buAutoNum type="arabicPeriod" startAt="3"/>
+            </a:pPr>
+            <a:endParaRPr lang="en-GB" sz="1400" b="1" dirty="0">
+              <a:solidFill>
+                <a:srgbClr val="374151"/>
+              </a:solidFill>
+              <a:latin typeface="Söhne"/>
+            </a:endParaRPr>
+          </a:p>
+          <a:p>
+            <a:pPr marL="342900" indent="-342900">
+              <a:buFont typeface="+mj-lt"/>
+              <a:buAutoNum type="arabicPeriod" startAt="3"/>
+            </a:pPr>
+            <a:r>
+              <a:rPr lang="en-GB" b="1" i="0" dirty="0">
+                <a:solidFill>
+                  <a:srgbClr val="494949"/>
+                </a:solidFill>
+                <a:effectLst/>
+                <a:latin typeface="Open Sans" panose="020B0606030504020204" pitchFamily="34" charset="0"/>
+              </a:rPr>
+              <a:t>R</a:t>
+            </a:r>
+            <a:r>
+              <a:rPr lang="en-GB" i="0" dirty="0">
+                <a:solidFill>
+                  <a:srgbClr val="494949"/>
+                </a:solidFill>
+                <a:effectLst/>
+                <a:latin typeface="Open Sans" panose="020B0606030504020204" pitchFamily="34" charset="0"/>
+              </a:rPr>
+              <a:t>esearch on</a:t>
+            </a:r>
+            <a:r>
+              <a:rPr lang="en-GB" b="1" i="0" dirty="0">
+                <a:solidFill>
+                  <a:srgbClr val="494949"/>
+                </a:solidFill>
+                <a:effectLst/>
+                <a:latin typeface="Open Sans" panose="020B0606030504020204" pitchFamily="34" charset="0"/>
+              </a:rPr>
+              <a:t> “</a:t>
+            </a:r>
+            <a:r>
+              <a:rPr lang="en-GB" sz="1400" b="1" i="0" dirty="0">
+                <a:solidFill>
+                  <a:srgbClr val="494949"/>
+                </a:solidFill>
+                <a:effectLst/>
+                <a:latin typeface="Open Sans" panose="020B0606030504020204" pitchFamily="34" charset="0"/>
+              </a:rPr>
+              <a:t>Snapchat Streaks: How Adolescents Metagame Gamification in Social Media</a:t>
+            </a:r>
+            <a:r>
+              <a:rPr lang="en-GB" b="1" i="0" dirty="0">
+                <a:solidFill>
+                  <a:srgbClr val="494949"/>
+                </a:solidFill>
+                <a:effectLst/>
+                <a:latin typeface="Open Sans" panose="020B0606030504020204" pitchFamily="34" charset="0"/>
+              </a:rPr>
+              <a:t>” </a:t>
+            </a:r>
+            <a:r>
+              <a:rPr lang="en-GB" i="0" dirty="0">
+                <a:solidFill>
+                  <a:srgbClr val="494949"/>
+                </a:solidFill>
+                <a:effectLst/>
+                <a:latin typeface="Open Sans" panose="020B0606030504020204" pitchFamily="34" charset="0"/>
+              </a:rPr>
+              <a:t>by Europe PMC </a:t>
+            </a:r>
+            <a:r>
+              <a:rPr lang="en-GB" b="1" i="0" dirty="0">
+                <a:solidFill>
+                  <a:srgbClr val="494949"/>
+                </a:solidFill>
+                <a:effectLst/>
+                <a:latin typeface="Open Sans" panose="020B0606030504020204" pitchFamily="34" charset="0"/>
+              </a:rPr>
+              <a:t>- </a:t>
+            </a:r>
+            <a:r>
+              <a:rPr lang="en-GB" sz="1400" i="0" dirty="0">
+                <a:solidFill>
+                  <a:srgbClr val="494949"/>
+                </a:solidFill>
+                <a:effectLst/>
+                <a:latin typeface="Open Sans" panose="020B0606030504020204" pitchFamily="34" charset="0"/>
+              </a:rPr>
+              <a:t>[“https://europepmc.org/article/ppr/ppr324038”]</a:t>
+            </a:r>
+          </a:p>
+          <a:p>
+            <a:pPr marL="342900" indent="-342900">
+              <a:buFont typeface="+mj-lt"/>
+              <a:buAutoNum type="arabicPeriod" startAt="3"/>
+            </a:pPr>
+            <a:endParaRPr lang="en-GB" sz="1400" b="1" dirty="0">
+              <a:solidFill>
+                <a:srgbClr val="494949"/>
+              </a:solidFill>
+              <a:latin typeface="Open Sans" panose="020B0606030504020204" pitchFamily="34" charset="0"/>
+            </a:endParaRPr>
+          </a:p>
+          <a:p>
+            <a:pPr marL="342900" indent="-342900">
+              <a:buFont typeface="+mj-lt"/>
+              <a:buAutoNum type="arabicPeriod" startAt="3"/>
+            </a:pPr>
+            <a:r>
+              <a:rPr lang="en-GB" b="1" i="0" dirty="0">
+                <a:solidFill>
+                  <a:srgbClr val="494949"/>
+                </a:solidFill>
+                <a:effectLst/>
+                <a:latin typeface="Open Sans" panose="020B0606030504020204" pitchFamily="34" charset="0"/>
+              </a:rPr>
+              <a:t>Using Gamification in Education: A Systematic Literature Review, </a:t>
+            </a:r>
+            <a:r>
+              <a:rPr lang="en-GB" i="0" dirty="0">
+                <a:solidFill>
+                  <a:srgbClr val="494949"/>
+                </a:solidFill>
+                <a:effectLst/>
+                <a:latin typeface="Open Sans" panose="020B0606030504020204" pitchFamily="34" charset="0"/>
+              </a:rPr>
+              <a:t>Research Gate Article </a:t>
+            </a:r>
+            <a:r>
+              <a:rPr lang="en-GB" sz="1400" i="0" dirty="0">
+                <a:solidFill>
+                  <a:srgbClr val="494949"/>
+                </a:solidFill>
+                <a:effectLst/>
+                <a:latin typeface="Open Sans" panose="020B0606030504020204" pitchFamily="34" charset="0"/>
+              </a:rPr>
+              <a:t>–</a:t>
+            </a:r>
+            <a:r>
+              <a:rPr lang="en-GB" sz="1400" b="1" i="0" dirty="0">
+                <a:solidFill>
+                  <a:srgbClr val="494949"/>
+                </a:solidFill>
+                <a:effectLst/>
+                <a:latin typeface="Open Sans" panose="020B0606030504020204" pitchFamily="34" charset="0"/>
+              </a:rPr>
+              <a:t> </a:t>
+            </a:r>
+            <a:r>
+              <a:rPr lang="en-GB" sz="1200" i="0" dirty="0">
+                <a:solidFill>
+                  <a:srgbClr val="494949"/>
+                </a:solidFill>
+                <a:effectLst/>
+                <a:latin typeface="Open Sans" panose="020B0606030504020204" pitchFamily="34" charset="0"/>
+              </a:rPr>
+              <a:t>[“https://www.researchgate.net/publication/330093575_Using_Gamification_in_Education_A_Systematic_Literature_Review”]</a:t>
+            </a:r>
+          </a:p>
+          <a:p>
+            <a:pPr marL="342900" indent="-342900">
+              <a:buFont typeface="+mj-lt"/>
+              <a:buAutoNum type="arabicPeriod" startAt="3"/>
+            </a:pPr>
+            <a:endParaRPr lang="en-GB" sz="1400" b="1" dirty="0">
+              <a:solidFill>
+                <a:srgbClr val="374151"/>
+              </a:solidFill>
+              <a:latin typeface="Söhne"/>
+            </a:endParaRPr>
+          </a:p>
+          <a:p>
+            <a:endParaRPr lang="en-HK" dirty="0"/>
+          </a:p>
+        </p:txBody>
+      </p:sp>
+      <p:pic>
+        <p:nvPicPr>
+          <p:cNvPr id="4" name="Picture 3">
+            <a:extLst>
+              <a:ext uri="{FF2B5EF4-FFF2-40B4-BE49-F238E27FC236}">
+                <a16:creationId xmlns:a16="http://schemas.microsoft.com/office/drawing/2014/main" id="{D6BA4895-AC9B-169F-45EB-55E36771CF10}"/>
+              </a:ext>
+            </a:extLst>
+          </p:cNvPr>
+          <p:cNvPicPr>
+            <a:picLocks noChangeAspect="1"/>
+          </p:cNvPicPr>
+          <p:nvPr/>
+        </p:nvPicPr>
+        <p:blipFill>
+          <a:blip r:embed="rId3" cstate="print">
+            <a:extLst>
+              <a:ext uri="{28A0092B-C50C-407E-A947-70E740481C1C}">
+                <a14:useLocalDpi xmlns:a14="http://schemas.microsoft.com/office/drawing/2010/main" val="0"/>
+              </a:ext>
+            </a:extLst>
+          </a:blip>
+          <a:stretch>
+            <a:fillRect/>
+          </a:stretch>
+        </p:blipFill>
+        <p:spPr>
+          <a:xfrm>
+            <a:off x="9312729" y="3987071"/>
+            <a:ext cx="2879271" cy="2879271"/>
+          </a:xfrm>
+          <a:prstGeom prst="rect">
+            <a:avLst/>
+          </a:prstGeom>
+        </p:spPr>
+      </p:pic>
+    </p:spTree>
+    <p:extLst>
+      <p:ext uri="{BB962C8B-B14F-4D97-AF65-F5344CB8AC3E}">
+        <p14:creationId xmlns:p14="http://schemas.microsoft.com/office/powerpoint/2010/main" val="3331084077"/>
+      </p:ext>
+    </p:extLst>
+  </p:cSld>
+  <p:clrMapOvr>
+    <a:masterClrMapping/>
+  </p:clrMapOvr>
+</p:sld>
+</file>
+
+<file path=ppt/slides/slide9.xml><?xml version="1.0" encoding="utf-8"?>
+<p:sld xmlns:a="http://schemas.openxmlformats.org/drawingml/2006/main" xmlns:r="http://schemas.openxmlformats.org/officeDocument/2006/relationships" xmlns:p="http://schemas.openxmlformats.org/presentationml/2006/main">
+  <p:cSld>
+    <p:bg>
+      <p:bgPr>
+        <a:blipFill dpi="0" rotWithShape="1">
+          <a:blip r:embed="rId2">
+            <a:lum/>
+          </a:blip>
+          <a:srcRect/>
+          <a:stretch>
+            <a:fillRect/>
+          </a:stretch>
+        </a:blipFill>
+        <a:effectLst/>
+      </p:bgPr>
+    </p:bg>
+    <p:spTree>
+      <p:nvGrpSpPr>
+        <p:cNvPr id="1" name=""/>
+        <p:cNvGrpSpPr/>
+        <p:nvPr/>
+      </p:nvGrpSpPr>
+      <p:grpSpPr>
+        <a:xfrm>
+          <a:off x="0" y="0"/>
+          <a:ext cx="0" cy="0"/>
+          <a:chOff x="0" y="0"/>
+          <a:chExt cx="0" cy="0"/>
+        </a:xfrm>
+      </p:grpSpPr>
+      <p:sp>
+        <p:nvSpPr>
+          <p:cNvPr id="5" name="object 3"/>
+          <p:cNvSpPr txBox="1">
+            <a:spLocks noGrp="1"/>
+          </p:cNvSpPr>
+          <p:nvPr>
+            <p:ph type="title"/>
+          </p:nvPr>
+        </p:nvSpPr>
+        <p:spPr>
+          <a:xfrm>
+            <a:off x="534257" y="309562"/>
+            <a:ext cx="7148335" cy="382156"/>
+          </a:xfrm>
+          <a:prstGeom prst="rect">
+            <a:avLst/>
+          </a:prstGeom>
+        </p:spPr>
+        <p:txBody>
+          <a:bodyPr vert="horz" wrap="square" lIns="0" tIns="12700" rIns="0" bIns="0" rtlCol="0">
+            <a:spAutoFit/>
+          </a:bodyPr>
+          <a:lstStyle/>
+          <a:p>
+            <a:pPr marL="12700">
+              <a:lnSpc>
+                <a:spcPct val="100000"/>
+              </a:lnSpc>
+              <a:spcBef>
+                <a:spcPts val="100"/>
+              </a:spcBef>
+            </a:pPr>
+            <a:r>
+              <a:rPr lang="en-IN" sz="2400" dirty="0">
+                <a:solidFill>
+                  <a:srgbClr val="04A2B9"/>
+                </a:solidFill>
+                <a:latin typeface="Proxima Nova"/>
+              </a:rPr>
+              <a:t>Project Planning for LearnSync – Agile Methodology</a:t>
+            </a:r>
+            <a:endParaRPr sz="2400" dirty="0">
+              <a:latin typeface="Proxima Nova"/>
+            </a:endParaRPr>
+          </a:p>
+        </p:txBody>
+      </p:sp>
+      <p:sp>
+        <p:nvSpPr>
+          <p:cNvPr id="2" name="TextBox 1">
+            <a:extLst>
+              <a:ext uri="{FF2B5EF4-FFF2-40B4-BE49-F238E27FC236}">
+                <a16:creationId xmlns:a16="http://schemas.microsoft.com/office/drawing/2014/main" id="{BC848DF9-73B2-D681-5AFB-747B4E10C463}"/>
+              </a:ext>
+            </a:extLst>
+          </p:cNvPr>
+          <p:cNvSpPr txBox="1"/>
+          <p:nvPr/>
+        </p:nvSpPr>
+        <p:spPr>
+          <a:xfrm>
+            <a:off x="376989" y="2558338"/>
+            <a:ext cx="11438021" cy="923330"/>
+          </a:xfrm>
+          <a:prstGeom prst="rect">
+            <a:avLst/>
+          </a:prstGeom>
+          <a:noFill/>
+        </p:spPr>
+        <p:txBody>
+          <a:bodyPr wrap="square" rtlCol="0">
+            <a:spAutoFit/>
+          </a:bodyPr>
+          <a:lstStyle/>
+          <a:p>
+            <a:r>
+              <a:rPr lang="en-GB" b="1" dirty="0">
+                <a:solidFill>
+                  <a:srgbClr val="374151"/>
+                </a:solidFill>
+                <a:latin typeface="Söhne"/>
+              </a:rPr>
+              <a:t>Why Agile -&gt; SCRUM? </a:t>
+            </a:r>
+            <a:r>
+              <a:rPr lang="en-GB" dirty="0">
+                <a:solidFill>
+                  <a:srgbClr val="374151"/>
+                </a:solidFill>
+                <a:latin typeface="Söhne"/>
+              </a:rPr>
+              <a:t>Scrum is ideal for </a:t>
+            </a:r>
+            <a:r>
+              <a:rPr lang="en-GB" dirty="0" err="1">
+                <a:solidFill>
+                  <a:srgbClr val="374151"/>
+                </a:solidFill>
+                <a:latin typeface="Söhne"/>
+              </a:rPr>
+              <a:t>LearnSync's</a:t>
+            </a:r>
+            <a:r>
+              <a:rPr lang="en-GB" dirty="0">
+                <a:solidFill>
+                  <a:srgbClr val="374151"/>
+                </a:solidFill>
+                <a:latin typeface="Söhne"/>
+              </a:rPr>
+              <a:t> small team of three, ensuring clear roles, close collaboration, and efficient task distribution.</a:t>
+            </a:r>
+          </a:p>
+          <a:p>
+            <a:endParaRPr lang="en-HK" dirty="0"/>
+          </a:p>
+        </p:txBody>
+      </p:sp>
+      <p:pic>
+        <p:nvPicPr>
+          <p:cNvPr id="4" name="Picture 3">
+            <a:extLst>
+              <a:ext uri="{FF2B5EF4-FFF2-40B4-BE49-F238E27FC236}">
+                <a16:creationId xmlns:a16="http://schemas.microsoft.com/office/drawing/2014/main" id="{4109BBAE-EAED-B04D-BED9-2BA7BBE2405A}"/>
+              </a:ext>
+            </a:extLst>
+          </p:cNvPr>
+          <p:cNvPicPr>
+            <a:picLocks noChangeAspect="1"/>
+          </p:cNvPicPr>
+          <p:nvPr/>
+        </p:nvPicPr>
+        <p:blipFill>
+          <a:blip r:embed="rId3" cstate="print">
+            <a:extLst>
+              <a:ext uri="{28A0092B-C50C-407E-A947-70E740481C1C}">
+                <a14:useLocalDpi xmlns:a14="http://schemas.microsoft.com/office/drawing/2010/main" val="0"/>
+              </a:ext>
+            </a:extLst>
+          </a:blip>
+          <a:stretch>
+            <a:fillRect/>
+          </a:stretch>
+        </p:blipFill>
+        <p:spPr>
+          <a:xfrm>
+            <a:off x="8917996" y="3703766"/>
+            <a:ext cx="3057435" cy="3057435"/>
+          </a:xfrm>
+          <a:prstGeom prst="rect">
+            <a:avLst/>
+          </a:prstGeom>
+        </p:spPr>
+      </p:pic>
+      <p:graphicFrame>
+        <p:nvGraphicFramePr>
+          <p:cNvPr id="6" name="Table 5">
+            <a:extLst>
+              <a:ext uri="{FF2B5EF4-FFF2-40B4-BE49-F238E27FC236}">
+                <a16:creationId xmlns:a16="http://schemas.microsoft.com/office/drawing/2014/main" id="{C952FFCB-4EAE-1478-E05B-3C12D33F1FA6}"/>
+              </a:ext>
+            </a:extLst>
+          </p:cNvPr>
+          <p:cNvGraphicFramePr>
+            <a:graphicFrameLocks noGrp="1"/>
+          </p:cNvGraphicFramePr>
+          <p:nvPr>
+            <p:extLst>
+              <p:ext uri="{D42A27DB-BD31-4B8C-83A1-F6EECF244321}">
+                <p14:modId xmlns:p14="http://schemas.microsoft.com/office/powerpoint/2010/main" val="3634977044"/>
+              </p:ext>
+            </p:extLst>
+          </p:nvPr>
+        </p:nvGraphicFramePr>
+        <p:xfrm>
+          <a:off x="447869" y="3429000"/>
+          <a:ext cx="8312410" cy="3203847"/>
+        </p:xfrm>
+        <a:graphic>
+          <a:graphicData uri="http://schemas.openxmlformats.org/drawingml/2006/table">
+            <a:tbl>
+              <a:tblPr firstRow="1" bandRow="1">
+                <a:solidFill>
+                  <a:schemeClr val="tx1"/>
+                </a:solidFill>
+                <a:tableStyleId>{E929F9F4-4A8F-4326-A1B4-22849713DDAB}</a:tableStyleId>
+              </a:tblPr>
+              <a:tblGrid>
+                <a:gridCol w="1118387">
+                  <a:extLst>
+                    <a:ext uri="{9D8B030D-6E8A-4147-A177-3AD203B41FA5}">
+                      <a16:colId xmlns:a16="http://schemas.microsoft.com/office/drawing/2014/main" val="2685053536"/>
+                    </a:ext>
+                  </a:extLst>
+                </a:gridCol>
+                <a:gridCol w="1754899">
+                  <a:extLst>
+                    <a:ext uri="{9D8B030D-6E8A-4147-A177-3AD203B41FA5}">
+                      <a16:colId xmlns:a16="http://schemas.microsoft.com/office/drawing/2014/main" val="324691915"/>
+                    </a:ext>
+                  </a:extLst>
+                </a:gridCol>
+                <a:gridCol w="1574576">
+                  <a:extLst>
+                    <a:ext uri="{9D8B030D-6E8A-4147-A177-3AD203B41FA5}">
+                      <a16:colId xmlns:a16="http://schemas.microsoft.com/office/drawing/2014/main" val="2232909686"/>
+                    </a:ext>
+                  </a:extLst>
+                </a:gridCol>
+                <a:gridCol w="3864548">
+                  <a:extLst>
+                    <a:ext uri="{9D8B030D-6E8A-4147-A177-3AD203B41FA5}">
+                      <a16:colId xmlns:a16="http://schemas.microsoft.com/office/drawing/2014/main" val="2355589614"/>
+                    </a:ext>
+                  </a:extLst>
+                </a:gridCol>
+              </a:tblGrid>
+              <a:tr h="433750">
+                <a:tc>
+                  <a:txBody>
+                    <a:bodyPr/>
+                    <a:lstStyle/>
+                    <a:p>
+                      <a:pPr fontAlgn="b"/>
+                      <a:r>
+                        <a:rPr lang="en-HK" sz="2800" b="1" dirty="0">
+                          <a:solidFill>
+                            <a:srgbClr val="FFC000"/>
+                          </a:solidFill>
+                          <a:effectLst/>
+                        </a:rPr>
+                        <a:t>Sprint</a:t>
+                      </a:r>
+                    </a:p>
+                  </a:txBody>
+                  <a:tcPr anchor="b"/>
+                </a:tc>
+                <a:tc>
+                  <a:txBody>
+                    <a:bodyPr/>
+                    <a:lstStyle/>
+                    <a:p>
+                      <a:pPr fontAlgn="b"/>
+                      <a:r>
+                        <a:rPr lang="en-HK" sz="2800" b="1">
+                          <a:solidFill>
+                            <a:srgbClr val="FFC000"/>
+                          </a:solidFill>
+                          <a:effectLst/>
+                        </a:rPr>
+                        <a:t>Start Date</a:t>
+                      </a:r>
+                    </a:p>
+                  </a:txBody>
+                  <a:tcPr anchor="b"/>
+                </a:tc>
+                <a:tc>
+                  <a:txBody>
+                    <a:bodyPr/>
+                    <a:lstStyle/>
+                    <a:p>
+                      <a:pPr fontAlgn="b"/>
+                      <a:r>
+                        <a:rPr lang="en-HK" sz="2800" b="1" dirty="0">
+                          <a:solidFill>
+                            <a:srgbClr val="FFC000"/>
+                          </a:solidFill>
+                          <a:effectLst/>
+                        </a:rPr>
+                        <a:t>End Date</a:t>
+                      </a:r>
+                    </a:p>
+                  </a:txBody>
+                  <a:tcPr anchor="b"/>
+                </a:tc>
+                <a:tc>
+                  <a:txBody>
+                    <a:bodyPr/>
+                    <a:lstStyle/>
+                    <a:p>
+                      <a:pPr fontAlgn="b"/>
+                      <a:r>
+                        <a:rPr lang="en-HK" sz="2800" b="1" dirty="0">
+                          <a:solidFill>
+                            <a:srgbClr val="FFC000"/>
+                          </a:solidFill>
+                          <a:effectLst/>
+                        </a:rPr>
+                        <a:t>Goals/Tasks</a:t>
+                      </a:r>
+                    </a:p>
+                  </a:txBody>
+                  <a:tcPr anchor="b"/>
+                </a:tc>
+                <a:extLst>
+                  <a:ext uri="{0D108BD9-81ED-4DB2-BD59-A6C34878D82A}">
+                    <a16:rowId xmlns:a16="http://schemas.microsoft.com/office/drawing/2014/main" val="3130146515"/>
+                  </a:ext>
+                </a:extLst>
+              </a:tr>
+              <a:tr h="433750">
+                <a:tc>
+                  <a:txBody>
+                    <a:bodyPr/>
+                    <a:lstStyle/>
+                    <a:p>
+                      <a:pPr fontAlgn="base"/>
+                      <a:r>
+                        <a:rPr lang="en-HK" b="1">
+                          <a:solidFill>
+                            <a:schemeClr val="tx1"/>
+                          </a:solidFill>
+                          <a:effectLst/>
+                        </a:rPr>
+                        <a:t>Sprint 1</a:t>
+                      </a:r>
+                    </a:p>
+                  </a:txBody>
+                  <a:tcPr anchor="ctr">
+                    <a:solidFill>
+                      <a:schemeClr val="accent4">
+                        <a:lumMod val="40000"/>
+                        <a:lumOff val="60000"/>
+                      </a:schemeClr>
+                    </a:solidFill>
+                  </a:tcPr>
+                </a:tc>
+                <a:tc>
+                  <a:txBody>
+                    <a:bodyPr/>
+                    <a:lstStyle/>
+                    <a:p>
+                      <a:pPr fontAlgn="base"/>
+                      <a:r>
+                        <a:rPr lang="en-HK" b="1" dirty="0">
+                          <a:solidFill>
+                            <a:schemeClr val="tx1"/>
+                          </a:solidFill>
+                          <a:effectLst/>
+                        </a:rPr>
+                        <a:t>13/01/2024</a:t>
+                      </a:r>
+                    </a:p>
+                  </a:txBody>
+                  <a:tcPr anchor="ctr">
+                    <a:solidFill>
+                      <a:schemeClr val="accent4">
+                        <a:lumMod val="40000"/>
+                        <a:lumOff val="60000"/>
+                      </a:schemeClr>
+                    </a:solidFill>
+                  </a:tcPr>
+                </a:tc>
+                <a:tc>
+                  <a:txBody>
+                    <a:bodyPr/>
+                    <a:lstStyle/>
+                    <a:p>
+                      <a:pPr fontAlgn="base"/>
+                      <a:r>
+                        <a:rPr lang="en-HK" b="1">
+                          <a:solidFill>
+                            <a:schemeClr val="tx1"/>
+                          </a:solidFill>
+                          <a:effectLst/>
+                        </a:rPr>
+                        <a:t>26/01/2024</a:t>
+                      </a:r>
+                    </a:p>
+                  </a:txBody>
+                  <a:tcPr anchor="ctr">
+                    <a:solidFill>
+                      <a:schemeClr val="accent4">
+                        <a:lumMod val="40000"/>
+                        <a:lumOff val="60000"/>
+                      </a:schemeClr>
+                    </a:solidFill>
+                  </a:tcPr>
+                </a:tc>
+                <a:tc>
+                  <a:txBody>
+                    <a:bodyPr/>
+                    <a:lstStyle/>
+                    <a:p>
+                      <a:pPr fontAlgn="base"/>
+                      <a:r>
+                        <a:rPr lang="en-HK" b="1" dirty="0">
+                          <a:solidFill>
+                            <a:schemeClr val="tx1"/>
+                          </a:solidFill>
+                          <a:effectLst/>
+                        </a:rPr>
+                        <a:t>UI Design</a:t>
+                      </a:r>
+                    </a:p>
+                  </a:txBody>
+                  <a:tcPr anchor="ctr">
+                    <a:solidFill>
+                      <a:schemeClr val="accent4">
+                        <a:lumMod val="40000"/>
+                        <a:lumOff val="60000"/>
+                      </a:schemeClr>
+                    </a:solidFill>
+                  </a:tcPr>
+                </a:tc>
+                <a:extLst>
+                  <a:ext uri="{0D108BD9-81ED-4DB2-BD59-A6C34878D82A}">
+                    <a16:rowId xmlns:a16="http://schemas.microsoft.com/office/drawing/2014/main" val="3186483586"/>
+                  </a:ext>
+                </a:extLst>
+              </a:tr>
+              <a:tr h="433750">
+                <a:tc>
+                  <a:txBody>
+                    <a:bodyPr/>
+                    <a:lstStyle/>
+                    <a:p>
+                      <a:pPr fontAlgn="base"/>
+                      <a:r>
+                        <a:rPr lang="en-HK" b="1">
+                          <a:solidFill>
+                            <a:schemeClr val="tx1"/>
+                          </a:solidFill>
+                          <a:effectLst/>
+                        </a:rPr>
+                        <a:t>Sprint 2</a:t>
+                      </a:r>
+                    </a:p>
+                  </a:txBody>
+                  <a:tcPr anchor="ctr"/>
+                </a:tc>
+                <a:tc>
+                  <a:txBody>
+                    <a:bodyPr/>
+                    <a:lstStyle/>
+                    <a:p>
+                      <a:pPr fontAlgn="base"/>
+                      <a:r>
+                        <a:rPr lang="en-HK" b="1">
+                          <a:solidFill>
+                            <a:schemeClr val="tx1"/>
+                          </a:solidFill>
+                          <a:effectLst/>
+                        </a:rPr>
+                        <a:t>27/01/2024</a:t>
+                      </a:r>
+                    </a:p>
+                  </a:txBody>
+                  <a:tcPr anchor="ctr"/>
+                </a:tc>
+                <a:tc>
+                  <a:txBody>
+                    <a:bodyPr/>
+                    <a:lstStyle/>
+                    <a:p>
+                      <a:pPr fontAlgn="base"/>
+                      <a:r>
+                        <a:rPr lang="en-HK" b="1">
+                          <a:solidFill>
+                            <a:schemeClr val="tx1"/>
+                          </a:solidFill>
+                          <a:effectLst/>
+                        </a:rPr>
+                        <a:t>09/02/2024</a:t>
+                      </a:r>
+                    </a:p>
+                  </a:txBody>
+                  <a:tcPr anchor="ctr"/>
+                </a:tc>
+                <a:tc>
+                  <a:txBody>
+                    <a:bodyPr/>
+                    <a:lstStyle/>
+                    <a:p>
+                      <a:pPr fontAlgn="base"/>
+                      <a:r>
+                        <a:rPr lang="en-HK" b="1" dirty="0">
+                          <a:solidFill>
+                            <a:schemeClr val="tx1"/>
+                          </a:solidFill>
+                          <a:effectLst/>
+                        </a:rPr>
+                        <a:t>Backend Functions</a:t>
+                      </a:r>
+                    </a:p>
+                  </a:txBody>
+                  <a:tcPr anchor="ctr"/>
+                </a:tc>
+                <a:extLst>
+                  <a:ext uri="{0D108BD9-81ED-4DB2-BD59-A6C34878D82A}">
+                    <a16:rowId xmlns:a16="http://schemas.microsoft.com/office/drawing/2014/main" val="3327503033"/>
+                  </a:ext>
+                </a:extLst>
+              </a:tr>
+              <a:tr h="748665">
+                <a:tc>
+                  <a:txBody>
+                    <a:bodyPr/>
+                    <a:lstStyle/>
+                    <a:p>
+                      <a:pPr fontAlgn="base"/>
+                      <a:r>
+                        <a:rPr lang="en-HK" b="1" dirty="0">
+                          <a:solidFill>
+                            <a:schemeClr val="tx1"/>
+                          </a:solidFill>
+                          <a:effectLst/>
+                        </a:rPr>
+                        <a:t>Sprint 3</a:t>
+                      </a:r>
+                    </a:p>
+                  </a:txBody>
+                  <a:tcPr anchor="ctr">
+                    <a:solidFill>
+                      <a:schemeClr val="accent4">
+                        <a:lumMod val="40000"/>
+                        <a:lumOff val="60000"/>
+                      </a:schemeClr>
+                    </a:solidFill>
+                  </a:tcPr>
+                </a:tc>
+                <a:tc>
+                  <a:txBody>
+                    <a:bodyPr/>
+                    <a:lstStyle/>
+                    <a:p>
+                      <a:pPr fontAlgn="base"/>
+                      <a:r>
+                        <a:rPr lang="en-HK" b="1">
+                          <a:solidFill>
+                            <a:schemeClr val="tx1"/>
+                          </a:solidFill>
+                          <a:effectLst/>
+                        </a:rPr>
+                        <a:t>10/02/2024</a:t>
+                      </a:r>
+                    </a:p>
+                  </a:txBody>
+                  <a:tcPr anchor="ctr">
+                    <a:solidFill>
+                      <a:schemeClr val="accent4">
+                        <a:lumMod val="40000"/>
+                        <a:lumOff val="60000"/>
+                      </a:schemeClr>
+                    </a:solidFill>
+                  </a:tcPr>
+                </a:tc>
+                <a:tc>
+                  <a:txBody>
+                    <a:bodyPr/>
+                    <a:lstStyle/>
+                    <a:p>
+                      <a:pPr fontAlgn="base"/>
+                      <a:r>
+                        <a:rPr lang="en-HK" b="1">
+                          <a:solidFill>
+                            <a:schemeClr val="tx1"/>
+                          </a:solidFill>
+                          <a:effectLst/>
+                        </a:rPr>
+                        <a:t>23/02/2024</a:t>
+                      </a:r>
+                    </a:p>
+                  </a:txBody>
+                  <a:tcPr anchor="ctr">
+                    <a:solidFill>
+                      <a:schemeClr val="accent4">
+                        <a:lumMod val="40000"/>
+                        <a:lumOff val="60000"/>
+                      </a:schemeClr>
+                    </a:solidFill>
+                  </a:tcPr>
+                </a:tc>
+                <a:tc>
+                  <a:txBody>
+                    <a:bodyPr/>
+                    <a:lstStyle/>
+                    <a:p>
+                      <a:pPr fontAlgn="base"/>
+                      <a:r>
+                        <a:rPr lang="en-HK" b="1" dirty="0">
+                          <a:solidFill>
+                            <a:schemeClr val="tx1"/>
+                          </a:solidFill>
+                          <a:effectLst/>
+                        </a:rPr>
+                        <a:t>Database &amp; API Integration</a:t>
+                      </a:r>
+                    </a:p>
+                  </a:txBody>
+                  <a:tcPr anchor="ctr">
+                    <a:solidFill>
+                      <a:schemeClr val="accent4">
+                        <a:lumMod val="40000"/>
+                        <a:lumOff val="60000"/>
+                      </a:schemeClr>
+                    </a:solidFill>
+                  </a:tcPr>
+                </a:tc>
+                <a:extLst>
+                  <a:ext uri="{0D108BD9-81ED-4DB2-BD59-A6C34878D82A}">
+                    <a16:rowId xmlns:a16="http://schemas.microsoft.com/office/drawing/2014/main" val="4263893747"/>
+                  </a:ext>
+                </a:extLst>
+              </a:tr>
+              <a:tr h="1069522">
+                <a:tc>
+                  <a:txBody>
+                    <a:bodyPr/>
+                    <a:lstStyle/>
+                    <a:p>
+                      <a:pPr fontAlgn="base"/>
+                      <a:r>
+                        <a:rPr lang="en-HK" b="1">
+                          <a:solidFill>
+                            <a:schemeClr val="tx1"/>
+                          </a:solidFill>
+                          <a:effectLst/>
+                        </a:rPr>
+                        <a:t>Sprint 4</a:t>
+                      </a:r>
+                    </a:p>
+                  </a:txBody>
+                  <a:tcPr anchor="ctr"/>
+                </a:tc>
+                <a:tc>
+                  <a:txBody>
+                    <a:bodyPr/>
+                    <a:lstStyle/>
+                    <a:p>
+                      <a:pPr fontAlgn="base"/>
+                      <a:r>
+                        <a:rPr lang="en-HK" b="1">
+                          <a:solidFill>
+                            <a:schemeClr val="tx1"/>
+                          </a:solidFill>
+                          <a:effectLst/>
+                        </a:rPr>
+                        <a:t>24/02/2024</a:t>
+                      </a:r>
+                    </a:p>
+                  </a:txBody>
+                  <a:tcPr anchor="ctr"/>
+                </a:tc>
+                <a:tc>
+                  <a:txBody>
+                    <a:bodyPr/>
+                    <a:lstStyle/>
+                    <a:p>
+                      <a:pPr fontAlgn="base"/>
+                      <a:r>
+                        <a:rPr lang="en-HK" b="1">
+                          <a:solidFill>
+                            <a:schemeClr val="tx1"/>
+                          </a:solidFill>
+                          <a:effectLst/>
+                        </a:rPr>
+                        <a:t>02/03/2024</a:t>
+                      </a:r>
+                    </a:p>
+                  </a:txBody>
+                  <a:tcPr anchor="ctr"/>
+                </a:tc>
+                <a:tc>
+                  <a:txBody>
+                    <a:bodyPr/>
+                    <a:lstStyle/>
+                    <a:p>
+                      <a:pPr fontAlgn="base"/>
+                      <a:r>
+                        <a:rPr lang="en-HK" b="1" dirty="0">
+                          <a:solidFill>
+                            <a:schemeClr val="tx1"/>
+                          </a:solidFill>
+                          <a:effectLst/>
+                        </a:rPr>
+                        <a:t>Refinements &amp; Additional Features</a:t>
+                      </a:r>
+                    </a:p>
+                  </a:txBody>
+                  <a:tcPr anchor="ctr"/>
+                </a:tc>
+                <a:extLst>
+                  <a:ext uri="{0D108BD9-81ED-4DB2-BD59-A6C34878D82A}">
+                    <a16:rowId xmlns:a16="http://schemas.microsoft.com/office/drawing/2014/main" val="3427410083"/>
+                  </a:ext>
+                </a:extLst>
+              </a:tr>
+            </a:tbl>
+          </a:graphicData>
+        </a:graphic>
+      </p:graphicFrame>
+      <p:sp>
+        <p:nvSpPr>
+          <p:cNvPr id="7" name="TextBox 6">
+            <a:extLst>
+              <a:ext uri="{FF2B5EF4-FFF2-40B4-BE49-F238E27FC236}">
+                <a16:creationId xmlns:a16="http://schemas.microsoft.com/office/drawing/2014/main" id="{A0CA0BEB-F850-77F8-61CD-3BB317003140}"/>
+              </a:ext>
+            </a:extLst>
+          </p:cNvPr>
+          <p:cNvSpPr txBox="1"/>
+          <p:nvPr/>
+        </p:nvSpPr>
+        <p:spPr>
+          <a:xfrm>
+            <a:off x="376989" y="1412911"/>
+            <a:ext cx="11044846" cy="923330"/>
+          </a:xfrm>
+          <a:prstGeom prst="rect">
+            <a:avLst/>
+          </a:prstGeom>
+          <a:noFill/>
+        </p:spPr>
+        <p:txBody>
+          <a:bodyPr wrap="square" rtlCol="0">
+            <a:spAutoFit/>
+          </a:bodyPr>
+          <a:lstStyle/>
+          <a:p>
+            <a:pPr algn="just"/>
+            <a:r>
+              <a:rPr lang="en-GB" b="0" i="0" dirty="0">
+                <a:solidFill>
+                  <a:srgbClr val="374151"/>
+                </a:solidFill>
+                <a:effectLst/>
+                <a:latin typeface="Söhne"/>
+              </a:rPr>
+              <a:t>Agile Scrum is a flexible project management framework emphasizing collaboration, iterative progress in short sprints, and continuous improvement, providing adaptability for changing requirements and efficient team communication.</a:t>
+            </a:r>
+            <a:endParaRPr lang="en-HK" dirty="0"/>
+          </a:p>
+        </p:txBody>
+      </p:sp>
+    </p:spTree>
+    <p:extLst>
+      <p:ext uri="{BB962C8B-B14F-4D97-AF65-F5344CB8AC3E}">
+        <p14:creationId xmlns:p14="http://schemas.microsoft.com/office/powerpoint/2010/main" val="129659784"/>
       </p:ext>
     </p:extLst>
   </p:cSld>

--- a/Poject Doc's/PPT format.pptx
+++ b/Poject Doc's/PPT format.pptx
@@ -16,7 +16,15 @@
     <p:sldId id="265" r:id="rId10"/>
     <p:sldId id="266" r:id="rId11"/>
     <p:sldId id="267" r:id="rId12"/>
-    <p:sldId id="258" r:id="rId13"/>
+    <p:sldId id="268" r:id="rId13"/>
+    <p:sldId id="269" r:id="rId14"/>
+    <p:sldId id="271" r:id="rId15"/>
+    <p:sldId id="272" r:id="rId16"/>
+    <p:sldId id="274" r:id="rId17"/>
+    <p:sldId id="275" r:id="rId18"/>
+    <p:sldId id="273" r:id="rId19"/>
+    <p:sldId id="270" r:id="rId20"/>
+    <p:sldId id="258" r:id="rId21"/>
   </p:sldIdLst>
   <p:sldSz cx="12192000" cy="6858000"/>
   <p:notesSz cx="6858000" cy="9144000"/>
@@ -266,7 +274,7 @@
             <a:fld id="{10B3A372-BE42-451E-B14C-5FF9C6C0F46F}" type="datetimeFigureOut">
               <a:rPr lang="en-IN" smtClean="0"/>
               <a:pPr/>
-              <a:t>11-01-2024</a:t>
+              <a:t>12-01-2024</a:t>
             </a:fld>
             <a:endParaRPr lang="en-IN"/>
           </a:p>
@@ -438,7 +446,7 @@
             <a:fld id="{10B3A372-BE42-451E-B14C-5FF9C6C0F46F}" type="datetimeFigureOut">
               <a:rPr lang="en-IN" smtClean="0"/>
               <a:pPr/>
-              <a:t>11-01-2024</a:t>
+              <a:t>12-01-2024</a:t>
             </a:fld>
             <a:endParaRPr lang="en-IN"/>
           </a:p>
@@ -620,7 +628,7 @@
             <a:fld id="{10B3A372-BE42-451E-B14C-5FF9C6C0F46F}" type="datetimeFigureOut">
               <a:rPr lang="en-IN" smtClean="0"/>
               <a:pPr/>
-              <a:t>11-01-2024</a:t>
+              <a:t>12-01-2024</a:t>
             </a:fld>
             <a:endParaRPr lang="en-IN"/>
           </a:p>
@@ -792,7 +800,7 @@
             <a:fld id="{10B3A372-BE42-451E-B14C-5FF9C6C0F46F}" type="datetimeFigureOut">
               <a:rPr lang="en-IN" smtClean="0"/>
               <a:pPr/>
-              <a:t>11-01-2024</a:t>
+              <a:t>12-01-2024</a:t>
             </a:fld>
             <a:endParaRPr lang="en-IN"/>
           </a:p>
@@ -1040,7 +1048,7 @@
             <a:fld id="{10B3A372-BE42-451E-B14C-5FF9C6C0F46F}" type="datetimeFigureOut">
               <a:rPr lang="en-IN" smtClean="0"/>
               <a:pPr/>
-              <a:t>11-01-2024</a:t>
+              <a:t>12-01-2024</a:t>
             </a:fld>
             <a:endParaRPr lang="en-IN"/>
           </a:p>
@@ -1274,7 +1282,7 @@
             <a:fld id="{10B3A372-BE42-451E-B14C-5FF9C6C0F46F}" type="datetimeFigureOut">
               <a:rPr lang="en-IN" smtClean="0"/>
               <a:pPr/>
-              <a:t>11-01-2024</a:t>
+              <a:t>12-01-2024</a:t>
             </a:fld>
             <a:endParaRPr lang="en-IN"/>
           </a:p>
@@ -1643,7 +1651,7 @@
             <a:fld id="{10B3A372-BE42-451E-B14C-5FF9C6C0F46F}" type="datetimeFigureOut">
               <a:rPr lang="en-IN" smtClean="0"/>
               <a:pPr/>
-              <a:t>11-01-2024</a:t>
+              <a:t>12-01-2024</a:t>
             </a:fld>
             <a:endParaRPr lang="en-IN"/>
           </a:p>
@@ -1763,7 +1771,7 @@
             <a:fld id="{10B3A372-BE42-451E-B14C-5FF9C6C0F46F}" type="datetimeFigureOut">
               <a:rPr lang="en-IN" smtClean="0"/>
               <a:pPr/>
-              <a:t>11-01-2024</a:t>
+              <a:t>12-01-2024</a:t>
             </a:fld>
             <a:endParaRPr lang="en-IN"/>
           </a:p>
@@ -1860,7 +1868,7 @@
             <a:fld id="{10B3A372-BE42-451E-B14C-5FF9C6C0F46F}" type="datetimeFigureOut">
               <a:rPr lang="en-IN" smtClean="0"/>
               <a:pPr/>
-              <a:t>11-01-2024</a:t>
+              <a:t>12-01-2024</a:t>
             </a:fld>
             <a:endParaRPr lang="en-IN"/>
           </a:p>
@@ -2139,7 +2147,7 @@
             <a:fld id="{10B3A372-BE42-451E-B14C-5FF9C6C0F46F}" type="datetimeFigureOut">
               <a:rPr lang="en-IN" smtClean="0"/>
               <a:pPr/>
-              <a:t>11-01-2024</a:t>
+              <a:t>12-01-2024</a:t>
             </a:fld>
             <a:endParaRPr lang="en-IN"/>
           </a:p>
@@ -2394,7 +2402,7 @@
             <a:fld id="{10B3A372-BE42-451E-B14C-5FF9C6C0F46F}" type="datetimeFigureOut">
               <a:rPr lang="en-IN" smtClean="0"/>
               <a:pPr/>
-              <a:t>11-01-2024</a:t>
+              <a:t>12-01-2024</a:t>
             </a:fld>
             <a:endParaRPr lang="en-IN"/>
           </a:p>
@@ -2609,7 +2617,7 @@
             <a:fld id="{10B3A372-BE42-451E-B14C-5FF9C6C0F46F}" type="datetimeFigureOut">
               <a:rPr lang="en-IN" smtClean="0"/>
               <a:pPr/>
-              <a:t>11-01-2024</a:t>
+              <a:t>12-01-2024</a:t>
             </a:fld>
             <a:endParaRPr lang="en-IN"/>
           </a:p>
@@ -3196,7 +3204,12 @@
           <a:prstGeom prst="rect">
             <a:avLst/>
           </a:prstGeom>
-          <a:noFill/>
+          <a:ln>
+            <a:noFill/>
+          </a:ln>
+          <a:effectLst>
+            <a:softEdge rad="50800"/>
+          </a:effectLst>
           <a:extLst>
             <a:ext uri="{909E8E84-426E-40DD-AFC4-6F175D3DCCD1}">
               <a14:hiddenFill xmlns:a14="http://schemas.microsoft.com/office/drawing/2010/main">
@@ -3264,8 +3277,8 @@
         </p:nvSpPr>
         <p:spPr>
           <a:xfrm>
-            <a:off x="534259" y="309562"/>
-            <a:ext cx="3898948" cy="382156"/>
+            <a:off x="376989" y="-65312"/>
+            <a:ext cx="8715877" cy="1045479"/>
           </a:xfrm>
           <a:prstGeom prst="rect">
             <a:avLst/>
@@ -3279,7 +3292,7 @@
           <a:p>
             <a:pPr marL="12700">
               <a:lnSpc>
-                <a:spcPct val="100000"/>
+                <a:spcPct val="150000"/>
               </a:lnSpc>
               <a:spcBef>
                 <a:spcPts val="100"/>
@@ -3292,9 +3305,29 @@
                 </a:solidFill>
                 <a:latin typeface="Proxima Nova"/>
               </a:rPr>
-              <a:t>Introduction to Learn Sync</a:t>
+              <a:t>1. Study of Current Systems their Major Problems &amp; Weaknesses</a:t>
+            </a:r>
+            <a:br>
+              <a:rPr lang="en-IN" sz="2400" dirty="0">
+                <a:solidFill>
+                  <a:srgbClr val="04A2B9"/>
+                </a:solidFill>
+                <a:latin typeface="Proxima Nova"/>
+              </a:rPr>
+            </a:br>
+            <a:r>
+              <a:rPr lang="en-IN" sz="2400" dirty="0">
+                <a:solidFill>
+                  <a:srgbClr val="04A2B9"/>
+                </a:solidFill>
+                <a:latin typeface="Proxima Nova"/>
+              </a:rPr>
+              <a:t>2. Requirements of New System</a:t>
             </a:r>
             <a:endParaRPr sz="2400" dirty="0">
+              <a:solidFill>
+                <a:srgbClr val="04A2B9"/>
+              </a:solidFill>
               <a:latin typeface="Proxima Nova"/>
             </a:endParaRPr>
           </a:p>
@@ -3314,8 +3347,8 @@
         </p:nvSpPr>
         <p:spPr>
           <a:xfrm>
-            <a:off x="376989" y="3057435"/>
-            <a:ext cx="11438021" cy="1200329"/>
+            <a:off x="376989" y="1070219"/>
+            <a:ext cx="11438021" cy="6108724"/>
           </a:xfrm>
           <a:prstGeom prst="rect">
             <a:avLst/>
@@ -3328,27 +3361,385 @@
           </a:bodyPr>
           <a:lstStyle/>
           <a:p>
-            <a:r>
-              <a:rPr lang="en-GB" b="1" i="0" dirty="0">
+            <a:pPr marL="400050" indent="-400050" algn="l">
+              <a:lnSpc>
+                <a:spcPct val="200000"/>
+              </a:lnSpc>
+              <a:buClr>
+                <a:srgbClr val="FF117D"/>
+              </a:buClr>
+              <a:buFont typeface="+mj-lt"/>
+              <a:buAutoNum type="romanUcPeriod"/>
+            </a:pPr>
+            <a:r>
+              <a:rPr lang="en-GB" b="1" i="0" u="sng" dirty="0">
                 <a:solidFill>
                   <a:srgbClr val="374151"/>
                 </a:solidFill>
                 <a:effectLst/>
                 <a:latin typeface="Söhne"/>
               </a:rPr>
-              <a:t>LearnSync: Revolutionizing learning with advanced techniques, gamified journeys, all-in-one hub, and a connected community for excellence.</a:t>
-            </a:r>
-          </a:p>
-          <a:p>
-            <a:endParaRPr lang="en-GB" b="1" dirty="0">
+              <a:t>Fragmentation</a:t>
+            </a:r>
+            <a:r>
+              <a:rPr lang="en-GB" b="1" i="0" dirty="0">
+                <a:solidFill>
+                  <a:srgbClr val="374151"/>
+                </a:solidFill>
+                <a:effectLst/>
+                <a:latin typeface="Söhne"/>
+              </a:rPr>
+              <a:t> </a:t>
+            </a:r>
+            <a:r>
+              <a:rPr lang="en-GB" i="0" dirty="0">
+                <a:solidFill>
+                  <a:srgbClr val="374151"/>
+                </a:solidFill>
+                <a:effectLst/>
+                <a:latin typeface="Söhne"/>
+              </a:rPr>
+              <a:t>hampers seamless learning, </a:t>
+            </a:r>
+            <a:r>
+              <a:rPr lang="en-GB" b="1" i="0" u="sng" dirty="0">
+                <a:solidFill>
+                  <a:srgbClr val="374151"/>
+                </a:solidFill>
+                <a:effectLst/>
+                <a:latin typeface="Söhne"/>
+              </a:rPr>
+              <a:t>requiring navigation </a:t>
+            </a:r>
+            <a:r>
+              <a:rPr lang="en-GB" i="0" dirty="0">
+                <a:solidFill>
+                  <a:srgbClr val="374151"/>
+                </a:solidFill>
+                <a:effectLst/>
+                <a:latin typeface="Söhne"/>
+              </a:rPr>
+              <a:t>across</a:t>
+            </a:r>
+            <a:r>
+              <a:rPr lang="en-GB" b="1" i="0" dirty="0">
+                <a:solidFill>
+                  <a:srgbClr val="374151"/>
+                </a:solidFill>
+                <a:effectLst/>
+                <a:latin typeface="Söhne"/>
+              </a:rPr>
+              <a:t> </a:t>
+            </a:r>
+            <a:r>
+              <a:rPr lang="en-GB" b="1" i="0" u="sng" dirty="0">
+                <a:solidFill>
+                  <a:srgbClr val="374151"/>
+                </a:solidFill>
+                <a:effectLst/>
+                <a:latin typeface="Söhne"/>
+              </a:rPr>
+              <a:t>multiple scattered tools</a:t>
+            </a:r>
+            <a:r>
+              <a:rPr lang="en-GB" b="1" i="0" dirty="0">
+                <a:solidFill>
+                  <a:srgbClr val="374151"/>
+                </a:solidFill>
+                <a:effectLst/>
+                <a:latin typeface="Söhne"/>
+              </a:rPr>
+              <a:t>.</a:t>
+            </a:r>
+          </a:p>
+          <a:p>
+            <a:pPr marL="857250" lvl="1" indent="-400050">
+              <a:lnSpc>
+                <a:spcPct val="200000"/>
+              </a:lnSpc>
+              <a:buClr>
+                <a:srgbClr val="00B050"/>
+              </a:buClr>
+              <a:buFont typeface="Wingdings" panose="05000000000000000000" pitchFamily="2" charset="2"/>
+              <a:buChar char="ü"/>
+            </a:pPr>
+            <a:r>
+              <a:rPr lang="en-GB" b="1" i="0" dirty="0">
+                <a:solidFill>
+                  <a:srgbClr val="374151"/>
+                </a:solidFill>
+                <a:effectLst/>
+                <a:latin typeface="Söhne"/>
+              </a:rPr>
+              <a:t>Unified Platform: Integrate various tools into a cohesive, unified learning platform.</a:t>
+            </a:r>
+          </a:p>
+          <a:p>
+            <a:pPr marL="400050" indent="-400050" algn="l">
+              <a:lnSpc>
+                <a:spcPct val="200000"/>
+              </a:lnSpc>
+              <a:buClr>
+                <a:srgbClr val="FF117D"/>
+              </a:buClr>
+              <a:buFont typeface="+mj-lt"/>
+              <a:buAutoNum type="romanUcPeriod"/>
+            </a:pPr>
+            <a:r>
+              <a:rPr lang="en-GB" b="1" i="0" u="sng" dirty="0">
+                <a:solidFill>
+                  <a:srgbClr val="374151"/>
+                </a:solidFill>
+                <a:effectLst/>
+                <a:latin typeface="Söhne"/>
+              </a:rPr>
+              <a:t>Gamification lacks immersion</a:t>
+            </a:r>
+            <a:r>
+              <a:rPr lang="en-GB" i="0" dirty="0">
+                <a:solidFill>
+                  <a:srgbClr val="374151"/>
+                </a:solidFill>
+                <a:effectLst/>
+                <a:latin typeface="Söhne"/>
+              </a:rPr>
+              <a:t>, missing opportunities for a motivating learning experience.</a:t>
+            </a:r>
+          </a:p>
+          <a:p>
+            <a:pPr marL="857250" lvl="1" indent="-400050">
+              <a:lnSpc>
+                <a:spcPct val="200000"/>
+              </a:lnSpc>
+              <a:buClr>
+                <a:srgbClr val="00B050"/>
+              </a:buClr>
+              <a:buFont typeface="Wingdings" panose="05000000000000000000" pitchFamily="2" charset="2"/>
+              <a:buChar char="ü"/>
+            </a:pPr>
+            <a:r>
+              <a:rPr lang="en-GB" b="1" i="0" dirty="0">
+                <a:solidFill>
+                  <a:srgbClr val="374151"/>
+                </a:solidFill>
+                <a:effectLst/>
+                <a:latin typeface="Söhne"/>
+              </a:rPr>
+              <a:t>Immersive Gamification: Implement engaging and motivating gamification for a truly immersive experience.</a:t>
+            </a:r>
+          </a:p>
+          <a:p>
+            <a:pPr marL="400050" indent="-400050" algn="l">
+              <a:lnSpc>
+                <a:spcPct val="200000"/>
+              </a:lnSpc>
+              <a:buClr>
+                <a:srgbClr val="FF117D"/>
+              </a:buClr>
+              <a:buFont typeface="+mj-lt"/>
+              <a:buAutoNum type="romanUcPeriod"/>
+            </a:pPr>
+            <a:r>
+              <a:rPr lang="en-GB" b="1" i="0" u="sng" dirty="0">
+                <a:solidFill>
+                  <a:srgbClr val="374151"/>
+                </a:solidFill>
+                <a:effectLst/>
+                <a:latin typeface="Söhne"/>
+              </a:rPr>
+              <a:t>Overlooked techniques </a:t>
+            </a:r>
+            <a:r>
+              <a:rPr lang="en-GB" i="0" dirty="0">
+                <a:solidFill>
+                  <a:srgbClr val="374151"/>
+                </a:solidFill>
+                <a:effectLst/>
+                <a:latin typeface="Söhne"/>
+              </a:rPr>
+              <a:t>like spaced repetition limit memory retention enhancement	.</a:t>
+            </a:r>
+          </a:p>
+          <a:p>
+            <a:pPr marL="857250" lvl="1" indent="-400050">
+              <a:lnSpc>
+                <a:spcPct val="200000"/>
+              </a:lnSpc>
+              <a:buClr>
+                <a:srgbClr val="00B050"/>
+              </a:buClr>
+              <a:buFont typeface="Wingdings" panose="05000000000000000000" pitchFamily="2" charset="2"/>
+              <a:buChar char="ü"/>
+            </a:pPr>
+            <a:r>
+              <a:rPr lang="en-GB" b="1" i="0" dirty="0">
+                <a:solidFill>
+                  <a:srgbClr val="374151"/>
+                </a:solidFill>
+                <a:effectLst/>
+                <a:latin typeface="Söhne"/>
+              </a:rPr>
+              <a:t>Comprehensive Techniques: Prioritize memory enhancement techniques in to design.</a:t>
+            </a:r>
+          </a:p>
+          <a:p>
+            <a:pPr marL="400050" indent="-400050" algn="l">
+              <a:lnSpc>
+                <a:spcPct val="200000"/>
+              </a:lnSpc>
+              <a:buClr>
+                <a:srgbClr val="FF117D"/>
+              </a:buClr>
+              <a:buFont typeface="+mj-lt"/>
+              <a:buAutoNum type="romanUcPeriod"/>
+            </a:pPr>
+            <a:r>
+              <a:rPr lang="en-GB" i="0" dirty="0">
+                <a:solidFill>
+                  <a:srgbClr val="374151"/>
+                </a:solidFill>
+                <a:effectLst/>
+                <a:latin typeface="Söhne"/>
+              </a:rPr>
+              <a:t>Social platforms </a:t>
+            </a:r>
+            <a:r>
+              <a:rPr lang="en-GB" b="1" i="0" u="sng" dirty="0">
+                <a:solidFill>
+                  <a:srgbClr val="374151"/>
+                </a:solidFill>
+                <a:effectLst/>
+                <a:latin typeface="Söhne"/>
+              </a:rPr>
+              <a:t>lack the </a:t>
+            </a:r>
+            <a:r>
+              <a:rPr lang="en-GB" i="0" dirty="0">
+                <a:solidFill>
+                  <a:srgbClr val="374151"/>
+                </a:solidFill>
+                <a:effectLst/>
+                <a:latin typeface="Söhne"/>
+              </a:rPr>
+              <a:t>warmth of a </a:t>
+            </a:r>
+            <a:r>
+              <a:rPr lang="en-GB" b="1" i="0" u="sng" dirty="0">
+                <a:solidFill>
+                  <a:srgbClr val="374151"/>
+                </a:solidFill>
+                <a:effectLst/>
+                <a:latin typeface="Söhne"/>
+              </a:rPr>
+              <a:t>real community for learning.</a:t>
+            </a:r>
+          </a:p>
+          <a:p>
+            <a:pPr marL="857250" lvl="1" indent="-400050">
+              <a:lnSpc>
+                <a:spcPct val="200000"/>
+              </a:lnSpc>
+              <a:buClr>
+                <a:srgbClr val="00B050"/>
+              </a:buClr>
+              <a:buFont typeface="Wingdings" panose="05000000000000000000" pitchFamily="2" charset="2"/>
+              <a:buChar char="ü"/>
+            </a:pPr>
+            <a:r>
+              <a:rPr lang="en-GB" b="1" i="0" dirty="0">
+                <a:solidFill>
+                  <a:srgbClr val="374151"/>
+                </a:solidFill>
+                <a:effectLst/>
+                <a:latin typeface="Söhne"/>
+              </a:rPr>
+              <a:t>Vibrant Community Integration: Foster a warm and vibrant community atmosphere for collaborative learning.</a:t>
+            </a:r>
+          </a:p>
+          <a:p>
+            <a:pPr marL="400050" indent="-400050" algn="l">
+              <a:lnSpc>
+                <a:spcPct val="200000"/>
+              </a:lnSpc>
+              <a:buClr>
+                <a:srgbClr val="FF117D"/>
+              </a:buClr>
+              <a:buFont typeface="+mj-lt"/>
+              <a:buAutoNum type="romanUcPeriod"/>
+            </a:pPr>
+            <a:r>
+              <a:rPr lang="en-GB" i="0" dirty="0">
+                <a:solidFill>
+                  <a:srgbClr val="374151"/>
+                </a:solidFill>
+                <a:effectLst/>
+                <a:latin typeface="Söhne"/>
+              </a:rPr>
+              <a:t>Some tools suffer from </a:t>
+            </a:r>
+            <a:r>
+              <a:rPr lang="en-GB" b="1" i="0" u="sng" dirty="0">
+                <a:solidFill>
+                  <a:srgbClr val="374151"/>
+                </a:solidFill>
+                <a:effectLst/>
+                <a:latin typeface="Söhne"/>
+              </a:rPr>
+              <a:t>unfriendly user interfaces</a:t>
+            </a:r>
+            <a:r>
+              <a:rPr lang="en-GB" i="0" dirty="0">
+                <a:solidFill>
+                  <a:srgbClr val="374151"/>
+                </a:solidFill>
+                <a:effectLst/>
+                <a:latin typeface="Söhne"/>
+              </a:rPr>
+              <a:t>, hindering the learning journey.</a:t>
+            </a:r>
+          </a:p>
+          <a:p>
+            <a:pPr marL="857250" lvl="1" indent="-400050">
+              <a:lnSpc>
+                <a:spcPct val="200000"/>
+              </a:lnSpc>
+              <a:buClr>
+                <a:srgbClr val="00B050"/>
+              </a:buClr>
+              <a:buFont typeface="Wingdings" panose="05000000000000000000" pitchFamily="2" charset="2"/>
+              <a:buChar char="ü"/>
+            </a:pPr>
+            <a:r>
+              <a:rPr lang="en-GB" i="0" dirty="0">
+                <a:solidFill>
+                  <a:srgbClr val="374151"/>
+                </a:solidFill>
+                <a:effectLst/>
+                <a:latin typeface="Söhne"/>
+              </a:rPr>
+              <a:t>Sleek User Interface: Design a modern and user-friendly interface for a smooth learning journey.</a:t>
+            </a:r>
+          </a:p>
+          <a:p>
+            <a:pPr marL="857250" lvl="1" indent="-400050">
+              <a:lnSpc>
+                <a:spcPct val="200000"/>
+              </a:lnSpc>
+              <a:buClr>
+                <a:schemeClr val="bg1">
+                  <a:lumMod val="50000"/>
+                </a:schemeClr>
+              </a:buClr>
+              <a:buFont typeface="+mj-lt"/>
+              <a:buAutoNum type="romanUcPeriod"/>
+            </a:pPr>
+            <a:endParaRPr lang="en-GB" i="0" dirty="0">
               <a:solidFill>
                 <a:srgbClr val="374151"/>
               </a:solidFill>
+              <a:effectLst/>
               <a:latin typeface="Söhne"/>
             </a:endParaRPr>
-          </a:p>
-          <a:p>
-            <a:endParaRPr lang="en-HK" dirty="0"/>
           </a:p>
         </p:txBody>
       </p:sp>
@@ -3398,27 +3789,1980 @@
       </p:grpSpPr>
       <p:sp>
         <p:nvSpPr>
-          <p:cNvPr id="3" name="Content Placeholder 2"/>
-          <p:cNvSpPr>
+          <p:cNvPr id="5" name="object 3"/>
+          <p:cNvSpPr txBox="1">
             <a:spLocks noGrp="1"/>
           </p:cNvSpPr>
           <p:nvPr>
-            <p:ph idx="1"/>
+            <p:ph type="title"/>
           </p:nvPr>
         </p:nvSpPr>
-        <p:spPr/>
+        <p:spPr>
+          <a:xfrm>
+            <a:off x="534258" y="124896"/>
+            <a:ext cx="8256816" cy="751488"/>
+          </a:xfrm>
+          <a:prstGeom prst="rect">
+            <a:avLst/>
+          </a:prstGeom>
+        </p:spPr>
         <p:txBody>
-          <a:bodyPr/>
+          <a:bodyPr vert="horz" wrap="square" lIns="0" tIns="12700" rIns="0" bIns="0" rtlCol="0">
+            <a:spAutoFit/>
+          </a:bodyPr>
           <a:lstStyle/>
           <a:p>
-            <a:endParaRPr lang="en-US"/>
+            <a:pPr marL="12700">
+              <a:lnSpc>
+                <a:spcPct val="100000"/>
+              </a:lnSpc>
+              <a:spcBef>
+                <a:spcPts val="100"/>
+              </a:spcBef>
+            </a:pPr>
+            <a:r>
+              <a:rPr lang="en-IN" sz="2400" dirty="0">
+                <a:solidFill>
+                  <a:srgbClr val="04A2B9"/>
+                </a:solidFill>
+                <a:latin typeface="Proxima Nova"/>
+              </a:rPr>
+              <a:t>Features of LearnSync : Activities + Easy Integration with Native Tools</a:t>
+            </a:r>
+            <a:endParaRPr sz="2400" dirty="0">
+              <a:latin typeface="Proxima Nova"/>
+            </a:endParaRPr>
+          </a:p>
+        </p:txBody>
+      </p:sp>
+      <p:pic>
+        <p:nvPicPr>
+          <p:cNvPr id="8" name="Picture 7">
+            <a:extLst>
+              <a:ext uri="{FF2B5EF4-FFF2-40B4-BE49-F238E27FC236}">
+                <a16:creationId xmlns:a16="http://schemas.microsoft.com/office/drawing/2014/main" id="{27ADB69C-2AB0-DDF9-E170-95689656E62A}"/>
+              </a:ext>
+            </a:extLst>
+          </p:cNvPr>
+          <p:cNvPicPr>
+            <a:picLocks noChangeAspect="1"/>
+          </p:cNvPicPr>
+          <p:nvPr/>
+        </p:nvPicPr>
+        <p:blipFill>
+          <a:blip r:embed="rId3"/>
+          <a:stretch>
+            <a:fillRect/>
+          </a:stretch>
+        </p:blipFill>
+        <p:spPr>
+          <a:xfrm>
+            <a:off x="1257337" y="1617843"/>
+            <a:ext cx="9677325" cy="4547254"/>
+          </a:xfrm>
+          <a:prstGeom prst="rect">
+            <a:avLst/>
+          </a:prstGeom>
+        </p:spPr>
+      </p:pic>
+    </p:spTree>
+    <p:extLst>
+      <p:ext uri="{BB962C8B-B14F-4D97-AF65-F5344CB8AC3E}">
+        <p14:creationId xmlns:p14="http://schemas.microsoft.com/office/powerpoint/2010/main" val="1672697648"/>
+      </p:ext>
+    </p:extLst>
+  </p:cSld>
+  <p:clrMapOvr>
+    <a:masterClrMapping/>
+  </p:clrMapOvr>
+</p:sld>
+</file>
+
+<file path=ppt/slides/slide13.xml><?xml version="1.0" encoding="utf-8"?>
+<p:sld xmlns:a="http://schemas.openxmlformats.org/drawingml/2006/main" xmlns:r="http://schemas.openxmlformats.org/officeDocument/2006/relationships" xmlns:p="http://schemas.openxmlformats.org/presentationml/2006/main">
+  <p:cSld>
+    <p:bg>
+      <p:bgPr>
+        <a:blipFill dpi="0" rotWithShape="1">
+          <a:blip r:embed="rId2">
+            <a:lum/>
+          </a:blip>
+          <a:srcRect/>
+          <a:stretch>
+            <a:fillRect/>
+          </a:stretch>
+        </a:blipFill>
+        <a:effectLst/>
+      </p:bgPr>
+    </p:bg>
+    <p:spTree>
+      <p:nvGrpSpPr>
+        <p:cNvPr id="1" name=""/>
+        <p:cNvGrpSpPr/>
+        <p:nvPr/>
+      </p:nvGrpSpPr>
+      <p:grpSpPr>
+        <a:xfrm>
+          <a:off x="0" y="0"/>
+          <a:ext cx="0" cy="0"/>
+          <a:chOff x="0" y="0"/>
+          <a:chExt cx="0" cy="0"/>
+        </a:xfrm>
+      </p:grpSpPr>
+      <p:sp>
+        <p:nvSpPr>
+          <p:cNvPr id="5" name="object 3"/>
+          <p:cNvSpPr txBox="1">
+            <a:spLocks noGrp="1"/>
+          </p:cNvSpPr>
+          <p:nvPr>
+            <p:ph type="title"/>
+          </p:nvPr>
+        </p:nvSpPr>
+        <p:spPr>
+          <a:xfrm>
+            <a:off x="534258" y="309562"/>
+            <a:ext cx="7940271" cy="382156"/>
+          </a:xfrm>
+          <a:prstGeom prst="rect">
+            <a:avLst/>
+          </a:prstGeom>
+        </p:spPr>
+        <p:txBody>
+          <a:bodyPr vert="horz" wrap="square" lIns="0" tIns="12700" rIns="0" bIns="0" rtlCol="0">
+            <a:spAutoFit/>
+          </a:bodyPr>
+          <a:lstStyle/>
+          <a:p>
+            <a:pPr marL="12700">
+              <a:lnSpc>
+                <a:spcPct val="100000"/>
+              </a:lnSpc>
+              <a:spcBef>
+                <a:spcPts val="100"/>
+              </a:spcBef>
+            </a:pPr>
+            <a:r>
+              <a:rPr lang="en-IN" sz="2400" dirty="0">
+                <a:solidFill>
+                  <a:srgbClr val="04A2B9"/>
+                </a:solidFill>
+                <a:latin typeface="Proxima Nova"/>
+              </a:rPr>
+              <a:t>Components of LearnSync (Overview of Modules / Pages)</a:t>
+            </a:r>
+            <a:endParaRPr sz="2400" dirty="0">
+              <a:latin typeface="Proxima Nova"/>
+            </a:endParaRPr>
+          </a:p>
+        </p:txBody>
+      </p:sp>
+      <p:graphicFrame>
+        <p:nvGraphicFramePr>
+          <p:cNvPr id="3" name="Table 2">
+            <a:extLst>
+              <a:ext uri="{FF2B5EF4-FFF2-40B4-BE49-F238E27FC236}">
+                <a16:creationId xmlns:a16="http://schemas.microsoft.com/office/drawing/2014/main" id="{AF3D30ED-71DE-077B-B097-A6FD7D5CB515}"/>
+              </a:ext>
+            </a:extLst>
+          </p:cNvPr>
+          <p:cNvGraphicFramePr>
+            <a:graphicFrameLocks noGrp="1"/>
+          </p:cNvGraphicFramePr>
+          <p:nvPr>
+            <p:extLst>
+              <p:ext uri="{D42A27DB-BD31-4B8C-83A1-F6EECF244321}">
+                <p14:modId xmlns:p14="http://schemas.microsoft.com/office/powerpoint/2010/main" val="3982580038"/>
+              </p:ext>
+            </p:extLst>
+          </p:nvPr>
+        </p:nvGraphicFramePr>
+        <p:xfrm>
+          <a:off x="570569" y="1678939"/>
+          <a:ext cx="11014553" cy="4042213"/>
+        </p:xfrm>
+        <a:graphic>
+          <a:graphicData uri="http://schemas.openxmlformats.org/drawingml/2006/table">
+            <a:tbl>
+              <a:tblPr firstRow="1" bandRow="1">
+                <a:tableStyleId>{91EBBBCC-DAD2-459C-BE2E-F6DE35CF9A28}</a:tableStyleId>
+              </a:tblPr>
+              <a:tblGrid>
+                <a:gridCol w="2368574">
+                  <a:extLst>
+                    <a:ext uri="{9D8B030D-6E8A-4147-A177-3AD203B41FA5}">
+                      <a16:colId xmlns:a16="http://schemas.microsoft.com/office/drawing/2014/main" val="1779595732"/>
+                    </a:ext>
+                  </a:extLst>
+                </a:gridCol>
+                <a:gridCol w="3380014">
+                  <a:extLst>
+                    <a:ext uri="{9D8B030D-6E8A-4147-A177-3AD203B41FA5}">
+                      <a16:colId xmlns:a16="http://schemas.microsoft.com/office/drawing/2014/main" val="3640880375"/>
+                    </a:ext>
+                  </a:extLst>
+                </a:gridCol>
+                <a:gridCol w="2512327">
+                  <a:extLst>
+                    <a:ext uri="{9D8B030D-6E8A-4147-A177-3AD203B41FA5}">
+                      <a16:colId xmlns:a16="http://schemas.microsoft.com/office/drawing/2014/main" val="3052709064"/>
+                    </a:ext>
+                  </a:extLst>
+                </a:gridCol>
+                <a:gridCol w="2753638">
+                  <a:extLst>
+                    <a:ext uri="{9D8B030D-6E8A-4147-A177-3AD203B41FA5}">
+                      <a16:colId xmlns:a16="http://schemas.microsoft.com/office/drawing/2014/main" val="3776651756"/>
+                    </a:ext>
+                  </a:extLst>
+                </a:gridCol>
+              </a:tblGrid>
+              <a:tr h="486972">
+                <a:tc>
+                  <a:txBody>
+                    <a:bodyPr/>
+                    <a:lstStyle/>
+                    <a:p>
+                      <a:pPr algn="ctr" fontAlgn="b"/>
+                      <a:r>
+                        <a:rPr lang="en-HK" b="1" dirty="0">
+                          <a:effectLst/>
+                        </a:rPr>
+                        <a:t>Introduction &amp; Support</a:t>
+                      </a:r>
+                    </a:p>
+                  </a:txBody>
+                  <a:tcPr anchor="ctr">
+                    <a:lnL w="19050" cap="flat" cmpd="sng" algn="ctr">
+                      <a:solidFill>
+                        <a:schemeClr val="tx1"/>
+                      </a:solidFill>
+                      <a:prstDash val="solid"/>
+                      <a:round/>
+                      <a:headEnd type="none" w="med" len="med"/>
+                      <a:tailEnd type="none" w="med" len="med"/>
+                    </a:lnL>
+                    <a:lnT w="19050" cap="flat" cmpd="sng" algn="ctr">
+                      <a:solidFill>
+                        <a:schemeClr val="tx1"/>
+                      </a:solidFill>
+                      <a:prstDash val="solid"/>
+                      <a:round/>
+                      <a:headEnd type="none" w="med" len="med"/>
+                      <a:tailEnd type="none" w="med" len="med"/>
+                    </a:lnT>
+                    <a:lnB w="19050" cap="flat" cmpd="sng" algn="ctr">
+                      <a:noFill/>
+                      <a:prstDash val="solid"/>
+                      <a:round/>
+                      <a:headEnd type="none" w="med" len="med"/>
+                      <a:tailEnd type="none" w="med" len="med"/>
+                    </a:lnB>
+                    <a:solidFill>
+                      <a:srgbClr val="00B0F0"/>
+                    </a:solidFill>
+                  </a:tcPr>
+                </a:tc>
+                <a:tc>
+                  <a:txBody>
+                    <a:bodyPr/>
+                    <a:lstStyle/>
+                    <a:p>
+                      <a:pPr algn="ctr" fontAlgn="b"/>
+                      <a:r>
+                        <a:rPr lang="en-HK" b="1" dirty="0">
+                          <a:effectLst/>
+                        </a:rPr>
+                        <a:t>User Interactions</a:t>
+                      </a:r>
+                    </a:p>
+                  </a:txBody>
+                  <a:tcPr anchor="ctr">
+                    <a:lnT w="19050" cap="flat" cmpd="sng" algn="ctr">
+                      <a:solidFill>
+                        <a:schemeClr val="tx1"/>
+                      </a:solidFill>
+                      <a:prstDash val="solid"/>
+                      <a:round/>
+                      <a:headEnd type="none" w="med" len="med"/>
+                      <a:tailEnd type="none" w="med" len="med"/>
+                    </a:lnT>
+                    <a:lnB w="19050" cap="flat" cmpd="sng" algn="ctr">
+                      <a:noFill/>
+                      <a:prstDash val="solid"/>
+                      <a:round/>
+                      <a:headEnd type="none" w="med" len="med"/>
+                      <a:tailEnd type="none" w="med" len="med"/>
+                    </a:lnB>
+                    <a:solidFill>
+                      <a:srgbClr val="00B0F0"/>
+                    </a:solidFill>
+                  </a:tcPr>
+                </a:tc>
+                <a:tc>
+                  <a:txBody>
+                    <a:bodyPr/>
+                    <a:lstStyle/>
+                    <a:p>
+                      <a:pPr algn="ctr" fontAlgn="b"/>
+                      <a:r>
+                        <a:rPr lang="en-HK" b="1" dirty="0">
+                          <a:effectLst/>
+                        </a:rPr>
+                        <a:t>Social Interaction</a:t>
+                      </a:r>
+                    </a:p>
+                  </a:txBody>
+                  <a:tcPr anchor="ctr">
+                    <a:lnT w="19050" cap="flat" cmpd="sng" algn="ctr">
+                      <a:solidFill>
+                        <a:schemeClr val="tx1"/>
+                      </a:solidFill>
+                      <a:prstDash val="solid"/>
+                      <a:round/>
+                      <a:headEnd type="none" w="med" len="med"/>
+                      <a:tailEnd type="none" w="med" len="med"/>
+                    </a:lnT>
+                    <a:lnB w="19050" cap="flat" cmpd="sng" algn="ctr">
+                      <a:noFill/>
+                      <a:prstDash val="solid"/>
+                      <a:round/>
+                      <a:headEnd type="none" w="med" len="med"/>
+                      <a:tailEnd type="none" w="med" len="med"/>
+                    </a:lnB>
+                    <a:solidFill>
+                      <a:srgbClr val="00B0F0"/>
+                    </a:solidFill>
+                  </a:tcPr>
+                </a:tc>
+                <a:tc>
+                  <a:txBody>
+                    <a:bodyPr/>
+                    <a:lstStyle/>
+                    <a:p>
+                      <a:pPr algn="ctr" fontAlgn="b"/>
+                      <a:r>
+                        <a:rPr lang="en-HK" b="1" dirty="0">
+                          <a:effectLst/>
+                        </a:rPr>
+                        <a:t>User Account</a:t>
+                      </a:r>
+                    </a:p>
+                  </a:txBody>
+                  <a:tcPr anchor="ctr">
+                    <a:lnR w="19050" cap="flat" cmpd="sng" algn="ctr">
+                      <a:solidFill>
+                        <a:schemeClr val="tx1"/>
+                      </a:solidFill>
+                      <a:prstDash val="solid"/>
+                      <a:round/>
+                      <a:headEnd type="none" w="med" len="med"/>
+                      <a:tailEnd type="none" w="med" len="med"/>
+                    </a:lnR>
+                    <a:lnT w="19050" cap="flat" cmpd="sng" algn="ctr">
+                      <a:solidFill>
+                        <a:schemeClr val="tx1"/>
+                      </a:solidFill>
+                      <a:prstDash val="solid"/>
+                      <a:round/>
+                      <a:headEnd type="none" w="med" len="med"/>
+                      <a:tailEnd type="none" w="med" len="med"/>
+                    </a:lnT>
+                    <a:lnB w="19050" cap="flat" cmpd="sng" algn="ctr">
+                      <a:noFill/>
+                      <a:prstDash val="solid"/>
+                      <a:round/>
+                      <a:headEnd type="none" w="med" len="med"/>
+                      <a:tailEnd type="none" w="med" len="med"/>
+                    </a:lnB>
+                    <a:solidFill>
+                      <a:srgbClr val="00B0F0"/>
+                    </a:solidFill>
+                  </a:tcPr>
+                </a:tc>
+                <a:extLst>
+                  <a:ext uri="{0D108BD9-81ED-4DB2-BD59-A6C34878D82A}">
+                    <a16:rowId xmlns:a16="http://schemas.microsoft.com/office/drawing/2014/main" val="1647612521"/>
+                  </a:ext>
+                </a:extLst>
+              </a:tr>
+              <a:tr h="486972">
+                <a:tc>
+                  <a:txBody>
+                    <a:bodyPr/>
+                    <a:lstStyle/>
+                    <a:p>
+                      <a:pPr fontAlgn="base"/>
+                      <a:r>
+                        <a:rPr lang="en-HK" dirty="0">
+                          <a:effectLst/>
+                        </a:rPr>
+                        <a:t>Home/Welcome Page</a:t>
+                      </a:r>
+                    </a:p>
+                  </a:txBody>
+                  <a:tcPr anchor="ctr">
+                    <a:lnL w="19050" cap="flat" cmpd="sng" algn="ctr">
+                      <a:noFill/>
+                      <a:prstDash val="solid"/>
+                      <a:round/>
+                      <a:headEnd type="none" w="med" len="med"/>
+                      <a:tailEnd type="none" w="med" len="med"/>
+                    </a:lnL>
+                    <a:lnT w="19050" cap="flat" cmpd="sng" algn="ctr">
+                      <a:noFill/>
+                      <a:prstDash val="solid"/>
+                      <a:round/>
+                      <a:headEnd type="none" w="med" len="med"/>
+                      <a:tailEnd type="none" w="med" len="med"/>
+                    </a:lnT>
+                  </a:tcPr>
+                </a:tc>
+                <a:tc>
+                  <a:txBody>
+                    <a:bodyPr/>
+                    <a:lstStyle/>
+                    <a:p>
+                      <a:pPr fontAlgn="base"/>
+                      <a:r>
+                        <a:rPr lang="en-HK" dirty="0">
+                          <a:effectLst/>
+                        </a:rPr>
+                        <a:t>Dashboard</a:t>
+                      </a:r>
+                    </a:p>
+                  </a:txBody>
+                  <a:tcPr anchor="ctr">
+                    <a:lnT w="19050" cap="flat" cmpd="sng" algn="ctr">
+                      <a:noFill/>
+                      <a:prstDash val="solid"/>
+                      <a:round/>
+                      <a:headEnd type="none" w="med" len="med"/>
+                      <a:tailEnd type="none" w="med" len="med"/>
+                    </a:lnT>
+                  </a:tcPr>
+                </a:tc>
+                <a:tc>
+                  <a:txBody>
+                    <a:bodyPr/>
+                    <a:lstStyle/>
+                    <a:p>
+                      <a:pPr fontAlgn="base"/>
+                      <a:r>
+                        <a:rPr lang="en-HK">
+                          <a:effectLst/>
+                        </a:rPr>
+                        <a:t>Friend's Activity Panel</a:t>
+                      </a:r>
+                    </a:p>
+                  </a:txBody>
+                  <a:tcPr anchor="ctr">
+                    <a:lnT w="19050" cap="flat" cmpd="sng" algn="ctr">
+                      <a:noFill/>
+                      <a:prstDash val="solid"/>
+                      <a:round/>
+                      <a:headEnd type="none" w="med" len="med"/>
+                      <a:tailEnd type="none" w="med" len="med"/>
+                    </a:lnT>
+                  </a:tcPr>
+                </a:tc>
+                <a:tc>
+                  <a:txBody>
+                    <a:bodyPr/>
+                    <a:lstStyle/>
+                    <a:p>
+                      <a:pPr fontAlgn="base"/>
+                      <a:r>
+                        <a:rPr lang="en-HK" dirty="0">
+                          <a:effectLst/>
+                        </a:rPr>
+                        <a:t>Profile</a:t>
+                      </a:r>
+                    </a:p>
+                  </a:txBody>
+                  <a:tcPr anchor="ctr">
+                    <a:lnR w="19050" cap="flat" cmpd="sng" algn="ctr">
+                      <a:noFill/>
+                      <a:prstDash val="solid"/>
+                      <a:round/>
+                      <a:headEnd type="none" w="med" len="med"/>
+                      <a:tailEnd type="none" w="med" len="med"/>
+                    </a:lnR>
+                    <a:lnT w="19050" cap="flat" cmpd="sng" algn="ctr">
+                      <a:noFill/>
+                      <a:prstDash val="solid"/>
+                      <a:round/>
+                      <a:headEnd type="none" w="med" len="med"/>
+                      <a:tailEnd type="none" w="med" len="med"/>
+                    </a:lnT>
+                  </a:tcPr>
+                </a:tc>
+                <a:extLst>
+                  <a:ext uri="{0D108BD9-81ED-4DB2-BD59-A6C34878D82A}">
+                    <a16:rowId xmlns:a16="http://schemas.microsoft.com/office/drawing/2014/main" val="138574930"/>
+                  </a:ext>
+                </a:extLst>
+              </a:tr>
+              <a:tr h="486972">
+                <a:tc>
+                  <a:txBody>
+                    <a:bodyPr/>
+                    <a:lstStyle/>
+                    <a:p>
+                      <a:pPr fontAlgn="base"/>
+                      <a:r>
+                        <a:rPr lang="en-HK">
+                          <a:effectLst/>
+                        </a:rPr>
+                        <a:t>Login/Registration</a:t>
+                      </a:r>
+                    </a:p>
+                  </a:txBody>
+                  <a:tcPr anchor="ctr">
+                    <a:lnL w="19050" cap="flat" cmpd="sng" algn="ctr">
+                      <a:noFill/>
+                      <a:prstDash val="solid"/>
+                      <a:round/>
+                      <a:headEnd type="none" w="med" len="med"/>
+                      <a:tailEnd type="none" w="med" len="med"/>
+                    </a:lnL>
+                  </a:tcPr>
+                </a:tc>
+                <a:tc rowSpan="5">
+                  <a:txBody>
+                    <a:bodyPr/>
+                    <a:lstStyle/>
+                    <a:p>
+                      <a:pPr marL="0" indent="0" fontAlgn="base">
+                        <a:buFont typeface="Arial" panose="020B0604020202020204" pitchFamily="34" charset="0"/>
+                        <a:buNone/>
+                      </a:pPr>
+                      <a:r>
+                        <a:rPr lang="en-HK" sz="1600" dirty="0">
+                          <a:effectLst/>
+                        </a:rPr>
+                        <a:t>Modules Accessible on Dashboard</a:t>
+                      </a:r>
+                    </a:p>
+                    <a:p>
+                      <a:pPr marL="400050" indent="-400050" fontAlgn="base">
+                        <a:buFont typeface="+mj-lt"/>
+                        <a:buAutoNum type="romanUcPeriod"/>
+                      </a:pPr>
+                      <a:r>
+                        <a:rPr lang="en-HK" sz="1600" dirty="0">
+                          <a:effectLst/>
+                        </a:rPr>
+                        <a:t>Study Planning</a:t>
+                      </a:r>
+                    </a:p>
+                    <a:p>
+                      <a:pPr marL="400050" indent="-400050" fontAlgn="base">
+                        <a:buFont typeface="+mj-lt"/>
+                        <a:buAutoNum type="romanUcPeriod"/>
+                      </a:pPr>
+                      <a:r>
+                        <a:rPr lang="en-HK" sz="1600" dirty="0">
+                          <a:effectLst/>
+                        </a:rPr>
+                        <a:t>Spaced Repetition Scheduler</a:t>
+                      </a:r>
+                    </a:p>
+                    <a:p>
+                      <a:pPr marL="400050" indent="-400050" fontAlgn="base">
+                        <a:buFont typeface="+mj-lt"/>
+                        <a:buAutoNum type="romanUcPeriod"/>
+                      </a:pPr>
+                      <a:r>
+                        <a:rPr lang="en-HK" sz="1600" dirty="0">
+                          <a:effectLst/>
+                        </a:rPr>
+                        <a:t>Task Scheduler</a:t>
+                      </a:r>
+                    </a:p>
+                    <a:p>
+                      <a:pPr marL="400050" indent="-400050" fontAlgn="base">
+                        <a:buFont typeface="+mj-lt"/>
+                        <a:buAutoNum type="romanUcPeriod"/>
+                      </a:pPr>
+                      <a:r>
+                        <a:rPr lang="en-HK" sz="1600" dirty="0">
+                          <a:effectLst/>
+                        </a:rPr>
+                        <a:t>To-Do Lists</a:t>
+                      </a:r>
+                    </a:p>
+                    <a:p>
+                      <a:pPr marL="400050" indent="-400050" fontAlgn="base">
+                        <a:buFont typeface="+mj-lt"/>
+                        <a:buAutoNum type="romanUcPeriod"/>
+                      </a:pPr>
+                      <a:r>
+                        <a:rPr lang="en-HK" sz="1600" dirty="0">
+                          <a:effectLst/>
+                        </a:rPr>
+                        <a:t>Pomodoro Timer</a:t>
+                      </a:r>
+                    </a:p>
+                    <a:p>
+                      <a:pPr marL="400050" indent="-400050" fontAlgn="base">
+                        <a:buFont typeface="+mj-lt"/>
+                        <a:buAutoNum type="romanUcPeriod"/>
+                      </a:pPr>
+                      <a:r>
+                        <a:rPr lang="en-HK" sz="1600" dirty="0">
+                          <a:effectLst/>
+                        </a:rPr>
+                        <a:t>Links to Other Pages</a:t>
+                      </a:r>
+                    </a:p>
+                  </a:txBody>
+                  <a:tcPr anchor="ctr"/>
+                </a:tc>
+                <a:tc>
+                  <a:txBody>
+                    <a:bodyPr/>
+                    <a:lstStyle/>
+                    <a:p>
+                      <a:pPr fontAlgn="base"/>
+                      <a:r>
+                        <a:rPr lang="en-HK" dirty="0">
+                          <a:effectLst/>
+                        </a:rPr>
+                        <a:t>Domain Leaderboard</a:t>
+                      </a:r>
+                    </a:p>
+                  </a:txBody>
+                  <a:tcPr anchor="ctr"/>
+                </a:tc>
+                <a:tc>
+                  <a:txBody>
+                    <a:bodyPr/>
+                    <a:lstStyle/>
+                    <a:p>
+                      <a:pPr fontAlgn="base"/>
+                      <a:r>
+                        <a:rPr lang="en-HK">
+                          <a:effectLst/>
+                        </a:rPr>
+                        <a:t>Integration</a:t>
+                      </a:r>
+                    </a:p>
+                  </a:txBody>
+                  <a:tcPr anchor="ctr">
+                    <a:lnR w="19050" cap="flat" cmpd="sng" algn="ctr">
+                      <a:noFill/>
+                      <a:prstDash val="solid"/>
+                      <a:round/>
+                      <a:headEnd type="none" w="med" len="med"/>
+                      <a:tailEnd type="none" w="med" len="med"/>
+                    </a:lnR>
+                  </a:tcPr>
+                </a:tc>
+                <a:extLst>
+                  <a:ext uri="{0D108BD9-81ED-4DB2-BD59-A6C34878D82A}">
+                    <a16:rowId xmlns:a16="http://schemas.microsoft.com/office/drawing/2014/main" val="1000038632"/>
+                  </a:ext>
+                </a:extLst>
+              </a:tr>
+              <a:tr h="486972">
+                <a:tc>
+                  <a:txBody>
+                    <a:bodyPr/>
+                    <a:lstStyle/>
+                    <a:p>
+                      <a:pPr fontAlgn="base"/>
+                      <a:r>
+                        <a:rPr lang="en-HK">
+                          <a:effectLst/>
+                        </a:rPr>
+                        <a:t>About Us</a:t>
+                      </a:r>
+                    </a:p>
+                  </a:txBody>
+                  <a:tcPr anchor="ctr">
+                    <a:lnL w="19050" cap="flat" cmpd="sng" algn="ctr">
+                      <a:noFill/>
+                      <a:prstDash val="solid"/>
+                      <a:round/>
+                      <a:headEnd type="none" w="med" len="med"/>
+                      <a:tailEnd type="none" w="med" len="med"/>
+                    </a:lnL>
+                  </a:tcPr>
+                </a:tc>
+                <a:tc vMerge="1">
+                  <a:txBody>
+                    <a:bodyPr/>
+                    <a:lstStyle/>
+                    <a:p>
+                      <a:pPr fontAlgn="base"/>
+                      <a:r>
+                        <a:rPr lang="en-HK" dirty="0">
+                          <a:effectLst/>
+                        </a:rPr>
+                        <a:t>Spaced Repetition ...</a:t>
+                      </a:r>
+                    </a:p>
+                  </a:txBody>
+                  <a:tcPr anchor="ctr"/>
+                </a:tc>
+                <a:tc>
+                  <a:txBody>
+                    <a:bodyPr/>
+                    <a:lstStyle/>
+                    <a:p>
+                      <a:pPr fontAlgn="base"/>
+                      <a:r>
+                        <a:rPr lang="en-HK" dirty="0">
+                          <a:effectLst/>
+                        </a:rPr>
+                        <a:t>Group Leaderboard</a:t>
+                      </a:r>
+                    </a:p>
+                  </a:txBody>
+                  <a:tcPr anchor="ctr"/>
+                </a:tc>
+                <a:tc>
+                  <a:txBody>
+                    <a:bodyPr/>
+                    <a:lstStyle/>
+                    <a:p>
+                      <a:pPr fontAlgn="base"/>
+                      <a:r>
+                        <a:rPr lang="en-HK" dirty="0">
+                          <a:effectLst/>
+                        </a:rPr>
+                        <a:t>Leaderboard</a:t>
+                      </a:r>
+                    </a:p>
+                  </a:txBody>
+                  <a:tcPr anchor="ctr">
+                    <a:lnR w="19050" cap="flat" cmpd="sng" algn="ctr">
+                      <a:noFill/>
+                      <a:prstDash val="solid"/>
+                      <a:round/>
+                      <a:headEnd type="none" w="med" len="med"/>
+                      <a:tailEnd type="none" w="med" len="med"/>
+                    </a:lnR>
+                  </a:tcPr>
+                </a:tc>
+                <a:extLst>
+                  <a:ext uri="{0D108BD9-81ED-4DB2-BD59-A6C34878D82A}">
+                    <a16:rowId xmlns:a16="http://schemas.microsoft.com/office/drawing/2014/main" val="150284577"/>
+                  </a:ext>
+                </a:extLst>
+              </a:tr>
+              <a:tr h="486972">
+                <a:tc>
+                  <a:txBody>
+                    <a:bodyPr/>
+                    <a:lstStyle/>
+                    <a:p>
+                      <a:pPr fontAlgn="base"/>
+                      <a:r>
+                        <a:rPr lang="en-HK" dirty="0">
+                          <a:effectLst/>
+                        </a:rPr>
+                        <a:t>Contact Us</a:t>
+                      </a:r>
+                    </a:p>
+                  </a:txBody>
+                  <a:tcPr anchor="ctr">
+                    <a:lnL w="19050" cap="flat" cmpd="sng" algn="ctr">
+                      <a:noFill/>
+                      <a:prstDash val="solid"/>
+                      <a:round/>
+                      <a:headEnd type="none" w="med" len="med"/>
+                      <a:tailEnd type="none" w="med" len="med"/>
+                    </a:lnL>
+                  </a:tcPr>
+                </a:tc>
+                <a:tc vMerge="1">
+                  <a:txBody>
+                    <a:bodyPr/>
+                    <a:lstStyle/>
+                    <a:p>
+                      <a:pPr fontAlgn="base"/>
+                      <a:r>
+                        <a:rPr lang="en-HK" dirty="0">
+                          <a:effectLst/>
+                        </a:rPr>
+                        <a:t>Task Scheduler</a:t>
+                      </a:r>
+                    </a:p>
+                  </a:txBody>
+                  <a:tcPr anchor="ctr"/>
+                </a:tc>
+                <a:tc>
+                  <a:txBody>
+                    <a:bodyPr/>
+                    <a:lstStyle/>
+                    <a:p>
+                      <a:pPr fontAlgn="base"/>
+                      <a:r>
+                        <a:rPr lang="en-HK" dirty="0">
+                          <a:effectLst/>
+                        </a:rPr>
+                        <a:t>Badges</a:t>
+                      </a:r>
+                    </a:p>
+                  </a:txBody>
+                  <a:tcPr anchor="ctr"/>
+                </a:tc>
+                <a:tc>
+                  <a:txBody>
+                    <a:bodyPr/>
+                    <a:lstStyle/>
+                    <a:p>
+                      <a:pPr fontAlgn="base"/>
+                      <a:r>
+                        <a:rPr lang="en-HK">
+                          <a:effectLst/>
+                        </a:rPr>
+                        <a:t>Streaks and Challenges</a:t>
+                      </a:r>
+                    </a:p>
+                  </a:txBody>
+                  <a:tcPr anchor="ctr">
+                    <a:lnR w="19050" cap="flat" cmpd="sng" algn="ctr">
+                      <a:noFill/>
+                      <a:prstDash val="solid"/>
+                      <a:round/>
+                      <a:headEnd type="none" w="med" len="med"/>
+                      <a:tailEnd type="none" w="med" len="med"/>
+                    </a:lnR>
+                  </a:tcPr>
+                </a:tc>
+                <a:extLst>
+                  <a:ext uri="{0D108BD9-81ED-4DB2-BD59-A6C34878D82A}">
+                    <a16:rowId xmlns:a16="http://schemas.microsoft.com/office/drawing/2014/main" val="1293950767"/>
+                  </a:ext>
+                </a:extLst>
+              </a:tr>
+              <a:tr h="486972">
+                <a:tc>
+                  <a:txBody>
+                    <a:bodyPr/>
+                    <a:lstStyle/>
+                    <a:p>
+                      <a:pPr fontAlgn="base"/>
+                      <a:r>
+                        <a:rPr lang="en-HK" dirty="0">
+                          <a:effectLst/>
+                        </a:rPr>
+                        <a:t>FAQs</a:t>
+                      </a:r>
+                    </a:p>
+                  </a:txBody>
+                  <a:tcPr anchor="ctr">
+                    <a:lnL w="19050" cap="flat" cmpd="sng" algn="ctr">
+                      <a:noFill/>
+                      <a:prstDash val="solid"/>
+                      <a:round/>
+                      <a:headEnd type="none" w="med" len="med"/>
+                      <a:tailEnd type="none" w="med" len="med"/>
+                    </a:lnL>
+                  </a:tcPr>
+                </a:tc>
+                <a:tc vMerge="1">
+                  <a:txBody>
+                    <a:bodyPr/>
+                    <a:lstStyle/>
+                    <a:p>
+                      <a:pPr fontAlgn="base"/>
+                      <a:r>
+                        <a:rPr lang="en-HK" dirty="0">
+                          <a:effectLst/>
+                        </a:rPr>
+                        <a:t>To-Do Lists</a:t>
+                      </a:r>
+                    </a:p>
+                  </a:txBody>
+                  <a:tcPr anchor="ctr"/>
+                </a:tc>
+                <a:tc>
+                  <a:txBody>
+                    <a:bodyPr/>
+                    <a:lstStyle/>
+                    <a:p>
+                      <a:pPr fontAlgn="base"/>
+                      <a:r>
+                        <a:rPr lang="en-HK">
+                          <a:effectLst/>
+                        </a:rPr>
+                        <a:t>Daily Tasks Streaks</a:t>
+                      </a:r>
+                    </a:p>
+                  </a:txBody>
+                  <a:tcPr anchor="ctr"/>
+                </a:tc>
+                <a:tc>
+                  <a:txBody>
+                    <a:bodyPr/>
+                    <a:lstStyle/>
+                    <a:p>
+                      <a:pPr fontAlgn="base"/>
+                      <a:r>
+                        <a:rPr lang="en-HK">
+                          <a:effectLst/>
+                        </a:rPr>
+                        <a:t>Settings</a:t>
+                      </a:r>
+                    </a:p>
+                  </a:txBody>
+                  <a:tcPr anchor="ctr">
+                    <a:lnR w="19050" cap="flat" cmpd="sng" algn="ctr">
+                      <a:noFill/>
+                      <a:prstDash val="solid"/>
+                      <a:round/>
+                      <a:headEnd type="none" w="med" len="med"/>
+                      <a:tailEnd type="none" w="med" len="med"/>
+                    </a:lnR>
+                  </a:tcPr>
+                </a:tc>
+                <a:extLst>
+                  <a:ext uri="{0D108BD9-81ED-4DB2-BD59-A6C34878D82A}">
+                    <a16:rowId xmlns:a16="http://schemas.microsoft.com/office/drawing/2014/main" val="3277414791"/>
+                  </a:ext>
+                </a:extLst>
+              </a:tr>
+              <a:tr h="486972">
+                <a:tc>
+                  <a:txBody>
+                    <a:bodyPr/>
+                    <a:lstStyle/>
+                    <a:p>
+                      <a:pPr fontAlgn="base"/>
+                      <a:r>
+                        <a:rPr lang="en-HK">
+                          <a:effectLst/>
+                        </a:rPr>
+                        <a:t>Terms and Conditions</a:t>
+                      </a:r>
+                    </a:p>
+                  </a:txBody>
+                  <a:tcPr anchor="ctr">
+                    <a:lnL w="19050" cap="flat" cmpd="sng" algn="ctr">
+                      <a:noFill/>
+                      <a:prstDash val="solid"/>
+                      <a:round/>
+                      <a:headEnd type="none" w="med" len="med"/>
+                      <a:tailEnd type="none" w="med" len="med"/>
+                    </a:lnL>
+                  </a:tcPr>
+                </a:tc>
+                <a:tc vMerge="1">
+                  <a:txBody>
+                    <a:bodyPr/>
+                    <a:lstStyle/>
+                    <a:p>
+                      <a:pPr fontAlgn="base"/>
+                      <a:r>
+                        <a:rPr lang="en-HK" dirty="0">
+                          <a:effectLst/>
+                        </a:rPr>
+                        <a:t>Pomodoro Timer</a:t>
+                      </a:r>
+                    </a:p>
+                  </a:txBody>
+                  <a:tcPr anchor="ctr"/>
+                </a:tc>
+                <a:tc>
+                  <a:txBody>
+                    <a:bodyPr/>
+                    <a:lstStyle/>
+                    <a:p>
+                      <a:pPr fontAlgn="base"/>
+                      <a:r>
+                        <a:rPr lang="en-HK">
+                          <a:effectLst/>
+                        </a:rPr>
+                        <a:t>Group + Task Streaks</a:t>
+                      </a:r>
+                    </a:p>
+                  </a:txBody>
+                  <a:tcPr anchor="ctr"/>
+                </a:tc>
+                <a:tc>
+                  <a:txBody>
+                    <a:bodyPr/>
+                    <a:lstStyle/>
+                    <a:p>
+                      <a:pPr marL="0" marR="0" lvl="0" indent="0" algn="l" defTabSz="914400" rtl="0" eaLnBrk="1" fontAlgn="base" latinLnBrk="0" hangingPunct="1">
+                        <a:lnSpc>
+                          <a:spcPct val="100000"/>
+                        </a:lnSpc>
+                        <a:spcBef>
+                          <a:spcPts val="0"/>
+                        </a:spcBef>
+                        <a:spcAft>
+                          <a:spcPts val="0"/>
+                        </a:spcAft>
+                        <a:buClrTx/>
+                        <a:buSzTx/>
+                        <a:buFontTx/>
+                        <a:buNone/>
+                        <a:tabLst/>
+                        <a:defRPr/>
+                      </a:pPr>
+                      <a:r>
+                        <a:rPr lang="en-HK" dirty="0">
+                          <a:effectLst/>
+                        </a:rPr>
+                        <a:t>Error Pages</a:t>
+                      </a:r>
+                    </a:p>
+                  </a:txBody>
+                  <a:tcPr anchor="ctr">
+                    <a:lnR w="19050" cap="flat" cmpd="sng" algn="ctr">
+                      <a:noFill/>
+                      <a:prstDash val="solid"/>
+                      <a:round/>
+                      <a:headEnd type="none" w="med" len="med"/>
+                      <a:tailEnd type="none" w="med" len="med"/>
+                    </a:lnR>
+                  </a:tcPr>
+                </a:tc>
+                <a:extLst>
+                  <a:ext uri="{0D108BD9-81ED-4DB2-BD59-A6C34878D82A}">
+                    <a16:rowId xmlns:a16="http://schemas.microsoft.com/office/drawing/2014/main" val="1894945758"/>
+                  </a:ext>
+                </a:extLst>
+              </a:tr>
+              <a:tr h="480301">
+                <a:tc>
+                  <a:txBody>
+                    <a:bodyPr/>
+                    <a:lstStyle/>
+                    <a:p>
+                      <a:pPr fontAlgn="base"/>
+                      <a:r>
+                        <a:rPr lang="en-HK">
+                          <a:effectLst/>
+                        </a:rPr>
+                        <a:t>Privacy Policy</a:t>
+                      </a:r>
+                    </a:p>
+                  </a:txBody>
+                  <a:tcPr anchor="ctr">
+                    <a:lnL w="19050" cap="flat" cmpd="sng" algn="ctr">
+                      <a:noFill/>
+                      <a:prstDash val="solid"/>
+                      <a:round/>
+                      <a:headEnd type="none" w="med" len="med"/>
+                      <a:tailEnd type="none" w="med" len="med"/>
+                    </a:lnL>
+                    <a:lnB w="19050" cap="flat" cmpd="sng" algn="ctr">
+                      <a:noFill/>
+                      <a:prstDash val="solid"/>
+                      <a:round/>
+                      <a:headEnd type="none" w="med" len="med"/>
+                      <a:tailEnd type="none" w="med" len="med"/>
+                    </a:lnB>
+                  </a:tcPr>
+                </a:tc>
+                <a:tc>
+                  <a:txBody>
+                    <a:bodyPr/>
+                    <a:lstStyle/>
+                    <a:p>
+                      <a:pPr fontAlgn="base"/>
+                      <a:endParaRPr lang="en-HK" dirty="0">
+                        <a:effectLst/>
+                      </a:endParaRPr>
+                    </a:p>
+                  </a:txBody>
+                  <a:tcPr anchor="ctr">
+                    <a:lnB w="19050" cap="flat" cmpd="sng" algn="ctr">
+                      <a:noFill/>
+                      <a:prstDash val="solid"/>
+                      <a:round/>
+                      <a:headEnd type="none" w="med" len="med"/>
+                      <a:tailEnd type="none" w="med" len="med"/>
+                    </a:lnB>
+                  </a:tcPr>
+                </a:tc>
+                <a:tc>
+                  <a:txBody>
+                    <a:bodyPr/>
+                    <a:lstStyle/>
+                    <a:p>
+                      <a:pPr fontAlgn="base"/>
+                      <a:endParaRPr lang="en-HK" dirty="0">
+                        <a:effectLst/>
+                      </a:endParaRPr>
+                    </a:p>
+                  </a:txBody>
+                  <a:tcPr anchor="ctr">
+                    <a:lnB w="19050" cap="flat" cmpd="sng" algn="ctr">
+                      <a:noFill/>
+                      <a:prstDash val="solid"/>
+                      <a:round/>
+                      <a:headEnd type="none" w="med" len="med"/>
+                      <a:tailEnd type="none" w="med" len="med"/>
+                    </a:lnB>
+                  </a:tcPr>
+                </a:tc>
+                <a:tc>
+                  <a:txBody>
+                    <a:bodyPr/>
+                    <a:lstStyle/>
+                    <a:p>
+                      <a:pPr fontAlgn="base"/>
+                      <a:endParaRPr lang="en-HK" dirty="0">
+                        <a:effectLst/>
+                      </a:endParaRPr>
+                    </a:p>
+                  </a:txBody>
+                  <a:tcPr anchor="ctr">
+                    <a:lnR w="19050" cap="flat" cmpd="sng" algn="ctr">
+                      <a:noFill/>
+                      <a:prstDash val="solid"/>
+                      <a:round/>
+                      <a:headEnd type="none" w="med" len="med"/>
+                      <a:tailEnd type="none" w="med" len="med"/>
+                    </a:lnR>
+                    <a:lnB w="19050" cap="flat" cmpd="sng" algn="ctr">
+                      <a:noFill/>
+                      <a:prstDash val="solid"/>
+                      <a:round/>
+                      <a:headEnd type="none" w="med" len="med"/>
+                      <a:tailEnd type="none" w="med" len="med"/>
+                    </a:lnB>
+                  </a:tcPr>
+                </a:tc>
+                <a:extLst>
+                  <a:ext uri="{0D108BD9-81ED-4DB2-BD59-A6C34878D82A}">
+                    <a16:rowId xmlns:a16="http://schemas.microsoft.com/office/drawing/2014/main" val="1369200230"/>
+                  </a:ext>
+                </a:extLst>
+              </a:tr>
+            </a:tbl>
+          </a:graphicData>
+        </a:graphic>
+      </p:graphicFrame>
+    </p:spTree>
+    <p:extLst>
+      <p:ext uri="{BB962C8B-B14F-4D97-AF65-F5344CB8AC3E}">
+        <p14:creationId xmlns:p14="http://schemas.microsoft.com/office/powerpoint/2010/main" val="1431174990"/>
+      </p:ext>
+    </p:extLst>
+  </p:cSld>
+  <p:clrMapOvr>
+    <a:masterClrMapping/>
+  </p:clrMapOvr>
+</p:sld>
+</file>
+
+<file path=ppt/slides/slide14.xml><?xml version="1.0" encoding="utf-8"?>
+<p:sld xmlns:a="http://schemas.openxmlformats.org/drawingml/2006/main" xmlns:r="http://schemas.openxmlformats.org/officeDocument/2006/relationships" xmlns:p="http://schemas.openxmlformats.org/presentationml/2006/main">
+  <p:cSld>
+    <p:bg>
+      <p:bgPr>
+        <a:blipFill dpi="0" rotWithShape="1">
+          <a:blip r:embed="rId2">
+            <a:lum/>
+          </a:blip>
+          <a:srcRect/>
+          <a:stretch>
+            <a:fillRect/>
+          </a:stretch>
+        </a:blipFill>
+        <a:effectLst/>
+      </p:bgPr>
+    </p:bg>
+    <p:spTree>
+      <p:nvGrpSpPr>
+        <p:cNvPr id="1" name=""/>
+        <p:cNvGrpSpPr/>
+        <p:nvPr/>
+      </p:nvGrpSpPr>
+      <p:grpSpPr>
+        <a:xfrm>
+          <a:off x="0" y="0"/>
+          <a:ext cx="0" cy="0"/>
+          <a:chOff x="0" y="0"/>
+          <a:chExt cx="0" cy="0"/>
+        </a:xfrm>
+      </p:grpSpPr>
+      <p:sp>
+        <p:nvSpPr>
+          <p:cNvPr id="5" name="object 3"/>
+          <p:cNvSpPr txBox="1">
+            <a:spLocks noGrp="1"/>
+          </p:cNvSpPr>
+          <p:nvPr>
+            <p:ph type="title"/>
+          </p:nvPr>
+        </p:nvSpPr>
+        <p:spPr>
+          <a:xfrm>
+            <a:off x="534259" y="309562"/>
+            <a:ext cx="5997170" cy="382156"/>
+          </a:xfrm>
+          <a:prstGeom prst="rect">
+            <a:avLst/>
+          </a:prstGeom>
+        </p:spPr>
+        <p:txBody>
+          <a:bodyPr vert="horz" wrap="square" lIns="0" tIns="12700" rIns="0" bIns="0" rtlCol="0">
+            <a:spAutoFit/>
+          </a:bodyPr>
+          <a:lstStyle/>
+          <a:p>
+            <a:pPr marL="12700">
+              <a:lnSpc>
+                <a:spcPct val="100000"/>
+              </a:lnSpc>
+              <a:spcBef>
+                <a:spcPts val="100"/>
+              </a:spcBef>
+            </a:pPr>
+            <a:r>
+              <a:rPr lang="en-IN" sz="2400" dirty="0">
+                <a:solidFill>
+                  <a:srgbClr val="04A2B9"/>
+                </a:solidFill>
+                <a:latin typeface="Proxima Nova"/>
+              </a:rPr>
+              <a:t>System Design : Web Based Methodologies</a:t>
+            </a:r>
+            <a:endParaRPr sz="2400" dirty="0">
+              <a:latin typeface="Proxima Nova"/>
+            </a:endParaRPr>
+          </a:p>
+        </p:txBody>
+      </p:sp>
+      <p:pic>
+        <p:nvPicPr>
+          <p:cNvPr id="13" name="Picture 12">
+            <a:extLst>
+              <a:ext uri="{FF2B5EF4-FFF2-40B4-BE49-F238E27FC236}">
+                <a16:creationId xmlns:a16="http://schemas.microsoft.com/office/drawing/2014/main" id="{9C47BCB6-F10F-4006-B0D3-B0F9FA81F5DD}"/>
+              </a:ext>
+            </a:extLst>
+          </p:cNvPr>
+          <p:cNvPicPr>
+            <a:picLocks noChangeAspect="1"/>
+          </p:cNvPicPr>
+          <p:nvPr/>
+        </p:nvPicPr>
+        <p:blipFill>
+          <a:blip r:embed="rId3"/>
+          <a:stretch>
+            <a:fillRect/>
+          </a:stretch>
+        </p:blipFill>
+        <p:spPr>
+          <a:xfrm>
+            <a:off x="0" y="1033745"/>
+            <a:ext cx="12192000" cy="5824255"/>
+          </a:xfrm>
+          <a:prstGeom prst="rect">
+            <a:avLst/>
+          </a:prstGeom>
+        </p:spPr>
+      </p:pic>
+    </p:spTree>
+    <p:extLst>
+      <p:ext uri="{BB962C8B-B14F-4D97-AF65-F5344CB8AC3E}">
+        <p14:creationId xmlns:p14="http://schemas.microsoft.com/office/powerpoint/2010/main" val="1549024016"/>
+      </p:ext>
+    </p:extLst>
+  </p:cSld>
+  <p:clrMapOvr>
+    <a:masterClrMapping/>
+  </p:clrMapOvr>
+</p:sld>
+</file>
+
+<file path=ppt/slides/slide15.xml><?xml version="1.0" encoding="utf-8"?>
+<p:sld xmlns:a="http://schemas.openxmlformats.org/drawingml/2006/main" xmlns:r="http://schemas.openxmlformats.org/officeDocument/2006/relationships" xmlns:p="http://schemas.openxmlformats.org/presentationml/2006/main">
+  <p:cSld>
+    <p:bg>
+      <p:bgPr>
+        <a:blipFill dpi="0" rotWithShape="1">
+          <a:blip r:embed="rId2">
+            <a:lum/>
+          </a:blip>
+          <a:srcRect/>
+          <a:stretch>
+            <a:fillRect/>
+          </a:stretch>
+        </a:blipFill>
+        <a:effectLst/>
+      </p:bgPr>
+    </p:bg>
+    <p:spTree>
+      <p:nvGrpSpPr>
+        <p:cNvPr id="1" name=""/>
+        <p:cNvGrpSpPr/>
+        <p:nvPr/>
+      </p:nvGrpSpPr>
+      <p:grpSpPr>
+        <a:xfrm>
+          <a:off x="0" y="0"/>
+          <a:ext cx="0" cy="0"/>
+          <a:chOff x="0" y="0"/>
+          <a:chExt cx="0" cy="0"/>
+        </a:xfrm>
+      </p:grpSpPr>
+      <p:sp>
+        <p:nvSpPr>
+          <p:cNvPr id="5" name="object 3"/>
+          <p:cNvSpPr txBox="1">
+            <a:spLocks noGrp="1"/>
+          </p:cNvSpPr>
+          <p:nvPr>
+            <p:ph type="title"/>
+          </p:nvPr>
+        </p:nvSpPr>
+        <p:spPr>
+          <a:xfrm>
+            <a:off x="534258" y="309562"/>
+            <a:ext cx="7975259" cy="382156"/>
+          </a:xfrm>
+          <a:prstGeom prst="rect">
+            <a:avLst/>
+          </a:prstGeom>
+        </p:spPr>
+        <p:txBody>
+          <a:bodyPr vert="horz" wrap="square" lIns="0" tIns="12700" rIns="0" bIns="0" rtlCol="0">
+            <a:spAutoFit/>
+          </a:bodyPr>
+          <a:lstStyle/>
+          <a:p>
+            <a:pPr marL="12700">
+              <a:lnSpc>
+                <a:spcPct val="100000"/>
+              </a:lnSpc>
+              <a:spcBef>
+                <a:spcPts val="100"/>
+              </a:spcBef>
+            </a:pPr>
+            <a:r>
+              <a:rPr lang="en-IN" sz="2400" dirty="0">
+                <a:solidFill>
+                  <a:srgbClr val="04A2B9"/>
+                </a:solidFill>
+                <a:latin typeface="Proxima Nova"/>
+              </a:rPr>
+              <a:t>No-SQL Database : MongoDB Design For LearnSync</a:t>
+            </a:r>
+            <a:endParaRPr sz="2400" dirty="0">
+              <a:latin typeface="Proxima Nova"/>
+            </a:endParaRPr>
+          </a:p>
+        </p:txBody>
+      </p:sp>
+      <p:pic>
+        <p:nvPicPr>
+          <p:cNvPr id="4" name="Picture 3">
+            <a:extLst>
+              <a:ext uri="{FF2B5EF4-FFF2-40B4-BE49-F238E27FC236}">
+                <a16:creationId xmlns:a16="http://schemas.microsoft.com/office/drawing/2014/main" id="{EC90ECC4-F4CB-A6D5-BB71-E581F9E42859}"/>
+              </a:ext>
+            </a:extLst>
+          </p:cNvPr>
+          <p:cNvPicPr>
+            <a:picLocks noChangeAspect="1"/>
+          </p:cNvPicPr>
+          <p:nvPr/>
+        </p:nvPicPr>
+        <p:blipFill>
+          <a:blip r:embed="rId3">
+            <a:extLst>
+              <a:ext uri="{28A0092B-C50C-407E-A947-70E740481C1C}">
+                <a14:useLocalDpi xmlns:a14="http://schemas.microsoft.com/office/drawing/2010/main" val="0"/>
+              </a:ext>
+            </a:extLst>
+          </a:blip>
+          <a:stretch>
+            <a:fillRect/>
+          </a:stretch>
+        </p:blipFill>
+        <p:spPr>
+          <a:xfrm>
+            <a:off x="1319123" y="1102889"/>
+            <a:ext cx="9553754" cy="5307641"/>
+          </a:xfrm>
+          <a:prstGeom prst="rect">
+            <a:avLst/>
+          </a:prstGeom>
+        </p:spPr>
+      </p:pic>
+      <p:pic>
+        <p:nvPicPr>
+          <p:cNvPr id="7" name="Picture 6">
+            <a:extLst>
+              <a:ext uri="{FF2B5EF4-FFF2-40B4-BE49-F238E27FC236}">
+                <a16:creationId xmlns:a16="http://schemas.microsoft.com/office/drawing/2014/main" id="{CD1C568D-6F0F-16FF-BD36-8E520BBD230C}"/>
+              </a:ext>
+            </a:extLst>
+          </p:cNvPr>
+          <p:cNvPicPr>
+            <a:picLocks noChangeAspect="1"/>
+          </p:cNvPicPr>
+          <p:nvPr/>
+        </p:nvPicPr>
+        <p:blipFill>
+          <a:blip r:embed="rId4" cstate="print">
+            <a:extLst>
+              <a:ext uri="{28A0092B-C50C-407E-A947-70E740481C1C}">
+                <a14:useLocalDpi xmlns:a14="http://schemas.microsoft.com/office/drawing/2010/main" val="0"/>
+              </a:ext>
+            </a:extLst>
+          </a:blip>
+          <a:stretch>
+            <a:fillRect/>
+          </a:stretch>
+        </p:blipFill>
+        <p:spPr>
+          <a:xfrm>
+            <a:off x="612322" y="1402012"/>
+            <a:ext cx="1812472" cy="457230"/>
+          </a:xfrm>
+          <a:prstGeom prst="rect">
+            <a:avLst/>
+          </a:prstGeom>
+        </p:spPr>
+      </p:pic>
+    </p:spTree>
+    <p:extLst>
+      <p:ext uri="{BB962C8B-B14F-4D97-AF65-F5344CB8AC3E}">
+        <p14:creationId xmlns:p14="http://schemas.microsoft.com/office/powerpoint/2010/main" val="1347218959"/>
+      </p:ext>
+    </p:extLst>
+  </p:cSld>
+  <p:clrMapOvr>
+    <a:masterClrMapping/>
+  </p:clrMapOvr>
+</p:sld>
+</file>
+
+<file path=ppt/slides/slide16.xml><?xml version="1.0" encoding="utf-8"?>
+<p:sld xmlns:a="http://schemas.openxmlformats.org/drawingml/2006/main" xmlns:r="http://schemas.openxmlformats.org/officeDocument/2006/relationships" xmlns:p="http://schemas.openxmlformats.org/presentationml/2006/main" show="0">
+  <p:cSld>
+    <p:bg>
+      <p:bgPr>
+        <a:blipFill dpi="0" rotWithShape="1">
+          <a:blip r:embed="rId2">
+            <a:lum/>
+          </a:blip>
+          <a:srcRect/>
+          <a:stretch>
+            <a:fillRect/>
+          </a:stretch>
+        </a:blipFill>
+        <a:effectLst/>
+      </p:bgPr>
+    </p:bg>
+    <p:spTree>
+      <p:nvGrpSpPr>
+        <p:cNvPr id="1" name=""/>
+        <p:cNvGrpSpPr/>
+        <p:nvPr/>
+      </p:nvGrpSpPr>
+      <p:grpSpPr>
+        <a:xfrm>
+          <a:off x="0" y="0"/>
+          <a:ext cx="0" cy="0"/>
+          <a:chOff x="0" y="0"/>
+          <a:chExt cx="0" cy="0"/>
+        </a:xfrm>
+      </p:grpSpPr>
+      <p:sp>
+        <p:nvSpPr>
+          <p:cNvPr id="5" name="object 3"/>
+          <p:cNvSpPr txBox="1">
+            <a:spLocks noGrp="1"/>
+          </p:cNvSpPr>
+          <p:nvPr>
+            <p:ph type="title"/>
+          </p:nvPr>
+        </p:nvSpPr>
+        <p:spPr>
+          <a:xfrm>
+            <a:off x="534259" y="309562"/>
+            <a:ext cx="3898948" cy="382156"/>
+          </a:xfrm>
+          <a:prstGeom prst="rect">
+            <a:avLst/>
+          </a:prstGeom>
+        </p:spPr>
+        <p:txBody>
+          <a:bodyPr vert="horz" wrap="square" lIns="0" tIns="12700" rIns="0" bIns="0" rtlCol="0">
+            <a:spAutoFit/>
+          </a:bodyPr>
+          <a:lstStyle/>
+          <a:p>
+            <a:pPr marL="12700">
+              <a:lnSpc>
+                <a:spcPct val="100000"/>
+              </a:lnSpc>
+              <a:spcBef>
+                <a:spcPts val="100"/>
+              </a:spcBef>
+            </a:pPr>
+            <a:r>
+              <a:rPr lang="en-IN" sz="2400" dirty="0">
+                <a:solidFill>
+                  <a:srgbClr val="04A2B9"/>
+                </a:solidFill>
+                <a:latin typeface="Proxima Nova"/>
+              </a:rPr>
+              <a:t>Introduction to Learn Sync</a:t>
+            </a:r>
+            <a:endParaRPr sz="2400" dirty="0">
+              <a:latin typeface="Proxima Nova"/>
+            </a:endParaRPr>
+          </a:p>
+        </p:txBody>
+      </p:sp>
+      <p:sp>
+        <p:nvSpPr>
+          <p:cNvPr id="2" name="TextBox 1">
+            <a:extLst>
+              <a:ext uri="{FF2B5EF4-FFF2-40B4-BE49-F238E27FC236}">
+                <a16:creationId xmlns:a16="http://schemas.microsoft.com/office/drawing/2014/main" id="{BC848DF9-73B2-D681-5AFB-747B4E10C463}"/>
+              </a:ext>
+            </a:extLst>
+          </p:cNvPr>
+          <p:cNvSpPr txBox="1"/>
+          <p:nvPr/>
+        </p:nvSpPr>
+        <p:spPr>
+          <a:xfrm>
+            <a:off x="376989" y="3429000"/>
+            <a:ext cx="11438021" cy="646331"/>
+          </a:xfrm>
+          <a:prstGeom prst="rect">
+            <a:avLst/>
+          </a:prstGeom>
+          <a:noFill/>
+        </p:spPr>
+        <p:txBody>
+          <a:bodyPr wrap="square" rtlCol="0">
+            <a:spAutoFit/>
+          </a:bodyPr>
+          <a:lstStyle/>
+          <a:p>
+            <a:r>
+              <a:rPr lang="en-GB" b="1" i="0" dirty="0">
+                <a:solidFill>
+                  <a:srgbClr val="374151"/>
+                </a:solidFill>
+                <a:effectLst/>
+                <a:latin typeface="Söhne"/>
+              </a:rPr>
+              <a:t>LearnSync: Revolutionizing learning with advanced techniques, gamified journeys, all-in-one hub, and a connected community for excellence.</a:t>
+            </a:r>
           </a:p>
         </p:txBody>
       </p:sp>
     </p:spTree>
     <p:extLst>
       <p:ext uri="{BB962C8B-B14F-4D97-AF65-F5344CB8AC3E}">
-        <p14:creationId xmlns:p14="http://schemas.microsoft.com/office/powerpoint/2010/main" val="11457284"/>
+        <p14:creationId xmlns:p14="http://schemas.microsoft.com/office/powerpoint/2010/main" val="1081930434"/>
+      </p:ext>
+    </p:extLst>
+  </p:cSld>
+  <p:clrMapOvr>
+    <a:masterClrMapping/>
+  </p:clrMapOvr>
+</p:sld>
+</file>
+
+<file path=ppt/slides/slide17.xml><?xml version="1.0" encoding="utf-8"?>
+<p:sld xmlns:a="http://schemas.openxmlformats.org/drawingml/2006/main" xmlns:r="http://schemas.openxmlformats.org/officeDocument/2006/relationships" xmlns:p="http://schemas.openxmlformats.org/presentationml/2006/main" show="0">
+  <p:cSld>
+    <p:bg>
+      <p:bgPr>
+        <a:blipFill dpi="0" rotWithShape="1">
+          <a:blip r:embed="rId2">
+            <a:lum/>
+          </a:blip>
+          <a:srcRect/>
+          <a:stretch>
+            <a:fillRect/>
+          </a:stretch>
+        </a:blipFill>
+        <a:effectLst/>
+      </p:bgPr>
+    </p:bg>
+    <p:spTree>
+      <p:nvGrpSpPr>
+        <p:cNvPr id="1" name=""/>
+        <p:cNvGrpSpPr/>
+        <p:nvPr/>
+      </p:nvGrpSpPr>
+      <p:grpSpPr>
+        <a:xfrm>
+          <a:off x="0" y="0"/>
+          <a:ext cx="0" cy="0"/>
+          <a:chOff x="0" y="0"/>
+          <a:chExt cx="0" cy="0"/>
+        </a:xfrm>
+      </p:grpSpPr>
+      <p:sp>
+        <p:nvSpPr>
+          <p:cNvPr id="5" name="object 3"/>
+          <p:cNvSpPr txBox="1">
+            <a:spLocks noGrp="1"/>
+          </p:cNvSpPr>
+          <p:nvPr>
+            <p:ph type="title"/>
+          </p:nvPr>
+        </p:nvSpPr>
+        <p:spPr>
+          <a:xfrm>
+            <a:off x="534259" y="309562"/>
+            <a:ext cx="3898948" cy="382156"/>
+          </a:xfrm>
+          <a:prstGeom prst="rect">
+            <a:avLst/>
+          </a:prstGeom>
+        </p:spPr>
+        <p:txBody>
+          <a:bodyPr vert="horz" wrap="square" lIns="0" tIns="12700" rIns="0" bIns="0" rtlCol="0">
+            <a:spAutoFit/>
+          </a:bodyPr>
+          <a:lstStyle/>
+          <a:p>
+            <a:pPr marL="12700">
+              <a:lnSpc>
+                <a:spcPct val="100000"/>
+              </a:lnSpc>
+              <a:spcBef>
+                <a:spcPts val="100"/>
+              </a:spcBef>
+            </a:pPr>
+            <a:r>
+              <a:rPr lang="en-IN" sz="2400" dirty="0">
+                <a:solidFill>
+                  <a:srgbClr val="04A2B9"/>
+                </a:solidFill>
+                <a:latin typeface="Proxima Nova"/>
+              </a:rPr>
+              <a:t>Introduction to Learn Sync</a:t>
+            </a:r>
+            <a:endParaRPr sz="2400" dirty="0">
+              <a:latin typeface="Proxima Nova"/>
+            </a:endParaRPr>
+          </a:p>
+        </p:txBody>
+      </p:sp>
+      <p:sp>
+        <p:nvSpPr>
+          <p:cNvPr id="2" name="TextBox 1">
+            <a:extLst>
+              <a:ext uri="{FF2B5EF4-FFF2-40B4-BE49-F238E27FC236}">
+                <a16:creationId xmlns:a16="http://schemas.microsoft.com/office/drawing/2014/main" id="{BC848DF9-73B2-D681-5AFB-747B4E10C463}"/>
+              </a:ext>
+            </a:extLst>
+          </p:cNvPr>
+          <p:cNvSpPr txBox="1"/>
+          <p:nvPr/>
+        </p:nvSpPr>
+        <p:spPr>
+          <a:xfrm>
+            <a:off x="376989" y="3429000"/>
+            <a:ext cx="11438021" cy="646331"/>
+          </a:xfrm>
+          <a:prstGeom prst="rect">
+            <a:avLst/>
+          </a:prstGeom>
+          <a:noFill/>
+        </p:spPr>
+        <p:txBody>
+          <a:bodyPr wrap="square" rtlCol="0">
+            <a:spAutoFit/>
+          </a:bodyPr>
+          <a:lstStyle/>
+          <a:p>
+            <a:r>
+              <a:rPr lang="en-GB" b="1" i="0" dirty="0">
+                <a:solidFill>
+                  <a:srgbClr val="374151"/>
+                </a:solidFill>
+                <a:effectLst/>
+                <a:latin typeface="Söhne"/>
+              </a:rPr>
+              <a:t>LearnSync: Revolutionizing learning with advanced techniques, gamified journeys, all-in-one hub, and a connected community for excellence.</a:t>
+            </a:r>
+          </a:p>
+        </p:txBody>
+      </p:sp>
+    </p:spTree>
+    <p:extLst>
+      <p:ext uri="{BB962C8B-B14F-4D97-AF65-F5344CB8AC3E}">
+        <p14:creationId xmlns:p14="http://schemas.microsoft.com/office/powerpoint/2010/main" val="1604161466"/>
+      </p:ext>
+    </p:extLst>
+  </p:cSld>
+  <p:clrMapOvr>
+    <a:masterClrMapping/>
+  </p:clrMapOvr>
+</p:sld>
+</file>
+
+<file path=ppt/slides/slide18.xml><?xml version="1.0" encoding="utf-8"?>
+<p:sld xmlns:a="http://schemas.openxmlformats.org/drawingml/2006/main" xmlns:r="http://schemas.openxmlformats.org/officeDocument/2006/relationships" xmlns:p="http://schemas.openxmlformats.org/presentationml/2006/main" show="0">
+  <p:cSld>
+    <p:bg>
+      <p:bgPr>
+        <a:blipFill dpi="0" rotWithShape="1">
+          <a:blip r:embed="rId2">
+            <a:lum/>
+          </a:blip>
+          <a:srcRect/>
+          <a:stretch>
+            <a:fillRect/>
+          </a:stretch>
+        </a:blipFill>
+        <a:effectLst/>
+      </p:bgPr>
+    </p:bg>
+    <p:spTree>
+      <p:nvGrpSpPr>
+        <p:cNvPr id="1" name=""/>
+        <p:cNvGrpSpPr/>
+        <p:nvPr/>
+      </p:nvGrpSpPr>
+      <p:grpSpPr>
+        <a:xfrm>
+          <a:off x="0" y="0"/>
+          <a:ext cx="0" cy="0"/>
+          <a:chOff x="0" y="0"/>
+          <a:chExt cx="0" cy="0"/>
+        </a:xfrm>
+      </p:grpSpPr>
+      <p:sp>
+        <p:nvSpPr>
+          <p:cNvPr id="5" name="object 3"/>
+          <p:cNvSpPr txBox="1">
+            <a:spLocks noGrp="1"/>
+          </p:cNvSpPr>
+          <p:nvPr>
+            <p:ph type="title"/>
+          </p:nvPr>
+        </p:nvSpPr>
+        <p:spPr>
+          <a:xfrm>
+            <a:off x="534259" y="309562"/>
+            <a:ext cx="3898948" cy="382156"/>
+          </a:xfrm>
+          <a:prstGeom prst="rect">
+            <a:avLst/>
+          </a:prstGeom>
+        </p:spPr>
+        <p:txBody>
+          <a:bodyPr vert="horz" wrap="square" lIns="0" tIns="12700" rIns="0" bIns="0" rtlCol="0">
+            <a:spAutoFit/>
+          </a:bodyPr>
+          <a:lstStyle/>
+          <a:p>
+            <a:pPr marL="12700">
+              <a:lnSpc>
+                <a:spcPct val="100000"/>
+              </a:lnSpc>
+              <a:spcBef>
+                <a:spcPts val="100"/>
+              </a:spcBef>
+            </a:pPr>
+            <a:r>
+              <a:rPr lang="en-IN" sz="2400" dirty="0">
+                <a:solidFill>
+                  <a:srgbClr val="04A2B9"/>
+                </a:solidFill>
+                <a:latin typeface="Proxima Nova"/>
+              </a:rPr>
+              <a:t>Introduction to Learn Sync</a:t>
+            </a:r>
+            <a:endParaRPr sz="2400" dirty="0">
+              <a:latin typeface="Proxima Nova"/>
+            </a:endParaRPr>
+          </a:p>
+        </p:txBody>
+      </p:sp>
+      <p:sp>
+        <p:nvSpPr>
+          <p:cNvPr id="2" name="TextBox 1">
+            <a:extLst>
+              <a:ext uri="{FF2B5EF4-FFF2-40B4-BE49-F238E27FC236}">
+                <a16:creationId xmlns:a16="http://schemas.microsoft.com/office/drawing/2014/main" id="{BC848DF9-73B2-D681-5AFB-747B4E10C463}"/>
+              </a:ext>
+            </a:extLst>
+          </p:cNvPr>
+          <p:cNvSpPr txBox="1"/>
+          <p:nvPr/>
+        </p:nvSpPr>
+        <p:spPr>
+          <a:xfrm>
+            <a:off x="376989" y="3429000"/>
+            <a:ext cx="11438021" cy="646331"/>
+          </a:xfrm>
+          <a:prstGeom prst="rect">
+            <a:avLst/>
+          </a:prstGeom>
+          <a:noFill/>
+        </p:spPr>
+        <p:txBody>
+          <a:bodyPr wrap="square" rtlCol="0">
+            <a:spAutoFit/>
+          </a:bodyPr>
+          <a:lstStyle/>
+          <a:p>
+            <a:r>
+              <a:rPr lang="en-GB" b="1" i="0" dirty="0">
+                <a:solidFill>
+                  <a:srgbClr val="374151"/>
+                </a:solidFill>
+                <a:effectLst/>
+                <a:latin typeface="Söhne"/>
+              </a:rPr>
+              <a:t>LearnSync: Revolutionizing learning with advanced techniques, gamified journeys, all-in-one hub, and a connected community for excellence.</a:t>
+            </a:r>
+          </a:p>
+        </p:txBody>
+      </p:sp>
+    </p:spTree>
+    <p:extLst>
+      <p:ext uri="{BB962C8B-B14F-4D97-AF65-F5344CB8AC3E}">
+        <p14:creationId xmlns:p14="http://schemas.microsoft.com/office/powerpoint/2010/main" val="3209454620"/>
+      </p:ext>
+    </p:extLst>
+  </p:cSld>
+  <p:clrMapOvr>
+    <a:masterClrMapping/>
+  </p:clrMapOvr>
+</p:sld>
+</file>
+
+<file path=ppt/slides/slide19.xml><?xml version="1.0" encoding="utf-8"?>
+<p:sld xmlns:a="http://schemas.openxmlformats.org/drawingml/2006/main" xmlns:r="http://schemas.openxmlformats.org/officeDocument/2006/relationships" xmlns:p="http://schemas.openxmlformats.org/presentationml/2006/main" show="0">
+  <p:cSld>
+    <p:bg>
+      <p:bgPr>
+        <a:blipFill dpi="0" rotWithShape="1">
+          <a:blip r:embed="rId2">
+            <a:lum/>
+          </a:blip>
+          <a:srcRect/>
+          <a:stretch>
+            <a:fillRect/>
+          </a:stretch>
+        </a:blipFill>
+        <a:effectLst/>
+      </p:bgPr>
+    </p:bg>
+    <p:spTree>
+      <p:nvGrpSpPr>
+        <p:cNvPr id="1" name=""/>
+        <p:cNvGrpSpPr/>
+        <p:nvPr/>
+      </p:nvGrpSpPr>
+      <p:grpSpPr>
+        <a:xfrm>
+          <a:off x="0" y="0"/>
+          <a:ext cx="0" cy="0"/>
+          <a:chOff x="0" y="0"/>
+          <a:chExt cx="0" cy="0"/>
+        </a:xfrm>
+      </p:grpSpPr>
+      <p:sp>
+        <p:nvSpPr>
+          <p:cNvPr id="5" name="object 3"/>
+          <p:cNvSpPr txBox="1">
+            <a:spLocks noGrp="1"/>
+          </p:cNvSpPr>
+          <p:nvPr>
+            <p:ph type="title"/>
+          </p:nvPr>
+        </p:nvSpPr>
+        <p:spPr>
+          <a:xfrm>
+            <a:off x="534259" y="309562"/>
+            <a:ext cx="3898948" cy="382156"/>
+          </a:xfrm>
+          <a:prstGeom prst="rect">
+            <a:avLst/>
+          </a:prstGeom>
+        </p:spPr>
+        <p:txBody>
+          <a:bodyPr vert="horz" wrap="square" lIns="0" tIns="12700" rIns="0" bIns="0" rtlCol="0">
+            <a:spAutoFit/>
+          </a:bodyPr>
+          <a:lstStyle/>
+          <a:p>
+            <a:pPr marL="12700">
+              <a:lnSpc>
+                <a:spcPct val="100000"/>
+              </a:lnSpc>
+              <a:spcBef>
+                <a:spcPts val="100"/>
+              </a:spcBef>
+            </a:pPr>
+            <a:r>
+              <a:rPr lang="en-IN" sz="2400" dirty="0">
+                <a:solidFill>
+                  <a:srgbClr val="04A2B9"/>
+                </a:solidFill>
+                <a:latin typeface="Proxima Nova"/>
+              </a:rPr>
+              <a:t>Introduction to Learn Sync</a:t>
+            </a:r>
+            <a:endParaRPr sz="2400" dirty="0">
+              <a:latin typeface="Proxima Nova"/>
+            </a:endParaRPr>
+          </a:p>
+        </p:txBody>
+      </p:sp>
+      <p:sp>
+        <p:nvSpPr>
+          <p:cNvPr id="2" name="TextBox 1">
+            <a:extLst>
+              <a:ext uri="{FF2B5EF4-FFF2-40B4-BE49-F238E27FC236}">
+                <a16:creationId xmlns:a16="http://schemas.microsoft.com/office/drawing/2014/main" id="{BC848DF9-73B2-D681-5AFB-747B4E10C463}"/>
+              </a:ext>
+            </a:extLst>
+          </p:cNvPr>
+          <p:cNvSpPr txBox="1"/>
+          <p:nvPr/>
+        </p:nvSpPr>
+        <p:spPr>
+          <a:xfrm>
+            <a:off x="376989" y="3429000"/>
+            <a:ext cx="11438021" cy="646331"/>
+          </a:xfrm>
+          <a:prstGeom prst="rect">
+            <a:avLst/>
+          </a:prstGeom>
+          <a:noFill/>
+        </p:spPr>
+        <p:txBody>
+          <a:bodyPr wrap="square" rtlCol="0">
+            <a:spAutoFit/>
+          </a:bodyPr>
+          <a:lstStyle/>
+          <a:p>
+            <a:r>
+              <a:rPr lang="en-GB" b="1" i="0" dirty="0">
+                <a:solidFill>
+                  <a:srgbClr val="374151"/>
+                </a:solidFill>
+                <a:effectLst/>
+                <a:latin typeface="Söhne"/>
+              </a:rPr>
+              <a:t>LearnSync: Revolutionizing learning with advanced techniques, gamified journeys, all-in-one hub, and a connected community for excellence.</a:t>
+            </a:r>
+          </a:p>
+        </p:txBody>
+      </p:sp>
+    </p:spTree>
+    <p:extLst>
+      <p:ext uri="{BB962C8B-B14F-4D97-AF65-F5344CB8AC3E}">
+        <p14:creationId xmlns:p14="http://schemas.microsoft.com/office/powerpoint/2010/main" val="2612291759"/>
       </p:ext>
     </p:extLst>
   </p:cSld>
@@ -4687,6 +7031,69 @@
     <p:extLst>
       <p:ext uri="{BB962C8B-B14F-4D97-AF65-F5344CB8AC3E}">
         <p14:creationId xmlns:p14="http://schemas.microsoft.com/office/powerpoint/2010/main" val="469187182"/>
+      </p:ext>
+    </p:extLst>
+  </p:cSld>
+  <p:clrMapOvr>
+    <a:masterClrMapping/>
+  </p:clrMapOvr>
+</p:sld>
+</file>
+
+<file path=ppt/slides/slide20.xml><?xml version="1.0" encoding="utf-8"?>
+<p:sld xmlns:a="http://schemas.openxmlformats.org/drawingml/2006/main" xmlns:r="http://schemas.openxmlformats.org/officeDocument/2006/relationships" xmlns:p="http://schemas.openxmlformats.org/presentationml/2006/main">
+  <p:cSld>
+    <p:bg>
+      <p:bgPr>
+        <a:blipFill dpi="0" rotWithShape="1">
+          <a:blip r:embed="rId2">
+            <a:lum/>
+          </a:blip>
+          <a:srcRect/>
+          <a:stretch>
+            <a:fillRect/>
+          </a:stretch>
+        </a:blipFill>
+        <a:effectLst/>
+      </p:bgPr>
+    </p:bg>
+    <p:spTree>
+      <p:nvGrpSpPr>
+        <p:cNvPr id="1" name=""/>
+        <p:cNvGrpSpPr/>
+        <p:nvPr/>
+      </p:nvGrpSpPr>
+      <p:grpSpPr>
+        <a:xfrm>
+          <a:off x="0" y="0"/>
+          <a:ext cx="0" cy="0"/>
+          <a:chOff x="0" y="0"/>
+          <a:chExt cx="0" cy="0"/>
+        </a:xfrm>
+      </p:grpSpPr>
+      <p:sp>
+        <p:nvSpPr>
+          <p:cNvPr id="3" name="Content Placeholder 2"/>
+          <p:cNvSpPr>
+            <a:spLocks noGrp="1"/>
+          </p:cNvSpPr>
+          <p:nvPr>
+            <p:ph idx="1"/>
+          </p:nvPr>
+        </p:nvSpPr>
+        <p:spPr/>
+        <p:txBody>
+          <a:bodyPr/>
+          <a:lstStyle/>
+          <a:p>
+            <a:endParaRPr lang="en-US"/>
+          </a:p>
+        </p:txBody>
+      </p:sp>
+    </p:spTree>
+    <p:extLst>
+      <p:ext uri="{BB962C8B-B14F-4D97-AF65-F5344CB8AC3E}">
+        <p14:creationId xmlns:p14="http://schemas.microsoft.com/office/powerpoint/2010/main" val="11457284"/>
       </p:ext>
     </p:extLst>
   </p:cSld>
@@ -4786,7 +7193,7 @@
         <p:spPr bwMode="auto">
           <a:xfrm>
             <a:off x="534259" y="1112996"/>
-            <a:ext cx="10368890" cy="4893617"/>
+            <a:ext cx="10368890" cy="4632007"/>
           </a:xfrm>
           <a:prstGeom prst="rect">
             <a:avLst/>
@@ -5104,7 +7511,7 @@
                 <a:cs typeface="Proxima Nova" charset="0"/>
                 <a:sym typeface="Proxima Nova" charset="0"/>
               </a:rPr>
-              <a:t>Abstract</a:t>
+              <a:t>2.1 Study of Current System</a:t>
             </a:r>
           </a:p>
           <a:p>
@@ -5118,7 +7525,7 @@
                 <a:cs typeface="Proxima Nova" charset="0"/>
                 <a:sym typeface="Proxima Nova" charset="0"/>
               </a:rPr>
-              <a:t>System Analysis / Literature Review</a:t>
+              <a:t>2.2 Features of LearnSync</a:t>
             </a:r>
           </a:p>
           <a:p>
@@ -5132,13 +7539,23 @@
                 <a:cs typeface="Proxima Nova" charset="0"/>
                 <a:sym typeface="Proxima Nova" charset="0"/>
               </a:rPr>
-              <a:t>ER Diagrams / Use Case diagrams etc.</a:t>
+              <a:t>2.3 Components of LearnSync</a:t>
             </a:r>
           </a:p>
           <a:p>
             <a:pPr lvl="1"/>
-            <a:r>
-              <a:rPr lang="en-US" altLang="en-US" sz="1700" dirty="0">
+            <a:endParaRPr lang="en-US" altLang="en-US" sz="1700" dirty="0">
+              <a:solidFill>
+                <a:schemeClr val="tx1"/>
+              </a:solidFill>
+              <a:latin typeface="Proxima Nova" charset="0"/>
+              <a:cs typeface="Proxima Nova" charset="0"/>
+              <a:sym typeface="Proxima Nova" charset="0"/>
+            </a:endParaRPr>
+          </a:p>
+          <a:p>
+            <a:r>
+              <a:rPr lang="en-US" altLang="en-US" sz="1700" b="1" dirty="0">
                 <a:solidFill>
                   <a:schemeClr val="tx1"/>
                 </a:solidFill>
@@ -5146,7 +7563,7 @@
                 <a:cs typeface="Proxima Nova" charset="0"/>
                 <a:sym typeface="Proxima Nova" charset="0"/>
               </a:rPr>
-              <a:t>Proposed Solution / System</a:t>
+              <a:t>3.0 System Design</a:t>
             </a:r>
           </a:p>
           <a:p>
@@ -5160,7 +7577,7 @@
                 <a:cs typeface="Proxima Nova" charset="0"/>
                 <a:sym typeface="Proxima Nova" charset="0"/>
               </a:rPr>
-              <a:t>Project Flow Chart / System Design</a:t>
+              <a:t>3.1 System Design &amp; Methodology</a:t>
             </a:r>
           </a:p>
           <a:p>
@@ -5174,50 +7591,19 @@
                 <a:cs typeface="Proxima Nova" charset="0"/>
                 <a:sym typeface="Proxima Nova" charset="0"/>
               </a:rPr>
-              <a:t>Tools &amp; Technology to be used</a:t>
+              <a:t>3.2 Database Design</a:t>
             </a:r>
           </a:p>
           <a:p>
             <a:pPr lvl="1"/>
-            <a:r>
-              <a:rPr lang="en-US" altLang="en-US" sz="1700" dirty="0">
-                <a:solidFill>
-                  <a:schemeClr val="tx1"/>
-                </a:solidFill>
-                <a:latin typeface="Proxima Nova" charset="0"/>
-                <a:cs typeface="Proxima Nova" charset="0"/>
-                <a:sym typeface="Proxima Nova" charset="0"/>
-              </a:rPr>
-              <a:t>Gantt Chart</a:t>
-            </a:r>
-          </a:p>
-          <a:p>
-            <a:pPr lvl="1"/>
-            <a:r>
-              <a:rPr lang="en-US" altLang="en-US" sz="1700" dirty="0">
-                <a:solidFill>
-                  <a:schemeClr val="tx1"/>
-                </a:solidFill>
-                <a:latin typeface="Proxima Nova" charset="0"/>
-                <a:cs typeface="Proxima Nova" charset="0"/>
-                <a:sym typeface="Proxima Nova" charset="0"/>
-              </a:rPr>
-              <a:t>Expected Outcomes</a:t>
-            </a:r>
-          </a:p>
-          <a:p>
-            <a:pPr lvl="1"/>
-            <a:r>
-              <a:rPr lang="en-US" altLang="en-US" sz="1700" dirty="0">
-                <a:solidFill>
-                  <a:schemeClr val="tx1"/>
-                </a:solidFill>
-                <a:latin typeface="Proxima Nova" charset="0"/>
-                <a:cs typeface="Proxima Nova" charset="0"/>
-                <a:sym typeface="Proxima Nova" charset="0"/>
-              </a:rPr>
-              <a:t>References</a:t>
-            </a:r>
+            <a:endParaRPr lang="en-US" altLang="en-US" sz="1700" dirty="0">
+              <a:solidFill>
+                <a:schemeClr val="tx1"/>
+              </a:solidFill>
+              <a:latin typeface="Proxima Nova" charset="0"/>
+              <a:cs typeface="Proxima Nova" charset="0"/>
+              <a:sym typeface="Proxima Nova" charset="0"/>
+            </a:endParaRPr>
           </a:p>
         </p:txBody>
       </p:sp>
@@ -5327,7 +7713,7 @@
         </p:nvSpPr>
         <p:spPr>
           <a:xfrm>
-            <a:off x="376989" y="3429000"/>
+            <a:off x="534259" y="1590870"/>
             <a:ext cx="11438021" cy="646331"/>
           </a:xfrm>
           <a:prstGeom prst="rect">
@@ -5351,6 +7737,117 @@
               </a:rPr>
               <a:t>LearnSync: Revolutionizing learning with advanced techniques, gamified journeys, all-in-one hub, and a connected community for excellence.</a:t>
             </a:r>
+          </a:p>
+        </p:txBody>
+      </p:sp>
+      <p:pic>
+        <p:nvPicPr>
+          <p:cNvPr id="9" name="Picture 8">
+            <a:extLst>
+              <a:ext uri="{FF2B5EF4-FFF2-40B4-BE49-F238E27FC236}">
+                <a16:creationId xmlns:a16="http://schemas.microsoft.com/office/drawing/2014/main" id="{0F104E71-AA0F-50D0-73D3-2E8932348AEA}"/>
+              </a:ext>
+            </a:extLst>
+          </p:cNvPr>
+          <p:cNvPicPr>
+            <a:picLocks noChangeAspect="1"/>
+          </p:cNvPicPr>
+          <p:nvPr/>
+        </p:nvPicPr>
+        <p:blipFill>
+          <a:blip r:embed="rId3" cstate="print">
+            <a:extLst>
+              <a:ext uri="{28A0092B-C50C-407E-A947-70E740481C1C}">
+                <a14:useLocalDpi xmlns:a14="http://schemas.microsoft.com/office/drawing/2010/main" val="0"/>
+              </a:ext>
+            </a:extLst>
+          </a:blip>
+          <a:stretch>
+            <a:fillRect/>
+          </a:stretch>
+        </p:blipFill>
+        <p:spPr>
+          <a:xfrm flipH="1">
+            <a:off x="8206154" y="3235490"/>
+            <a:ext cx="3089987" cy="3089987"/>
+          </a:xfrm>
+          <a:prstGeom prst="rect">
+            <a:avLst/>
+          </a:prstGeom>
+          <a:effectLst>
+            <a:softEdge rad="241300"/>
+          </a:effectLst>
+        </p:spPr>
+      </p:pic>
+      <p:sp>
+        <p:nvSpPr>
+          <p:cNvPr id="10" name="TextBox 9">
+            <a:extLst>
+              <a:ext uri="{FF2B5EF4-FFF2-40B4-BE49-F238E27FC236}">
+                <a16:creationId xmlns:a16="http://schemas.microsoft.com/office/drawing/2014/main" id="{7D0277B8-E58C-35B5-65D2-966111DEAF8E}"/>
+              </a:ext>
+            </a:extLst>
+          </p:cNvPr>
+          <p:cNvSpPr txBox="1"/>
+          <p:nvPr/>
+        </p:nvSpPr>
+        <p:spPr>
+          <a:xfrm>
+            <a:off x="895859" y="4359543"/>
+            <a:ext cx="6434774" cy="1184940"/>
+          </a:xfrm>
+          <a:prstGeom prst="rect">
+            <a:avLst/>
+          </a:prstGeom>
+          <a:ln>
+            <a:noFill/>
+          </a:ln>
+        </p:spPr>
+        <p:style>
+          <a:lnRef idx="2">
+            <a:schemeClr val="accent4"/>
+          </a:lnRef>
+          <a:fillRef idx="1">
+            <a:schemeClr val="lt1"/>
+          </a:fillRef>
+          <a:effectRef idx="0">
+            <a:schemeClr val="accent4"/>
+          </a:effectRef>
+          <a:fontRef idx="minor">
+            <a:schemeClr val="dk1"/>
+          </a:fontRef>
+        </p:style>
+        <p:txBody>
+          <a:bodyPr wrap="none" rtlCol="0">
+            <a:spAutoFit/>
+          </a:bodyPr>
+          <a:lstStyle/>
+          <a:p>
+            <a:pPr algn="ctr">
+              <a:lnSpc>
+                <a:spcPct val="150000"/>
+              </a:lnSpc>
+            </a:pPr>
+            <a:r>
+              <a:rPr lang="en-IN" dirty="0"/>
+              <a:t>Our Teams Moto : </a:t>
+            </a:r>
+          </a:p>
+          <a:p>
+            <a:pPr algn="ctr">
+              <a:lnSpc>
+                <a:spcPct val="150000"/>
+              </a:lnSpc>
+            </a:pPr>
+            <a:r>
+              <a:rPr lang="en-IN" sz="3200" dirty="0">
+                <a:latin typeface="Pacifico" panose="00000500000000000000" pitchFamily="2" charset="0"/>
+              </a:rPr>
+              <a:t>Be Precise, on time, just meaningful!</a:t>
+            </a:r>
+            <a:endParaRPr lang="en-HK" sz="3200" dirty="0">
+              <a:latin typeface="Pacifico" panose="00000500000000000000" pitchFamily="2" charset="0"/>
+            </a:endParaRPr>
           </a:p>
         </p:txBody>
       </p:sp>
@@ -6063,71 +8560,71 @@
             <a:gdLst>
               <a:gd name="connsiteX0" fmla="*/ 0 w 10691655"/>
               <a:gd name="connsiteY0" fmla="*/ 0 h 646331"/>
-              <a:gd name="connsiteX1" fmla="*/ 561312 w 10691655"/>
+              <a:gd name="connsiteX1" fmla="*/ 668228 w 10691655"/>
               <a:gd name="connsiteY1" fmla="*/ 0 h 646331"/>
-              <a:gd name="connsiteX2" fmla="*/ 1229540 w 10691655"/>
+              <a:gd name="connsiteX2" fmla="*/ 1550290 w 10691655"/>
               <a:gd name="connsiteY2" fmla="*/ 0 h 646331"/>
-              <a:gd name="connsiteX3" fmla="*/ 1790852 w 10691655"/>
+              <a:gd name="connsiteX3" fmla="*/ 2432352 w 10691655"/>
               <a:gd name="connsiteY3" fmla="*/ 0 h 646331"/>
-              <a:gd name="connsiteX4" fmla="*/ 2138331 w 10691655"/>
+              <a:gd name="connsiteX4" fmla="*/ 3207497 w 10691655"/>
               <a:gd name="connsiteY4" fmla="*/ 0 h 646331"/>
-              <a:gd name="connsiteX5" fmla="*/ 2913476 w 10691655"/>
+              <a:gd name="connsiteX5" fmla="*/ 3768808 w 10691655"/>
               <a:gd name="connsiteY5" fmla="*/ 0 h 646331"/>
-              <a:gd name="connsiteX6" fmla="*/ 3474788 w 10691655"/>
+              <a:gd name="connsiteX6" fmla="*/ 4437037 w 10691655"/>
               <a:gd name="connsiteY6" fmla="*/ 0 h 646331"/>
-              <a:gd name="connsiteX7" fmla="*/ 4356849 w 10691655"/>
+              <a:gd name="connsiteX7" fmla="*/ 4891432 w 10691655"/>
               <a:gd name="connsiteY7" fmla="*/ 0 h 646331"/>
-              <a:gd name="connsiteX8" fmla="*/ 4811245 w 10691655"/>
+              <a:gd name="connsiteX8" fmla="*/ 5345828 w 10691655"/>
               <a:gd name="connsiteY8" fmla="*/ 0 h 646331"/>
-              <a:gd name="connsiteX9" fmla="*/ 5265640 w 10691655"/>
+              <a:gd name="connsiteX9" fmla="*/ 5907139 w 10691655"/>
               <a:gd name="connsiteY9" fmla="*/ 0 h 646331"/>
-              <a:gd name="connsiteX10" fmla="*/ 6147702 w 10691655"/>
+              <a:gd name="connsiteX10" fmla="*/ 6468451 w 10691655"/>
               <a:gd name="connsiteY10" fmla="*/ 0 h 646331"/>
-              <a:gd name="connsiteX11" fmla="*/ 6922847 w 10691655"/>
+              <a:gd name="connsiteX11" fmla="*/ 7029763 w 10691655"/>
               <a:gd name="connsiteY11" fmla="*/ 0 h 646331"/>
-              <a:gd name="connsiteX12" fmla="*/ 7484158 w 10691655"/>
+              <a:gd name="connsiteX12" fmla="*/ 7377242 w 10691655"/>
               <a:gd name="connsiteY12" fmla="*/ 0 h 646331"/>
               <a:gd name="connsiteX13" fmla="*/ 7938554 w 10691655"/>
               <a:gd name="connsiteY13" fmla="*/ 0 h 646331"/>
-              <a:gd name="connsiteX14" fmla="*/ 8606782 w 10691655"/>
+              <a:gd name="connsiteX14" fmla="*/ 8820615 w 10691655"/>
               <a:gd name="connsiteY14" fmla="*/ 0 h 646331"/>
-              <a:gd name="connsiteX15" fmla="*/ 8954261 w 10691655"/>
+              <a:gd name="connsiteX15" fmla="*/ 9702677 w 10691655"/>
               <a:gd name="connsiteY15" fmla="*/ 0 h 646331"/>
-              <a:gd name="connsiteX16" fmla="*/ 9622489 w 10691655"/>
+              <a:gd name="connsiteX16" fmla="*/ 10691655 w 10691655"/>
               <a:gd name="connsiteY16" fmla="*/ 0 h 646331"/>
               <a:gd name="connsiteX17" fmla="*/ 10691655 w 10691655"/>
-              <a:gd name="connsiteY17" fmla="*/ 0 h 646331"/>
-              <a:gd name="connsiteX18" fmla="*/ 10691655 w 10691655"/>
+              <a:gd name="connsiteY17" fmla="*/ 646331 h 646331"/>
+              <a:gd name="connsiteX18" fmla="*/ 10130343 w 10691655"/>
               <a:gd name="connsiteY18" fmla="*/ 646331 h 646331"/>
-              <a:gd name="connsiteX19" fmla="*/ 10237260 w 10691655"/>
+              <a:gd name="connsiteX19" fmla="*/ 9248282 w 10691655"/>
               <a:gd name="connsiteY19" fmla="*/ 646331 h 646331"/>
-              <a:gd name="connsiteX20" fmla="*/ 9462115 w 10691655"/>
+              <a:gd name="connsiteX20" fmla="*/ 8900803 w 10691655"/>
               <a:gd name="connsiteY20" fmla="*/ 646331 h 646331"/>
-              <a:gd name="connsiteX21" fmla="*/ 8580053 w 10691655"/>
+              <a:gd name="connsiteX21" fmla="*/ 8446407 w 10691655"/>
               <a:gd name="connsiteY21" fmla="*/ 646331 h 646331"/>
-              <a:gd name="connsiteX22" fmla="*/ 8125658 w 10691655"/>
+              <a:gd name="connsiteX22" fmla="*/ 7778179 w 10691655"/>
               <a:gd name="connsiteY22" fmla="*/ 646331 h 646331"/>
-              <a:gd name="connsiteX23" fmla="*/ 7457429 w 10691655"/>
+              <a:gd name="connsiteX23" fmla="*/ 6896117 w 10691655"/>
               <a:gd name="connsiteY23" fmla="*/ 646331 h 646331"/>
-              <a:gd name="connsiteX24" fmla="*/ 6682284 w 10691655"/>
+              <a:gd name="connsiteX24" fmla="*/ 6120972 w 10691655"/>
               <a:gd name="connsiteY24" fmla="*/ 646331 h 646331"/>
-              <a:gd name="connsiteX25" fmla="*/ 6227889 w 10691655"/>
+              <a:gd name="connsiteX25" fmla="*/ 5238911 w 10691655"/>
               <a:gd name="connsiteY25" fmla="*/ 646331 h 646331"/>
-              <a:gd name="connsiteX26" fmla="*/ 5666577 w 10691655"/>
+              <a:gd name="connsiteX26" fmla="*/ 4891432 w 10691655"/>
               <a:gd name="connsiteY26" fmla="*/ 646331 h 646331"/>
-              <a:gd name="connsiteX27" fmla="*/ 4891432 w 10691655"/>
+              <a:gd name="connsiteX27" fmla="*/ 4009371 w 10691655"/>
               <a:gd name="connsiteY27" fmla="*/ 646331 h 646331"/>
-              <a:gd name="connsiteX28" fmla="*/ 4009371 w 10691655"/>
+              <a:gd name="connsiteX28" fmla="*/ 3554975 w 10691655"/>
               <a:gd name="connsiteY28" fmla="*/ 646331 h 646331"/>
-              <a:gd name="connsiteX29" fmla="*/ 3127309 w 10691655"/>
+              <a:gd name="connsiteX29" fmla="*/ 3207497 w 10691655"/>
               <a:gd name="connsiteY29" fmla="*/ 646331 h 646331"/>
-              <a:gd name="connsiteX30" fmla="*/ 2245248 w 10691655"/>
+              <a:gd name="connsiteX30" fmla="*/ 2860018 w 10691655"/>
               <a:gd name="connsiteY30" fmla="*/ 646331 h 646331"/>
-              <a:gd name="connsiteX31" fmla="*/ 1683936 w 10691655"/>
+              <a:gd name="connsiteX31" fmla="*/ 2084873 w 10691655"/>
               <a:gd name="connsiteY31" fmla="*/ 646331 h 646331"/>
-              <a:gd name="connsiteX32" fmla="*/ 1229540 w 10691655"/>
+              <a:gd name="connsiteX32" fmla="*/ 1523561 w 10691655"/>
               <a:gd name="connsiteY32" fmla="*/ 646331 h 646331"/>
-              <a:gd name="connsiteX33" fmla="*/ 882062 w 10691655"/>
+              <a:gd name="connsiteX33" fmla="*/ 748416 w 10691655"/>
               <a:gd name="connsiteY33" fmla="*/ 646331 h 646331"/>
               <a:gd name="connsiteX34" fmla="*/ 0 w 10691655"/>
               <a:gd name="connsiteY34" fmla="*/ 646331 h 646331"/>
@@ -6247,7 +8744,188 @@
             </a:cxnLst>
             <a:rect l="l" t="t" r="r" b="b"/>
             <a:pathLst>
-              <a:path w="10691655" h="646331" extrusionOk="0">
+              <a:path w="10691655" h="646331" fill="none" extrusionOk="0">
+                <a:moveTo>
+                  <a:pt x="0" y="0"/>
+                </a:moveTo>
+                <a:cubicBezTo>
+                  <a:pt x="324712" y="20349"/>
+                  <a:pt x="532209" y="-31329"/>
+                  <a:pt x="668228" y="0"/>
+                </a:cubicBezTo>
+                <a:cubicBezTo>
+                  <a:pt x="804247" y="31329"/>
+                  <a:pt x="1196096" y="25506"/>
+                  <a:pt x="1550290" y="0"/>
+                </a:cubicBezTo>
+                <a:cubicBezTo>
+                  <a:pt x="1904484" y="-25506"/>
+                  <a:pt x="2140359" y="-28917"/>
+                  <a:pt x="2432352" y="0"/>
+                </a:cubicBezTo>
+                <a:cubicBezTo>
+                  <a:pt x="2724345" y="28917"/>
+                  <a:pt x="2995432" y="29823"/>
+                  <a:pt x="3207497" y="0"/>
+                </a:cubicBezTo>
+                <a:cubicBezTo>
+                  <a:pt x="3419562" y="-29823"/>
+                  <a:pt x="3497147" y="20185"/>
+                  <a:pt x="3768808" y="0"/>
+                </a:cubicBezTo>
+                <a:cubicBezTo>
+                  <a:pt x="4040469" y="-20185"/>
+                  <a:pt x="4261909" y="-13537"/>
+                  <a:pt x="4437037" y="0"/>
+                </a:cubicBezTo>
+                <a:cubicBezTo>
+                  <a:pt x="4612165" y="13537"/>
+                  <a:pt x="4696243" y="12772"/>
+                  <a:pt x="4891432" y="0"/>
+                </a:cubicBezTo>
+                <a:cubicBezTo>
+                  <a:pt x="5086622" y="-12772"/>
+                  <a:pt x="5186025" y="6385"/>
+                  <a:pt x="5345828" y="0"/>
+                </a:cubicBezTo>
+                <a:cubicBezTo>
+                  <a:pt x="5505631" y="-6385"/>
+                  <a:pt x="5718925" y="-7696"/>
+                  <a:pt x="5907139" y="0"/>
+                </a:cubicBezTo>
+                <a:cubicBezTo>
+                  <a:pt x="6095353" y="7696"/>
+                  <a:pt x="6202322" y="-27424"/>
+                  <a:pt x="6468451" y="0"/>
+                </a:cubicBezTo>
+                <a:cubicBezTo>
+                  <a:pt x="6734580" y="27424"/>
+                  <a:pt x="6830914" y="17204"/>
+                  <a:pt x="7029763" y="0"/>
+                </a:cubicBezTo>
+                <a:cubicBezTo>
+                  <a:pt x="7228612" y="-17204"/>
+                  <a:pt x="7212242" y="5460"/>
+                  <a:pt x="7377242" y="0"/>
+                </a:cubicBezTo>
+                <a:cubicBezTo>
+                  <a:pt x="7542242" y="-5460"/>
+                  <a:pt x="7659946" y="2191"/>
+                  <a:pt x="7938554" y="0"/>
+                </a:cubicBezTo>
+                <a:cubicBezTo>
+                  <a:pt x="8217162" y="-2191"/>
+                  <a:pt x="8604628" y="-22853"/>
+                  <a:pt x="8820615" y="0"/>
+                </a:cubicBezTo>
+                <a:cubicBezTo>
+                  <a:pt x="9036602" y="22853"/>
+                  <a:pt x="9459693" y="12138"/>
+                  <a:pt x="9702677" y="0"/>
+                </a:cubicBezTo>
+                <a:cubicBezTo>
+                  <a:pt x="9945661" y="-12138"/>
+                  <a:pt x="10381102" y="25302"/>
+                  <a:pt x="10691655" y="0"/>
+                </a:cubicBezTo>
+                <a:cubicBezTo>
+                  <a:pt x="10689050" y="310766"/>
+                  <a:pt x="10664631" y="402882"/>
+                  <a:pt x="10691655" y="646331"/>
+                </a:cubicBezTo>
+                <a:cubicBezTo>
+                  <a:pt x="10554325" y="653052"/>
+                  <a:pt x="10338834" y="650093"/>
+                  <a:pt x="10130343" y="646331"/>
+                </a:cubicBezTo>
+                <a:cubicBezTo>
+                  <a:pt x="9921852" y="642569"/>
+                  <a:pt x="9508689" y="676467"/>
+                  <a:pt x="9248282" y="646331"/>
+                </a:cubicBezTo>
+                <a:cubicBezTo>
+                  <a:pt x="8987875" y="616195"/>
+                  <a:pt x="9000904" y="637672"/>
+                  <a:pt x="8900803" y="646331"/>
+                </a:cubicBezTo>
+                <a:cubicBezTo>
+                  <a:pt x="8800702" y="654990"/>
+                  <a:pt x="8630370" y="649713"/>
+                  <a:pt x="8446407" y="646331"/>
+                </a:cubicBezTo>
+                <a:cubicBezTo>
+                  <a:pt x="8262444" y="642949"/>
+                  <a:pt x="7986691" y="676588"/>
+                  <a:pt x="7778179" y="646331"/>
+                </a:cubicBezTo>
+                <a:cubicBezTo>
+                  <a:pt x="7569667" y="616074"/>
+                  <a:pt x="7244898" y="656103"/>
+                  <a:pt x="6896117" y="646331"/>
+                </a:cubicBezTo>
+                <a:cubicBezTo>
+                  <a:pt x="6547336" y="636559"/>
+                  <a:pt x="6398384" y="681729"/>
+                  <a:pt x="6120972" y="646331"/>
+                </a:cubicBezTo>
+                <a:cubicBezTo>
+                  <a:pt x="5843560" y="610933"/>
+                  <a:pt x="5555579" y="668584"/>
+                  <a:pt x="5238911" y="646331"/>
+                </a:cubicBezTo>
+                <a:cubicBezTo>
+                  <a:pt x="4922243" y="624078"/>
+                  <a:pt x="4991158" y="647099"/>
+                  <a:pt x="4891432" y="646331"/>
+                </a:cubicBezTo>
+                <a:cubicBezTo>
+                  <a:pt x="4791706" y="645563"/>
+                  <a:pt x="4412680" y="670429"/>
+                  <a:pt x="4009371" y="646331"/>
+                </a:cubicBezTo>
+                <a:cubicBezTo>
+                  <a:pt x="3606062" y="622233"/>
+                  <a:pt x="3652046" y="650695"/>
+                  <a:pt x="3554975" y="646331"/>
+                </a:cubicBezTo>
+                <a:cubicBezTo>
+                  <a:pt x="3457904" y="641967"/>
+                  <a:pt x="3365662" y="661900"/>
+                  <a:pt x="3207497" y="646331"/>
+                </a:cubicBezTo>
+                <a:cubicBezTo>
+                  <a:pt x="3049332" y="630762"/>
+                  <a:pt x="3033332" y="659251"/>
+                  <a:pt x="2860018" y="646331"/>
+                </a:cubicBezTo>
+                <a:cubicBezTo>
+                  <a:pt x="2686704" y="633411"/>
+                  <a:pt x="2318935" y="658709"/>
+                  <a:pt x="2084873" y="646331"/>
+                </a:cubicBezTo>
+                <a:cubicBezTo>
+                  <a:pt x="1850812" y="633953"/>
+                  <a:pt x="1679026" y="647631"/>
+                  <a:pt x="1523561" y="646331"/>
+                </a:cubicBezTo>
+                <a:cubicBezTo>
+                  <a:pt x="1368096" y="645031"/>
+                  <a:pt x="1055824" y="630860"/>
+                  <a:pt x="748416" y="646331"/>
+                </a:cubicBezTo>
+                <a:cubicBezTo>
+                  <a:pt x="441008" y="661802"/>
+                  <a:pt x="256824" y="627791"/>
+                  <a:pt x="0" y="646331"/>
+                </a:cubicBezTo>
+                <a:cubicBezTo>
+                  <a:pt x="4065" y="388146"/>
+                  <a:pt x="-31457" y="307637"/>
+                  <a:pt x="0" y="0"/>
+                </a:cubicBezTo>
+                <a:close/>
+              </a:path>
+              <a:path w="10691655" h="646331" stroke="0" extrusionOk="0">
                 <a:moveTo>
                   <a:pt x="0" y="0"/>
                 </a:moveTo>
@@ -7501,71 +10179,71 @@
             <a:gdLst>
               <a:gd name="connsiteX0" fmla="*/ 0 w 10691655"/>
               <a:gd name="connsiteY0" fmla="*/ 0 h 369332"/>
-              <a:gd name="connsiteX1" fmla="*/ 561312 w 10691655"/>
+              <a:gd name="connsiteX1" fmla="*/ 668228 w 10691655"/>
               <a:gd name="connsiteY1" fmla="*/ 0 h 369332"/>
-              <a:gd name="connsiteX2" fmla="*/ 1229540 w 10691655"/>
+              <a:gd name="connsiteX2" fmla="*/ 1550290 w 10691655"/>
               <a:gd name="connsiteY2" fmla="*/ 0 h 369332"/>
-              <a:gd name="connsiteX3" fmla="*/ 1790852 w 10691655"/>
+              <a:gd name="connsiteX3" fmla="*/ 2432352 w 10691655"/>
               <a:gd name="connsiteY3" fmla="*/ 0 h 369332"/>
-              <a:gd name="connsiteX4" fmla="*/ 2138331 w 10691655"/>
+              <a:gd name="connsiteX4" fmla="*/ 3207497 w 10691655"/>
               <a:gd name="connsiteY4" fmla="*/ 0 h 369332"/>
-              <a:gd name="connsiteX5" fmla="*/ 2913476 w 10691655"/>
+              <a:gd name="connsiteX5" fmla="*/ 3768808 w 10691655"/>
               <a:gd name="connsiteY5" fmla="*/ 0 h 369332"/>
-              <a:gd name="connsiteX6" fmla="*/ 3474788 w 10691655"/>
+              <a:gd name="connsiteX6" fmla="*/ 4437037 w 10691655"/>
               <a:gd name="connsiteY6" fmla="*/ 0 h 369332"/>
-              <a:gd name="connsiteX7" fmla="*/ 4356849 w 10691655"/>
+              <a:gd name="connsiteX7" fmla="*/ 4891432 w 10691655"/>
               <a:gd name="connsiteY7" fmla="*/ 0 h 369332"/>
-              <a:gd name="connsiteX8" fmla="*/ 4811245 w 10691655"/>
+              <a:gd name="connsiteX8" fmla="*/ 5345828 w 10691655"/>
               <a:gd name="connsiteY8" fmla="*/ 0 h 369332"/>
-              <a:gd name="connsiteX9" fmla="*/ 5265640 w 10691655"/>
+              <a:gd name="connsiteX9" fmla="*/ 5907139 w 10691655"/>
               <a:gd name="connsiteY9" fmla="*/ 0 h 369332"/>
-              <a:gd name="connsiteX10" fmla="*/ 6147702 w 10691655"/>
+              <a:gd name="connsiteX10" fmla="*/ 6468451 w 10691655"/>
               <a:gd name="connsiteY10" fmla="*/ 0 h 369332"/>
-              <a:gd name="connsiteX11" fmla="*/ 6922847 w 10691655"/>
+              <a:gd name="connsiteX11" fmla="*/ 7029763 w 10691655"/>
               <a:gd name="connsiteY11" fmla="*/ 0 h 369332"/>
-              <a:gd name="connsiteX12" fmla="*/ 7484158 w 10691655"/>
+              <a:gd name="connsiteX12" fmla="*/ 7377242 w 10691655"/>
               <a:gd name="connsiteY12" fmla="*/ 0 h 369332"/>
               <a:gd name="connsiteX13" fmla="*/ 7938554 w 10691655"/>
               <a:gd name="connsiteY13" fmla="*/ 0 h 369332"/>
-              <a:gd name="connsiteX14" fmla="*/ 8606782 w 10691655"/>
+              <a:gd name="connsiteX14" fmla="*/ 8820615 w 10691655"/>
               <a:gd name="connsiteY14" fmla="*/ 0 h 369332"/>
-              <a:gd name="connsiteX15" fmla="*/ 8954261 w 10691655"/>
+              <a:gd name="connsiteX15" fmla="*/ 9702677 w 10691655"/>
               <a:gd name="connsiteY15" fmla="*/ 0 h 369332"/>
-              <a:gd name="connsiteX16" fmla="*/ 9622489 w 10691655"/>
+              <a:gd name="connsiteX16" fmla="*/ 10691655 w 10691655"/>
               <a:gd name="connsiteY16" fmla="*/ 0 h 369332"/>
               <a:gd name="connsiteX17" fmla="*/ 10691655 w 10691655"/>
-              <a:gd name="connsiteY17" fmla="*/ 0 h 369332"/>
-              <a:gd name="connsiteX18" fmla="*/ 10691655 w 10691655"/>
+              <a:gd name="connsiteY17" fmla="*/ 369332 h 369332"/>
+              <a:gd name="connsiteX18" fmla="*/ 10130343 w 10691655"/>
               <a:gd name="connsiteY18" fmla="*/ 369332 h 369332"/>
-              <a:gd name="connsiteX19" fmla="*/ 10237260 w 10691655"/>
+              <a:gd name="connsiteX19" fmla="*/ 9248282 w 10691655"/>
               <a:gd name="connsiteY19" fmla="*/ 369332 h 369332"/>
-              <a:gd name="connsiteX20" fmla="*/ 9462115 w 10691655"/>
+              <a:gd name="connsiteX20" fmla="*/ 8900803 w 10691655"/>
               <a:gd name="connsiteY20" fmla="*/ 369332 h 369332"/>
-              <a:gd name="connsiteX21" fmla="*/ 8580053 w 10691655"/>
+              <a:gd name="connsiteX21" fmla="*/ 8446407 w 10691655"/>
               <a:gd name="connsiteY21" fmla="*/ 369332 h 369332"/>
-              <a:gd name="connsiteX22" fmla="*/ 8125658 w 10691655"/>
+              <a:gd name="connsiteX22" fmla="*/ 7778179 w 10691655"/>
               <a:gd name="connsiteY22" fmla="*/ 369332 h 369332"/>
-              <a:gd name="connsiteX23" fmla="*/ 7457429 w 10691655"/>
+              <a:gd name="connsiteX23" fmla="*/ 6896117 w 10691655"/>
               <a:gd name="connsiteY23" fmla="*/ 369332 h 369332"/>
-              <a:gd name="connsiteX24" fmla="*/ 6682284 w 10691655"/>
+              <a:gd name="connsiteX24" fmla="*/ 6120972 w 10691655"/>
               <a:gd name="connsiteY24" fmla="*/ 369332 h 369332"/>
-              <a:gd name="connsiteX25" fmla="*/ 6227889 w 10691655"/>
+              <a:gd name="connsiteX25" fmla="*/ 5238911 w 10691655"/>
               <a:gd name="connsiteY25" fmla="*/ 369332 h 369332"/>
-              <a:gd name="connsiteX26" fmla="*/ 5666577 w 10691655"/>
+              <a:gd name="connsiteX26" fmla="*/ 4891432 w 10691655"/>
               <a:gd name="connsiteY26" fmla="*/ 369332 h 369332"/>
-              <a:gd name="connsiteX27" fmla="*/ 4891432 w 10691655"/>
+              <a:gd name="connsiteX27" fmla="*/ 4009371 w 10691655"/>
               <a:gd name="connsiteY27" fmla="*/ 369332 h 369332"/>
-              <a:gd name="connsiteX28" fmla="*/ 4009371 w 10691655"/>
+              <a:gd name="connsiteX28" fmla="*/ 3554975 w 10691655"/>
               <a:gd name="connsiteY28" fmla="*/ 369332 h 369332"/>
-              <a:gd name="connsiteX29" fmla="*/ 3127309 w 10691655"/>
+              <a:gd name="connsiteX29" fmla="*/ 3207497 w 10691655"/>
               <a:gd name="connsiteY29" fmla="*/ 369332 h 369332"/>
-              <a:gd name="connsiteX30" fmla="*/ 2245248 w 10691655"/>
+              <a:gd name="connsiteX30" fmla="*/ 2860018 w 10691655"/>
               <a:gd name="connsiteY30" fmla="*/ 369332 h 369332"/>
-              <a:gd name="connsiteX31" fmla="*/ 1683936 w 10691655"/>
+              <a:gd name="connsiteX31" fmla="*/ 2084873 w 10691655"/>
               <a:gd name="connsiteY31" fmla="*/ 369332 h 369332"/>
-              <a:gd name="connsiteX32" fmla="*/ 1229540 w 10691655"/>
+              <a:gd name="connsiteX32" fmla="*/ 1523561 w 10691655"/>
               <a:gd name="connsiteY32" fmla="*/ 369332 h 369332"/>
-              <a:gd name="connsiteX33" fmla="*/ 882062 w 10691655"/>
+              <a:gd name="connsiteX33" fmla="*/ 748416 w 10691655"/>
               <a:gd name="connsiteY33" fmla="*/ 369332 h 369332"/>
               <a:gd name="connsiteX34" fmla="*/ 0 w 10691655"/>
               <a:gd name="connsiteY34" fmla="*/ 369332 h 369332"/>
@@ -7685,7 +10363,188 @@
             </a:cxnLst>
             <a:rect l="l" t="t" r="r" b="b"/>
             <a:pathLst>
-              <a:path w="10691655" h="369332" extrusionOk="0">
+              <a:path w="10691655" h="369332" fill="none" extrusionOk="0">
+                <a:moveTo>
+                  <a:pt x="0" y="0"/>
+                </a:moveTo>
+                <a:cubicBezTo>
+                  <a:pt x="324712" y="20349"/>
+                  <a:pt x="532209" y="-31329"/>
+                  <a:pt x="668228" y="0"/>
+                </a:cubicBezTo>
+                <a:cubicBezTo>
+                  <a:pt x="804247" y="31329"/>
+                  <a:pt x="1196096" y="25506"/>
+                  <a:pt x="1550290" y="0"/>
+                </a:cubicBezTo>
+                <a:cubicBezTo>
+                  <a:pt x="1904484" y="-25506"/>
+                  <a:pt x="2140359" y="-28917"/>
+                  <a:pt x="2432352" y="0"/>
+                </a:cubicBezTo>
+                <a:cubicBezTo>
+                  <a:pt x="2724345" y="28917"/>
+                  <a:pt x="2995432" y="29823"/>
+                  <a:pt x="3207497" y="0"/>
+                </a:cubicBezTo>
+                <a:cubicBezTo>
+                  <a:pt x="3419562" y="-29823"/>
+                  <a:pt x="3497147" y="20185"/>
+                  <a:pt x="3768808" y="0"/>
+                </a:cubicBezTo>
+                <a:cubicBezTo>
+                  <a:pt x="4040469" y="-20185"/>
+                  <a:pt x="4261909" y="-13537"/>
+                  <a:pt x="4437037" y="0"/>
+                </a:cubicBezTo>
+                <a:cubicBezTo>
+                  <a:pt x="4612165" y="13537"/>
+                  <a:pt x="4696243" y="12772"/>
+                  <a:pt x="4891432" y="0"/>
+                </a:cubicBezTo>
+                <a:cubicBezTo>
+                  <a:pt x="5086622" y="-12772"/>
+                  <a:pt x="5186025" y="6385"/>
+                  <a:pt x="5345828" y="0"/>
+                </a:cubicBezTo>
+                <a:cubicBezTo>
+                  <a:pt x="5505631" y="-6385"/>
+                  <a:pt x="5718925" y="-7696"/>
+                  <a:pt x="5907139" y="0"/>
+                </a:cubicBezTo>
+                <a:cubicBezTo>
+                  <a:pt x="6095353" y="7696"/>
+                  <a:pt x="6202322" y="-27424"/>
+                  <a:pt x="6468451" y="0"/>
+                </a:cubicBezTo>
+                <a:cubicBezTo>
+                  <a:pt x="6734580" y="27424"/>
+                  <a:pt x="6830914" y="17204"/>
+                  <a:pt x="7029763" y="0"/>
+                </a:cubicBezTo>
+                <a:cubicBezTo>
+                  <a:pt x="7228612" y="-17204"/>
+                  <a:pt x="7212242" y="5460"/>
+                  <a:pt x="7377242" y="0"/>
+                </a:cubicBezTo>
+                <a:cubicBezTo>
+                  <a:pt x="7542242" y="-5460"/>
+                  <a:pt x="7659946" y="2191"/>
+                  <a:pt x="7938554" y="0"/>
+                </a:cubicBezTo>
+                <a:cubicBezTo>
+                  <a:pt x="8217162" y="-2191"/>
+                  <a:pt x="8604628" y="-22853"/>
+                  <a:pt x="8820615" y="0"/>
+                </a:cubicBezTo>
+                <a:cubicBezTo>
+                  <a:pt x="9036602" y="22853"/>
+                  <a:pt x="9459693" y="12138"/>
+                  <a:pt x="9702677" y="0"/>
+                </a:cubicBezTo>
+                <a:cubicBezTo>
+                  <a:pt x="9945661" y="-12138"/>
+                  <a:pt x="10381102" y="25302"/>
+                  <a:pt x="10691655" y="0"/>
+                </a:cubicBezTo>
+                <a:cubicBezTo>
+                  <a:pt x="10684433" y="143381"/>
+                  <a:pt x="10687714" y="252440"/>
+                  <a:pt x="10691655" y="369332"/>
+                </a:cubicBezTo>
+                <a:cubicBezTo>
+                  <a:pt x="10554325" y="376053"/>
+                  <a:pt x="10338834" y="373094"/>
+                  <a:pt x="10130343" y="369332"/>
+                </a:cubicBezTo>
+                <a:cubicBezTo>
+                  <a:pt x="9921852" y="365570"/>
+                  <a:pt x="9508689" y="399468"/>
+                  <a:pt x="9248282" y="369332"/>
+                </a:cubicBezTo>
+                <a:cubicBezTo>
+                  <a:pt x="8987875" y="339196"/>
+                  <a:pt x="9000904" y="360673"/>
+                  <a:pt x="8900803" y="369332"/>
+                </a:cubicBezTo>
+                <a:cubicBezTo>
+                  <a:pt x="8800702" y="377991"/>
+                  <a:pt x="8630370" y="372714"/>
+                  <a:pt x="8446407" y="369332"/>
+                </a:cubicBezTo>
+                <a:cubicBezTo>
+                  <a:pt x="8262444" y="365950"/>
+                  <a:pt x="7986691" y="399589"/>
+                  <a:pt x="7778179" y="369332"/>
+                </a:cubicBezTo>
+                <a:cubicBezTo>
+                  <a:pt x="7569667" y="339075"/>
+                  <a:pt x="7244898" y="379104"/>
+                  <a:pt x="6896117" y="369332"/>
+                </a:cubicBezTo>
+                <a:cubicBezTo>
+                  <a:pt x="6547336" y="359560"/>
+                  <a:pt x="6398384" y="404730"/>
+                  <a:pt x="6120972" y="369332"/>
+                </a:cubicBezTo>
+                <a:cubicBezTo>
+                  <a:pt x="5843560" y="333934"/>
+                  <a:pt x="5555579" y="391585"/>
+                  <a:pt x="5238911" y="369332"/>
+                </a:cubicBezTo>
+                <a:cubicBezTo>
+                  <a:pt x="4922243" y="347079"/>
+                  <a:pt x="4991158" y="370100"/>
+                  <a:pt x="4891432" y="369332"/>
+                </a:cubicBezTo>
+                <a:cubicBezTo>
+                  <a:pt x="4791706" y="368564"/>
+                  <a:pt x="4412680" y="393430"/>
+                  <a:pt x="4009371" y="369332"/>
+                </a:cubicBezTo>
+                <a:cubicBezTo>
+                  <a:pt x="3606062" y="345234"/>
+                  <a:pt x="3652046" y="373696"/>
+                  <a:pt x="3554975" y="369332"/>
+                </a:cubicBezTo>
+                <a:cubicBezTo>
+                  <a:pt x="3457904" y="364968"/>
+                  <a:pt x="3365662" y="384901"/>
+                  <a:pt x="3207497" y="369332"/>
+                </a:cubicBezTo>
+                <a:cubicBezTo>
+                  <a:pt x="3049332" y="353763"/>
+                  <a:pt x="3033332" y="382252"/>
+                  <a:pt x="2860018" y="369332"/>
+                </a:cubicBezTo>
+                <a:cubicBezTo>
+                  <a:pt x="2686704" y="356412"/>
+                  <a:pt x="2318935" y="381710"/>
+                  <a:pt x="2084873" y="369332"/>
+                </a:cubicBezTo>
+                <a:cubicBezTo>
+                  <a:pt x="1850812" y="356954"/>
+                  <a:pt x="1679026" y="370632"/>
+                  <a:pt x="1523561" y="369332"/>
+                </a:cubicBezTo>
+                <a:cubicBezTo>
+                  <a:pt x="1368096" y="368032"/>
+                  <a:pt x="1055824" y="353861"/>
+                  <a:pt x="748416" y="369332"/>
+                </a:cubicBezTo>
+                <a:cubicBezTo>
+                  <a:pt x="441008" y="384803"/>
+                  <a:pt x="256824" y="350792"/>
+                  <a:pt x="0" y="369332"/>
+                </a:cubicBezTo>
+                <a:cubicBezTo>
+                  <a:pt x="8682" y="264547"/>
+                  <a:pt x="-8374" y="87538"/>
+                  <a:pt x="0" y="0"/>
+                </a:cubicBezTo>
+                <a:close/>
+              </a:path>
+              <a:path w="10691655" h="369332" stroke="0" extrusionOk="0">
                 <a:moveTo>
                   <a:pt x="0" y="0"/>
                 </a:moveTo>
@@ -7938,71 +10797,71 @@
             <a:gdLst>
               <a:gd name="connsiteX0" fmla="*/ 0 w 10691655"/>
               <a:gd name="connsiteY0" fmla="*/ 0 h 646331"/>
-              <a:gd name="connsiteX1" fmla="*/ 561312 w 10691655"/>
+              <a:gd name="connsiteX1" fmla="*/ 668228 w 10691655"/>
               <a:gd name="connsiteY1" fmla="*/ 0 h 646331"/>
-              <a:gd name="connsiteX2" fmla="*/ 1229540 w 10691655"/>
+              <a:gd name="connsiteX2" fmla="*/ 1550290 w 10691655"/>
               <a:gd name="connsiteY2" fmla="*/ 0 h 646331"/>
-              <a:gd name="connsiteX3" fmla="*/ 1790852 w 10691655"/>
+              <a:gd name="connsiteX3" fmla="*/ 2432352 w 10691655"/>
               <a:gd name="connsiteY3" fmla="*/ 0 h 646331"/>
-              <a:gd name="connsiteX4" fmla="*/ 2138331 w 10691655"/>
+              <a:gd name="connsiteX4" fmla="*/ 3207497 w 10691655"/>
               <a:gd name="connsiteY4" fmla="*/ 0 h 646331"/>
-              <a:gd name="connsiteX5" fmla="*/ 2913476 w 10691655"/>
+              <a:gd name="connsiteX5" fmla="*/ 3768808 w 10691655"/>
               <a:gd name="connsiteY5" fmla="*/ 0 h 646331"/>
-              <a:gd name="connsiteX6" fmla="*/ 3474788 w 10691655"/>
+              <a:gd name="connsiteX6" fmla="*/ 4437037 w 10691655"/>
               <a:gd name="connsiteY6" fmla="*/ 0 h 646331"/>
-              <a:gd name="connsiteX7" fmla="*/ 4356849 w 10691655"/>
+              <a:gd name="connsiteX7" fmla="*/ 4891432 w 10691655"/>
               <a:gd name="connsiteY7" fmla="*/ 0 h 646331"/>
-              <a:gd name="connsiteX8" fmla="*/ 4811245 w 10691655"/>
+              <a:gd name="connsiteX8" fmla="*/ 5345828 w 10691655"/>
               <a:gd name="connsiteY8" fmla="*/ 0 h 646331"/>
-              <a:gd name="connsiteX9" fmla="*/ 5265640 w 10691655"/>
+              <a:gd name="connsiteX9" fmla="*/ 5907139 w 10691655"/>
               <a:gd name="connsiteY9" fmla="*/ 0 h 646331"/>
-              <a:gd name="connsiteX10" fmla="*/ 6147702 w 10691655"/>
+              <a:gd name="connsiteX10" fmla="*/ 6468451 w 10691655"/>
               <a:gd name="connsiteY10" fmla="*/ 0 h 646331"/>
-              <a:gd name="connsiteX11" fmla="*/ 6922847 w 10691655"/>
+              <a:gd name="connsiteX11" fmla="*/ 7029763 w 10691655"/>
               <a:gd name="connsiteY11" fmla="*/ 0 h 646331"/>
-              <a:gd name="connsiteX12" fmla="*/ 7484158 w 10691655"/>
+              <a:gd name="connsiteX12" fmla="*/ 7377242 w 10691655"/>
               <a:gd name="connsiteY12" fmla="*/ 0 h 646331"/>
               <a:gd name="connsiteX13" fmla="*/ 7938554 w 10691655"/>
               <a:gd name="connsiteY13" fmla="*/ 0 h 646331"/>
-              <a:gd name="connsiteX14" fmla="*/ 8606782 w 10691655"/>
+              <a:gd name="connsiteX14" fmla="*/ 8820615 w 10691655"/>
               <a:gd name="connsiteY14" fmla="*/ 0 h 646331"/>
-              <a:gd name="connsiteX15" fmla="*/ 8954261 w 10691655"/>
+              <a:gd name="connsiteX15" fmla="*/ 9702677 w 10691655"/>
               <a:gd name="connsiteY15" fmla="*/ 0 h 646331"/>
-              <a:gd name="connsiteX16" fmla="*/ 9622489 w 10691655"/>
+              <a:gd name="connsiteX16" fmla="*/ 10691655 w 10691655"/>
               <a:gd name="connsiteY16" fmla="*/ 0 h 646331"/>
               <a:gd name="connsiteX17" fmla="*/ 10691655 w 10691655"/>
-              <a:gd name="connsiteY17" fmla="*/ 0 h 646331"/>
-              <a:gd name="connsiteX18" fmla="*/ 10691655 w 10691655"/>
+              <a:gd name="connsiteY17" fmla="*/ 646331 h 646331"/>
+              <a:gd name="connsiteX18" fmla="*/ 10130343 w 10691655"/>
               <a:gd name="connsiteY18" fmla="*/ 646331 h 646331"/>
-              <a:gd name="connsiteX19" fmla="*/ 10237260 w 10691655"/>
+              <a:gd name="connsiteX19" fmla="*/ 9248282 w 10691655"/>
               <a:gd name="connsiteY19" fmla="*/ 646331 h 646331"/>
-              <a:gd name="connsiteX20" fmla="*/ 9462115 w 10691655"/>
+              <a:gd name="connsiteX20" fmla="*/ 8900803 w 10691655"/>
               <a:gd name="connsiteY20" fmla="*/ 646331 h 646331"/>
-              <a:gd name="connsiteX21" fmla="*/ 8580053 w 10691655"/>
+              <a:gd name="connsiteX21" fmla="*/ 8446407 w 10691655"/>
               <a:gd name="connsiteY21" fmla="*/ 646331 h 646331"/>
-              <a:gd name="connsiteX22" fmla="*/ 8125658 w 10691655"/>
+              <a:gd name="connsiteX22" fmla="*/ 7778179 w 10691655"/>
               <a:gd name="connsiteY22" fmla="*/ 646331 h 646331"/>
-              <a:gd name="connsiteX23" fmla="*/ 7457429 w 10691655"/>
+              <a:gd name="connsiteX23" fmla="*/ 6896117 w 10691655"/>
               <a:gd name="connsiteY23" fmla="*/ 646331 h 646331"/>
-              <a:gd name="connsiteX24" fmla="*/ 6682284 w 10691655"/>
+              <a:gd name="connsiteX24" fmla="*/ 6120972 w 10691655"/>
               <a:gd name="connsiteY24" fmla="*/ 646331 h 646331"/>
-              <a:gd name="connsiteX25" fmla="*/ 6227889 w 10691655"/>
+              <a:gd name="connsiteX25" fmla="*/ 5238911 w 10691655"/>
               <a:gd name="connsiteY25" fmla="*/ 646331 h 646331"/>
-              <a:gd name="connsiteX26" fmla="*/ 5666577 w 10691655"/>
+              <a:gd name="connsiteX26" fmla="*/ 4891432 w 10691655"/>
               <a:gd name="connsiteY26" fmla="*/ 646331 h 646331"/>
-              <a:gd name="connsiteX27" fmla="*/ 4891432 w 10691655"/>
+              <a:gd name="connsiteX27" fmla="*/ 4009371 w 10691655"/>
               <a:gd name="connsiteY27" fmla="*/ 646331 h 646331"/>
-              <a:gd name="connsiteX28" fmla="*/ 4009371 w 10691655"/>
+              <a:gd name="connsiteX28" fmla="*/ 3554975 w 10691655"/>
               <a:gd name="connsiteY28" fmla="*/ 646331 h 646331"/>
-              <a:gd name="connsiteX29" fmla="*/ 3127309 w 10691655"/>
+              <a:gd name="connsiteX29" fmla="*/ 3207497 w 10691655"/>
               <a:gd name="connsiteY29" fmla="*/ 646331 h 646331"/>
-              <a:gd name="connsiteX30" fmla="*/ 2245248 w 10691655"/>
+              <a:gd name="connsiteX30" fmla="*/ 2860018 w 10691655"/>
               <a:gd name="connsiteY30" fmla="*/ 646331 h 646331"/>
-              <a:gd name="connsiteX31" fmla="*/ 1683936 w 10691655"/>
+              <a:gd name="connsiteX31" fmla="*/ 2084873 w 10691655"/>
               <a:gd name="connsiteY31" fmla="*/ 646331 h 646331"/>
-              <a:gd name="connsiteX32" fmla="*/ 1229540 w 10691655"/>
+              <a:gd name="connsiteX32" fmla="*/ 1523561 w 10691655"/>
               <a:gd name="connsiteY32" fmla="*/ 646331 h 646331"/>
-              <a:gd name="connsiteX33" fmla="*/ 882062 w 10691655"/>
+              <a:gd name="connsiteX33" fmla="*/ 748416 w 10691655"/>
               <a:gd name="connsiteY33" fmla="*/ 646331 h 646331"/>
               <a:gd name="connsiteX34" fmla="*/ 0 w 10691655"/>
               <a:gd name="connsiteY34" fmla="*/ 646331 h 646331"/>
@@ -8122,7 +10981,188 @@
             </a:cxnLst>
             <a:rect l="l" t="t" r="r" b="b"/>
             <a:pathLst>
-              <a:path w="10691655" h="646331" extrusionOk="0">
+              <a:path w="10691655" h="646331" fill="none" extrusionOk="0">
+                <a:moveTo>
+                  <a:pt x="0" y="0"/>
+                </a:moveTo>
+                <a:cubicBezTo>
+                  <a:pt x="324712" y="20349"/>
+                  <a:pt x="532209" y="-31329"/>
+                  <a:pt x="668228" y="0"/>
+                </a:cubicBezTo>
+                <a:cubicBezTo>
+                  <a:pt x="804247" y="31329"/>
+                  <a:pt x="1196096" y="25506"/>
+                  <a:pt x="1550290" y="0"/>
+                </a:cubicBezTo>
+                <a:cubicBezTo>
+                  <a:pt x="1904484" y="-25506"/>
+                  <a:pt x="2140359" y="-28917"/>
+                  <a:pt x="2432352" y="0"/>
+                </a:cubicBezTo>
+                <a:cubicBezTo>
+                  <a:pt x="2724345" y="28917"/>
+                  <a:pt x="2995432" y="29823"/>
+                  <a:pt x="3207497" y="0"/>
+                </a:cubicBezTo>
+                <a:cubicBezTo>
+                  <a:pt x="3419562" y="-29823"/>
+                  <a:pt x="3497147" y="20185"/>
+                  <a:pt x="3768808" y="0"/>
+                </a:cubicBezTo>
+                <a:cubicBezTo>
+                  <a:pt x="4040469" y="-20185"/>
+                  <a:pt x="4261909" y="-13537"/>
+                  <a:pt x="4437037" y="0"/>
+                </a:cubicBezTo>
+                <a:cubicBezTo>
+                  <a:pt x="4612165" y="13537"/>
+                  <a:pt x="4696243" y="12772"/>
+                  <a:pt x="4891432" y="0"/>
+                </a:cubicBezTo>
+                <a:cubicBezTo>
+                  <a:pt x="5086622" y="-12772"/>
+                  <a:pt x="5186025" y="6385"/>
+                  <a:pt x="5345828" y="0"/>
+                </a:cubicBezTo>
+                <a:cubicBezTo>
+                  <a:pt x="5505631" y="-6385"/>
+                  <a:pt x="5718925" y="-7696"/>
+                  <a:pt x="5907139" y="0"/>
+                </a:cubicBezTo>
+                <a:cubicBezTo>
+                  <a:pt x="6095353" y="7696"/>
+                  <a:pt x="6202322" y="-27424"/>
+                  <a:pt x="6468451" y="0"/>
+                </a:cubicBezTo>
+                <a:cubicBezTo>
+                  <a:pt x="6734580" y="27424"/>
+                  <a:pt x="6830914" y="17204"/>
+                  <a:pt x="7029763" y="0"/>
+                </a:cubicBezTo>
+                <a:cubicBezTo>
+                  <a:pt x="7228612" y="-17204"/>
+                  <a:pt x="7212242" y="5460"/>
+                  <a:pt x="7377242" y="0"/>
+                </a:cubicBezTo>
+                <a:cubicBezTo>
+                  <a:pt x="7542242" y="-5460"/>
+                  <a:pt x="7659946" y="2191"/>
+                  <a:pt x="7938554" y="0"/>
+                </a:cubicBezTo>
+                <a:cubicBezTo>
+                  <a:pt x="8217162" y="-2191"/>
+                  <a:pt x="8604628" y="-22853"/>
+                  <a:pt x="8820615" y="0"/>
+                </a:cubicBezTo>
+                <a:cubicBezTo>
+                  <a:pt x="9036602" y="22853"/>
+                  <a:pt x="9459693" y="12138"/>
+                  <a:pt x="9702677" y="0"/>
+                </a:cubicBezTo>
+                <a:cubicBezTo>
+                  <a:pt x="9945661" y="-12138"/>
+                  <a:pt x="10381102" y="25302"/>
+                  <a:pt x="10691655" y="0"/>
+                </a:cubicBezTo>
+                <a:cubicBezTo>
+                  <a:pt x="10689050" y="310766"/>
+                  <a:pt x="10664631" y="402882"/>
+                  <a:pt x="10691655" y="646331"/>
+                </a:cubicBezTo>
+                <a:cubicBezTo>
+                  <a:pt x="10554325" y="653052"/>
+                  <a:pt x="10338834" y="650093"/>
+                  <a:pt x="10130343" y="646331"/>
+                </a:cubicBezTo>
+                <a:cubicBezTo>
+                  <a:pt x="9921852" y="642569"/>
+                  <a:pt x="9508689" y="676467"/>
+                  <a:pt x="9248282" y="646331"/>
+                </a:cubicBezTo>
+                <a:cubicBezTo>
+                  <a:pt x="8987875" y="616195"/>
+                  <a:pt x="9000904" y="637672"/>
+                  <a:pt x="8900803" y="646331"/>
+                </a:cubicBezTo>
+                <a:cubicBezTo>
+                  <a:pt x="8800702" y="654990"/>
+                  <a:pt x="8630370" y="649713"/>
+                  <a:pt x="8446407" y="646331"/>
+                </a:cubicBezTo>
+                <a:cubicBezTo>
+                  <a:pt x="8262444" y="642949"/>
+                  <a:pt x="7986691" y="676588"/>
+                  <a:pt x="7778179" y="646331"/>
+                </a:cubicBezTo>
+                <a:cubicBezTo>
+                  <a:pt x="7569667" y="616074"/>
+                  <a:pt x="7244898" y="656103"/>
+                  <a:pt x="6896117" y="646331"/>
+                </a:cubicBezTo>
+                <a:cubicBezTo>
+                  <a:pt x="6547336" y="636559"/>
+                  <a:pt x="6398384" y="681729"/>
+                  <a:pt x="6120972" y="646331"/>
+                </a:cubicBezTo>
+                <a:cubicBezTo>
+                  <a:pt x="5843560" y="610933"/>
+                  <a:pt x="5555579" y="668584"/>
+                  <a:pt x="5238911" y="646331"/>
+                </a:cubicBezTo>
+                <a:cubicBezTo>
+                  <a:pt x="4922243" y="624078"/>
+                  <a:pt x="4991158" y="647099"/>
+                  <a:pt x="4891432" y="646331"/>
+                </a:cubicBezTo>
+                <a:cubicBezTo>
+                  <a:pt x="4791706" y="645563"/>
+                  <a:pt x="4412680" y="670429"/>
+                  <a:pt x="4009371" y="646331"/>
+                </a:cubicBezTo>
+                <a:cubicBezTo>
+                  <a:pt x="3606062" y="622233"/>
+                  <a:pt x="3652046" y="650695"/>
+                  <a:pt x="3554975" y="646331"/>
+                </a:cubicBezTo>
+                <a:cubicBezTo>
+                  <a:pt x="3457904" y="641967"/>
+                  <a:pt x="3365662" y="661900"/>
+                  <a:pt x="3207497" y="646331"/>
+                </a:cubicBezTo>
+                <a:cubicBezTo>
+                  <a:pt x="3049332" y="630762"/>
+                  <a:pt x="3033332" y="659251"/>
+                  <a:pt x="2860018" y="646331"/>
+                </a:cubicBezTo>
+                <a:cubicBezTo>
+                  <a:pt x="2686704" y="633411"/>
+                  <a:pt x="2318935" y="658709"/>
+                  <a:pt x="2084873" y="646331"/>
+                </a:cubicBezTo>
+                <a:cubicBezTo>
+                  <a:pt x="1850812" y="633953"/>
+                  <a:pt x="1679026" y="647631"/>
+                  <a:pt x="1523561" y="646331"/>
+                </a:cubicBezTo>
+                <a:cubicBezTo>
+                  <a:pt x="1368096" y="645031"/>
+                  <a:pt x="1055824" y="630860"/>
+                  <a:pt x="748416" y="646331"/>
+                </a:cubicBezTo>
+                <a:cubicBezTo>
+                  <a:pt x="441008" y="661802"/>
+                  <a:pt x="256824" y="627791"/>
+                  <a:pt x="0" y="646331"/>
+                </a:cubicBezTo>
+                <a:cubicBezTo>
+                  <a:pt x="4065" y="388146"/>
+                  <a:pt x="-31457" y="307637"/>
+                  <a:pt x="0" y="0"/>
+                </a:cubicBezTo>
+                <a:close/>
+              </a:path>
+              <a:path w="10691655" h="646331" stroke="0" extrusionOk="0">
                 <a:moveTo>
                   <a:pt x="0" y="0"/>
                 </a:moveTo>
@@ -11711,7 +14751,7 @@
           <a:p>
             <a:pPr marL="342900" indent="-342900">
               <a:buFont typeface="+mj-lt"/>
-              <a:buAutoNum type="arabicPeriod" startAt="3"/>
+              <a:buAutoNum type="arabicPeriod" startAt="4"/>
             </a:pPr>
             <a:r>
               <a:rPr lang="en-GB" b="1" i="0" dirty="0">
@@ -11797,7 +14837,7 @@
           <a:p>
             <a:pPr marL="342900" indent="-342900">
               <a:buFont typeface="+mj-lt"/>
-              <a:buAutoNum type="arabicPeriod" startAt="3"/>
+              <a:buAutoNum type="arabicPeriod" startAt="4"/>
             </a:pPr>
             <a:endParaRPr lang="en-GB" sz="1400" b="1" dirty="0">
               <a:solidFill>
@@ -11809,7 +14849,7 @@
           <a:p>
             <a:pPr marL="342900" indent="-342900">
               <a:buFont typeface="+mj-lt"/>
-              <a:buAutoNum type="arabicPeriod" startAt="3"/>
+              <a:buAutoNum type="arabicPeriod" startAt="4"/>
             </a:pPr>
             <a:r>
               <a:rPr lang="en-GB" b="1" i="0" dirty="0">
@@ -11865,7 +14905,7 @@
           <a:p>
             <a:pPr marL="342900" indent="-342900">
               <a:buFont typeface="+mj-lt"/>
-              <a:buAutoNum type="arabicPeriod" startAt="3"/>
+              <a:buAutoNum type="arabicPeriod" startAt="4"/>
             </a:pPr>
             <a:endParaRPr lang="en-GB" sz="1400" b="1" dirty="0">
               <a:solidFill>
@@ -11907,8 +14947,8 @@
         </p:blipFill>
         <p:spPr>
           <a:xfrm>
-            <a:off x="9312729" y="3987071"/>
-            <a:ext cx="2879271" cy="2879271"/>
+            <a:off x="9571087" y="4245429"/>
+            <a:ext cx="2620913" cy="2620913"/>
           </a:xfrm>
           <a:prstGeom prst="rect">
             <a:avLst/>
@@ -12051,25 +15091,7 @@
                 </a:solidFill>
                 <a:latin typeface="Söhne"/>
               </a:rPr>
-              <a:t>Scrum is ideal for </a:t>
-            </a:r>
-            <a:r>
-              <a:rPr lang="en-GB" dirty="0" err="1">
-                <a:solidFill>
-                  <a:srgbClr val="374151"/>
-                </a:solidFill>
-                <a:latin typeface="Söhne"/>
-              </a:rPr>
-              <a:t>LearnSync's</a:t>
-            </a:r>
-            <a:r>
-              <a:rPr lang="en-GB" dirty="0">
-                <a:solidFill>
-                  <a:srgbClr val="374151"/>
-                </a:solidFill>
-                <a:latin typeface="Söhne"/>
-              </a:rPr>
-              <a:t> small team of three, ensuring clear roles, close collaboration, and efficient task distribution.</a:t>
+              <a:t>Scrum is ideal for LearnSync's small team of three, ensuring clear roles, close collaboration, and efficient task distribution.</a:t>
             </a:r>
           </a:p>
           <a:p>
@@ -12128,7 +15150,7 @@
           <p:nvPr>
             <p:extLst>
               <p:ext uri="{D42A27DB-BD31-4B8C-83A1-F6EECF244321}">
-                <p14:modId xmlns:p14="http://schemas.microsoft.com/office/powerpoint/2010/main" val="3634977044"/>
+                <p14:modId xmlns:p14="http://schemas.microsoft.com/office/powerpoint/2010/main" val="2713370911"/>
               </p:ext>
             </p:extLst>
           </p:nvPr>
@@ -12186,7 +15208,7 @@
                       <a:r>
                         <a:rPr lang="en-HK" sz="2800" b="1" dirty="0">
                           <a:solidFill>
-                            <a:srgbClr val="FFC000"/>
+                            <a:schemeClr val="bg1"/>
                           </a:solidFill>
                           <a:effectLst/>
                         </a:rPr>
@@ -12205,7 +15227,7 @@
                       <a:r>
                         <a:rPr lang="en-HK" sz="2800" b="1">
                           <a:solidFill>
-                            <a:srgbClr val="FFC000"/>
+                            <a:schemeClr val="bg1"/>
                           </a:solidFill>
                           <a:effectLst/>
                         </a:rPr>
@@ -12224,7 +15246,7 @@
                       <a:r>
                         <a:rPr lang="en-HK" sz="2800" b="1" dirty="0">
                           <a:solidFill>
-                            <a:srgbClr val="FFC000"/>
+                            <a:schemeClr val="bg1"/>
                           </a:solidFill>
                           <a:effectLst/>
                         </a:rPr>
@@ -12243,7 +15265,7 @@
                       <a:r>
                         <a:rPr lang="en-HK" sz="2800" b="1" dirty="0">
                           <a:solidFill>
-                            <a:srgbClr val="FFC000"/>
+                            <a:schemeClr val="bg1"/>
                           </a:solidFill>
                           <a:effectLst/>
                         </a:rPr>
@@ -12267,9 +15289,9 @@
                     <a:p>
                       <a:pPr fontAlgn="base"/>
                       <a:r>
-                        <a:rPr lang="en-HK" b="1">
+                        <a:rPr lang="en-HK" b="1" dirty="0">
                           <a:solidFill>
-                            <a:schemeClr val="tx1"/>
+                            <a:schemeClr val="bg1"/>
                           </a:solidFill>
                           <a:effectLst/>
                         </a:rPr>
@@ -12279,10 +15301,7 @@
                   </a:txBody>
                   <a:tcPr anchor="ctr">
                     <a:solidFill>
-                      <a:schemeClr val="accent4">
-                        <a:lumMod val="40000"/>
-                        <a:lumOff val="60000"/>
-                      </a:schemeClr>
+                      <a:srgbClr val="21BE04"/>
                     </a:solidFill>
                   </a:tcPr>
                 </a:tc>
@@ -12295,7 +15314,7 @@
                       <a:r>
                         <a:rPr lang="en-HK" b="1" dirty="0">
                           <a:solidFill>
-                            <a:schemeClr val="tx1"/>
+                            <a:schemeClr val="bg1"/>
                           </a:solidFill>
                           <a:effectLst/>
                         </a:rPr>
@@ -12305,36 +15324,7 @@
                   </a:txBody>
                   <a:tcPr anchor="ctr">
                     <a:solidFill>
-                      <a:schemeClr val="accent4">
-                        <a:lumMod val="40000"/>
-                        <a:lumOff val="60000"/>
-                      </a:schemeClr>
-                    </a:solidFill>
-                  </a:tcPr>
-                </a:tc>
-                <a:tc>
-                  <a:txBody>
-                    <a:bodyPr/>
-                    <a:lstStyle/>
-                    <a:p>
-                      <a:pPr fontAlgn="base"/>
-                      <a:r>
-                        <a:rPr lang="en-HK" b="1">
-                          <a:solidFill>
-                            <a:schemeClr val="tx1"/>
-                          </a:solidFill>
-                          <a:effectLst/>
-                        </a:rPr>
-                        <a:t>26/01/2024</a:t>
-                      </a:r>
-                    </a:p>
-                  </a:txBody>
-                  <a:tcPr anchor="ctr">
-                    <a:solidFill>
-                      <a:schemeClr val="accent4">
-                        <a:lumMod val="40000"/>
-                        <a:lumOff val="60000"/>
-                      </a:schemeClr>
+                      <a:srgbClr val="21BE04"/>
                     </a:solidFill>
                   </a:tcPr>
                 </a:tc>
@@ -12347,7 +15337,30 @@
                       <a:r>
                         <a:rPr lang="en-HK" b="1" dirty="0">
                           <a:solidFill>
-                            <a:schemeClr val="tx1"/>
+                            <a:schemeClr val="bg1"/>
+                          </a:solidFill>
+                          <a:effectLst/>
+                        </a:rPr>
+                        <a:t>26/01/2024</a:t>
+                      </a:r>
+                    </a:p>
+                  </a:txBody>
+                  <a:tcPr anchor="ctr">
+                    <a:solidFill>
+                      <a:srgbClr val="21BE04"/>
+                    </a:solidFill>
+                  </a:tcPr>
+                </a:tc>
+                <a:tc>
+                  <a:txBody>
+                    <a:bodyPr/>
+                    <a:lstStyle/>
+                    <a:p>
+                      <a:pPr fontAlgn="base"/>
+                      <a:r>
+                        <a:rPr lang="en-HK" b="1" dirty="0">
+                          <a:solidFill>
+                            <a:schemeClr val="bg1"/>
                           </a:solidFill>
                           <a:effectLst/>
                         </a:rPr>
@@ -12357,10 +15370,7 @@
                   </a:txBody>
                   <a:tcPr anchor="ctr">
                     <a:solidFill>
-                      <a:schemeClr val="accent4">
-                        <a:lumMod val="40000"/>
-                        <a:lumOff val="60000"/>
-                      </a:schemeClr>
+                      <a:srgbClr val="21BE04"/>
                     </a:solidFill>
                   </a:tcPr>
                 </a:tc>
@@ -12380,7 +15390,7 @@
                       <a:r>
                         <a:rPr lang="en-HK" b="1">
                           <a:solidFill>
-                            <a:schemeClr val="tx1"/>
+                            <a:schemeClr val="bg1"/>
                           </a:solidFill>
                           <a:effectLst/>
                         </a:rPr>
@@ -12388,7 +15398,11 @@
                       </a:r>
                     </a:p>
                   </a:txBody>
-                  <a:tcPr anchor="ctr"/>
+                  <a:tcPr anchor="ctr">
+                    <a:solidFill>
+                      <a:srgbClr val="F04185"/>
+                    </a:solidFill>
+                  </a:tcPr>
                 </a:tc>
                 <a:tc>
                   <a:txBody>
@@ -12399,7 +15413,7 @@
                       <a:r>
                         <a:rPr lang="en-HK" b="1">
                           <a:solidFill>
-                            <a:schemeClr val="tx1"/>
+                            <a:schemeClr val="bg1"/>
                           </a:solidFill>
                           <a:effectLst/>
                         </a:rPr>
@@ -12407,7 +15421,11 @@
                       </a:r>
                     </a:p>
                   </a:txBody>
-                  <a:tcPr anchor="ctr"/>
+                  <a:tcPr anchor="ctr">
+                    <a:solidFill>
+                      <a:srgbClr val="F04185"/>
+                    </a:solidFill>
+                  </a:tcPr>
                 </a:tc>
                 <a:tc>
                   <a:txBody>
@@ -12418,7 +15436,7 @@
                       <a:r>
                         <a:rPr lang="en-HK" b="1">
                           <a:solidFill>
-                            <a:schemeClr val="tx1"/>
+                            <a:schemeClr val="bg1"/>
                           </a:solidFill>
                           <a:effectLst/>
                         </a:rPr>
@@ -12426,7 +15444,11 @@
                       </a:r>
                     </a:p>
                   </a:txBody>
-                  <a:tcPr anchor="ctr"/>
+                  <a:tcPr anchor="ctr">
+                    <a:solidFill>
+                      <a:srgbClr val="F04185"/>
+                    </a:solidFill>
+                  </a:tcPr>
                 </a:tc>
                 <a:tc>
                   <a:txBody>
@@ -12437,7 +15459,7 @@
                       <a:r>
                         <a:rPr lang="en-HK" b="1" dirty="0">
                           <a:solidFill>
-                            <a:schemeClr val="tx1"/>
+                            <a:schemeClr val="bg1"/>
                           </a:solidFill>
                           <a:effectLst/>
                         </a:rPr>
@@ -12445,7 +15467,11 @@
                       </a:r>
                     </a:p>
                   </a:txBody>
-                  <a:tcPr anchor="ctr"/>
+                  <a:tcPr anchor="ctr">
+                    <a:solidFill>
+                      <a:srgbClr val="F04185"/>
+                    </a:solidFill>
+                  </a:tcPr>
                 </a:tc>
                 <a:extLst>
                   <a:ext uri="{0D108BD9-81ED-4DB2-BD59-A6C34878D82A}">
@@ -12463,7 +15489,9 @@
                       <a:r>
                         <a:rPr lang="en-HK" b="1" dirty="0">
                           <a:solidFill>
-                            <a:schemeClr val="tx1"/>
+                            <a:schemeClr val="bg1">
+                              <a:lumMod val="95000"/>
+                            </a:schemeClr>
                           </a:solidFill>
                           <a:effectLst/>
                         </a:rPr>
@@ -12473,10 +15501,7 @@
                   </a:txBody>
                   <a:tcPr anchor="ctr">
                     <a:solidFill>
-                      <a:schemeClr val="accent4">
-                        <a:lumMod val="40000"/>
-                        <a:lumOff val="60000"/>
-                      </a:schemeClr>
+                      <a:srgbClr val="4465FF"/>
                     </a:solidFill>
                   </a:tcPr>
                 </a:tc>
@@ -12489,7 +15514,9 @@
                       <a:r>
                         <a:rPr lang="en-HK" b="1">
                           <a:solidFill>
-                            <a:schemeClr val="tx1"/>
+                            <a:schemeClr val="bg1">
+                              <a:lumMod val="95000"/>
+                            </a:schemeClr>
                           </a:solidFill>
                           <a:effectLst/>
                         </a:rPr>
@@ -12499,10 +15526,7 @@
                   </a:txBody>
                   <a:tcPr anchor="ctr">
                     <a:solidFill>
-                      <a:schemeClr val="accent4">
-                        <a:lumMod val="40000"/>
-                        <a:lumOff val="60000"/>
-                      </a:schemeClr>
+                      <a:srgbClr val="4465FF"/>
                     </a:solidFill>
                   </a:tcPr>
                 </a:tc>
@@ -12515,7 +15539,9 @@
                       <a:r>
                         <a:rPr lang="en-HK" b="1">
                           <a:solidFill>
-                            <a:schemeClr val="tx1"/>
+                            <a:schemeClr val="bg1">
+                              <a:lumMod val="95000"/>
+                            </a:schemeClr>
                           </a:solidFill>
                           <a:effectLst/>
                         </a:rPr>
@@ -12525,10 +15551,7 @@
                   </a:txBody>
                   <a:tcPr anchor="ctr">
                     <a:solidFill>
-                      <a:schemeClr val="accent4">
-                        <a:lumMod val="40000"/>
-                        <a:lumOff val="60000"/>
-                      </a:schemeClr>
+                      <a:srgbClr val="4465FF"/>
                     </a:solidFill>
                   </a:tcPr>
                 </a:tc>
@@ -12541,7 +15564,9 @@
                       <a:r>
                         <a:rPr lang="en-HK" b="1" dirty="0">
                           <a:solidFill>
-                            <a:schemeClr val="tx1"/>
+                            <a:schemeClr val="bg1">
+                              <a:lumMod val="95000"/>
+                            </a:schemeClr>
                           </a:solidFill>
                           <a:effectLst/>
                         </a:rPr>
@@ -12551,10 +15576,7 @@
                   </a:txBody>
                   <a:tcPr anchor="ctr">
                     <a:solidFill>
-                      <a:schemeClr val="accent4">
-                        <a:lumMod val="40000"/>
-                        <a:lumOff val="60000"/>
-                      </a:schemeClr>
+                      <a:srgbClr val="4465FF"/>
                     </a:solidFill>
                   </a:tcPr>
                 </a:tc>
